--- a/20230711/unit03.pptx
+++ b/20230711/unit03.pptx
@@ -5,7 +5,7 @@
     <p:sldMasterId id="2147483660" r:id="rId1"/>
   </p:sldMasterIdLst>
   <p:notesMasterIdLst>
-    <p:notesMasterId r:id="rId53"/>
+    <p:notesMasterId r:id="rId57"/>
   </p:notesMasterIdLst>
   <p:sldIdLst>
     <p:sldId id="256" r:id="rId2"/>
@@ -34,31 +34,35 @@
     <p:sldId id="322" r:id="rId25"/>
     <p:sldId id="284" r:id="rId26"/>
     <p:sldId id="285" r:id="rId27"/>
-    <p:sldId id="287" r:id="rId28"/>
-    <p:sldId id="298" r:id="rId29"/>
-    <p:sldId id="297" r:id="rId30"/>
-    <p:sldId id="312" r:id="rId31"/>
-    <p:sldId id="280" r:id="rId32"/>
-    <p:sldId id="316" r:id="rId33"/>
-    <p:sldId id="281" r:id="rId34"/>
-    <p:sldId id="282" r:id="rId35"/>
-    <p:sldId id="286" r:id="rId36"/>
-    <p:sldId id="283" r:id="rId37"/>
-    <p:sldId id="270" r:id="rId38"/>
-    <p:sldId id="299" r:id="rId39"/>
-    <p:sldId id="290" r:id="rId40"/>
-    <p:sldId id="291" r:id="rId41"/>
-    <p:sldId id="292" r:id="rId42"/>
-    <p:sldId id="300" r:id="rId43"/>
-    <p:sldId id="277" r:id="rId44"/>
-    <p:sldId id="321" r:id="rId45"/>
-    <p:sldId id="301" r:id="rId46"/>
-    <p:sldId id="271" r:id="rId47"/>
-    <p:sldId id="318" r:id="rId48"/>
-    <p:sldId id="319" r:id="rId49"/>
-    <p:sldId id="320" r:id="rId50"/>
-    <p:sldId id="317" r:id="rId51"/>
-    <p:sldId id="302" r:id="rId52"/>
+    <p:sldId id="325" r:id="rId28"/>
+    <p:sldId id="287" r:id="rId29"/>
+    <p:sldId id="298" r:id="rId30"/>
+    <p:sldId id="297" r:id="rId31"/>
+    <p:sldId id="312" r:id="rId32"/>
+    <p:sldId id="280" r:id="rId33"/>
+    <p:sldId id="324" r:id="rId34"/>
+    <p:sldId id="323" r:id="rId35"/>
+    <p:sldId id="281" r:id="rId36"/>
+    <p:sldId id="282" r:id="rId37"/>
+    <p:sldId id="326" r:id="rId38"/>
+    <p:sldId id="286" r:id="rId39"/>
+    <p:sldId id="328" r:id="rId40"/>
+    <p:sldId id="283" r:id="rId41"/>
+    <p:sldId id="270" r:id="rId42"/>
+    <p:sldId id="299" r:id="rId43"/>
+    <p:sldId id="290" r:id="rId44"/>
+    <p:sldId id="291" r:id="rId45"/>
+    <p:sldId id="292" r:id="rId46"/>
+    <p:sldId id="300" r:id="rId47"/>
+    <p:sldId id="277" r:id="rId48"/>
+    <p:sldId id="321" r:id="rId49"/>
+    <p:sldId id="301" r:id="rId50"/>
+    <p:sldId id="271" r:id="rId51"/>
+    <p:sldId id="318" r:id="rId52"/>
+    <p:sldId id="319" r:id="rId53"/>
+    <p:sldId id="320" r:id="rId54"/>
+    <p:sldId id="317" r:id="rId55"/>
+    <p:sldId id="302" r:id="rId56"/>
   </p:sldIdLst>
   <p:sldSz cx="12192000" cy="6858000"/>
   <p:notesSz cx="6858000" cy="9144000"/>
@@ -12171,7 +12175,7 @@
           <a:p>
             <a:fld id="{B1503036-71A9-49E6-A991-2B9D9A04AB4D}" type="datetimeFigureOut">
               <a:rPr kumimoji="1" lang="ja-JP" altLang="en-US" smtClean="0"/>
-              <a:t>2023/7/9</a:t>
+              <a:t>2023/7/10</a:t>
             </a:fld>
             <a:endParaRPr kumimoji="1" lang="ja-JP" altLang="en-US"/>
           </a:p>
@@ -12535,7 +12539,7 @@
           <a:p>
             <a:fld id="{43F68343-00CB-4803-AE7A-729E228B2D38}" type="slidenum">
               <a:rPr kumimoji="1" lang="ja-JP" altLang="en-US" smtClean="0"/>
-              <a:t>32</a:t>
+              <a:t>33</a:t>
             </a:fld>
             <a:endParaRPr kumimoji="1" lang="ja-JP" altLang="en-US"/>
           </a:p>
@@ -12544,7 +12548,91 @@
     </p:spTree>
     <p:extLst>
       <p:ext uri="{BB962C8B-B14F-4D97-AF65-F5344CB8AC3E}">
-        <p14:creationId xmlns:p14="http://schemas.microsoft.com/office/powerpoint/2010/main" val="1709540461"/>
+        <p14:creationId xmlns:p14="http://schemas.microsoft.com/office/powerpoint/2010/main" val="4237024924"/>
+      </p:ext>
+    </p:extLst>
+  </p:cSld>
+  <p:clrMapOvr>
+    <a:masterClrMapping/>
+  </p:clrMapOvr>
+</p:notes>
+</file>
+
+<file path=ppt/notesSlides/notesSlide2.xml><?xml version="1.0" encoding="utf-8"?>
+<p:notes xmlns:a="http://schemas.openxmlformats.org/drawingml/2006/main" xmlns:r="http://schemas.openxmlformats.org/officeDocument/2006/relationships" xmlns:p="http://schemas.openxmlformats.org/presentationml/2006/main">
+  <p:cSld>
+    <p:spTree>
+      <p:nvGrpSpPr>
+        <p:cNvPr id="1" name=""/>
+        <p:cNvGrpSpPr/>
+        <p:nvPr/>
+      </p:nvGrpSpPr>
+      <p:grpSpPr>
+        <a:xfrm>
+          <a:off x="0" y="0"/>
+          <a:ext cx="0" cy="0"/>
+          <a:chOff x="0" y="0"/>
+          <a:chExt cx="0" cy="0"/>
+        </a:xfrm>
+      </p:grpSpPr>
+      <p:sp>
+        <p:nvSpPr>
+          <p:cNvPr id="2" name="スライド イメージ プレースホルダー 1"/>
+          <p:cNvSpPr>
+            <a:spLocks noGrp="1" noRot="1" noChangeAspect="1"/>
+          </p:cNvSpPr>
+          <p:nvPr>
+            <p:ph type="sldImg"/>
+          </p:nvPr>
+        </p:nvSpPr>
+        <p:spPr/>
+      </p:sp>
+      <p:sp>
+        <p:nvSpPr>
+          <p:cNvPr id="3" name="ノート プレースホルダー 2"/>
+          <p:cNvSpPr>
+            <a:spLocks noGrp="1"/>
+          </p:cNvSpPr>
+          <p:nvPr>
+            <p:ph type="body" idx="1"/>
+          </p:nvPr>
+        </p:nvSpPr>
+        <p:spPr/>
+        <p:txBody>
+          <a:bodyPr/>
+          <a:lstStyle/>
+          <a:p>
+            <a:endParaRPr kumimoji="1" lang="ja-JP" altLang="en-US" dirty="0"/>
+          </a:p>
+        </p:txBody>
+      </p:sp>
+      <p:sp>
+        <p:nvSpPr>
+          <p:cNvPr id="4" name="スライド番号プレースホルダー 3"/>
+          <p:cNvSpPr>
+            <a:spLocks noGrp="1"/>
+          </p:cNvSpPr>
+          <p:nvPr>
+            <p:ph type="sldNum" sz="quarter" idx="5"/>
+          </p:nvPr>
+        </p:nvSpPr>
+        <p:spPr/>
+        <p:txBody>
+          <a:bodyPr/>
+          <a:lstStyle/>
+          <a:p>
+            <a:fld id="{43F68343-00CB-4803-AE7A-729E228B2D38}" type="slidenum">
+              <a:rPr kumimoji="1" lang="ja-JP" altLang="en-US" smtClean="0"/>
+              <a:t>34</a:t>
+            </a:fld>
+            <a:endParaRPr kumimoji="1" lang="ja-JP" altLang="en-US"/>
+          </a:p>
+        </p:txBody>
+      </p:sp>
+    </p:spTree>
+    <p:extLst>
+      <p:ext uri="{BB962C8B-B14F-4D97-AF65-F5344CB8AC3E}">
+        <p14:creationId xmlns:p14="http://schemas.microsoft.com/office/powerpoint/2010/main" val="2614348579"/>
       </p:ext>
     </p:extLst>
   </p:cSld>
@@ -12778,9 +12866,9 @@
           <a:bodyPr/>
           <a:lstStyle/>
           <a:p>
-            <a:fld id="{6FBDA24E-E1DF-46ED-9FC3-681354A93801}" type="datetimeFigureOut">
+            <a:fld id="{48EB90CE-33C7-432A-9AE3-C723ECAEE8A5}" type="datetime1">
               <a:rPr kumimoji="1" lang="ja-JP" altLang="en-US" smtClean="0"/>
-              <a:t>2023/7/9</a:t>
+              <a:t>2023/7/10</a:t>
             </a:fld>
             <a:endParaRPr kumimoji="1" lang="ja-JP" altLang="en-US"/>
           </a:p>
@@ -13018,9 +13106,9 @@
           <a:bodyPr/>
           <a:lstStyle/>
           <a:p>
-            <a:fld id="{6FBDA24E-E1DF-46ED-9FC3-681354A93801}" type="datetimeFigureOut">
+            <a:fld id="{B1CC6BCD-A7F6-4208-B5D0-3130519EC214}" type="datetime1">
               <a:rPr kumimoji="1" lang="ja-JP" altLang="en-US" smtClean="0"/>
-              <a:t>2023/7/9</a:t>
+              <a:t>2023/7/10</a:t>
             </a:fld>
             <a:endParaRPr kumimoji="1" lang="ja-JP" altLang="en-US"/>
           </a:p>
@@ -13306,9 +13394,9 @@
           <a:bodyPr/>
           <a:lstStyle/>
           <a:p>
-            <a:fld id="{6FBDA24E-E1DF-46ED-9FC3-681354A93801}" type="datetimeFigureOut">
+            <a:fld id="{C6CA11FA-168F-41DB-9AC1-5C86D02784F0}" type="datetime1">
               <a:rPr kumimoji="1" lang="ja-JP" altLang="en-US" smtClean="0"/>
-              <a:t>2023/7/9</a:t>
+              <a:t>2023/7/10</a:t>
             </a:fld>
             <a:endParaRPr kumimoji="1" lang="ja-JP" altLang="en-US"/>
           </a:p>
@@ -13562,9 +13650,9 @@
           <a:bodyPr/>
           <a:lstStyle/>
           <a:p>
-            <a:fld id="{6FBDA24E-E1DF-46ED-9FC3-681354A93801}" type="datetimeFigureOut">
+            <a:fld id="{B2201877-ACB2-4840-9F0A-FDA6854F706E}" type="datetime1">
               <a:rPr kumimoji="1" lang="ja-JP" altLang="en-US" smtClean="0"/>
-              <a:t>2023/7/9</a:t>
+              <a:t>2023/7/10</a:t>
             </a:fld>
             <a:endParaRPr kumimoji="1" lang="ja-JP" altLang="en-US"/>
           </a:p>
@@ -13599,16 +13687,30 @@
             <p:ph type="sldNum" sz="quarter" idx="12"/>
           </p:nvPr>
         </p:nvSpPr>
-        <p:spPr/>
+        <p:spPr>
+          <a:xfrm>
+            <a:off x="10595783" y="286603"/>
+            <a:ext cx="1312025" cy="365125"/>
+          </a:xfrm>
+        </p:spPr>
         <p:txBody>
           <a:bodyPr/>
-          <a:lstStyle/>
+          <a:lstStyle>
+            <a:lvl1pPr>
+              <a:defRPr sz="3200">
+                <a:solidFill>
+                  <a:schemeClr val="tx1"/>
+                </a:solidFill>
+              </a:defRPr>
+            </a:lvl1pPr>
+          </a:lstStyle>
           <a:p>
             <a:fld id="{EBB17469-0394-43CE-8997-40175C06C0DE}" type="slidenum">
               <a:rPr kumimoji="1" lang="ja-JP" altLang="en-US" smtClean="0"/>
+              <a:pPr/>
               <a:t>‹#›</a:t>
             </a:fld>
-            <a:endParaRPr kumimoji="1" lang="ja-JP" altLang="en-US"/>
+            <a:endParaRPr kumimoji="1" lang="ja-JP" altLang="en-US" dirty="0"/>
           </a:p>
         </p:txBody>
       </p:sp>
@@ -13905,9 +14007,9 @@
           <a:bodyPr/>
           <a:lstStyle/>
           <a:p>
-            <a:fld id="{6FBDA24E-E1DF-46ED-9FC3-681354A93801}" type="datetimeFigureOut">
+            <a:fld id="{E5CDF0B6-3B1B-4B56-8585-C281A87BA181}" type="datetime1">
               <a:rPr kumimoji="1" lang="ja-JP" altLang="en-US" smtClean="0"/>
-              <a:t>2023/7/9</a:t>
+              <a:t>2023/7/10</a:t>
             </a:fld>
             <a:endParaRPr kumimoji="1" lang="ja-JP" altLang="en-US"/>
           </a:p>
@@ -14244,9 +14346,9 @@
           <a:bodyPr/>
           <a:lstStyle/>
           <a:p>
-            <a:fld id="{6FBDA24E-E1DF-46ED-9FC3-681354A93801}" type="datetimeFigureOut">
+            <a:fld id="{506627E3-498E-492E-BD43-FB52D60B40F6}" type="datetime1">
               <a:rPr kumimoji="1" lang="ja-JP" altLang="en-US" smtClean="0"/>
-              <a:t>2023/7/9</a:t>
+              <a:t>2023/7/10</a:t>
             </a:fld>
             <a:endParaRPr kumimoji="1" lang="ja-JP" altLang="en-US"/>
           </a:p>
@@ -14687,9 +14789,9 @@
           <a:bodyPr/>
           <a:lstStyle/>
           <a:p>
-            <a:fld id="{6FBDA24E-E1DF-46ED-9FC3-681354A93801}" type="datetimeFigureOut">
+            <a:fld id="{9B39372A-E7CC-49CC-82CC-0A1F41B3AA24}" type="datetime1">
               <a:rPr kumimoji="1" lang="ja-JP" altLang="en-US" smtClean="0"/>
-              <a:t>2023/7/9</a:t>
+              <a:t>2023/7/10</a:t>
             </a:fld>
             <a:endParaRPr kumimoji="1" lang="ja-JP" altLang="en-US"/>
           </a:p>
@@ -14805,9 +14907,9 @@
           <a:bodyPr/>
           <a:lstStyle/>
           <a:p>
-            <a:fld id="{6FBDA24E-E1DF-46ED-9FC3-681354A93801}" type="datetimeFigureOut">
+            <a:fld id="{5809860F-159B-452D-B61E-F299928EA916}" type="datetime1">
               <a:rPr kumimoji="1" lang="ja-JP" altLang="en-US" smtClean="0"/>
-              <a:t>2023/7/9</a:t>
+              <a:t>2023/7/10</a:t>
             </a:fld>
             <a:endParaRPr kumimoji="1" lang="ja-JP" altLang="en-US"/>
           </a:p>
@@ -14976,9 +15078,9 @@
           <a:bodyPr/>
           <a:lstStyle/>
           <a:p>
-            <a:fld id="{6FBDA24E-E1DF-46ED-9FC3-681354A93801}" type="datetimeFigureOut">
+            <a:fld id="{705FA555-6CBB-4F28-B133-137444A902D7}" type="datetime1">
               <a:rPr kumimoji="1" lang="ja-JP" altLang="en-US" smtClean="0"/>
-              <a:t>2023/7/9</a:t>
+              <a:t>2023/7/10</a:t>
             </a:fld>
             <a:endParaRPr kumimoji="1" lang="ja-JP" altLang="en-US"/>
           </a:p>
@@ -15362,9 +15464,9 @@
             </a:lvl1pPr>
           </a:lstStyle>
           <a:p>
-            <a:fld id="{6FBDA24E-E1DF-46ED-9FC3-681354A93801}" type="datetimeFigureOut">
+            <a:fld id="{57F5DA4E-7921-4655-9C0D-3A09FF9421F0}" type="datetime1">
               <a:rPr kumimoji="1" lang="ja-JP" altLang="en-US" smtClean="0"/>
-              <a:t>2023/7/9</a:t>
+              <a:t>2023/7/10</a:t>
             </a:fld>
             <a:endParaRPr kumimoji="1" lang="ja-JP" altLang="en-US"/>
           </a:p>
@@ -15744,9 +15846,9 @@
           <a:bodyPr/>
           <a:lstStyle/>
           <a:p>
-            <a:fld id="{6FBDA24E-E1DF-46ED-9FC3-681354A93801}" type="datetimeFigureOut">
+            <a:fld id="{E5FC81E8-216E-46B6-9D3D-5D00932E4A28}" type="datetime1">
               <a:rPr kumimoji="1" lang="ja-JP" altLang="en-US" smtClean="0"/>
-              <a:t>2023/7/9</a:t>
+              <a:t>2023/7/10</a:t>
             </a:fld>
             <a:endParaRPr kumimoji="1" lang="ja-JP" altLang="en-US"/>
           </a:p>
@@ -16063,9 +16165,9 @@
             </a:lvl1pPr>
           </a:lstStyle>
           <a:p>
-            <a:fld id="{6FBDA24E-E1DF-46ED-9FC3-681354A93801}" type="datetimeFigureOut">
+            <a:fld id="{9D18BBF8-3814-45F5-A3DA-2BB18E306FD2}" type="datetime1">
               <a:rPr kumimoji="1" lang="ja-JP" altLang="en-US" smtClean="0"/>
-              <a:t>2023/7/9</a:t>
+              <a:t>2023/7/10</a:t>
             </a:fld>
             <a:endParaRPr kumimoji="1" lang="ja-JP" altLang="en-US"/>
           </a:p>
@@ -16204,6 +16306,7 @@
     <p:sldLayoutId id="2147483670" r:id="rId10"/>
     <p:sldLayoutId id="2147483671" r:id="rId11"/>
   </p:sldLayoutIdLst>
+  <p:hf hdr="0" ftr="0" dt="0"/>
   <p:txStyles>
     <p:titleStyle>
       <a:lvl1pPr algn="l" defTabSz="914400" rtl="0" eaLnBrk="1" latinLnBrk="0" hangingPunct="1">
@@ -16667,6 +16770,35 @@
           </a:p>
         </p:txBody>
       </p:sp>
+      <p:sp>
+        <p:nvSpPr>
+          <p:cNvPr id="4" name="スライド番号プレースホルダー 3">
+            <a:extLst>
+              <a:ext uri="{FF2B5EF4-FFF2-40B4-BE49-F238E27FC236}">
+                <a16:creationId xmlns:a16="http://schemas.microsoft.com/office/drawing/2014/main" id="{4EC1E1AA-EBA5-46B7-CB05-2E475737E815}"/>
+              </a:ext>
+            </a:extLst>
+          </p:cNvPr>
+          <p:cNvSpPr>
+            <a:spLocks noGrp="1"/>
+          </p:cNvSpPr>
+          <p:nvPr>
+            <p:ph type="sldNum" sz="quarter" idx="12"/>
+          </p:nvPr>
+        </p:nvSpPr>
+        <p:spPr/>
+        <p:txBody>
+          <a:bodyPr/>
+          <a:lstStyle/>
+          <a:p>
+            <a:fld id="{EBB17469-0394-43CE-8997-40175C06C0DE}" type="slidenum">
+              <a:rPr kumimoji="1" lang="ja-JP" altLang="en-US" smtClean="0"/>
+              <a:t>1</a:t>
+            </a:fld>
+            <a:endParaRPr kumimoji="1" lang="ja-JP" altLang="en-US"/>
+          </a:p>
+        </p:txBody>
+      </p:sp>
     </p:spTree>
     <p:extLst>
       <p:ext uri="{BB962C8B-B14F-4D97-AF65-F5344CB8AC3E}">
@@ -17087,6 +17219,36 @@
           </a:graphicData>
         </a:graphic>
       </p:graphicFrame>
+      <p:sp>
+        <p:nvSpPr>
+          <p:cNvPr id="3" name="スライド番号プレースホルダー 2">
+            <a:extLst>
+              <a:ext uri="{FF2B5EF4-FFF2-40B4-BE49-F238E27FC236}">
+                <a16:creationId xmlns:a16="http://schemas.microsoft.com/office/drawing/2014/main" id="{154BD948-5D41-38F9-6A6A-56920000B617}"/>
+              </a:ext>
+            </a:extLst>
+          </p:cNvPr>
+          <p:cNvSpPr>
+            <a:spLocks noGrp="1"/>
+          </p:cNvSpPr>
+          <p:nvPr>
+            <p:ph type="sldNum" sz="quarter" idx="12"/>
+          </p:nvPr>
+        </p:nvSpPr>
+        <p:spPr/>
+        <p:txBody>
+          <a:bodyPr/>
+          <a:lstStyle/>
+          <a:p>
+            <a:fld id="{EBB17469-0394-43CE-8997-40175C06C0DE}" type="slidenum">
+              <a:rPr kumimoji="1" lang="ja-JP" altLang="en-US" smtClean="0"/>
+              <a:pPr/>
+              <a:t>10</a:t>
+            </a:fld>
+            <a:endParaRPr kumimoji="1" lang="ja-JP" altLang="en-US" dirty="0"/>
+          </a:p>
+        </p:txBody>
+      </p:sp>
     </p:spTree>
     <p:extLst>
       <p:ext uri="{BB962C8B-B14F-4D97-AF65-F5344CB8AC3E}">
@@ -17415,7 +17577,7 @@
                 <a:spcPct val="110000"/>
               </a:lnSpc>
             </a:pPr>
-            <a:endParaRPr lang="en-US" altLang="ja-JP" b="0" dirty="0">
+            <a:endParaRPr lang="en-US" altLang="ja-JP" sz="800" b="0" dirty="0">
               <a:solidFill>
                 <a:schemeClr val="tx1"/>
               </a:solidFill>
@@ -17667,6 +17829,36 @@
               <a:effectLst/>
               <a:latin typeface="Consolas" panose="020B0609020204030204" pitchFamily="49" charset="0"/>
             </a:endParaRPr>
+          </a:p>
+        </p:txBody>
+      </p:sp>
+      <p:sp>
+        <p:nvSpPr>
+          <p:cNvPr id="4" name="スライド番号プレースホルダー 3">
+            <a:extLst>
+              <a:ext uri="{FF2B5EF4-FFF2-40B4-BE49-F238E27FC236}">
+                <a16:creationId xmlns:a16="http://schemas.microsoft.com/office/drawing/2014/main" id="{C96D2E20-6C5E-1A65-FE1C-42AE3BD301CF}"/>
+              </a:ext>
+            </a:extLst>
+          </p:cNvPr>
+          <p:cNvSpPr>
+            <a:spLocks noGrp="1"/>
+          </p:cNvSpPr>
+          <p:nvPr>
+            <p:ph type="sldNum" sz="quarter" idx="12"/>
+          </p:nvPr>
+        </p:nvSpPr>
+        <p:spPr/>
+        <p:txBody>
+          <a:bodyPr/>
+          <a:lstStyle/>
+          <a:p>
+            <a:fld id="{EBB17469-0394-43CE-8997-40175C06C0DE}" type="slidenum">
+              <a:rPr kumimoji="1" lang="ja-JP" altLang="en-US" smtClean="0"/>
+              <a:pPr/>
+              <a:t>11</a:t>
+            </a:fld>
+            <a:endParaRPr kumimoji="1" lang="ja-JP" altLang="en-US" dirty="0"/>
           </a:p>
         </p:txBody>
       </p:sp>
@@ -17841,6 +18033,36 @@
           </a:p>
         </p:txBody>
       </p:sp>
+      <p:sp>
+        <p:nvSpPr>
+          <p:cNvPr id="4" name="スライド番号プレースホルダー 3">
+            <a:extLst>
+              <a:ext uri="{FF2B5EF4-FFF2-40B4-BE49-F238E27FC236}">
+                <a16:creationId xmlns:a16="http://schemas.microsoft.com/office/drawing/2014/main" id="{2595D85D-0759-C11D-52A0-8AE2531A36FF}"/>
+              </a:ext>
+            </a:extLst>
+          </p:cNvPr>
+          <p:cNvSpPr>
+            <a:spLocks noGrp="1"/>
+          </p:cNvSpPr>
+          <p:nvPr>
+            <p:ph type="sldNum" sz="quarter" idx="12"/>
+          </p:nvPr>
+        </p:nvSpPr>
+        <p:spPr/>
+        <p:txBody>
+          <a:bodyPr/>
+          <a:lstStyle/>
+          <a:p>
+            <a:fld id="{EBB17469-0394-43CE-8997-40175C06C0DE}" type="slidenum">
+              <a:rPr kumimoji="1" lang="ja-JP" altLang="en-US" smtClean="0"/>
+              <a:pPr/>
+              <a:t>12</a:t>
+            </a:fld>
+            <a:endParaRPr kumimoji="1" lang="ja-JP" altLang="en-US" dirty="0"/>
+          </a:p>
+        </p:txBody>
+      </p:sp>
     </p:spTree>
     <p:extLst>
       <p:ext uri="{BB962C8B-B14F-4D97-AF65-F5344CB8AC3E}">
@@ -17944,6 +18166,36 @@
             </a:r>
           </a:p>
           <a:p>
+            <a:endParaRPr kumimoji="1" lang="ja-JP" altLang="en-US" dirty="0"/>
+          </a:p>
+        </p:txBody>
+      </p:sp>
+      <p:sp>
+        <p:nvSpPr>
+          <p:cNvPr id="4" name="スライド番号プレースホルダー 3">
+            <a:extLst>
+              <a:ext uri="{FF2B5EF4-FFF2-40B4-BE49-F238E27FC236}">
+                <a16:creationId xmlns:a16="http://schemas.microsoft.com/office/drawing/2014/main" id="{F5CC5240-04B7-77A1-5504-D2835BE663ED}"/>
+              </a:ext>
+            </a:extLst>
+          </p:cNvPr>
+          <p:cNvSpPr>
+            <a:spLocks noGrp="1"/>
+          </p:cNvSpPr>
+          <p:nvPr>
+            <p:ph type="sldNum" sz="quarter" idx="12"/>
+          </p:nvPr>
+        </p:nvSpPr>
+        <p:spPr/>
+        <p:txBody>
+          <a:bodyPr/>
+          <a:lstStyle/>
+          <a:p>
+            <a:fld id="{EBB17469-0394-43CE-8997-40175C06C0DE}" type="slidenum">
+              <a:rPr kumimoji="1" lang="ja-JP" altLang="en-US" smtClean="0"/>
+              <a:pPr/>
+              <a:t>13</a:t>
+            </a:fld>
             <a:endParaRPr kumimoji="1" lang="ja-JP" altLang="en-US" dirty="0"/>
           </a:p>
         </p:txBody>
@@ -18093,6 +18345,36 @@
           </a:p>
         </p:txBody>
       </p:sp>
+      <p:sp>
+        <p:nvSpPr>
+          <p:cNvPr id="4" name="スライド番号プレースホルダー 3">
+            <a:extLst>
+              <a:ext uri="{FF2B5EF4-FFF2-40B4-BE49-F238E27FC236}">
+                <a16:creationId xmlns:a16="http://schemas.microsoft.com/office/drawing/2014/main" id="{EA2E296B-AF2F-EC09-C268-2411ED4D9E77}"/>
+              </a:ext>
+            </a:extLst>
+          </p:cNvPr>
+          <p:cNvSpPr>
+            <a:spLocks noGrp="1"/>
+          </p:cNvSpPr>
+          <p:nvPr>
+            <p:ph type="sldNum" sz="quarter" idx="12"/>
+          </p:nvPr>
+        </p:nvSpPr>
+        <p:spPr/>
+        <p:txBody>
+          <a:bodyPr/>
+          <a:lstStyle/>
+          <a:p>
+            <a:fld id="{EBB17469-0394-43CE-8997-40175C06C0DE}" type="slidenum">
+              <a:rPr kumimoji="1" lang="ja-JP" altLang="en-US" smtClean="0"/>
+              <a:pPr/>
+              <a:t>14</a:t>
+            </a:fld>
+            <a:endParaRPr kumimoji="1" lang="ja-JP" altLang="en-US" dirty="0"/>
+          </a:p>
+        </p:txBody>
+      </p:sp>
     </p:spTree>
     <p:extLst>
       <p:ext uri="{BB962C8B-B14F-4D97-AF65-F5344CB8AC3E}">
@@ -18200,6 +18482,36 @@
               <a:rPr kumimoji="1" lang="ja-JP" altLang="en-US" dirty="0"/>
               <a:t>型 の値が用いられる</a:t>
             </a:r>
+          </a:p>
+        </p:txBody>
+      </p:sp>
+      <p:sp>
+        <p:nvSpPr>
+          <p:cNvPr id="4" name="スライド番号プレースホルダー 3">
+            <a:extLst>
+              <a:ext uri="{FF2B5EF4-FFF2-40B4-BE49-F238E27FC236}">
+                <a16:creationId xmlns:a16="http://schemas.microsoft.com/office/drawing/2014/main" id="{07494E74-B695-18E1-508C-E26707A60B50}"/>
+              </a:ext>
+            </a:extLst>
+          </p:cNvPr>
+          <p:cNvSpPr>
+            <a:spLocks noGrp="1"/>
+          </p:cNvSpPr>
+          <p:nvPr>
+            <p:ph type="sldNum" sz="quarter" idx="12"/>
+          </p:nvPr>
+        </p:nvSpPr>
+        <p:spPr/>
+        <p:txBody>
+          <a:bodyPr/>
+          <a:lstStyle/>
+          <a:p>
+            <a:fld id="{EBB17469-0394-43CE-8997-40175C06C0DE}" type="slidenum">
+              <a:rPr kumimoji="1" lang="ja-JP" altLang="en-US" smtClean="0"/>
+              <a:pPr/>
+              <a:t>15</a:t>
+            </a:fld>
+            <a:endParaRPr kumimoji="1" lang="ja-JP" altLang="en-US" dirty="0"/>
           </a:p>
         </p:txBody>
       </p:sp>
@@ -18607,6 +18919,36 @@
           </a:p>
         </p:txBody>
       </p:sp>
+      <p:sp>
+        <p:nvSpPr>
+          <p:cNvPr id="4" name="スライド番号プレースホルダー 3">
+            <a:extLst>
+              <a:ext uri="{FF2B5EF4-FFF2-40B4-BE49-F238E27FC236}">
+                <a16:creationId xmlns:a16="http://schemas.microsoft.com/office/drawing/2014/main" id="{80034E10-CF45-37E6-315C-CC42D0DE515D}"/>
+              </a:ext>
+            </a:extLst>
+          </p:cNvPr>
+          <p:cNvSpPr>
+            <a:spLocks noGrp="1"/>
+          </p:cNvSpPr>
+          <p:nvPr>
+            <p:ph type="sldNum" sz="quarter" idx="12"/>
+          </p:nvPr>
+        </p:nvSpPr>
+        <p:spPr/>
+        <p:txBody>
+          <a:bodyPr/>
+          <a:lstStyle/>
+          <a:p>
+            <a:fld id="{EBB17469-0394-43CE-8997-40175C06C0DE}" type="slidenum">
+              <a:rPr kumimoji="1" lang="ja-JP" altLang="en-US" smtClean="0"/>
+              <a:pPr/>
+              <a:t>16</a:t>
+            </a:fld>
+            <a:endParaRPr kumimoji="1" lang="ja-JP" altLang="en-US" dirty="0"/>
+          </a:p>
+        </p:txBody>
+      </p:sp>
     </p:spTree>
     <p:extLst>
       <p:ext uri="{BB962C8B-B14F-4D97-AF65-F5344CB8AC3E}">
@@ -18772,6 +19114,36 @@
               <a:effectLst/>
               <a:latin typeface="Consolas" panose="020B0609020204030204" pitchFamily="49" charset="0"/>
             </a:endParaRPr>
+          </a:p>
+        </p:txBody>
+      </p:sp>
+      <p:sp>
+        <p:nvSpPr>
+          <p:cNvPr id="4" name="スライド番号プレースホルダー 3">
+            <a:extLst>
+              <a:ext uri="{FF2B5EF4-FFF2-40B4-BE49-F238E27FC236}">
+                <a16:creationId xmlns:a16="http://schemas.microsoft.com/office/drawing/2014/main" id="{73100DE6-EFDC-7D92-1954-5FA2C05445EB}"/>
+              </a:ext>
+            </a:extLst>
+          </p:cNvPr>
+          <p:cNvSpPr>
+            <a:spLocks noGrp="1"/>
+          </p:cNvSpPr>
+          <p:nvPr>
+            <p:ph type="sldNum" sz="quarter" idx="12"/>
+          </p:nvPr>
+        </p:nvSpPr>
+        <p:spPr/>
+        <p:txBody>
+          <a:bodyPr/>
+          <a:lstStyle/>
+          <a:p>
+            <a:fld id="{EBB17469-0394-43CE-8997-40175C06C0DE}" type="slidenum">
+              <a:rPr kumimoji="1" lang="ja-JP" altLang="en-US" smtClean="0"/>
+              <a:pPr/>
+              <a:t>17</a:t>
+            </a:fld>
+            <a:endParaRPr kumimoji="1" lang="ja-JP" altLang="en-US" dirty="0"/>
           </a:p>
         </p:txBody>
       </p:sp>
@@ -18850,14 +19222,14 @@
             <p:ph idx="1"/>
             <p:extLst>
               <p:ext uri="{D42A27DB-BD31-4B8C-83A1-F6EECF244321}">
-                <p14:modId xmlns:p14="http://schemas.microsoft.com/office/powerpoint/2010/main" val="3732472322"/>
+                <p14:modId xmlns:p14="http://schemas.microsoft.com/office/powerpoint/2010/main" val="1948053546"/>
               </p:ext>
             </p:extLst>
           </p:nvPr>
         </p:nvGraphicFramePr>
         <p:xfrm>
           <a:off x="1096962" y="1739582"/>
-          <a:ext cx="10275888" cy="4622202"/>
+          <a:ext cx="10275888" cy="4414898"/>
         </p:xfrm>
         <a:graphic>
           <a:graphicData uri="http://schemas.openxmlformats.org/drawingml/2006/table">
@@ -18866,21 +19238,21 @@
                 <a:tableStyleId>{5C22544A-7EE6-4342-B048-85BDC9FD1C3A}</a:tableStyleId>
               </a:tblPr>
               <a:tblGrid>
-                <a:gridCol w="2568972">
+                <a:gridCol w="2332038">
                   <a:extLst>
                     <a:ext uri="{9D8B030D-6E8A-4147-A177-3AD203B41FA5}">
                       <a16:colId xmlns:a16="http://schemas.microsoft.com/office/drawing/2014/main" val="2922307192"/>
                     </a:ext>
                   </a:extLst>
                 </a:gridCol>
-                <a:gridCol w="2568972">
+                <a:gridCol w="1857375">
                   <a:extLst>
                     <a:ext uri="{9D8B030D-6E8A-4147-A177-3AD203B41FA5}">
                       <a16:colId xmlns:a16="http://schemas.microsoft.com/office/drawing/2014/main" val="3613182569"/>
                     </a:ext>
                   </a:extLst>
                 </a:gridCol>
-                <a:gridCol w="2568972">
+                <a:gridCol w="3517503">
                   <a:extLst>
                     <a:ext uri="{9D8B030D-6E8A-4147-A177-3AD203B41FA5}">
                       <a16:colId xmlns:a16="http://schemas.microsoft.com/office/drawing/2014/main" val="1183060782"/>
@@ -19592,7 +19964,7 @@
                   </a:ext>
                 </a:extLst>
               </a:tr>
-              <a:tr h="725464">
+              <a:tr h="444440">
                 <a:tc>
                   <a:txBody>
                     <a:bodyPr/>
@@ -19859,7 +20231,30 @@
                           <a:ea typeface="+mn-ea"/>
                           <a:cs typeface="+mn-cs"/>
                         </a:rPr>
-                        <a:t>に存在する</a:t>
+                        <a:t>に</a:t>
+                      </a:r>
+                      <a:br>
+                        <a:rPr kumimoji="1" lang="en-US" altLang="ja-JP" sz="2400" b="0" kern="1200" dirty="0">
+                          <a:solidFill>
+                            <a:schemeClr val="dk1"/>
+                          </a:solidFill>
+                          <a:effectLst/>
+                          <a:latin typeface="+mn-lt"/>
+                          <a:ea typeface="+mn-ea"/>
+                          <a:cs typeface="+mn-cs"/>
+                        </a:rPr>
+                      </a:br>
+                      <a:r>
+                        <a:rPr kumimoji="1" lang="ja-JP" altLang="en-US" sz="2400" b="0" kern="1200" dirty="0">
+                          <a:solidFill>
+                            <a:schemeClr val="dk1"/>
+                          </a:solidFill>
+                          <a:effectLst/>
+                          <a:latin typeface="+mn-lt"/>
+                          <a:ea typeface="+mn-ea"/>
+                          <a:cs typeface="+mn-cs"/>
+                        </a:rPr>
+                        <a:t>存在する</a:t>
                       </a:r>
                       <a:endParaRPr kumimoji="1" lang="ja-JP" altLang="en-US" sz="2400" dirty="0"/>
                     </a:p>
@@ -19938,7 +20333,7 @@
         </p:blipFill>
         <p:spPr>
           <a:xfrm>
-            <a:off x="9340864" y="3375424"/>
+            <a:off x="9328622" y="3308516"/>
             <a:ext cx="1517635" cy="952475"/>
           </a:xfrm>
           <a:prstGeom prst="rect">
@@ -19968,7 +20363,7 @@
         </p:blipFill>
         <p:spPr>
           <a:xfrm>
-            <a:off x="8887358" y="5569256"/>
+            <a:off x="8887357" y="5457744"/>
             <a:ext cx="2400164" cy="588040"/>
           </a:xfrm>
           <a:prstGeom prst="rect">
@@ -19976,6 +20371,36 @@
           </a:prstGeom>
         </p:spPr>
       </p:pic>
+      <p:sp>
+        <p:nvSpPr>
+          <p:cNvPr id="3" name="スライド番号プレースホルダー 2">
+            <a:extLst>
+              <a:ext uri="{FF2B5EF4-FFF2-40B4-BE49-F238E27FC236}">
+                <a16:creationId xmlns:a16="http://schemas.microsoft.com/office/drawing/2014/main" id="{914785BE-3332-07BC-D2A5-1A9CECEDA338}"/>
+              </a:ext>
+            </a:extLst>
+          </p:cNvPr>
+          <p:cNvSpPr>
+            <a:spLocks noGrp="1"/>
+          </p:cNvSpPr>
+          <p:nvPr>
+            <p:ph type="sldNum" sz="quarter" idx="12"/>
+          </p:nvPr>
+        </p:nvSpPr>
+        <p:spPr/>
+        <p:txBody>
+          <a:bodyPr/>
+          <a:lstStyle/>
+          <a:p>
+            <a:fld id="{EBB17469-0394-43CE-8997-40175C06C0DE}" type="slidenum">
+              <a:rPr kumimoji="1" lang="ja-JP" altLang="en-US" smtClean="0"/>
+              <a:pPr/>
+              <a:t>18</a:t>
+            </a:fld>
+            <a:endParaRPr kumimoji="1" lang="ja-JP" altLang="en-US" dirty="0"/>
+          </a:p>
+        </p:txBody>
+      </p:sp>
     </p:spTree>
     <p:extLst>
       <p:ext uri="{BB962C8B-B14F-4D97-AF65-F5344CB8AC3E}">
@@ -20065,6 +20490,36 @@
               <a:rPr lang="ja-JP" altLang="en-US" dirty="0"/>
               <a:t>確認してみよう</a:t>
             </a:r>
+            <a:endParaRPr kumimoji="1" lang="ja-JP" altLang="en-US" dirty="0"/>
+          </a:p>
+        </p:txBody>
+      </p:sp>
+      <p:sp>
+        <p:nvSpPr>
+          <p:cNvPr id="4" name="スライド番号プレースホルダー 3">
+            <a:extLst>
+              <a:ext uri="{FF2B5EF4-FFF2-40B4-BE49-F238E27FC236}">
+                <a16:creationId xmlns:a16="http://schemas.microsoft.com/office/drawing/2014/main" id="{F1E8332F-3E66-06B0-21C7-0AF85265BDE1}"/>
+              </a:ext>
+            </a:extLst>
+          </p:cNvPr>
+          <p:cNvSpPr>
+            <a:spLocks noGrp="1"/>
+          </p:cNvSpPr>
+          <p:nvPr>
+            <p:ph type="sldNum" sz="quarter" idx="12"/>
+          </p:nvPr>
+        </p:nvSpPr>
+        <p:spPr/>
+        <p:txBody>
+          <a:bodyPr/>
+          <a:lstStyle/>
+          <a:p>
+            <a:fld id="{EBB17469-0394-43CE-8997-40175C06C0DE}" type="slidenum">
+              <a:rPr kumimoji="1" lang="ja-JP" altLang="en-US" smtClean="0"/>
+              <a:pPr/>
+              <a:t>19</a:t>
+            </a:fld>
             <a:endParaRPr kumimoji="1" lang="ja-JP" altLang="en-US" dirty="0"/>
           </a:p>
         </p:txBody>
@@ -20206,6 +20661,36 @@
           </a:p>
         </p:txBody>
       </p:sp>
+      <p:sp>
+        <p:nvSpPr>
+          <p:cNvPr id="4" name="スライド番号プレースホルダー 3">
+            <a:extLst>
+              <a:ext uri="{FF2B5EF4-FFF2-40B4-BE49-F238E27FC236}">
+                <a16:creationId xmlns:a16="http://schemas.microsoft.com/office/drawing/2014/main" id="{D28B58E4-F483-3CF0-C137-628A86E83B6C}"/>
+              </a:ext>
+            </a:extLst>
+          </p:cNvPr>
+          <p:cNvSpPr>
+            <a:spLocks noGrp="1"/>
+          </p:cNvSpPr>
+          <p:nvPr>
+            <p:ph type="sldNum" sz="quarter" idx="12"/>
+          </p:nvPr>
+        </p:nvSpPr>
+        <p:spPr/>
+        <p:txBody>
+          <a:bodyPr/>
+          <a:lstStyle/>
+          <a:p>
+            <a:fld id="{EBB17469-0394-43CE-8997-40175C06C0DE}" type="slidenum">
+              <a:rPr kumimoji="1" lang="ja-JP" altLang="en-US" smtClean="0"/>
+              <a:pPr/>
+              <a:t>2</a:t>
+            </a:fld>
+            <a:endParaRPr kumimoji="1" lang="ja-JP" altLang="en-US" dirty="0"/>
+          </a:p>
+        </p:txBody>
+      </p:sp>
     </p:spTree>
     <p:extLst>
       <p:ext uri="{BB962C8B-B14F-4D97-AF65-F5344CB8AC3E}">
@@ -20344,6 +20829,36 @@
               </a:rPr>
               <a:t>条件分岐</a:t>
             </a:r>
+          </a:p>
+        </p:txBody>
+      </p:sp>
+      <p:sp>
+        <p:nvSpPr>
+          <p:cNvPr id="4" name="スライド番号プレースホルダー 3">
+            <a:extLst>
+              <a:ext uri="{FF2B5EF4-FFF2-40B4-BE49-F238E27FC236}">
+                <a16:creationId xmlns:a16="http://schemas.microsoft.com/office/drawing/2014/main" id="{B857B255-E1EF-CDEF-3B5E-9F49B2ED15D4}"/>
+              </a:ext>
+            </a:extLst>
+          </p:cNvPr>
+          <p:cNvSpPr>
+            <a:spLocks noGrp="1"/>
+          </p:cNvSpPr>
+          <p:nvPr>
+            <p:ph type="sldNum" sz="quarter" idx="12"/>
+          </p:nvPr>
+        </p:nvSpPr>
+        <p:spPr/>
+        <p:txBody>
+          <a:bodyPr/>
+          <a:lstStyle/>
+          <a:p>
+            <a:fld id="{EBB17469-0394-43CE-8997-40175C06C0DE}" type="slidenum">
+              <a:rPr kumimoji="1" lang="ja-JP" altLang="en-US" smtClean="0"/>
+              <a:pPr/>
+              <a:t>20</a:t>
+            </a:fld>
+            <a:endParaRPr kumimoji="1" lang="ja-JP" altLang="en-US" dirty="0"/>
           </a:p>
         </p:txBody>
       </p:sp>
@@ -20423,47 +20938,20 @@
         </p:nvSpPr>
         <p:spPr/>
         <p:txBody>
-          <a:bodyPr/>
+          <a:bodyPr>
+            <a:normAutofit lnSpcReduction="10000"/>
+          </a:bodyPr>
           <a:lstStyle/>
           <a:p>
             <a:r>
-              <a:rPr lang="ja-JP" altLang="en-US" b="0" dirty="0">
-                <a:solidFill>
-                  <a:schemeClr val="tx1"/>
-                </a:solidFill>
-                <a:effectLst/>
-                <a:latin typeface="Consolas" panose="020B0609020204030204" pitchFamily="49" charset="0"/>
-              </a:rPr>
-              <a:t>与えられた条件が、正しいか間違っているかで</a:t>
-            </a:r>
-            <a:br>
-              <a:rPr lang="en-US" altLang="ja-JP" b="0" dirty="0">
-                <a:solidFill>
-                  <a:schemeClr val="tx1"/>
-                </a:solidFill>
-                <a:effectLst/>
-                <a:latin typeface="Consolas" panose="020B0609020204030204" pitchFamily="49" charset="0"/>
-              </a:rPr>
-            </a:br>
-            <a:r>
-              <a:rPr lang="en-US" altLang="ja-JP" b="0" dirty="0">
-                <a:solidFill>
-                  <a:schemeClr val="tx1"/>
-                </a:solidFill>
-                <a:effectLst/>
-                <a:latin typeface="Consolas" panose="020B0609020204030204" pitchFamily="49" charset="0"/>
-              </a:rPr>
-              <a:t> </a:t>
-            </a:r>
-            <a:r>
-              <a:rPr lang="ja-JP" altLang="en-US" b="0" dirty="0">
-                <a:solidFill>
-                  <a:schemeClr val="tx1"/>
-                </a:solidFill>
-                <a:effectLst/>
-                <a:latin typeface="Consolas" panose="020B0609020204030204" pitchFamily="49" charset="0"/>
-              </a:rPr>
-              <a:t>処理を分けたいときに用いる</a:t>
+              <a:rPr lang="ja-JP" altLang="en-US" b="0" i="0" dirty="0">
+                <a:solidFill>
+                  <a:srgbClr val="040C28"/>
+                </a:solidFill>
+                <a:effectLst/>
+                <a:latin typeface="Google Sans"/>
+              </a:rPr>
+              <a:t>プログラム中で、ある条件が満たされているかどうかによって次に実行するプログラム上の位置を変化させること</a:t>
             </a:r>
             <a:endParaRPr lang="en-US" altLang="ja-JP" b="0" dirty="0">
               <a:solidFill>
@@ -20474,6 +20962,64 @@
             </a:endParaRPr>
           </a:p>
           <a:p>
+            <a:r>
+              <a:rPr lang="en-US" altLang="ja-JP" b="0" dirty="0">
+                <a:solidFill>
+                  <a:schemeClr val="tx1"/>
+                </a:solidFill>
+                <a:effectLst/>
+                <a:latin typeface="Consolas" panose="020B0609020204030204" pitchFamily="49" charset="0"/>
+              </a:rPr>
+              <a:t>-&gt; </a:t>
+            </a:r>
+            <a:r>
+              <a:rPr lang="ja-JP" altLang="en-US" b="0" dirty="0">
+                <a:solidFill>
+                  <a:schemeClr val="tx1"/>
+                </a:solidFill>
+                <a:effectLst/>
+                <a:latin typeface="Consolas" panose="020B0609020204030204" pitchFamily="49" charset="0"/>
+              </a:rPr>
+              <a:t>ある条件が、正しいか間違っているかで</a:t>
+            </a:r>
+            <a:br>
+              <a:rPr lang="en-US" altLang="ja-JP" b="0" dirty="0">
+                <a:solidFill>
+                  <a:schemeClr val="tx1"/>
+                </a:solidFill>
+                <a:effectLst/>
+                <a:latin typeface="Consolas" panose="020B0609020204030204" pitchFamily="49" charset="0"/>
+              </a:rPr>
+            </a:br>
+            <a:r>
+              <a:rPr lang="en-US" altLang="ja-JP" b="0" dirty="0">
+                <a:solidFill>
+                  <a:schemeClr val="tx1"/>
+                </a:solidFill>
+                <a:effectLst/>
+                <a:latin typeface="Consolas" panose="020B0609020204030204" pitchFamily="49" charset="0"/>
+              </a:rPr>
+              <a:t>    </a:t>
+            </a:r>
+            <a:r>
+              <a:rPr lang="ja-JP" altLang="en-US" b="0" dirty="0">
+                <a:solidFill>
+                  <a:schemeClr val="tx1"/>
+                </a:solidFill>
+                <a:effectLst/>
+                <a:latin typeface="Consolas" panose="020B0609020204030204" pitchFamily="49" charset="0"/>
+              </a:rPr>
+              <a:t>処理を分けたいときに用いる</a:t>
+            </a:r>
+            <a:endParaRPr lang="en-US" altLang="ja-JP" b="0" dirty="0">
+              <a:solidFill>
+                <a:schemeClr val="tx1"/>
+              </a:solidFill>
+              <a:effectLst/>
+              <a:latin typeface="Consolas" panose="020B0609020204030204" pitchFamily="49" charset="0"/>
+            </a:endParaRPr>
+          </a:p>
+          <a:p>
             <a:pPr lvl="1"/>
             <a:r>
               <a:rPr lang="en-US" altLang="ja-JP" b="0" dirty="0">
@@ -20483,7 +21029,7 @@
                 <a:effectLst/>
                 <a:latin typeface="Consolas" panose="020B0609020204030204" pitchFamily="49" charset="0"/>
               </a:rPr>
-              <a:t> if : (</a:t>
+              <a:t> if   : (</a:t>
             </a:r>
             <a:r>
               <a:rPr lang="ja-JP" altLang="en-US" b="0" dirty="0">
@@ -20540,6 +21086,36 @@
             </a:r>
           </a:p>
           <a:p>
+            <a:endParaRPr kumimoji="1" lang="ja-JP" altLang="en-US" dirty="0"/>
+          </a:p>
+        </p:txBody>
+      </p:sp>
+      <p:sp>
+        <p:nvSpPr>
+          <p:cNvPr id="4" name="スライド番号プレースホルダー 3">
+            <a:extLst>
+              <a:ext uri="{FF2B5EF4-FFF2-40B4-BE49-F238E27FC236}">
+                <a16:creationId xmlns:a16="http://schemas.microsoft.com/office/drawing/2014/main" id="{CAB4F062-55A0-D132-B8EA-5FE351BE0822}"/>
+              </a:ext>
+            </a:extLst>
+          </p:cNvPr>
+          <p:cNvSpPr>
+            <a:spLocks noGrp="1"/>
+          </p:cNvSpPr>
+          <p:nvPr>
+            <p:ph type="sldNum" sz="quarter" idx="12"/>
+          </p:nvPr>
+        </p:nvSpPr>
+        <p:spPr/>
+        <p:txBody>
+          <a:bodyPr/>
+          <a:lstStyle/>
+          <a:p>
+            <a:fld id="{EBB17469-0394-43CE-8997-40175C06C0DE}" type="slidenum">
+              <a:rPr kumimoji="1" lang="ja-JP" altLang="en-US" smtClean="0"/>
+              <a:pPr/>
+              <a:t>21</a:t>
+            </a:fld>
             <a:endParaRPr kumimoji="1" lang="ja-JP" altLang="en-US" dirty="0"/>
           </a:p>
         </p:txBody>
@@ -20968,6 +21544,36 @@
           </a:prstGeom>
         </p:spPr>
       </p:pic>
+      <p:sp>
+        <p:nvSpPr>
+          <p:cNvPr id="4" name="スライド番号プレースホルダー 3">
+            <a:extLst>
+              <a:ext uri="{FF2B5EF4-FFF2-40B4-BE49-F238E27FC236}">
+                <a16:creationId xmlns:a16="http://schemas.microsoft.com/office/drawing/2014/main" id="{7F1D70FC-7391-0C98-DEF5-58E2489D325D}"/>
+              </a:ext>
+            </a:extLst>
+          </p:cNvPr>
+          <p:cNvSpPr>
+            <a:spLocks noGrp="1"/>
+          </p:cNvSpPr>
+          <p:nvPr>
+            <p:ph type="sldNum" sz="quarter" idx="12"/>
+          </p:nvPr>
+        </p:nvSpPr>
+        <p:spPr/>
+        <p:txBody>
+          <a:bodyPr/>
+          <a:lstStyle/>
+          <a:p>
+            <a:fld id="{EBB17469-0394-43CE-8997-40175C06C0DE}" type="slidenum">
+              <a:rPr kumimoji="1" lang="ja-JP" altLang="en-US" smtClean="0"/>
+              <a:pPr/>
+              <a:t>22</a:t>
+            </a:fld>
+            <a:endParaRPr kumimoji="1" lang="ja-JP" altLang="en-US" dirty="0"/>
+          </a:p>
+        </p:txBody>
+      </p:sp>
     </p:spTree>
     <p:extLst>
       <p:ext uri="{BB962C8B-B14F-4D97-AF65-F5344CB8AC3E}">
@@ -21178,16 +21784,6 @@
             <a:r>
               <a:rPr lang="en-US" altLang="ja-JP" b="0" dirty="0">
                 <a:solidFill>
-                  <a:srgbClr val="B5CEA8"/>
-                </a:solidFill>
-                <a:effectLst/>
-                <a:latin typeface="Consolas" panose="020B0609020204030204" pitchFamily="49" charset="0"/>
-              </a:rPr>
-              <a:t> </a:t>
-            </a:r>
-            <a:r>
-              <a:rPr lang="en-US" altLang="ja-JP" b="0" dirty="0">
-                <a:solidFill>
                   <a:schemeClr val="tx1"/>
                 </a:solidFill>
                 <a:effectLst/>
@@ -21499,6 +22095,36 @@
               </a:rPr>
               <a:t>)</a:t>
             </a:r>
+          </a:p>
+        </p:txBody>
+      </p:sp>
+      <p:sp>
+        <p:nvSpPr>
+          <p:cNvPr id="5" name="スライド番号プレースホルダー 4">
+            <a:extLst>
+              <a:ext uri="{FF2B5EF4-FFF2-40B4-BE49-F238E27FC236}">
+                <a16:creationId xmlns:a16="http://schemas.microsoft.com/office/drawing/2014/main" id="{13BABDF3-C565-363C-918B-7D4BFB5B1D07}"/>
+              </a:ext>
+            </a:extLst>
+          </p:cNvPr>
+          <p:cNvSpPr>
+            <a:spLocks noGrp="1"/>
+          </p:cNvSpPr>
+          <p:nvPr>
+            <p:ph type="sldNum" sz="quarter" idx="12"/>
+          </p:nvPr>
+        </p:nvSpPr>
+        <p:spPr/>
+        <p:txBody>
+          <a:bodyPr/>
+          <a:lstStyle/>
+          <a:p>
+            <a:fld id="{EBB17469-0394-43CE-8997-40175C06C0DE}" type="slidenum">
+              <a:rPr kumimoji="1" lang="ja-JP" altLang="en-US" smtClean="0"/>
+              <a:pPr/>
+              <a:t>23</a:t>
+            </a:fld>
+            <a:endParaRPr kumimoji="1" lang="ja-JP" altLang="en-US" dirty="0"/>
           </a:p>
         </p:txBody>
       </p:sp>
@@ -21712,16 +22338,6 @@
             <a:r>
               <a:rPr lang="en-US" altLang="ja-JP" b="0" dirty="0">
                 <a:solidFill>
-                  <a:srgbClr val="B5CEA8"/>
-                </a:solidFill>
-                <a:effectLst/>
-                <a:latin typeface="Consolas" panose="020B0609020204030204" pitchFamily="49" charset="0"/>
-              </a:rPr>
-              <a:t> </a:t>
-            </a:r>
-            <a:r>
-              <a:rPr lang="en-US" altLang="ja-JP" b="0" dirty="0">
-                <a:solidFill>
                   <a:schemeClr val="tx1"/>
                 </a:solidFill>
                 <a:effectLst/>
@@ -22066,19 +22682,69 @@
           <a:p>
             <a:r>
               <a:rPr kumimoji="1" lang="ja-JP" altLang="en-US" sz="3200" dirty="0"/>
-              <a:t>全角空白の場合、</a:t>
-            </a:r>
-            <a:r>
-              <a:rPr lang="en-US" altLang="ja-JP" sz="3200" b="1" i="0" dirty="0" err="1">
+              <a:t>全角空白の場合</a:t>
+            </a:r>
+            <a:r>
+              <a:rPr lang="en-US" altLang="ja-JP" sz="3200" b="1" i="0" dirty="0">
                 <a:solidFill>
                   <a:srgbClr val="CD3131"/>
                 </a:solidFill>
                 <a:effectLst/>
                 <a:latin typeface="Consolas" panose="020B0609020204030204" pitchFamily="49" charset="0"/>
               </a:rPr>
-              <a:t>SyntaxError</a:t>
+              <a:t>Syntax</a:t>
+            </a:r>
+            <a:r>
+              <a:rPr lang="ja-JP" altLang="en-US" sz="3200" b="1" i="0" dirty="0">
+                <a:solidFill>
+                  <a:srgbClr val="CD3131"/>
+                </a:solidFill>
+                <a:effectLst/>
+                <a:latin typeface="Consolas" panose="020B0609020204030204" pitchFamily="49" charset="0"/>
+              </a:rPr>
+              <a:t> </a:t>
+            </a:r>
+            <a:r>
+              <a:rPr lang="en-US" altLang="ja-JP" sz="3200" b="1" i="0" dirty="0">
+                <a:solidFill>
+                  <a:srgbClr val="CD3131"/>
+                </a:solidFill>
+                <a:effectLst/>
+                <a:latin typeface="Consolas" panose="020B0609020204030204" pitchFamily="49" charset="0"/>
+              </a:rPr>
+              <a:t>Error</a:t>
             </a:r>
             <a:endParaRPr kumimoji="1" lang="ja-JP" altLang="en-US" sz="3200" dirty="0"/>
+          </a:p>
+        </p:txBody>
+      </p:sp>
+      <p:sp>
+        <p:nvSpPr>
+          <p:cNvPr id="8" name="スライド番号プレースホルダー 7">
+            <a:extLst>
+              <a:ext uri="{FF2B5EF4-FFF2-40B4-BE49-F238E27FC236}">
+                <a16:creationId xmlns:a16="http://schemas.microsoft.com/office/drawing/2014/main" id="{3E516068-021F-6F0D-341D-C97C8B193A62}"/>
+              </a:ext>
+            </a:extLst>
+          </p:cNvPr>
+          <p:cNvSpPr>
+            <a:spLocks noGrp="1"/>
+          </p:cNvSpPr>
+          <p:nvPr>
+            <p:ph type="sldNum" sz="quarter" idx="12"/>
+          </p:nvPr>
+        </p:nvSpPr>
+        <p:spPr/>
+        <p:txBody>
+          <a:bodyPr/>
+          <a:lstStyle/>
+          <a:p>
+            <a:fld id="{EBB17469-0394-43CE-8997-40175C06C0DE}" type="slidenum">
+              <a:rPr kumimoji="1" lang="ja-JP" altLang="en-US" smtClean="0"/>
+              <a:pPr/>
+              <a:t>24</a:t>
+            </a:fld>
+            <a:endParaRPr kumimoji="1" lang="ja-JP" altLang="en-US" dirty="0"/>
           </a:p>
         </p:txBody>
       </p:sp>
@@ -22298,16 +22964,6 @@
                 <a:latin typeface="Consolas" panose="020B0609020204030204" pitchFamily="49" charset="0"/>
               </a:rPr>
               <a:t>50</a:t>
-            </a:r>
-            <a:r>
-              <a:rPr lang="en-US" altLang="ja-JP" b="0" dirty="0">
-                <a:solidFill>
-                  <a:srgbClr val="B5CEA8"/>
-                </a:solidFill>
-                <a:effectLst/>
-                <a:latin typeface="Consolas" panose="020B0609020204030204" pitchFamily="49" charset="0"/>
-              </a:rPr>
-              <a:t> </a:t>
             </a:r>
             <a:r>
               <a:rPr lang="en-US" altLang="ja-JP" b="0" dirty="0">
@@ -22588,23 +23244,54 @@
               <a:t>ここが</a:t>
             </a:r>
             <a:r>
-              <a:rPr kumimoji="1" lang="en-US" altLang="ja-JP" sz="2800" dirty="0">
+              <a:rPr lang="en-US" altLang="ja-JP" sz="2800" b="0" dirty="0">
+                <a:solidFill>
+                  <a:srgbClr val="569CD6"/>
+                </a:solidFill>
+                <a:effectLst/>
+                <a:latin typeface="Consolas" panose="020B0609020204030204" pitchFamily="49" charset="0"/>
+              </a:rPr>
+              <a:t>False</a:t>
+            </a:r>
+            <a:r>
+              <a:rPr kumimoji="1" lang="ja-JP" altLang="en-US" sz="2800" dirty="0">
                 <a:solidFill>
                   <a:schemeClr val="tx1"/>
                 </a:solidFill>
                 <a:latin typeface="Consolas" panose="020B0609020204030204" pitchFamily="49" charset="0"/>
               </a:rPr>
-              <a:t>False</a:t>
-            </a:r>
-            <a:r>
-              <a:rPr kumimoji="1" lang="ja-JP" altLang="en-US" sz="2800" dirty="0">
-                <a:solidFill>
-                  <a:schemeClr val="tx1"/>
-                </a:solidFill>
-                <a:latin typeface="Consolas" panose="020B0609020204030204" pitchFamily="49" charset="0"/>
-              </a:rPr>
               <a:t>になる</a:t>
             </a:r>
+          </a:p>
+        </p:txBody>
+      </p:sp>
+      <p:sp>
+        <p:nvSpPr>
+          <p:cNvPr id="4" name="スライド番号プレースホルダー 3">
+            <a:extLst>
+              <a:ext uri="{FF2B5EF4-FFF2-40B4-BE49-F238E27FC236}">
+                <a16:creationId xmlns:a16="http://schemas.microsoft.com/office/drawing/2014/main" id="{5E932F78-CA1E-14F7-AC25-203C95BEA010}"/>
+              </a:ext>
+            </a:extLst>
+          </p:cNvPr>
+          <p:cNvSpPr>
+            <a:spLocks noGrp="1"/>
+          </p:cNvSpPr>
+          <p:nvPr>
+            <p:ph type="sldNum" sz="quarter" idx="12"/>
+          </p:nvPr>
+        </p:nvSpPr>
+        <p:spPr/>
+        <p:txBody>
+          <a:bodyPr/>
+          <a:lstStyle/>
+          <a:p>
+            <a:fld id="{EBB17469-0394-43CE-8997-40175C06C0DE}" type="slidenum">
+              <a:rPr kumimoji="1" lang="ja-JP" altLang="en-US" smtClean="0"/>
+              <a:pPr/>
+              <a:t>25</a:t>
+            </a:fld>
+            <a:endParaRPr kumimoji="1" lang="ja-JP" altLang="en-US" dirty="0"/>
           </a:p>
         </p:txBody>
       </p:sp>
@@ -23044,6 +23731,36 @@
           </a:fontRef>
         </p:style>
       </p:cxnSp>
+      <p:sp>
+        <p:nvSpPr>
+          <p:cNvPr id="5" name="スライド番号プレースホルダー 4">
+            <a:extLst>
+              <a:ext uri="{FF2B5EF4-FFF2-40B4-BE49-F238E27FC236}">
+                <a16:creationId xmlns:a16="http://schemas.microsoft.com/office/drawing/2014/main" id="{F4F1A6D2-1BC2-2243-C6C0-61F05151C1B8}"/>
+              </a:ext>
+            </a:extLst>
+          </p:cNvPr>
+          <p:cNvSpPr>
+            <a:spLocks noGrp="1"/>
+          </p:cNvSpPr>
+          <p:nvPr>
+            <p:ph type="sldNum" sz="quarter" idx="12"/>
+          </p:nvPr>
+        </p:nvSpPr>
+        <p:spPr/>
+        <p:txBody>
+          <a:bodyPr/>
+          <a:lstStyle/>
+          <a:p>
+            <a:fld id="{EBB17469-0394-43CE-8997-40175C06C0DE}" type="slidenum">
+              <a:rPr kumimoji="1" lang="ja-JP" altLang="en-US" smtClean="0"/>
+              <a:pPr/>
+              <a:t>26</a:t>
+            </a:fld>
+            <a:endParaRPr kumimoji="1" lang="ja-JP" altLang="en-US" dirty="0"/>
+          </a:p>
+        </p:txBody>
+      </p:sp>
     </p:spTree>
     <p:extLst>
       <p:ext uri="{BB962C8B-B14F-4D97-AF65-F5344CB8AC3E}">
@@ -23079,7 +23796,7 @@
           <p:cNvPr id="2" name="タイトル 1">
             <a:extLst>
               <a:ext uri="{FF2B5EF4-FFF2-40B4-BE49-F238E27FC236}">
-                <a16:creationId xmlns:a16="http://schemas.microsoft.com/office/drawing/2014/main" id="{05946744-D1D1-CF8A-0517-6DF80336953A}"/>
+                <a16:creationId xmlns:a16="http://schemas.microsoft.com/office/drawing/2014/main" id="{C16573F8-4688-639C-FC27-DEA27C84C07C}"/>
               </a:ext>
             </a:extLst>
           </p:cNvPr>
@@ -23096,12 +23813,8 @@
           <a:lstStyle/>
           <a:p>
             <a:r>
-              <a:rPr kumimoji="1" lang="en-US" altLang="ja-JP" dirty="0"/>
-              <a:t>if</a:t>
-            </a:r>
-            <a:r>
               <a:rPr kumimoji="1" lang="ja-JP" altLang="en-US" dirty="0"/>
-              <a:t>文の有効範囲</a:t>
+              <a:t>練習問題</a:t>
             </a:r>
           </a:p>
         </p:txBody>
@@ -23111,7 +23824,7 @@
           <p:cNvPr id="3" name="コンテンツ プレースホルダー 2">
             <a:extLst>
               <a:ext uri="{FF2B5EF4-FFF2-40B4-BE49-F238E27FC236}">
-                <a16:creationId xmlns:a16="http://schemas.microsoft.com/office/drawing/2014/main" id="{F9DB33CC-C5E6-9BA5-07C9-9E7890F1B92A}"/>
+                <a16:creationId xmlns:a16="http://schemas.microsoft.com/office/drawing/2014/main" id="{B4A04846-B7E6-E1CE-792A-9DEAC295BE17}"/>
               </a:ext>
             </a:extLst>
           </p:cNvPr>
@@ -23122,425 +23835,194 @@
             <p:ph idx="1"/>
           </p:nvPr>
         </p:nvSpPr>
+        <p:spPr>
+          <a:xfrm>
+            <a:off x="1097279" y="1845734"/>
+            <a:ext cx="10325225" cy="4023360"/>
+          </a:xfrm>
+        </p:spPr>
+        <p:txBody>
+          <a:bodyPr>
+            <a:normAutofit fontScale="92500"/>
+          </a:bodyPr>
+          <a:lstStyle/>
+          <a:p>
+            <a:r>
+              <a:rPr kumimoji="1" lang="en-US" altLang="ja-JP" dirty="0"/>
+              <a:t>4.2. </a:t>
+            </a:r>
+            <a:br>
+              <a:rPr lang="ja-JP" altLang="en-US" b="0" dirty="0">
+                <a:solidFill>
+                  <a:schemeClr val="tx1"/>
+                </a:solidFill>
+                <a:effectLst/>
+                <a:latin typeface="Consolas" panose="020B0609020204030204" pitchFamily="49" charset="0"/>
+              </a:rPr>
+            </a:br>
+            <a:r>
+              <a:rPr lang="ja-JP" altLang="en-US" b="0" dirty="0">
+                <a:solidFill>
+                  <a:schemeClr val="tx1"/>
+                </a:solidFill>
+                <a:effectLst/>
+                <a:latin typeface="Consolas" panose="020B0609020204030204" pitchFamily="49" charset="0"/>
+              </a:rPr>
+              <a:t>サイコロを一個投げる。</a:t>
+            </a:r>
+            <a:endParaRPr lang="en-US" altLang="ja-JP" b="0" dirty="0">
+              <a:solidFill>
+                <a:schemeClr val="tx1"/>
+              </a:solidFill>
+              <a:effectLst/>
+              <a:latin typeface="Consolas" panose="020B0609020204030204" pitchFamily="49" charset="0"/>
+            </a:endParaRPr>
+          </a:p>
+          <a:p>
+            <a:r>
+              <a:rPr lang="ja-JP" altLang="en-US" b="0" dirty="0">
+                <a:solidFill>
+                  <a:schemeClr val="tx1"/>
+                </a:solidFill>
+                <a:effectLst/>
+                <a:latin typeface="Consolas" panose="020B0609020204030204" pitchFamily="49" charset="0"/>
+              </a:rPr>
+              <a:t>この時、以下の条件に当てはまるプログラムを作成してください</a:t>
+            </a:r>
+          </a:p>
+          <a:p>
+            <a:pPr lvl="1"/>
+            <a:r>
+              <a:rPr lang="ja-JP" altLang="en-US" b="0" dirty="0">
+                <a:solidFill>
+                  <a:schemeClr val="tx1"/>
+                </a:solidFill>
+                <a:effectLst/>
+                <a:latin typeface="Consolas" panose="020B0609020204030204" pitchFamily="49" charset="0"/>
+              </a:rPr>
+              <a:t> 出た目が偶数の時、</a:t>
+            </a:r>
+            <a:r>
+              <a:rPr lang="en-US" altLang="ja-JP" b="0" dirty="0">
+                <a:solidFill>
+                  <a:schemeClr val="tx1"/>
+                </a:solidFill>
+                <a:effectLst/>
+                <a:latin typeface="Consolas" panose="020B0609020204030204" pitchFamily="49" charset="0"/>
+              </a:rPr>
+              <a:t>`</a:t>
+            </a:r>
+            <a:r>
+              <a:rPr lang="ja-JP" altLang="en-US" b="0" dirty="0">
+                <a:solidFill>
+                  <a:schemeClr val="tx1"/>
+                </a:solidFill>
+                <a:effectLst/>
+                <a:latin typeface="Consolas" panose="020B0609020204030204" pitchFamily="49" charset="0"/>
+              </a:rPr>
+              <a:t>これは偶数です</a:t>
+            </a:r>
+            <a:r>
+              <a:rPr lang="en-US" altLang="ja-JP" b="0" dirty="0">
+                <a:solidFill>
+                  <a:schemeClr val="tx1"/>
+                </a:solidFill>
+                <a:effectLst/>
+                <a:latin typeface="Consolas" panose="020B0609020204030204" pitchFamily="49" charset="0"/>
+              </a:rPr>
+              <a:t>`</a:t>
+            </a:r>
+            <a:r>
+              <a:rPr lang="ja-JP" altLang="en-US" b="0" dirty="0">
+                <a:solidFill>
+                  <a:schemeClr val="tx1"/>
+                </a:solidFill>
+                <a:effectLst/>
+                <a:latin typeface="Consolas" panose="020B0609020204030204" pitchFamily="49" charset="0"/>
+              </a:rPr>
+              <a:t>と出力する</a:t>
+            </a:r>
+          </a:p>
+          <a:p>
+            <a:pPr lvl="1"/>
+            <a:r>
+              <a:rPr lang="ja-JP" altLang="en-US" dirty="0">
+                <a:solidFill>
+                  <a:schemeClr val="tx1"/>
+                </a:solidFill>
+              </a:rPr>
+              <a:t> ただし、</a:t>
+            </a:r>
+            <a:r>
+              <a:rPr lang="ja-JP" altLang="en-US" b="0" dirty="0">
+                <a:solidFill>
+                  <a:schemeClr val="tx1"/>
+                </a:solidFill>
+                <a:effectLst/>
+                <a:latin typeface="Consolas" panose="020B0609020204030204" pitchFamily="49" charset="0"/>
+              </a:rPr>
+              <a:t>サイコロの目は</a:t>
+            </a:r>
+            <a:r>
+              <a:rPr lang="en-US" altLang="ja-JP" b="0" dirty="0">
+                <a:solidFill>
+                  <a:schemeClr val="tx1"/>
+                </a:solidFill>
+                <a:effectLst/>
+                <a:latin typeface="Consolas" panose="020B0609020204030204" pitchFamily="49" charset="0"/>
+              </a:rPr>
+              <a:t>1 ~ 6 </a:t>
+            </a:r>
+            <a:r>
+              <a:rPr lang="ja-JP" altLang="en-US" b="0" dirty="0">
+                <a:solidFill>
+                  <a:schemeClr val="tx1"/>
+                </a:solidFill>
+                <a:effectLst/>
+                <a:latin typeface="Consolas" panose="020B0609020204030204" pitchFamily="49" charset="0"/>
+              </a:rPr>
+              <a:t>であり、どの目が出る確率も同様に確からしいとする</a:t>
+            </a:r>
+          </a:p>
+          <a:p>
+            <a:endParaRPr kumimoji="1" lang="ja-JP" altLang="en-US" dirty="0"/>
+          </a:p>
+        </p:txBody>
+      </p:sp>
+      <p:sp>
+        <p:nvSpPr>
+          <p:cNvPr id="4" name="スライド番号プレースホルダー 3">
+            <a:extLst>
+              <a:ext uri="{FF2B5EF4-FFF2-40B4-BE49-F238E27FC236}">
+                <a16:creationId xmlns:a16="http://schemas.microsoft.com/office/drawing/2014/main" id="{60C3F461-B831-E51D-A5D8-C94A2025E514}"/>
+              </a:ext>
+            </a:extLst>
+          </p:cNvPr>
+          <p:cNvSpPr>
+            <a:spLocks noGrp="1"/>
+          </p:cNvSpPr>
+          <p:nvPr>
+            <p:ph type="sldNum" sz="quarter" idx="12"/>
+          </p:nvPr>
+        </p:nvSpPr>
         <p:spPr/>
         <p:txBody>
           <a:bodyPr/>
           <a:lstStyle/>
           <a:p>
-            <a:r>
-              <a:rPr lang="en-US" altLang="ja-JP" b="0" dirty="0">
-                <a:solidFill>
-                  <a:srgbClr val="00B0F0"/>
-                </a:solidFill>
-                <a:effectLst/>
-                <a:latin typeface="Consolas" panose="020B0609020204030204" pitchFamily="49" charset="0"/>
-              </a:rPr>
-              <a:t>a</a:t>
-            </a:r>
-            <a:r>
-              <a:rPr lang="en-US" altLang="ja-JP" b="0" dirty="0">
-                <a:solidFill>
-                  <a:srgbClr val="D4D4D4"/>
-                </a:solidFill>
-                <a:effectLst/>
-                <a:latin typeface="Consolas" panose="020B0609020204030204" pitchFamily="49" charset="0"/>
-              </a:rPr>
-              <a:t> </a:t>
-            </a:r>
-            <a:r>
-              <a:rPr lang="en-US" altLang="ja-JP" b="0" dirty="0">
-                <a:solidFill>
-                  <a:schemeClr val="tx1"/>
-                </a:solidFill>
-                <a:effectLst/>
-                <a:latin typeface="Consolas" panose="020B0609020204030204" pitchFamily="49" charset="0"/>
-              </a:rPr>
-              <a:t>=</a:t>
-            </a:r>
-            <a:r>
-              <a:rPr lang="en-US" altLang="ja-JP" b="0" dirty="0">
-                <a:solidFill>
-                  <a:srgbClr val="D4D4D4"/>
-                </a:solidFill>
-                <a:effectLst/>
-                <a:latin typeface="Consolas" panose="020B0609020204030204" pitchFamily="49" charset="0"/>
-              </a:rPr>
-              <a:t> </a:t>
-            </a:r>
-            <a:r>
-              <a:rPr lang="en-US" altLang="ja-JP" b="0" dirty="0">
-                <a:solidFill>
-                  <a:srgbClr val="92D050"/>
-                </a:solidFill>
-                <a:effectLst/>
-                <a:latin typeface="Consolas" panose="020B0609020204030204" pitchFamily="49" charset="0"/>
-              </a:rPr>
-              <a:t>5</a:t>
-            </a:r>
-            <a:r>
-              <a:rPr lang="en-US" altLang="ja-JP" dirty="0">
-                <a:solidFill>
-                  <a:srgbClr val="92D050"/>
-                </a:solidFill>
-              </a:rPr>
-              <a:t>0</a:t>
-            </a:r>
-            <a:endParaRPr lang="en-US" altLang="ja-JP" b="0" dirty="0">
-              <a:solidFill>
-                <a:srgbClr val="92D050"/>
-              </a:solidFill>
-              <a:effectLst/>
-              <a:latin typeface="Consolas" panose="020B0609020204030204" pitchFamily="49" charset="0"/>
-            </a:endParaRPr>
-          </a:p>
-          <a:p>
-            <a:r>
-              <a:rPr lang="en-US" altLang="ja-JP" b="0" dirty="0">
-                <a:solidFill>
-                  <a:srgbClr val="C586C0"/>
-                </a:solidFill>
-                <a:effectLst/>
-                <a:latin typeface="Consolas" panose="020B0609020204030204" pitchFamily="49" charset="0"/>
-              </a:rPr>
-              <a:t>if</a:t>
-            </a:r>
-            <a:r>
-              <a:rPr lang="en-US" altLang="ja-JP" b="0" dirty="0">
-                <a:solidFill>
-                  <a:srgbClr val="D4D4D4"/>
-                </a:solidFill>
-                <a:effectLst/>
-                <a:latin typeface="Consolas" panose="020B0609020204030204" pitchFamily="49" charset="0"/>
-              </a:rPr>
-              <a:t> </a:t>
-            </a:r>
-            <a:r>
-              <a:rPr lang="en-US" altLang="ja-JP" b="0" dirty="0">
-                <a:solidFill>
-                  <a:srgbClr val="00B0F0"/>
-                </a:solidFill>
-                <a:effectLst/>
-                <a:latin typeface="Consolas" panose="020B0609020204030204" pitchFamily="49" charset="0"/>
-              </a:rPr>
-              <a:t>a</a:t>
-            </a:r>
-            <a:r>
-              <a:rPr lang="en-US" altLang="ja-JP" b="0" dirty="0">
-                <a:solidFill>
-                  <a:srgbClr val="D4D4D4"/>
-                </a:solidFill>
-                <a:effectLst/>
-                <a:latin typeface="Consolas" panose="020B0609020204030204" pitchFamily="49" charset="0"/>
-              </a:rPr>
-              <a:t> </a:t>
-            </a:r>
-            <a:r>
-              <a:rPr lang="en-US" altLang="ja-JP" b="0" dirty="0">
-                <a:solidFill>
-                  <a:schemeClr val="tx1"/>
-                </a:solidFill>
-                <a:effectLst/>
-                <a:latin typeface="Consolas" panose="020B0609020204030204" pitchFamily="49" charset="0"/>
-              </a:rPr>
-              <a:t>==</a:t>
-            </a:r>
-            <a:r>
-              <a:rPr lang="en-US" altLang="ja-JP" b="0" dirty="0">
-                <a:solidFill>
-                  <a:srgbClr val="D4D4D4"/>
-                </a:solidFill>
-                <a:effectLst/>
-                <a:latin typeface="Consolas" panose="020B0609020204030204" pitchFamily="49" charset="0"/>
-              </a:rPr>
-              <a:t> </a:t>
-            </a:r>
-            <a:r>
-              <a:rPr lang="en-US" altLang="ja-JP" b="0" dirty="0">
-                <a:solidFill>
-                  <a:srgbClr val="92D050"/>
-                </a:solidFill>
-                <a:effectLst/>
-                <a:latin typeface="Consolas" panose="020B0609020204030204" pitchFamily="49" charset="0"/>
-              </a:rPr>
-              <a:t>50</a:t>
-            </a:r>
-            <a:r>
-              <a:rPr lang="en-US" altLang="ja-JP" b="0" dirty="0">
-                <a:solidFill>
-                  <a:srgbClr val="B5CEA8"/>
-                </a:solidFill>
-                <a:effectLst/>
-                <a:latin typeface="Consolas" panose="020B0609020204030204" pitchFamily="49" charset="0"/>
-              </a:rPr>
-              <a:t> </a:t>
-            </a:r>
-            <a:r>
-              <a:rPr lang="en-US" altLang="ja-JP" b="0" dirty="0">
-                <a:solidFill>
-                  <a:schemeClr val="tx1"/>
-                </a:solidFill>
-                <a:effectLst/>
-                <a:latin typeface="Consolas" panose="020B0609020204030204" pitchFamily="49" charset="0"/>
-              </a:rPr>
-              <a:t>:</a:t>
-            </a:r>
-          </a:p>
-          <a:p>
-            <a:r>
-              <a:rPr lang="ja-JP" altLang="en-US" b="0" dirty="0">
-                <a:solidFill>
-                  <a:srgbClr val="D4D4D4"/>
-                </a:solidFill>
-                <a:effectLst/>
-                <a:latin typeface="Consolas" panose="020B0609020204030204" pitchFamily="49" charset="0"/>
-              </a:rPr>
-              <a:t>     </a:t>
-            </a:r>
-            <a:r>
-              <a:rPr lang="en-US" altLang="ja-JP" b="0" dirty="0">
-                <a:solidFill>
-                  <a:schemeClr val="accent4">
-                    <a:lumMod val="75000"/>
-                  </a:schemeClr>
-                </a:solidFill>
-                <a:effectLst/>
-                <a:latin typeface="Consolas" panose="020B0609020204030204" pitchFamily="49" charset="0"/>
-              </a:rPr>
-              <a:t>print</a:t>
-            </a:r>
-            <a:r>
-              <a:rPr lang="en-US" altLang="ja-JP" b="0" dirty="0">
-                <a:solidFill>
-                  <a:schemeClr val="tx1"/>
-                </a:solidFill>
-                <a:effectLst/>
-                <a:latin typeface="Consolas" panose="020B0609020204030204" pitchFamily="49" charset="0"/>
-              </a:rPr>
-              <a:t>(</a:t>
-            </a:r>
-            <a:r>
-              <a:rPr lang="en-US" altLang="ja-JP" b="0" dirty="0">
-                <a:solidFill>
-                  <a:srgbClr val="CE9178"/>
-                </a:solidFill>
-                <a:effectLst/>
-                <a:latin typeface="Consolas" panose="020B0609020204030204" pitchFamily="49" charset="0"/>
-              </a:rPr>
-              <a:t>"</a:t>
-            </a:r>
-            <a:r>
-              <a:rPr lang="ja-JP" altLang="en-US" b="0" dirty="0">
-                <a:solidFill>
-                  <a:srgbClr val="CE9178"/>
-                </a:solidFill>
-                <a:effectLst/>
-                <a:latin typeface="Consolas" panose="020B0609020204030204" pitchFamily="49" charset="0"/>
-              </a:rPr>
-              <a:t>正しいときの処理</a:t>
-            </a:r>
-            <a:r>
-              <a:rPr lang="en-US" altLang="ja-JP" b="0" dirty="0">
-                <a:solidFill>
-                  <a:srgbClr val="CE9178"/>
-                </a:solidFill>
-                <a:effectLst/>
-                <a:latin typeface="Consolas" panose="020B0609020204030204" pitchFamily="49" charset="0"/>
-              </a:rPr>
-              <a:t>"</a:t>
-            </a:r>
-            <a:r>
-              <a:rPr lang="en-US" altLang="ja-JP" b="0" dirty="0">
-                <a:solidFill>
-                  <a:schemeClr val="tx1"/>
-                </a:solidFill>
-                <a:effectLst/>
-                <a:latin typeface="Consolas" panose="020B0609020204030204" pitchFamily="49" charset="0"/>
-              </a:rPr>
-              <a:t>)</a:t>
-            </a:r>
-            <a:endParaRPr lang="en-US" altLang="ja-JP" b="0" dirty="0">
-              <a:solidFill>
-                <a:srgbClr val="D4D4D4"/>
-              </a:solidFill>
-              <a:effectLst/>
-              <a:latin typeface="Consolas" panose="020B0609020204030204" pitchFamily="49" charset="0"/>
-            </a:endParaRPr>
-          </a:p>
-          <a:p>
-            <a:r>
-              <a:rPr lang="ja-JP" altLang="en-US" b="0" dirty="0">
-                <a:solidFill>
-                  <a:schemeClr val="accent4">
-                    <a:lumMod val="75000"/>
-                  </a:schemeClr>
-                </a:solidFill>
-                <a:effectLst/>
-                <a:latin typeface="Consolas" panose="020B0609020204030204" pitchFamily="49" charset="0"/>
-              </a:rPr>
-              <a:t>    </a:t>
-            </a:r>
-            <a:r>
-              <a:rPr lang="en-US" altLang="ja-JP" b="0" dirty="0">
-                <a:solidFill>
-                  <a:schemeClr val="accent4">
-                    <a:lumMod val="75000"/>
-                  </a:schemeClr>
-                </a:solidFill>
-                <a:effectLst/>
-                <a:latin typeface="Consolas" panose="020B0609020204030204" pitchFamily="49" charset="0"/>
-              </a:rPr>
-              <a:t>print</a:t>
-            </a:r>
-            <a:r>
-              <a:rPr lang="en-US" altLang="ja-JP" b="0" dirty="0">
-                <a:solidFill>
-                  <a:schemeClr val="tx1"/>
-                </a:solidFill>
-                <a:effectLst/>
-                <a:latin typeface="Consolas" panose="020B0609020204030204" pitchFamily="49" charset="0"/>
-              </a:rPr>
-              <a:t>(</a:t>
-            </a:r>
-            <a:r>
-              <a:rPr lang="en-US" altLang="ja-JP" b="0" dirty="0">
-                <a:solidFill>
-                  <a:srgbClr val="CE9178"/>
-                </a:solidFill>
-                <a:effectLst/>
-                <a:latin typeface="Consolas" panose="020B0609020204030204" pitchFamily="49" charset="0"/>
-              </a:rPr>
-              <a:t>"</a:t>
-            </a:r>
-            <a:r>
-              <a:rPr lang="ja-JP" altLang="en-US" b="0" dirty="0">
-                <a:solidFill>
-                  <a:srgbClr val="CE9178"/>
-                </a:solidFill>
-                <a:effectLst/>
-                <a:latin typeface="Consolas" panose="020B0609020204030204" pitchFamily="49" charset="0"/>
-              </a:rPr>
-              <a:t>正しいときの処理</a:t>
-            </a:r>
-            <a:r>
-              <a:rPr lang="en-US" altLang="ja-JP" b="0" dirty="0">
-                <a:solidFill>
-                  <a:srgbClr val="CE9178"/>
-                </a:solidFill>
-                <a:effectLst/>
-                <a:latin typeface="Consolas" panose="020B0609020204030204" pitchFamily="49" charset="0"/>
-              </a:rPr>
-              <a:t>"</a:t>
-            </a:r>
-            <a:r>
-              <a:rPr lang="en-US" altLang="ja-JP" b="0" dirty="0">
-                <a:solidFill>
-                  <a:schemeClr val="tx1"/>
-                </a:solidFill>
-                <a:effectLst/>
-                <a:latin typeface="Consolas" panose="020B0609020204030204" pitchFamily="49" charset="0"/>
-              </a:rPr>
-              <a:t>)</a:t>
-            </a:r>
-          </a:p>
-          <a:p>
+            <a:fld id="{EBB17469-0394-43CE-8997-40175C06C0DE}" type="slidenum">
+              <a:rPr kumimoji="1" lang="ja-JP" altLang="en-US" smtClean="0"/>
+              <a:pPr/>
+              <a:t>27</a:t>
+            </a:fld>
             <a:endParaRPr kumimoji="1" lang="ja-JP" altLang="en-US" dirty="0"/>
-          </a:p>
-        </p:txBody>
-      </p:sp>
-      <p:sp>
-        <p:nvSpPr>
-          <p:cNvPr id="12" name="右中かっこ 11">
-            <a:extLst>
-              <a:ext uri="{FF2B5EF4-FFF2-40B4-BE49-F238E27FC236}">
-                <a16:creationId xmlns:a16="http://schemas.microsoft.com/office/drawing/2014/main" id="{8CF65BE9-B6D5-6CD5-71AD-053441F27540}"/>
-              </a:ext>
-            </a:extLst>
-          </p:cNvPr>
-          <p:cNvSpPr/>
-          <p:nvPr/>
-        </p:nvSpPr>
-        <p:spPr>
-          <a:xfrm rot="5400000">
-            <a:off x="1465667" y="4985381"/>
-            <a:ext cx="366967" cy="771673"/>
-          </a:xfrm>
-          <a:prstGeom prst="rightBrace">
-            <a:avLst/>
-          </a:prstGeom>
-          <a:ln w="28575"/>
-        </p:spPr>
-        <p:style>
-          <a:lnRef idx="1">
-            <a:schemeClr val="accent1"/>
-          </a:lnRef>
-          <a:fillRef idx="0">
-            <a:schemeClr val="accent1"/>
-          </a:fillRef>
-          <a:effectRef idx="0">
-            <a:schemeClr val="accent1"/>
-          </a:effectRef>
-          <a:fontRef idx="minor">
-            <a:schemeClr val="tx1"/>
-          </a:fontRef>
-        </p:style>
-        <p:txBody>
-          <a:bodyPr rtlCol="0" anchor="ctr"/>
-          <a:lstStyle/>
-          <a:p>
-            <a:pPr algn="ctr"/>
-            <a:endParaRPr kumimoji="1" lang="ja-JP" altLang="en-US"/>
-          </a:p>
-        </p:txBody>
-      </p:sp>
-      <p:sp>
-        <p:nvSpPr>
-          <p:cNvPr id="4" name="右中かっこ 3">
-            <a:extLst>
-              <a:ext uri="{FF2B5EF4-FFF2-40B4-BE49-F238E27FC236}">
-                <a16:creationId xmlns:a16="http://schemas.microsoft.com/office/drawing/2014/main" id="{48F1CDEF-B4EB-97B1-38A0-3F1AB9819F47}"/>
-              </a:ext>
-            </a:extLst>
-          </p:cNvPr>
-          <p:cNvSpPr/>
-          <p:nvPr/>
-        </p:nvSpPr>
-        <p:spPr>
-          <a:xfrm rot="5400000">
-            <a:off x="1577726" y="4131255"/>
-            <a:ext cx="366967" cy="995791"/>
-          </a:xfrm>
-          <a:prstGeom prst="rightBrace">
-            <a:avLst/>
-          </a:prstGeom>
-          <a:ln w="28575"/>
-        </p:spPr>
-        <p:style>
-          <a:lnRef idx="1">
-            <a:schemeClr val="accent1"/>
-          </a:lnRef>
-          <a:fillRef idx="0">
-            <a:schemeClr val="accent1"/>
-          </a:fillRef>
-          <a:effectRef idx="0">
-            <a:schemeClr val="accent1"/>
-          </a:effectRef>
-          <a:fontRef idx="minor">
-            <a:schemeClr val="tx1"/>
-          </a:fontRef>
-        </p:style>
-        <p:txBody>
-          <a:bodyPr rtlCol="0" anchor="ctr"/>
-          <a:lstStyle/>
-          <a:p>
-            <a:pPr algn="ctr"/>
-            <a:endParaRPr kumimoji="1" lang="ja-JP" altLang="en-US"/>
           </a:p>
         </p:txBody>
       </p:sp>
     </p:spTree>
     <p:extLst>
       <p:ext uri="{BB962C8B-B14F-4D97-AF65-F5344CB8AC3E}">
-        <p14:creationId xmlns:p14="http://schemas.microsoft.com/office/powerpoint/2010/main" val="451340435"/>
+        <p14:creationId xmlns:p14="http://schemas.microsoft.com/office/powerpoint/2010/main" val="2377400980"/>
       </p:ext>
     </p:extLst>
   </p:cSld>
@@ -23760,16 +24242,6 @@
             <a:r>
               <a:rPr lang="en-US" altLang="ja-JP" b="0" dirty="0">
                 <a:solidFill>
-                  <a:srgbClr val="B5CEA8"/>
-                </a:solidFill>
-                <a:effectLst/>
-                <a:latin typeface="Consolas" panose="020B0609020204030204" pitchFamily="49" charset="0"/>
-              </a:rPr>
-              <a:t> </a:t>
-            </a:r>
-            <a:r>
-              <a:rPr lang="en-US" altLang="ja-JP" b="0" dirty="0">
-                <a:solidFill>
                   <a:schemeClr val="tx1"/>
                 </a:solidFill>
                 <a:effectLst/>
@@ -23787,7 +24259,7 @@
                 <a:effectLst/>
                 <a:latin typeface="Consolas" panose="020B0609020204030204" pitchFamily="49" charset="0"/>
               </a:rPr>
-              <a:t>     </a:t>
+              <a:t>      </a:t>
             </a:r>
             <a:r>
               <a:rPr lang="en-US" altLang="ja-JP" b="0" dirty="0">
@@ -23940,51 +24412,12 @@
           </a:p>
         </p:txBody>
       </p:sp>
-      <p:cxnSp>
-        <p:nvCxnSpPr>
-          <p:cNvPr id="5" name="直線コネクタ 4">
+      <p:sp>
+        <p:nvSpPr>
+          <p:cNvPr id="12" name="右中かっこ 11">
             <a:extLst>
               <a:ext uri="{FF2B5EF4-FFF2-40B4-BE49-F238E27FC236}">
-                <a16:creationId xmlns:a16="http://schemas.microsoft.com/office/drawing/2014/main" id="{73CD1AB8-A7F8-E865-F0F6-D7E2A096BD3C}"/>
-              </a:ext>
-            </a:extLst>
-          </p:cNvPr>
-          <p:cNvCxnSpPr>
-            <a:cxnSpLocks/>
-          </p:cNvCxnSpPr>
-          <p:nvPr/>
-        </p:nvCxnSpPr>
-        <p:spPr>
-          <a:xfrm>
-            <a:off x="2049654" y="3429000"/>
-            <a:ext cx="0" cy="3151909"/>
-          </a:xfrm>
-          <a:prstGeom prst="line">
-            <a:avLst/>
-          </a:prstGeom>
-          <a:ln w="38100"/>
-        </p:spPr>
-        <p:style>
-          <a:lnRef idx="1">
-            <a:schemeClr val="accent2"/>
-          </a:lnRef>
-          <a:fillRef idx="0">
-            <a:schemeClr val="accent2"/>
-          </a:fillRef>
-          <a:effectRef idx="0">
-            <a:schemeClr val="accent2"/>
-          </a:effectRef>
-          <a:fontRef idx="minor">
-            <a:schemeClr val="tx1"/>
-          </a:fontRef>
-        </p:style>
-      </p:cxnSp>
-      <p:sp>
-        <p:nvSpPr>
-          <p:cNvPr id="6" name="右中かっこ 5">
-            <a:extLst>
-              <a:ext uri="{FF2B5EF4-FFF2-40B4-BE49-F238E27FC236}">
-                <a16:creationId xmlns:a16="http://schemas.microsoft.com/office/drawing/2014/main" id="{CE69139C-FB95-F6B0-9B40-25CD1F687B7D}"/>
+                <a16:creationId xmlns:a16="http://schemas.microsoft.com/office/drawing/2014/main" id="{8CF65BE9-B6D5-6CD5-71AD-053441F27540}"/>
               </a:ext>
             </a:extLst>
           </p:cNvPr>
@@ -23993,8 +24426,8 @@
         </p:nvSpPr>
         <p:spPr>
           <a:xfrm rot="5400000">
-            <a:off x="1465666" y="4985382"/>
-            <a:ext cx="366967" cy="771671"/>
+            <a:off x="1465667" y="4786670"/>
+            <a:ext cx="366967" cy="771673"/>
           </a:xfrm>
           <a:prstGeom prst="rightBrace">
             <a:avLst/>
@@ -24026,10 +24459,40 @@
       </p:sp>
       <p:sp>
         <p:nvSpPr>
-          <p:cNvPr id="4" name="右中かっこ 3">
+          <p:cNvPr id="5" name="スライド番号プレースホルダー 4">
             <a:extLst>
               <a:ext uri="{FF2B5EF4-FFF2-40B4-BE49-F238E27FC236}">
-                <a16:creationId xmlns:a16="http://schemas.microsoft.com/office/drawing/2014/main" id="{8A0E4D88-8AAA-12FE-E35F-0EE5178E4210}"/>
+                <a16:creationId xmlns:a16="http://schemas.microsoft.com/office/drawing/2014/main" id="{29680BE6-9550-B18A-3F93-58D4CE456BB9}"/>
+              </a:ext>
+            </a:extLst>
+          </p:cNvPr>
+          <p:cNvSpPr>
+            <a:spLocks noGrp="1"/>
+          </p:cNvSpPr>
+          <p:nvPr>
+            <p:ph type="sldNum" sz="quarter" idx="12"/>
+          </p:nvPr>
+        </p:nvSpPr>
+        <p:spPr/>
+        <p:txBody>
+          <a:bodyPr/>
+          <a:lstStyle/>
+          <a:p>
+            <a:fld id="{EBB17469-0394-43CE-8997-40175C06C0DE}" type="slidenum">
+              <a:rPr kumimoji="1" lang="ja-JP" altLang="en-US" smtClean="0"/>
+              <a:pPr/>
+              <a:t>28</a:t>
+            </a:fld>
+            <a:endParaRPr kumimoji="1" lang="ja-JP" altLang="en-US" dirty="0"/>
+          </a:p>
+        </p:txBody>
+      </p:sp>
+      <p:sp>
+        <p:nvSpPr>
+          <p:cNvPr id="7" name="右中かっこ 6">
+            <a:extLst>
+              <a:ext uri="{FF2B5EF4-FFF2-40B4-BE49-F238E27FC236}">
+                <a16:creationId xmlns:a16="http://schemas.microsoft.com/office/drawing/2014/main" id="{DD22E3F8-B382-5BC5-3463-54ED244BA5FD}"/>
               </a:ext>
             </a:extLst>
           </p:cNvPr>
@@ -24038,8 +24501,8 @@
         </p:nvSpPr>
         <p:spPr>
           <a:xfrm rot="5400000">
-            <a:off x="1577726" y="4131255"/>
-            <a:ext cx="366967" cy="995791"/>
+            <a:off x="1667373" y="3704893"/>
+            <a:ext cx="366967" cy="1175085"/>
           </a:xfrm>
           <a:prstGeom prst="rightBrace">
             <a:avLst/>
@@ -24072,7 +24535,7 @@
     </p:spTree>
     <p:extLst>
       <p:ext uri="{BB962C8B-B14F-4D97-AF65-F5344CB8AC3E}">
-        <p14:creationId xmlns:p14="http://schemas.microsoft.com/office/powerpoint/2010/main" val="1522174105"/>
+        <p14:creationId xmlns:p14="http://schemas.microsoft.com/office/powerpoint/2010/main" val="451340435"/>
       </p:ext>
     </p:extLst>
   </p:cSld>
@@ -24292,7 +24755,607 @@
             <a:r>
               <a:rPr lang="en-US" altLang="ja-JP" b="0" dirty="0">
                 <a:solidFill>
-                  <a:srgbClr val="B5CEA8"/>
+                  <a:schemeClr val="tx1"/>
+                </a:solidFill>
+                <a:effectLst/>
+                <a:latin typeface="Consolas" panose="020B0609020204030204" pitchFamily="49" charset="0"/>
+              </a:rPr>
+              <a:t>:</a:t>
+            </a:r>
+          </a:p>
+          <a:p>
+            <a:r>
+              <a:rPr lang="ja-JP" altLang="en-US" b="0" dirty="0">
+                <a:solidFill>
+                  <a:srgbClr val="D4D4D4"/>
+                </a:solidFill>
+                <a:effectLst/>
+                <a:latin typeface="Consolas" panose="020B0609020204030204" pitchFamily="49" charset="0"/>
+              </a:rPr>
+              <a:t>      </a:t>
+            </a:r>
+            <a:r>
+              <a:rPr lang="en-US" altLang="ja-JP" b="0" dirty="0">
+                <a:solidFill>
+                  <a:schemeClr val="accent4">
+                    <a:lumMod val="75000"/>
+                  </a:schemeClr>
+                </a:solidFill>
+                <a:effectLst/>
+                <a:latin typeface="Consolas" panose="020B0609020204030204" pitchFamily="49" charset="0"/>
+              </a:rPr>
+              <a:t>print</a:t>
+            </a:r>
+            <a:r>
+              <a:rPr lang="en-US" altLang="ja-JP" b="0" dirty="0">
+                <a:solidFill>
+                  <a:schemeClr val="tx1"/>
+                </a:solidFill>
+                <a:effectLst/>
+                <a:latin typeface="Consolas" panose="020B0609020204030204" pitchFamily="49" charset="0"/>
+              </a:rPr>
+              <a:t>(</a:t>
+            </a:r>
+            <a:r>
+              <a:rPr lang="en-US" altLang="ja-JP" b="0" dirty="0">
+                <a:solidFill>
+                  <a:srgbClr val="CE9178"/>
+                </a:solidFill>
+                <a:effectLst/>
+                <a:latin typeface="Consolas" panose="020B0609020204030204" pitchFamily="49" charset="0"/>
+              </a:rPr>
+              <a:t>"</a:t>
+            </a:r>
+            <a:r>
+              <a:rPr lang="ja-JP" altLang="en-US" b="0" dirty="0">
+                <a:solidFill>
+                  <a:srgbClr val="CE9178"/>
+                </a:solidFill>
+                <a:effectLst/>
+                <a:latin typeface="Consolas" panose="020B0609020204030204" pitchFamily="49" charset="0"/>
+              </a:rPr>
+              <a:t>正しいときの処理</a:t>
+            </a:r>
+            <a:r>
+              <a:rPr lang="en-US" altLang="ja-JP" b="0" dirty="0">
+                <a:solidFill>
+                  <a:srgbClr val="CE9178"/>
+                </a:solidFill>
+                <a:effectLst/>
+                <a:latin typeface="Consolas" panose="020B0609020204030204" pitchFamily="49" charset="0"/>
+              </a:rPr>
+              <a:t>"</a:t>
+            </a:r>
+            <a:r>
+              <a:rPr lang="en-US" altLang="ja-JP" b="0" dirty="0">
+                <a:solidFill>
+                  <a:schemeClr val="tx1"/>
+                </a:solidFill>
+                <a:effectLst/>
+                <a:latin typeface="Consolas" panose="020B0609020204030204" pitchFamily="49" charset="0"/>
+              </a:rPr>
+              <a:t>)</a:t>
+            </a:r>
+            <a:endParaRPr lang="en-US" altLang="ja-JP" b="0" dirty="0">
+              <a:solidFill>
+                <a:srgbClr val="D4D4D4"/>
+              </a:solidFill>
+              <a:effectLst/>
+              <a:latin typeface="Consolas" panose="020B0609020204030204" pitchFamily="49" charset="0"/>
+            </a:endParaRPr>
+          </a:p>
+          <a:p>
+            <a:r>
+              <a:rPr lang="ja-JP" altLang="en-US" b="0" dirty="0">
+                <a:solidFill>
+                  <a:schemeClr val="accent4">
+                    <a:lumMod val="75000"/>
+                  </a:schemeClr>
+                </a:solidFill>
+                <a:effectLst/>
+                <a:latin typeface="Consolas" panose="020B0609020204030204" pitchFamily="49" charset="0"/>
+              </a:rPr>
+              <a:t>    </a:t>
+            </a:r>
+            <a:r>
+              <a:rPr lang="en-US" altLang="ja-JP" b="0" dirty="0">
+                <a:solidFill>
+                  <a:schemeClr val="accent4">
+                    <a:lumMod val="75000"/>
+                  </a:schemeClr>
+                </a:solidFill>
+                <a:effectLst/>
+                <a:latin typeface="Consolas" panose="020B0609020204030204" pitchFamily="49" charset="0"/>
+              </a:rPr>
+              <a:t>print</a:t>
+            </a:r>
+            <a:r>
+              <a:rPr lang="en-US" altLang="ja-JP" b="0" dirty="0">
+                <a:solidFill>
+                  <a:schemeClr val="tx1"/>
+                </a:solidFill>
+                <a:effectLst/>
+                <a:latin typeface="Consolas" panose="020B0609020204030204" pitchFamily="49" charset="0"/>
+              </a:rPr>
+              <a:t>(</a:t>
+            </a:r>
+            <a:r>
+              <a:rPr lang="en-US" altLang="ja-JP" b="0" dirty="0">
+                <a:solidFill>
+                  <a:srgbClr val="CE9178"/>
+                </a:solidFill>
+                <a:effectLst/>
+                <a:latin typeface="Consolas" panose="020B0609020204030204" pitchFamily="49" charset="0"/>
+              </a:rPr>
+              <a:t>"</a:t>
+            </a:r>
+            <a:r>
+              <a:rPr lang="ja-JP" altLang="en-US" b="0" dirty="0">
+                <a:solidFill>
+                  <a:srgbClr val="CE9178"/>
+                </a:solidFill>
+                <a:effectLst/>
+                <a:latin typeface="Consolas" panose="020B0609020204030204" pitchFamily="49" charset="0"/>
+              </a:rPr>
+              <a:t>正しいときの処理</a:t>
+            </a:r>
+            <a:r>
+              <a:rPr lang="en-US" altLang="ja-JP" b="0" dirty="0">
+                <a:solidFill>
+                  <a:srgbClr val="CE9178"/>
+                </a:solidFill>
+                <a:effectLst/>
+                <a:latin typeface="Consolas" panose="020B0609020204030204" pitchFamily="49" charset="0"/>
+              </a:rPr>
+              <a:t>"</a:t>
+            </a:r>
+            <a:r>
+              <a:rPr lang="en-US" altLang="ja-JP" b="0" dirty="0">
+                <a:solidFill>
+                  <a:schemeClr val="tx1"/>
+                </a:solidFill>
+                <a:effectLst/>
+                <a:latin typeface="Consolas" panose="020B0609020204030204" pitchFamily="49" charset="0"/>
+              </a:rPr>
+              <a:t>)</a:t>
+            </a:r>
+          </a:p>
+          <a:p>
+            <a:endParaRPr kumimoji="1" lang="ja-JP" altLang="en-US" dirty="0"/>
+          </a:p>
+        </p:txBody>
+      </p:sp>
+      <p:cxnSp>
+        <p:nvCxnSpPr>
+          <p:cNvPr id="5" name="直線コネクタ 4">
+            <a:extLst>
+              <a:ext uri="{FF2B5EF4-FFF2-40B4-BE49-F238E27FC236}">
+                <a16:creationId xmlns:a16="http://schemas.microsoft.com/office/drawing/2014/main" id="{73CD1AB8-A7F8-E865-F0F6-D7E2A096BD3C}"/>
+              </a:ext>
+            </a:extLst>
+          </p:cNvPr>
+          <p:cNvCxnSpPr>
+            <a:cxnSpLocks/>
+          </p:cNvCxnSpPr>
+          <p:nvPr/>
+        </p:nvCxnSpPr>
+        <p:spPr>
+          <a:xfrm>
+            <a:off x="2049654" y="3429000"/>
+            <a:ext cx="0" cy="3151909"/>
+          </a:xfrm>
+          <a:prstGeom prst="line">
+            <a:avLst/>
+          </a:prstGeom>
+          <a:ln w="38100"/>
+        </p:spPr>
+        <p:style>
+          <a:lnRef idx="1">
+            <a:schemeClr val="accent2"/>
+          </a:lnRef>
+          <a:fillRef idx="0">
+            <a:schemeClr val="accent2"/>
+          </a:fillRef>
+          <a:effectRef idx="0">
+            <a:schemeClr val="accent2"/>
+          </a:effectRef>
+          <a:fontRef idx="minor">
+            <a:schemeClr val="tx1"/>
+          </a:fontRef>
+        </p:style>
+      </p:cxnSp>
+      <p:sp>
+        <p:nvSpPr>
+          <p:cNvPr id="4" name="右中かっこ 3">
+            <a:extLst>
+              <a:ext uri="{FF2B5EF4-FFF2-40B4-BE49-F238E27FC236}">
+                <a16:creationId xmlns:a16="http://schemas.microsoft.com/office/drawing/2014/main" id="{8A0E4D88-8AAA-12FE-E35F-0EE5178E4210}"/>
+              </a:ext>
+            </a:extLst>
+          </p:cNvPr>
+          <p:cNvSpPr/>
+          <p:nvPr/>
+        </p:nvSpPr>
+        <p:spPr>
+          <a:xfrm rot="5400000">
+            <a:off x="1667373" y="3704893"/>
+            <a:ext cx="366967" cy="1175085"/>
+          </a:xfrm>
+          <a:prstGeom prst="rightBrace">
+            <a:avLst/>
+          </a:prstGeom>
+          <a:ln w="28575"/>
+        </p:spPr>
+        <p:style>
+          <a:lnRef idx="1">
+            <a:schemeClr val="accent1"/>
+          </a:lnRef>
+          <a:fillRef idx="0">
+            <a:schemeClr val="accent1"/>
+          </a:fillRef>
+          <a:effectRef idx="0">
+            <a:schemeClr val="accent1"/>
+          </a:effectRef>
+          <a:fontRef idx="minor">
+            <a:schemeClr val="tx1"/>
+          </a:fontRef>
+        </p:style>
+        <p:txBody>
+          <a:bodyPr rtlCol="0" anchor="ctr"/>
+          <a:lstStyle/>
+          <a:p>
+            <a:pPr algn="ctr"/>
+            <a:endParaRPr kumimoji="1" lang="ja-JP" altLang="en-US"/>
+          </a:p>
+        </p:txBody>
+      </p:sp>
+      <p:sp>
+        <p:nvSpPr>
+          <p:cNvPr id="7" name="スライド番号プレースホルダー 6">
+            <a:extLst>
+              <a:ext uri="{FF2B5EF4-FFF2-40B4-BE49-F238E27FC236}">
+                <a16:creationId xmlns:a16="http://schemas.microsoft.com/office/drawing/2014/main" id="{D2E79C4C-8695-E5B0-A4FB-DCD7D6A3E773}"/>
+              </a:ext>
+            </a:extLst>
+          </p:cNvPr>
+          <p:cNvSpPr>
+            <a:spLocks noGrp="1"/>
+          </p:cNvSpPr>
+          <p:nvPr>
+            <p:ph type="sldNum" sz="quarter" idx="12"/>
+          </p:nvPr>
+        </p:nvSpPr>
+        <p:spPr/>
+        <p:txBody>
+          <a:bodyPr/>
+          <a:lstStyle/>
+          <a:p>
+            <a:fld id="{EBB17469-0394-43CE-8997-40175C06C0DE}" type="slidenum">
+              <a:rPr kumimoji="1" lang="ja-JP" altLang="en-US" smtClean="0"/>
+              <a:pPr/>
+              <a:t>29</a:t>
+            </a:fld>
+            <a:endParaRPr kumimoji="1" lang="ja-JP" altLang="en-US" dirty="0"/>
+          </a:p>
+        </p:txBody>
+      </p:sp>
+      <p:sp>
+        <p:nvSpPr>
+          <p:cNvPr id="8" name="右中かっこ 7">
+            <a:extLst>
+              <a:ext uri="{FF2B5EF4-FFF2-40B4-BE49-F238E27FC236}">
+                <a16:creationId xmlns:a16="http://schemas.microsoft.com/office/drawing/2014/main" id="{2C058BE1-B50B-2907-1181-BFE631C8DBF5}"/>
+              </a:ext>
+            </a:extLst>
+          </p:cNvPr>
+          <p:cNvSpPr/>
+          <p:nvPr/>
+        </p:nvSpPr>
+        <p:spPr>
+          <a:xfrm rot="5400000">
+            <a:off x="1465667" y="4786670"/>
+            <a:ext cx="366967" cy="771673"/>
+          </a:xfrm>
+          <a:prstGeom prst="rightBrace">
+            <a:avLst/>
+          </a:prstGeom>
+          <a:ln w="28575"/>
+        </p:spPr>
+        <p:style>
+          <a:lnRef idx="1">
+            <a:schemeClr val="accent1"/>
+          </a:lnRef>
+          <a:fillRef idx="0">
+            <a:schemeClr val="accent1"/>
+          </a:fillRef>
+          <a:effectRef idx="0">
+            <a:schemeClr val="accent1"/>
+          </a:effectRef>
+          <a:fontRef idx="minor">
+            <a:schemeClr val="tx1"/>
+          </a:fontRef>
+        </p:style>
+        <p:txBody>
+          <a:bodyPr rtlCol="0" anchor="ctr"/>
+          <a:lstStyle/>
+          <a:p>
+            <a:pPr algn="ctr"/>
+            <a:endParaRPr kumimoji="1" lang="ja-JP" altLang="en-US"/>
+          </a:p>
+        </p:txBody>
+      </p:sp>
+    </p:spTree>
+    <p:extLst>
+      <p:ext uri="{BB962C8B-B14F-4D97-AF65-F5344CB8AC3E}">
+        <p14:creationId xmlns:p14="http://schemas.microsoft.com/office/powerpoint/2010/main" val="1522174105"/>
+      </p:ext>
+    </p:extLst>
+  </p:cSld>
+  <p:clrMapOvr>
+    <a:masterClrMapping/>
+  </p:clrMapOvr>
+</p:sld>
+</file>
+
+<file path=ppt/slides/slide3.xml><?xml version="1.0" encoding="utf-8"?>
+<p:sld xmlns:a="http://schemas.openxmlformats.org/drawingml/2006/main" xmlns:r="http://schemas.openxmlformats.org/officeDocument/2006/relationships" xmlns:p="http://schemas.openxmlformats.org/presentationml/2006/main">
+  <p:cSld>
+    <p:spTree>
+      <p:nvGrpSpPr>
+        <p:cNvPr id="1" name=""/>
+        <p:cNvGrpSpPr/>
+        <p:nvPr/>
+      </p:nvGrpSpPr>
+      <p:grpSpPr>
+        <a:xfrm>
+          <a:off x="0" y="0"/>
+          <a:ext cx="0" cy="0"/>
+          <a:chOff x="0" y="0"/>
+          <a:chExt cx="0" cy="0"/>
+        </a:xfrm>
+      </p:grpSpPr>
+      <p:sp>
+        <p:nvSpPr>
+          <p:cNvPr id="2" name="タイトル 1">
+            <a:extLst>
+              <a:ext uri="{FF2B5EF4-FFF2-40B4-BE49-F238E27FC236}">
+                <a16:creationId xmlns:a16="http://schemas.microsoft.com/office/drawing/2014/main" id="{2387095D-C9AF-6539-FE51-B4BA8B2A60D3}"/>
+              </a:ext>
+            </a:extLst>
+          </p:cNvPr>
+          <p:cNvSpPr>
+            <a:spLocks noGrp="1"/>
+          </p:cNvSpPr>
+          <p:nvPr>
+            <p:ph type="title"/>
+          </p:nvPr>
+        </p:nvSpPr>
+        <p:spPr/>
+        <p:txBody>
+          <a:bodyPr/>
+          <a:lstStyle/>
+          <a:p>
+            <a:r>
+              <a:rPr kumimoji="1" lang="ja-JP" altLang="en-US" dirty="0"/>
+              <a:t>目次</a:t>
+            </a:r>
+          </a:p>
+        </p:txBody>
+      </p:sp>
+      <p:sp>
+        <p:nvSpPr>
+          <p:cNvPr id="3" name="コンテンツ プレースホルダー 2">
+            <a:extLst>
+              <a:ext uri="{FF2B5EF4-FFF2-40B4-BE49-F238E27FC236}">
+                <a16:creationId xmlns:a16="http://schemas.microsoft.com/office/drawing/2014/main" id="{F9900FA4-BEE7-5520-F9F8-5E0DD5877612}"/>
+              </a:ext>
+            </a:extLst>
+          </p:cNvPr>
+          <p:cNvSpPr>
+            <a:spLocks noGrp="1"/>
+          </p:cNvSpPr>
+          <p:nvPr>
+            <p:ph idx="1"/>
+          </p:nvPr>
+        </p:nvSpPr>
+        <p:spPr/>
+        <p:txBody>
+          <a:bodyPr>
+            <a:normAutofit/>
+          </a:bodyPr>
+          <a:lstStyle/>
+          <a:p>
+            <a:pPr marL="457200" indent="-457200">
+              <a:lnSpc>
+                <a:spcPct val="150000"/>
+              </a:lnSpc>
+              <a:buFont typeface="+mj-lt"/>
+              <a:buAutoNum type="arabicPeriod"/>
+            </a:pPr>
+            <a:r>
+              <a:rPr kumimoji="1" lang="ja-JP" altLang="en-US" dirty="0">
+                <a:solidFill>
+                  <a:srgbClr val="FF0000"/>
+                </a:solidFill>
+              </a:rPr>
+              <a:t>標準入力</a:t>
+            </a:r>
+            <a:endParaRPr kumimoji="1" lang="en-US" altLang="ja-JP" dirty="0">
+              <a:solidFill>
+                <a:srgbClr val="FF0000"/>
+              </a:solidFill>
+            </a:endParaRPr>
+          </a:p>
+          <a:p>
+            <a:pPr marL="457200" indent="-457200">
+              <a:lnSpc>
+                <a:spcPct val="150000"/>
+              </a:lnSpc>
+              <a:buFont typeface="+mj-lt"/>
+              <a:buAutoNum type="arabicPeriod"/>
+            </a:pPr>
+            <a:r>
+              <a:rPr lang="ja-JP" altLang="en-US" dirty="0"/>
+              <a:t>変数の型</a:t>
+            </a:r>
+            <a:endParaRPr lang="en-US" altLang="ja-JP" dirty="0"/>
+          </a:p>
+          <a:p>
+            <a:pPr marL="457200" indent="-457200">
+              <a:lnSpc>
+                <a:spcPct val="150000"/>
+              </a:lnSpc>
+              <a:buFont typeface="+mj-lt"/>
+              <a:buAutoNum type="arabicPeriod"/>
+            </a:pPr>
+            <a:r>
+              <a:rPr lang="ja-JP" altLang="en-US" dirty="0"/>
+              <a:t>値の比較</a:t>
+            </a:r>
+            <a:endParaRPr lang="en-US" altLang="ja-JP" dirty="0"/>
+          </a:p>
+          <a:p>
+            <a:pPr marL="457200" indent="-457200">
+              <a:lnSpc>
+                <a:spcPct val="150000"/>
+              </a:lnSpc>
+              <a:buFont typeface="+mj-lt"/>
+              <a:buAutoNum type="arabicPeriod"/>
+            </a:pPr>
+            <a:r>
+              <a:rPr kumimoji="1" lang="ja-JP" altLang="en-US" dirty="0"/>
+              <a:t>条件分岐</a:t>
+            </a:r>
+          </a:p>
+        </p:txBody>
+      </p:sp>
+      <p:sp>
+        <p:nvSpPr>
+          <p:cNvPr id="4" name="スライド番号プレースホルダー 3">
+            <a:extLst>
+              <a:ext uri="{FF2B5EF4-FFF2-40B4-BE49-F238E27FC236}">
+                <a16:creationId xmlns:a16="http://schemas.microsoft.com/office/drawing/2014/main" id="{7C5DD073-0FAC-FF8A-B9C7-1BA12AA851DD}"/>
+              </a:ext>
+            </a:extLst>
+          </p:cNvPr>
+          <p:cNvSpPr>
+            <a:spLocks noGrp="1"/>
+          </p:cNvSpPr>
+          <p:nvPr>
+            <p:ph type="sldNum" sz="quarter" idx="12"/>
+          </p:nvPr>
+        </p:nvSpPr>
+        <p:spPr/>
+        <p:txBody>
+          <a:bodyPr/>
+          <a:lstStyle/>
+          <a:p>
+            <a:fld id="{EBB17469-0394-43CE-8997-40175C06C0DE}" type="slidenum">
+              <a:rPr kumimoji="1" lang="ja-JP" altLang="en-US" smtClean="0"/>
+              <a:pPr/>
+              <a:t>3</a:t>
+            </a:fld>
+            <a:endParaRPr kumimoji="1" lang="ja-JP" altLang="en-US" dirty="0"/>
+          </a:p>
+        </p:txBody>
+      </p:sp>
+    </p:spTree>
+    <p:extLst>
+      <p:ext uri="{BB962C8B-B14F-4D97-AF65-F5344CB8AC3E}">
+        <p14:creationId xmlns:p14="http://schemas.microsoft.com/office/powerpoint/2010/main" val="166508886"/>
+      </p:ext>
+    </p:extLst>
+  </p:cSld>
+  <p:clrMapOvr>
+    <a:masterClrMapping/>
+  </p:clrMapOvr>
+</p:sld>
+</file>
+
+<file path=ppt/slides/slide30.xml><?xml version="1.0" encoding="utf-8"?>
+<p:sld xmlns:a="http://schemas.openxmlformats.org/drawingml/2006/main" xmlns:r="http://schemas.openxmlformats.org/officeDocument/2006/relationships" xmlns:p="http://schemas.openxmlformats.org/presentationml/2006/main">
+  <p:cSld>
+    <p:spTree>
+      <p:nvGrpSpPr>
+        <p:cNvPr id="1" name=""/>
+        <p:cNvGrpSpPr/>
+        <p:nvPr/>
+      </p:nvGrpSpPr>
+      <p:grpSpPr>
+        <a:xfrm>
+          <a:off x="0" y="0"/>
+          <a:ext cx="0" cy="0"/>
+          <a:chOff x="0" y="0"/>
+          <a:chExt cx="0" cy="0"/>
+        </a:xfrm>
+      </p:grpSpPr>
+      <p:sp>
+        <p:nvSpPr>
+          <p:cNvPr id="2" name="タイトル 1">
+            <a:extLst>
+              <a:ext uri="{FF2B5EF4-FFF2-40B4-BE49-F238E27FC236}">
+                <a16:creationId xmlns:a16="http://schemas.microsoft.com/office/drawing/2014/main" id="{05946744-D1D1-CF8A-0517-6DF80336953A}"/>
+              </a:ext>
+            </a:extLst>
+          </p:cNvPr>
+          <p:cNvSpPr>
+            <a:spLocks noGrp="1"/>
+          </p:cNvSpPr>
+          <p:nvPr>
+            <p:ph type="title"/>
+          </p:nvPr>
+        </p:nvSpPr>
+        <p:spPr/>
+        <p:txBody>
+          <a:bodyPr/>
+          <a:lstStyle/>
+          <a:p>
+            <a:r>
+              <a:rPr kumimoji="1" lang="en-US" altLang="ja-JP" dirty="0"/>
+              <a:t>if</a:t>
+            </a:r>
+            <a:r>
+              <a:rPr kumimoji="1" lang="ja-JP" altLang="en-US" dirty="0"/>
+              <a:t>文の有効範囲</a:t>
+            </a:r>
+          </a:p>
+        </p:txBody>
+      </p:sp>
+      <p:sp>
+        <p:nvSpPr>
+          <p:cNvPr id="3" name="コンテンツ プレースホルダー 2">
+            <a:extLst>
+              <a:ext uri="{FF2B5EF4-FFF2-40B4-BE49-F238E27FC236}">
+                <a16:creationId xmlns:a16="http://schemas.microsoft.com/office/drawing/2014/main" id="{F9DB33CC-C5E6-9BA5-07C9-9E7890F1B92A}"/>
+              </a:ext>
+            </a:extLst>
+          </p:cNvPr>
+          <p:cNvSpPr>
+            <a:spLocks noGrp="1"/>
+          </p:cNvSpPr>
+          <p:nvPr>
+            <p:ph idx="1"/>
+          </p:nvPr>
+        </p:nvSpPr>
+        <p:spPr/>
+        <p:txBody>
+          <a:bodyPr/>
+          <a:lstStyle/>
+          <a:p>
+            <a:r>
+              <a:rPr lang="en-US" altLang="ja-JP" b="0" dirty="0">
+                <a:solidFill>
+                  <a:srgbClr val="00B0F0"/>
+                </a:solidFill>
+                <a:effectLst/>
+                <a:latin typeface="Consolas" panose="020B0609020204030204" pitchFamily="49" charset="0"/>
+              </a:rPr>
+              <a:t>a</a:t>
+            </a:r>
+            <a:r>
+              <a:rPr lang="en-US" altLang="ja-JP" b="0" dirty="0">
+                <a:solidFill>
+                  <a:srgbClr val="D4D4D4"/>
                 </a:solidFill>
                 <a:effectLst/>
                 <a:latin typeface="Consolas" panose="020B0609020204030204" pitchFamily="49" charset="0"/>
@@ -24307,6 +25370,123 @@
                 <a:effectLst/>
                 <a:latin typeface="Consolas" panose="020B0609020204030204" pitchFamily="49" charset="0"/>
               </a:rPr>
+              <a:t>=</a:t>
+            </a:r>
+            <a:r>
+              <a:rPr lang="en-US" altLang="ja-JP" b="0" dirty="0">
+                <a:solidFill>
+                  <a:srgbClr val="D4D4D4"/>
+                </a:solidFill>
+                <a:effectLst/>
+                <a:latin typeface="Consolas" panose="020B0609020204030204" pitchFamily="49" charset="0"/>
+              </a:rPr>
+              <a:t> </a:t>
+            </a:r>
+            <a:r>
+              <a:rPr lang="en-US" altLang="ja-JP" b="0" dirty="0">
+                <a:solidFill>
+                  <a:srgbClr val="92D050"/>
+                </a:solidFill>
+                <a:effectLst/>
+                <a:latin typeface="Consolas" panose="020B0609020204030204" pitchFamily="49" charset="0"/>
+              </a:rPr>
+              <a:t>5</a:t>
+            </a:r>
+            <a:r>
+              <a:rPr lang="en-US" altLang="ja-JP" dirty="0">
+                <a:solidFill>
+                  <a:srgbClr val="92D050"/>
+                </a:solidFill>
+              </a:rPr>
+              <a:t>0</a:t>
+            </a:r>
+            <a:endParaRPr lang="en-US" altLang="ja-JP" b="0" dirty="0">
+              <a:solidFill>
+                <a:srgbClr val="92D050"/>
+              </a:solidFill>
+              <a:effectLst/>
+              <a:latin typeface="Consolas" panose="020B0609020204030204" pitchFamily="49" charset="0"/>
+            </a:endParaRPr>
+          </a:p>
+          <a:p>
+            <a:r>
+              <a:rPr lang="en-US" altLang="ja-JP" b="0" dirty="0">
+                <a:solidFill>
+                  <a:srgbClr val="C586C0"/>
+                </a:solidFill>
+                <a:effectLst/>
+                <a:latin typeface="Consolas" panose="020B0609020204030204" pitchFamily="49" charset="0"/>
+              </a:rPr>
+              <a:t>if</a:t>
+            </a:r>
+            <a:r>
+              <a:rPr lang="en-US" altLang="ja-JP" b="0" dirty="0">
+                <a:solidFill>
+                  <a:srgbClr val="D4D4D4"/>
+                </a:solidFill>
+                <a:effectLst/>
+                <a:latin typeface="Consolas" panose="020B0609020204030204" pitchFamily="49" charset="0"/>
+              </a:rPr>
+              <a:t> </a:t>
+            </a:r>
+            <a:r>
+              <a:rPr lang="en-US" altLang="ja-JP" b="0" dirty="0">
+                <a:solidFill>
+                  <a:srgbClr val="00B0F0"/>
+                </a:solidFill>
+                <a:effectLst/>
+                <a:latin typeface="Consolas" panose="020B0609020204030204" pitchFamily="49" charset="0"/>
+              </a:rPr>
+              <a:t>a</a:t>
+            </a:r>
+            <a:r>
+              <a:rPr lang="en-US" altLang="ja-JP" b="0" dirty="0">
+                <a:solidFill>
+                  <a:srgbClr val="D4D4D4"/>
+                </a:solidFill>
+                <a:effectLst/>
+                <a:latin typeface="Consolas" panose="020B0609020204030204" pitchFamily="49" charset="0"/>
+              </a:rPr>
+              <a:t> </a:t>
+            </a:r>
+            <a:r>
+              <a:rPr lang="en-US" altLang="ja-JP" b="0" dirty="0">
+                <a:solidFill>
+                  <a:schemeClr val="tx1"/>
+                </a:solidFill>
+                <a:effectLst/>
+                <a:latin typeface="Consolas" panose="020B0609020204030204" pitchFamily="49" charset="0"/>
+              </a:rPr>
+              <a:t>==</a:t>
+            </a:r>
+            <a:r>
+              <a:rPr lang="en-US" altLang="ja-JP" b="0" dirty="0">
+                <a:solidFill>
+                  <a:srgbClr val="D4D4D4"/>
+                </a:solidFill>
+                <a:effectLst/>
+                <a:latin typeface="Consolas" panose="020B0609020204030204" pitchFamily="49" charset="0"/>
+              </a:rPr>
+              <a:t> </a:t>
+            </a:r>
+            <a:r>
+              <a:rPr lang="en-US" altLang="ja-JP" b="0" dirty="0">
+                <a:solidFill>
+                  <a:srgbClr val="92D050"/>
+                </a:solidFill>
+                <a:effectLst/>
+                <a:latin typeface="Consolas" panose="020B0609020204030204" pitchFamily="49" charset="0"/>
+              </a:rPr>
+              <a:t>50</a:t>
+            </a:r>
+            <a:r>
+              <a:rPr lang="en-US" altLang="ja-JP" b="0" dirty="0">
+                <a:solidFill>
+                  <a:schemeClr val="tx1"/>
+                </a:solidFill>
+                <a:effectLst/>
+                <a:latin typeface="Consolas" panose="020B0609020204030204" pitchFamily="49" charset="0"/>
+              </a:rPr>
               <a:t>:</a:t>
             </a:r>
           </a:p>
@@ -24319,7 +25499,7 @@
                 <a:effectLst/>
                 <a:latin typeface="Consolas" panose="020B0609020204030204" pitchFamily="49" charset="0"/>
               </a:rPr>
-              <a:t>     </a:t>
+              <a:t>      </a:t>
             </a:r>
             <a:r>
               <a:rPr lang="en-US" altLang="ja-JP" b="0" dirty="0">
@@ -24507,8 +25687,8 @@
         </p:nvSpPr>
         <p:spPr>
           <a:xfrm>
-            <a:off x="7107382" y="4766234"/>
-            <a:ext cx="4391890" cy="646331"/>
+            <a:off x="7069141" y="4756916"/>
+            <a:ext cx="5122859" cy="646331"/>
           </a:xfrm>
           <a:prstGeom prst="rect">
             <a:avLst/>
@@ -24522,106 +25702,36 @@
           <a:lstStyle/>
           <a:p>
             <a:r>
-              <a:rPr lang="en-US" altLang="ja-JP" sz="3600" b="1" i="0" dirty="0" err="1">
+              <a:rPr lang="en-US" altLang="ja-JP" sz="3600" b="1" i="0" dirty="0">
                 <a:solidFill>
                   <a:srgbClr val="CD3131"/>
                 </a:solidFill>
                 <a:effectLst/>
                 <a:latin typeface="Consolas" panose="020B0609020204030204" pitchFamily="49" charset="0"/>
               </a:rPr>
-              <a:t>IndentationError</a:t>
+              <a:t>Indentation</a:t>
+            </a:r>
+            <a:r>
+              <a:rPr lang="ja-JP" altLang="en-US" sz="3600" b="1" i="0" dirty="0">
+                <a:solidFill>
+                  <a:srgbClr val="CD3131"/>
+                </a:solidFill>
+                <a:effectLst/>
+                <a:latin typeface="Consolas" panose="020B0609020204030204" pitchFamily="49" charset="0"/>
+              </a:rPr>
+              <a:t> </a:t>
+            </a:r>
+            <a:r>
+              <a:rPr lang="en-US" altLang="ja-JP" sz="3600" b="1" i="0" dirty="0">
+                <a:solidFill>
+                  <a:srgbClr val="CD3131"/>
+                </a:solidFill>
+                <a:effectLst/>
+                <a:latin typeface="Consolas" panose="020B0609020204030204" pitchFamily="49" charset="0"/>
+              </a:rPr>
+              <a:t>Error</a:t>
             </a:r>
             <a:endParaRPr kumimoji="1" lang="ja-JP" altLang="en-US" sz="3600" dirty="0"/>
-          </a:p>
-        </p:txBody>
-      </p:sp>
-      <p:sp>
-        <p:nvSpPr>
-          <p:cNvPr id="4" name="右中かっこ 3">
-            <a:extLst>
-              <a:ext uri="{FF2B5EF4-FFF2-40B4-BE49-F238E27FC236}">
-                <a16:creationId xmlns:a16="http://schemas.microsoft.com/office/drawing/2014/main" id="{6F5EA33C-C9F8-76B5-6DB2-71635B3D7BAA}"/>
-              </a:ext>
-            </a:extLst>
-          </p:cNvPr>
-          <p:cNvSpPr/>
-          <p:nvPr/>
-        </p:nvSpPr>
-        <p:spPr>
-          <a:xfrm rot="5400000">
-            <a:off x="1577726" y="4131255"/>
-            <a:ext cx="366967" cy="995791"/>
-          </a:xfrm>
-          <a:prstGeom prst="rightBrace">
-            <a:avLst/>
-          </a:prstGeom>
-          <a:ln w="28575"/>
-        </p:spPr>
-        <p:style>
-          <a:lnRef idx="1">
-            <a:schemeClr val="accent1"/>
-          </a:lnRef>
-          <a:fillRef idx="0">
-            <a:schemeClr val="accent1"/>
-          </a:fillRef>
-          <a:effectRef idx="0">
-            <a:schemeClr val="accent1"/>
-          </a:effectRef>
-          <a:fontRef idx="minor">
-            <a:schemeClr val="tx1"/>
-          </a:fontRef>
-        </p:style>
-        <p:txBody>
-          <a:bodyPr rtlCol="0" anchor="ctr"/>
-          <a:lstStyle/>
-          <a:p>
-            <a:pPr algn="ctr"/>
-            <a:endParaRPr kumimoji="1" lang="ja-JP" altLang="en-US"/>
-          </a:p>
-        </p:txBody>
-      </p:sp>
-      <p:sp>
-        <p:nvSpPr>
-          <p:cNvPr id="7" name="右中かっこ 6">
-            <a:extLst>
-              <a:ext uri="{FF2B5EF4-FFF2-40B4-BE49-F238E27FC236}">
-                <a16:creationId xmlns:a16="http://schemas.microsoft.com/office/drawing/2014/main" id="{C97D9411-5592-17C5-0925-09C84ED8189E}"/>
-              </a:ext>
-            </a:extLst>
-          </p:cNvPr>
-          <p:cNvSpPr/>
-          <p:nvPr/>
-        </p:nvSpPr>
-        <p:spPr>
-          <a:xfrm rot="5400000">
-            <a:off x="1465667" y="4985381"/>
-            <a:ext cx="366967" cy="771673"/>
-          </a:xfrm>
-          <a:prstGeom prst="rightBrace">
-            <a:avLst/>
-          </a:prstGeom>
-          <a:ln w="28575"/>
-        </p:spPr>
-        <p:style>
-          <a:lnRef idx="1">
-            <a:schemeClr val="accent1"/>
-          </a:lnRef>
-          <a:fillRef idx="0">
-            <a:schemeClr val="accent1"/>
-          </a:fillRef>
-          <a:effectRef idx="0">
-            <a:schemeClr val="accent1"/>
-          </a:effectRef>
-          <a:fontRef idx="minor">
-            <a:schemeClr val="tx1"/>
-          </a:fontRef>
-        </p:style>
-        <p:txBody>
-          <a:bodyPr rtlCol="0" anchor="ctr"/>
-          <a:lstStyle/>
-          <a:p>
-            <a:pPr algn="ctr"/>
-            <a:endParaRPr kumimoji="1" lang="ja-JP" altLang="en-US"/>
           </a:p>
         </p:txBody>
       </p:sp>
@@ -24664,6 +25774,126 @@
           </a:fontRef>
         </p:style>
       </p:cxnSp>
+      <p:sp>
+        <p:nvSpPr>
+          <p:cNvPr id="5" name="スライド番号プレースホルダー 4">
+            <a:extLst>
+              <a:ext uri="{FF2B5EF4-FFF2-40B4-BE49-F238E27FC236}">
+                <a16:creationId xmlns:a16="http://schemas.microsoft.com/office/drawing/2014/main" id="{4437E802-B32C-CDB4-C559-12332A207F8B}"/>
+              </a:ext>
+            </a:extLst>
+          </p:cNvPr>
+          <p:cNvSpPr>
+            <a:spLocks noGrp="1"/>
+          </p:cNvSpPr>
+          <p:nvPr>
+            <p:ph type="sldNum" sz="quarter" idx="12"/>
+          </p:nvPr>
+        </p:nvSpPr>
+        <p:spPr/>
+        <p:txBody>
+          <a:bodyPr/>
+          <a:lstStyle/>
+          <a:p>
+            <a:fld id="{EBB17469-0394-43CE-8997-40175C06C0DE}" type="slidenum">
+              <a:rPr kumimoji="1" lang="ja-JP" altLang="en-US" smtClean="0"/>
+              <a:pPr/>
+              <a:t>30</a:t>
+            </a:fld>
+            <a:endParaRPr kumimoji="1" lang="ja-JP" altLang="en-US" dirty="0"/>
+          </a:p>
+        </p:txBody>
+      </p:sp>
+      <p:sp>
+        <p:nvSpPr>
+          <p:cNvPr id="10" name="右中かっこ 9">
+            <a:extLst>
+              <a:ext uri="{FF2B5EF4-FFF2-40B4-BE49-F238E27FC236}">
+                <a16:creationId xmlns:a16="http://schemas.microsoft.com/office/drawing/2014/main" id="{7C1B77E6-E93A-F9D5-8739-65E739DF2718}"/>
+              </a:ext>
+            </a:extLst>
+          </p:cNvPr>
+          <p:cNvSpPr/>
+          <p:nvPr/>
+        </p:nvSpPr>
+        <p:spPr>
+          <a:xfrm rot="5400000">
+            <a:off x="1667373" y="3704893"/>
+            <a:ext cx="366967" cy="1175085"/>
+          </a:xfrm>
+          <a:prstGeom prst="rightBrace">
+            <a:avLst/>
+          </a:prstGeom>
+          <a:ln w="28575"/>
+        </p:spPr>
+        <p:style>
+          <a:lnRef idx="1">
+            <a:schemeClr val="accent1"/>
+          </a:lnRef>
+          <a:fillRef idx="0">
+            <a:schemeClr val="accent1"/>
+          </a:fillRef>
+          <a:effectRef idx="0">
+            <a:schemeClr val="accent1"/>
+          </a:effectRef>
+          <a:fontRef idx="minor">
+            <a:schemeClr val="tx1"/>
+          </a:fontRef>
+        </p:style>
+        <p:txBody>
+          <a:bodyPr rtlCol="0" anchor="ctr"/>
+          <a:lstStyle/>
+          <a:p>
+            <a:pPr algn="ctr"/>
+            <a:endParaRPr kumimoji="1" lang="ja-JP" altLang="en-US"/>
+          </a:p>
+        </p:txBody>
+      </p:sp>
+      <p:sp>
+        <p:nvSpPr>
+          <p:cNvPr id="12" name="右中かっこ 11">
+            <a:extLst>
+              <a:ext uri="{FF2B5EF4-FFF2-40B4-BE49-F238E27FC236}">
+                <a16:creationId xmlns:a16="http://schemas.microsoft.com/office/drawing/2014/main" id="{D522D026-EEB3-7630-9E7C-56C3C6976DCF}"/>
+              </a:ext>
+            </a:extLst>
+          </p:cNvPr>
+          <p:cNvSpPr/>
+          <p:nvPr/>
+        </p:nvSpPr>
+        <p:spPr>
+          <a:xfrm rot="5400000">
+            <a:off x="1465667" y="4786670"/>
+            <a:ext cx="366967" cy="771673"/>
+          </a:xfrm>
+          <a:prstGeom prst="rightBrace">
+            <a:avLst/>
+          </a:prstGeom>
+          <a:ln w="28575"/>
+        </p:spPr>
+        <p:style>
+          <a:lnRef idx="1">
+            <a:schemeClr val="accent1"/>
+          </a:lnRef>
+          <a:fillRef idx="0">
+            <a:schemeClr val="accent1"/>
+          </a:fillRef>
+          <a:effectRef idx="0">
+            <a:schemeClr val="accent1"/>
+          </a:effectRef>
+          <a:fontRef idx="minor">
+            <a:schemeClr val="tx1"/>
+          </a:fontRef>
+        </p:style>
+        <p:txBody>
+          <a:bodyPr rtlCol="0" anchor="ctr"/>
+          <a:lstStyle/>
+          <a:p>
+            <a:pPr algn="ctr"/>
+            <a:endParaRPr kumimoji="1" lang="ja-JP" altLang="en-US"/>
+          </a:p>
+        </p:txBody>
+      </p:sp>
     </p:spTree>
     <p:extLst>
       <p:ext uri="{BB962C8B-B14F-4D97-AF65-F5344CB8AC3E}">
@@ -24677,152 +25907,7 @@
 </p:sld>
 </file>
 
-<file path=ppt/slides/slide3.xml><?xml version="1.0" encoding="utf-8"?>
-<p:sld xmlns:a="http://schemas.openxmlformats.org/drawingml/2006/main" xmlns:r="http://schemas.openxmlformats.org/officeDocument/2006/relationships" xmlns:p="http://schemas.openxmlformats.org/presentationml/2006/main">
-  <p:cSld>
-    <p:spTree>
-      <p:nvGrpSpPr>
-        <p:cNvPr id="1" name=""/>
-        <p:cNvGrpSpPr/>
-        <p:nvPr/>
-      </p:nvGrpSpPr>
-      <p:grpSpPr>
-        <a:xfrm>
-          <a:off x="0" y="0"/>
-          <a:ext cx="0" cy="0"/>
-          <a:chOff x="0" y="0"/>
-          <a:chExt cx="0" cy="0"/>
-        </a:xfrm>
-      </p:grpSpPr>
-      <p:sp>
-        <p:nvSpPr>
-          <p:cNvPr id="2" name="タイトル 1">
-            <a:extLst>
-              <a:ext uri="{FF2B5EF4-FFF2-40B4-BE49-F238E27FC236}">
-                <a16:creationId xmlns:a16="http://schemas.microsoft.com/office/drawing/2014/main" id="{2387095D-C9AF-6539-FE51-B4BA8B2A60D3}"/>
-              </a:ext>
-            </a:extLst>
-          </p:cNvPr>
-          <p:cNvSpPr>
-            <a:spLocks noGrp="1"/>
-          </p:cNvSpPr>
-          <p:nvPr>
-            <p:ph type="title"/>
-          </p:nvPr>
-        </p:nvSpPr>
-        <p:spPr/>
-        <p:txBody>
-          <a:bodyPr/>
-          <a:lstStyle/>
-          <a:p>
-            <a:r>
-              <a:rPr kumimoji="1" lang="ja-JP" altLang="en-US" dirty="0"/>
-              <a:t>目次</a:t>
-            </a:r>
-          </a:p>
-        </p:txBody>
-      </p:sp>
-      <p:sp>
-        <p:nvSpPr>
-          <p:cNvPr id="3" name="コンテンツ プレースホルダー 2">
-            <a:extLst>
-              <a:ext uri="{FF2B5EF4-FFF2-40B4-BE49-F238E27FC236}">
-                <a16:creationId xmlns:a16="http://schemas.microsoft.com/office/drawing/2014/main" id="{F9900FA4-BEE7-5520-F9F8-5E0DD5877612}"/>
-              </a:ext>
-            </a:extLst>
-          </p:cNvPr>
-          <p:cNvSpPr>
-            <a:spLocks noGrp="1"/>
-          </p:cNvSpPr>
-          <p:nvPr>
-            <p:ph idx="1"/>
-          </p:nvPr>
-        </p:nvSpPr>
-        <p:spPr/>
-        <p:txBody>
-          <a:bodyPr>
-            <a:normAutofit/>
-          </a:bodyPr>
-          <a:lstStyle/>
-          <a:p>
-            <a:pPr marL="457200" indent="-457200">
-              <a:lnSpc>
-                <a:spcPct val="150000"/>
-              </a:lnSpc>
-              <a:buFont typeface="+mj-lt"/>
-              <a:buAutoNum type="arabicPeriod"/>
-            </a:pPr>
-            <a:r>
-              <a:rPr kumimoji="1" lang="ja-JP" altLang="en-US" dirty="0">
-                <a:solidFill>
-                  <a:srgbClr val="FF0000"/>
-                </a:solidFill>
-              </a:rPr>
-              <a:t>標準入力</a:t>
-            </a:r>
-            <a:endParaRPr kumimoji="1" lang="en-US" altLang="ja-JP" dirty="0">
-              <a:solidFill>
-                <a:srgbClr val="FF0000"/>
-              </a:solidFill>
-            </a:endParaRPr>
-          </a:p>
-          <a:p>
-            <a:pPr marL="457200" indent="-457200">
-              <a:lnSpc>
-                <a:spcPct val="150000"/>
-              </a:lnSpc>
-              <a:buFont typeface="+mj-lt"/>
-              <a:buAutoNum type="arabicPeriod"/>
-            </a:pPr>
-            <a:r>
-              <a:rPr lang="ja-JP" altLang="en-US" dirty="0"/>
-              <a:t>変数の型</a:t>
-            </a:r>
-            <a:endParaRPr lang="en-US" altLang="ja-JP" dirty="0"/>
-          </a:p>
-          <a:p>
-            <a:pPr marL="457200" indent="-457200">
-              <a:lnSpc>
-                <a:spcPct val="150000"/>
-              </a:lnSpc>
-              <a:buFont typeface="+mj-lt"/>
-              <a:buAutoNum type="arabicPeriod"/>
-            </a:pPr>
-            <a:r>
-              <a:rPr lang="ja-JP" altLang="en-US" dirty="0"/>
-              <a:t>値の比較</a:t>
-            </a:r>
-            <a:endParaRPr lang="en-US" altLang="ja-JP" dirty="0"/>
-          </a:p>
-          <a:p>
-            <a:pPr marL="457200" indent="-457200">
-              <a:lnSpc>
-                <a:spcPct val="150000"/>
-              </a:lnSpc>
-              <a:buFont typeface="+mj-lt"/>
-              <a:buAutoNum type="arabicPeriod"/>
-            </a:pPr>
-            <a:r>
-              <a:rPr kumimoji="1" lang="ja-JP" altLang="en-US" dirty="0"/>
-              <a:t>条件分岐</a:t>
-            </a:r>
-          </a:p>
-        </p:txBody>
-      </p:sp>
-    </p:spTree>
-    <p:extLst>
-      <p:ext uri="{BB962C8B-B14F-4D97-AF65-F5344CB8AC3E}">
-        <p14:creationId xmlns:p14="http://schemas.microsoft.com/office/powerpoint/2010/main" val="166508886"/>
-      </p:ext>
-    </p:extLst>
-  </p:cSld>
-  <p:clrMapOvr>
-    <a:masterClrMapping/>
-  </p:clrMapOvr>
-</p:sld>
-</file>
-
-<file path=ppt/slides/slide30.xml><?xml version="1.0" encoding="utf-8"?>
+<file path=ppt/slides/slide31.xml><?xml version="1.0" encoding="utf-8"?>
 <p:sld xmlns:a="http://schemas.openxmlformats.org/drawingml/2006/main" xmlns:r="http://schemas.openxmlformats.org/officeDocument/2006/relationships" xmlns:p="http://schemas.openxmlformats.org/presentationml/2006/main">
   <p:cSld>
     <p:spTree>
@@ -25038,6 +26123,36 @@
           </a:p>
         </p:txBody>
       </p:sp>
+      <p:sp>
+        <p:nvSpPr>
+          <p:cNvPr id="4" name="スライド番号プレースホルダー 3">
+            <a:extLst>
+              <a:ext uri="{FF2B5EF4-FFF2-40B4-BE49-F238E27FC236}">
+                <a16:creationId xmlns:a16="http://schemas.microsoft.com/office/drawing/2014/main" id="{2A2EFB67-D6F0-D1DE-DEB7-6F659DDCBE3E}"/>
+              </a:ext>
+            </a:extLst>
+          </p:cNvPr>
+          <p:cNvSpPr>
+            <a:spLocks noGrp="1"/>
+          </p:cNvSpPr>
+          <p:nvPr>
+            <p:ph type="sldNum" sz="quarter" idx="12"/>
+          </p:nvPr>
+        </p:nvSpPr>
+        <p:spPr/>
+        <p:txBody>
+          <a:bodyPr/>
+          <a:lstStyle/>
+          <a:p>
+            <a:fld id="{EBB17469-0394-43CE-8997-40175C06C0DE}" type="slidenum">
+              <a:rPr kumimoji="1" lang="ja-JP" altLang="en-US" smtClean="0"/>
+              <a:pPr/>
+              <a:t>31</a:t>
+            </a:fld>
+            <a:endParaRPr kumimoji="1" lang="ja-JP" altLang="en-US" dirty="0"/>
+          </a:p>
+        </p:txBody>
+      </p:sp>
     </p:spTree>
     <p:extLst>
       <p:ext uri="{BB962C8B-B14F-4D97-AF65-F5344CB8AC3E}">
@@ -25051,7 +26166,7 @@
 </p:sld>
 </file>
 
-<file path=ppt/slides/slide31.xml><?xml version="1.0" encoding="utf-8"?>
+<file path=ppt/slides/slide32.xml><?xml version="1.0" encoding="utf-8"?>
 <p:sld xmlns:a="http://schemas.openxmlformats.org/drawingml/2006/main" xmlns:r="http://schemas.openxmlformats.org/officeDocument/2006/relationships" xmlns:p="http://schemas.openxmlformats.org/presentationml/2006/main">
   <p:cSld>
     <p:spTree>
@@ -25357,6 +26472,36 @@
           </a:p>
         </p:txBody>
       </p:sp>
+      <p:sp>
+        <p:nvSpPr>
+          <p:cNvPr id="4" name="スライド番号プレースホルダー 3">
+            <a:extLst>
+              <a:ext uri="{FF2B5EF4-FFF2-40B4-BE49-F238E27FC236}">
+                <a16:creationId xmlns:a16="http://schemas.microsoft.com/office/drawing/2014/main" id="{1122A006-CAA0-E9C4-7E7A-34B834193817}"/>
+              </a:ext>
+            </a:extLst>
+          </p:cNvPr>
+          <p:cNvSpPr>
+            <a:spLocks noGrp="1"/>
+          </p:cNvSpPr>
+          <p:nvPr>
+            <p:ph type="sldNum" sz="quarter" idx="12"/>
+          </p:nvPr>
+        </p:nvSpPr>
+        <p:spPr/>
+        <p:txBody>
+          <a:bodyPr/>
+          <a:lstStyle/>
+          <a:p>
+            <a:fld id="{EBB17469-0394-43CE-8997-40175C06C0DE}" type="slidenum">
+              <a:rPr kumimoji="1" lang="ja-JP" altLang="en-US" smtClean="0"/>
+              <a:pPr/>
+              <a:t>32</a:t>
+            </a:fld>
+            <a:endParaRPr kumimoji="1" lang="ja-JP" altLang="en-US" dirty="0"/>
+          </a:p>
+        </p:txBody>
+      </p:sp>
     </p:spTree>
     <p:extLst>
       <p:ext uri="{BB962C8B-B14F-4D97-AF65-F5344CB8AC3E}">
@@ -25370,7 +26515,7 @@
 </p:sld>
 </file>
 
-<file path=ppt/slides/slide32.xml><?xml version="1.0" encoding="utf-8"?>
+<file path=ppt/slides/slide33.xml><?xml version="1.0" encoding="utf-8"?>
 <p:sld xmlns:a="http://schemas.openxmlformats.org/drawingml/2006/main" xmlns:r="http://schemas.openxmlformats.org/officeDocument/2006/relationships" xmlns:p="http://schemas.openxmlformats.org/presentationml/2006/main">
   <p:cSld>
     <p:spTree>
@@ -25433,17 +26578,19 @@
         </p:nvSpPr>
         <p:spPr>
           <a:xfrm>
-            <a:off x="773524" y="1962274"/>
-            <a:ext cx="5648296" cy="4221613"/>
+            <a:off x="1043153" y="1962274"/>
+            <a:ext cx="5648296" cy="4766072"/>
           </a:xfrm>
         </p:spPr>
         <p:txBody>
-          <a:bodyPr/>
+          <a:bodyPr>
+            <a:normAutofit/>
+          </a:bodyPr>
           <a:lstStyle/>
           <a:p>
             <a:pPr>
               <a:lnSpc>
-                <a:spcPct val="150000"/>
+                <a:spcPct val="100000"/>
               </a:lnSpc>
             </a:pPr>
             <a:r>
@@ -25494,10 +26641,43 @@
           <a:p>
             <a:pPr>
               <a:lnSpc>
-                <a:spcPct val="150000"/>
+                <a:spcPct val="100000"/>
               </a:lnSpc>
             </a:pPr>
             <a:r>
+              <a:rPr lang="en-US" altLang="ja-JP" sz="2800" b="0" dirty="0" err="1">
+                <a:solidFill>
+                  <a:srgbClr val="C586C0"/>
+                </a:solidFill>
+                <a:effectLst/>
+                <a:latin typeface="Consolas" panose="020B0609020204030204" pitchFamily="49" charset="0"/>
+                <a:ea typeface="HG教科書体" panose="02020609000000000000" pitchFamily="17" charset="-128"/>
+              </a:rPr>
+              <a:t>elif</a:t>
+            </a:r>
+            <a:r>
+              <a:rPr lang="ja-JP" altLang="en-US" sz="2800" b="0" dirty="0">
+                <a:solidFill>
+                  <a:srgbClr val="D4D4D4"/>
+                </a:solidFill>
+                <a:effectLst/>
+                <a:latin typeface="Consolas" panose="020B0609020204030204" pitchFamily="49" charset="0"/>
+                <a:ea typeface="HG教科書体" panose="02020609000000000000" pitchFamily="17" charset="-128"/>
+              </a:rPr>
+              <a:t> </a:t>
+            </a:r>
+            <a:r>
+              <a:rPr lang="ja-JP" altLang="en-US" sz="2800" b="0" dirty="0">
+                <a:solidFill>
+                  <a:schemeClr val="tx1"/>
+                </a:solidFill>
+                <a:effectLst/>
+                <a:latin typeface="Consolas" panose="020B0609020204030204" pitchFamily="49" charset="0"/>
+                <a:ea typeface="HG教科書体" panose="02020609000000000000" pitchFamily="17" charset="-128"/>
+              </a:rPr>
+              <a:t>条件式</a:t>
+            </a:r>
+            <a:r>
               <a:rPr lang="en-US" altLang="ja-JP" sz="2800" b="0" dirty="0">
                 <a:solidFill>
                   <a:schemeClr val="tx1"/>
@@ -25506,46 +26686,13 @@
                 <a:latin typeface="Consolas" panose="020B0609020204030204" pitchFamily="49" charset="0"/>
                 <a:ea typeface="HG教科書体" panose="02020609000000000000" pitchFamily="17" charset="-128"/>
               </a:rPr>
-              <a:t>    </a:t>
-            </a:r>
-            <a:r>
-              <a:rPr lang="ja-JP" altLang="en-US" sz="2800" b="0" dirty="0">
-                <a:solidFill>
-                  <a:schemeClr val="tx1"/>
-                </a:solidFill>
-                <a:effectLst/>
-                <a:latin typeface="Consolas" panose="020B0609020204030204" pitchFamily="49" charset="0"/>
-                <a:ea typeface="HG教科書体" panose="02020609000000000000" pitchFamily="17" charset="-128"/>
-              </a:rPr>
-              <a:t>条件式</a:t>
-            </a:r>
-            <a:r>
-              <a:rPr lang="en-US" altLang="ja-JP" sz="2800" b="0" dirty="0">
-                <a:solidFill>
-                  <a:schemeClr val="tx1"/>
-                </a:solidFill>
-                <a:effectLst/>
-                <a:latin typeface="Consolas" panose="020B0609020204030204" pitchFamily="49" charset="0"/>
-                <a:ea typeface="HG教科書体" panose="02020609000000000000" pitchFamily="17" charset="-128"/>
-              </a:rPr>
-              <a:t>1</a:t>
-            </a:r>
-            <a:r>
-              <a:rPr lang="ja-JP" altLang="en-US" sz="2800" b="0" dirty="0">
-                <a:solidFill>
-                  <a:schemeClr val="tx1"/>
-                </a:solidFill>
-                <a:effectLst/>
-                <a:latin typeface="Consolas" panose="020B0609020204030204" pitchFamily="49" charset="0"/>
-                <a:ea typeface="HG教科書体" panose="02020609000000000000" pitchFamily="17" charset="-128"/>
-              </a:rPr>
-              <a:t>が真の時に実行する</a:t>
+              <a:t>2:</a:t>
             </a:r>
           </a:p>
           <a:p>
             <a:pPr>
               <a:lnSpc>
-                <a:spcPct val="150000"/>
+                <a:spcPct val="100000"/>
               </a:lnSpc>
             </a:pPr>
             <a:r>
@@ -25582,6 +26729,16 @@
               <a:t>条件式</a:t>
             </a:r>
             <a:r>
+              <a:rPr lang="en-US" altLang="ja-JP" sz="2800" dirty="0">
+                <a:solidFill>
+                  <a:schemeClr val="tx1"/>
+                </a:solidFill>
+                <a:latin typeface="Consolas" panose="020B0609020204030204" pitchFamily="49" charset="0"/>
+                <a:ea typeface="HG教科書体" panose="02020609000000000000" pitchFamily="17" charset="-128"/>
+              </a:rPr>
+              <a:t>3</a:t>
+            </a:r>
+            <a:r>
               <a:rPr lang="en-US" altLang="ja-JP" sz="2800" b="0" dirty="0">
                 <a:solidFill>
                   <a:schemeClr val="tx1"/>
@@ -25590,16 +26747,59 @@
                 <a:latin typeface="Consolas" panose="020B0609020204030204" pitchFamily="49" charset="0"/>
                 <a:ea typeface="HG教科書体" panose="02020609000000000000" pitchFamily="17" charset="-128"/>
               </a:rPr>
-              <a:t>2:</a:t>
+              <a:t>:</a:t>
             </a:r>
           </a:p>
           <a:p>
             <a:pPr>
               <a:lnSpc>
-                <a:spcPct val="150000"/>
+                <a:spcPct val="100000"/>
               </a:lnSpc>
             </a:pPr>
             <a:r>
+              <a:rPr lang="en-US" altLang="ja-JP" sz="2800" b="0" dirty="0" err="1">
+                <a:solidFill>
+                  <a:srgbClr val="C586C0"/>
+                </a:solidFill>
+                <a:effectLst/>
+                <a:latin typeface="Consolas" panose="020B0609020204030204" pitchFamily="49" charset="0"/>
+                <a:ea typeface="HG教科書体" panose="02020609000000000000" pitchFamily="17" charset="-128"/>
+              </a:rPr>
+              <a:t>elif</a:t>
+            </a:r>
+            <a:r>
+              <a:rPr lang="ja-JP" altLang="en-US" sz="2800" b="0" dirty="0">
+                <a:solidFill>
+                  <a:srgbClr val="D4D4D4"/>
+                </a:solidFill>
+                <a:effectLst/>
+                <a:latin typeface="Consolas" panose="020B0609020204030204" pitchFamily="49" charset="0"/>
+                <a:ea typeface="HG教科書体" panose="02020609000000000000" pitchFamily="17" charset="-128"/>
+              </a:rPr>
+              <a:t> </a:t>
+            </a:r>
+            <a:r>
+              <a:rPr lang="ja-JP" altLang="en-US" sz="2800" b="0" dirty="0">
+                <a:solidFill>
+                  <a:schemeClr val="tx1"/>
+                </a:solidFill>
+                <a:effectLst/>
+                <a:latin typeface="Consolas" panose="020B0609020204030204" pitchFamily="49" charset="0"/>
+                <a:ea typeface="HG教科書体" panose="02020609000000000000" pitchFamily="17" charset="-128"/>
+              </a:rPr>
+              <a:t>条件式</a:t>
+            </a:r>
+            <a:r>
+              <a:rPr lang="en-US" altLang="ja-JP" sz="2800" dirty="0">
+                <a:solidFill>
+                  <a:schemeClr val="tx1"/>
+                </a:solidFill>
+                <a:latin typeface="Consolas" panose="020B0609020204030204" pitchFamily="49" charset="0"/>
+                <a:ea typeface="HG教科書体" panose="02020609000000000000" pitchFamily="17" charset="-128"/>
+              </a:rPr>
+              <a:t>4</a:t>
+            </a:r>
+            <a:r>
               <a:rPr lang="en-US" altLang="ja-JP" sz="2800" b="0" dirty="0">
                 <a:solidFill>
                   <a:schemeClr val="tx1"/>
@@ -25608,10 +26808,28 @@
                 <a:latin typeface="Consolas" panose="020B0609020204030204" pitchFamily="49" charset="0"/>
                 <a:ea typeface="HG教科書体" panose="02020609000000000000" pitchFamily="17" charset="-128"/>
               </a:rPr>
-              <a:t>    </a:t>
-            </a:r>
-            <a:r>
-              <a:rPr lang="ja-JP" altLang="en-US" sz="2800" b="0" dirty="0">
+              <a:t>:</a:t>
+            </a:r>
+          </a:p>
+          <a:p>
+            <a:pPr>
+              <a:lnSpc>
+                <a:spcPct val="100000"/>
+              </a:lnSpc>
+            </a:pPr>
+            <a:r>
+              <a:rPr lang="en-US" altLang="ja-JP" sz="2800" b="0" dirty="0">
+                <a:solidFill>
+                  <a:srgbClr val="C586C0"/>
+                </a:solidFill>
+                <a:effectLst/>
+                <a:latin typeface="Consolas" panose="020B0609020204030204" pitchFamily="49" charset="0"/>
+                <a:ea typeface="HG教科書体" panose="02020609000000000000" pitchFamily="17" charset="-128"/>
+              </a:rPr>
+              <a:t>else</a:t>
+            </a:r>
+            <a:r>
+              <a:rPr lang="en-US" altLang="ja-JP" sz="2800" b="0" dirty="0">
                 <a:solidFill>
                   <a:schemeClr val="tx1"/>
                 </a:solidFill>
@@ -25619,97 +26837,41 @@
                 <a:latin typeface="Consolas" panose="020B0609020204030204" pitchFamily="49" charset="0"/>
                 <a:ea typeface="HG教科書体" panose="02020609000000000000" pitchFamily="17" charset="-128"/>
               </a:rPr>
-              <a:t>条件式</a:t>
-            </a:r>
-            <a:r>
-              <a:rPr lang="en-US" altLang="ja-JP" sz="2800" b="0" dirty="0">
-                <a:solidFill>
-                  <a:schemeClr val="tx1"/>
-                </a:solidFill>
-                <a:effectLst/>
-                <a:latin typeface="Consolas" panose="020B0609020204030204" pitchFamily="49" charset="0"/>
-                <a:ea typeface="HG教科書体" panose="02020609000000000000" pitchFamily="17" charset="-128"/>
-              </a:rPr>
-              <a:t>1</a:t>
-            </a:r>
-            <a:r>
-              <a:rPr lang="ja-JP" altLang="en-US" sz="2800" b="0" dirty="0">
-                <a:solidFill>
-                  <a:schemeClr val="tx1"/>
-                </a:solidFill>
-                <a:effectLst/>
-                <a:latin typeface="Consolas" panose="020B0609020204030204" pitchFamily="49" charset="0"/>
-                <a:ea typeface="HG教科書体" panose="02020609000000000000" pitchFamily="17" charset="-128"/>
-              </a:rPr>
-              <a:t>が偽で条件式</a:t>
-            </a:r>
-            <a:r>
-              <a:rPr lang="en-US" altLang="ja-JP" sz="2800" b="0" dirty="0">
-                <a:solidFill>
-                  <a:schemeClr val="tx1"/>
-                </a:solidFill>
-                <a:effectLst/>
-                <a:latin typeface="Consolas" panose="020B0609020204030204" pitchFamily="49" charset="0"/>
-                <a:ea typeface="HG教科書体" panose="02020609000000000000" pitchFamily="17" charset="-128"/>
-              </a:rPr>
-              <a:t>2</a:t>
-            </a:r>
-            <a:r>
-              <a:rPr lang="ja-JP" altLang="en-US" sz="2800" b="0" dirty="0">
-                <a:solidFill>
-                  <a:schemeClr val="tx1"/>
-                </a:solidFill>
-                <a:effectLst/>
-                <a:latin typeface="Consolas" panose="020B0609020204030204" pitchFamily="49" charset="0"/>
-                <a:ea typeface="HG教科書体" panose="02020609000000000000" pitchFamily="17" charset="-128"/>
-              </a:rPr>
-              <a:t>が</a:t>
-            </a:r>
-            <a:br>
-              <a:rPr lang="en-US" altLang="ja-JP" sz="2800" b="0" dirty="0">
-                <a:solidFill>
-                  <a:schemeClr val="tx1"/>
-                </a:solidFill>
-                <a:effectLst/>
-                <a:latin typeface="Consolas" panose="020B0609020204030204" pitchFamily="49" charset="0"/>
-                <a:ea typeface="HG教科書体" panose="02020609000000000000" pitchFamily="17" charset="-128"/>
-              </a:rPr>
-            </a:br>
-            <a:r>
-              <a:rPr lang="en-US" altLang="ja-JP" sz="2800" b="0" dirty="0">
-                <a:solidFill>
-                  <a:schemeClr val="tx1"/>
-                </a:solidFill>
-                <a:effectLst/>
-                <a:latin typeface="Consolas" panose="020B0609020204030204" pitchFamily="49" charset="0"/>
-                <a:ea typeface="HG教科書体" panose="02020609000000000000" pitchFamily="17" charset="-128"/>
-              </a:rPr>
-              <a:t>	</a:t>
-            </a:r>
-            <a:r>
-              <a:rPr lang="ja-JP" altLang="en-US" sz="2800" b="0" dirty="0">
-                <a:solidFill>
-                  <a:schemeClr val="tx1"/>
-                </a:solidFill>
-                <a:effectLst/>
-                <a:latin typeface="Consolas" panose="020B0609020204030204" pitchFamily="49" charset="0"/>
-                <a:ea typeface="HG教科書体" panose="02020609000000000000" pitchFamily="17" charset="-128"/>
-              </a:rPr>
-              <a:t>真の時に実行する</a:t>
-            </a:r>
-            <a:endParaRPr lang="en-US" altLang="ja-JP" sz="2800" b="0" dirty="0">
+              <a:t>:</a:t>
+            </a:r>
+          </a:p>
+          <a:p>
+            <a:endParaRPr lang="en-US" altLang="ja-JP" sz="2800" dirty="0">
               <a:solidFill>
                 <a:schemeClr val="tx1"/>
               </a:solidFill>
-              <a:effectLst/>
               <a:latin typeface="Consolas" panose="020B0609020204030204" pitchFamily="49" charset="0"/>
               <a:ea typeface="HG教科書体" panose="02020609000000000000" pitchFamily="17" charset="-128"/>
             </a:endParaRPr>
           </a:p>
           <a:p>
-            <a:endParaRPr kumimoji="1" lang="ja-JP" altLang="en-US" dirty="0">
-              <a:latin typeface="Consolas" panose="020B0609020204030204" pitchFamily="49" charset="0"/>
-            </a:endParaRPr>
+            <a:r>
+              <a:rPr lang="ja-JP" altLang="en-US" sz="2800" b="0" dirty="0">
+                <a:solidFill>
+                  <a:schemeClr val="tx1"/>
+                </a:solidFill>
+                <a:effectLst/>
+                <a:latin typeface="Consolas" panose="020B0609020204030204" pitchFamily="49" charset="0"/>
+                <a:ea typeface="HG教科書体" panose="02020609000000000000" pitchFamily="17" charset="-128"/>
+              </a:rPr>
+              <a:t>次の処理</a:t>
+            </a:r>
+            <a:r>
+              <a:rPr lang="en-US" altLang="ja-JP" sz="2800" b="0" dirty="0">
+                <a:solidFill>
+                  <a:schemeClr val="tx1"/>
+                </a:solidFill>
+                <a:effectLst/>
+                <a:latin typeface="Consolas" panose="020B0609020204030204" pitchFamily="49" charset="0"/>
+                <a:ea typeface="HG教科書体" panose="02020609000000000000" pitchFamily="17" charset="-128"/>
+              </a:rPr>
+              <a:t>C</a:t>
+            </a:r>
           </a:p>
         </p:txBody>
       </p:sp>
@@ -25731,14 +26893,673 @@
         </p:nvSpPr>
         <p:spPr>
           <a:xfrm>
-            <a:off x="6922458" y="2160528"/>
+            <a:off x="6328394" y="2160528"/>
             <a:ext cx="4937760" cy="4023360"/>
+          </a:xfrm>
+        </p:spPr>
+        <p:txBody>
+          <a:bodyPr>
+            <a:normAutofit/>
+          </a:bodyPr>
+          <a:lstStyle/>
+          <a:p>
+            <a:pPr>
+              <a:buSzPct val="50000"/>
+              <a:buFont typeface="Wingdings" panose="05000000000000000000" pitchFamily="2" charset="2"/>
+              <a:buChar char="l"/>
+            </a:pPr>
+            <a:r>
+              <a:rPr lang="ja-JP" altLang="en-US" sz="2800" b="0" dirty="0">
+                <a:solidFill>
+                  <a:srgbClr val="C586C0"/>
+                </a:solidFill>
+                <a:effectLst/>
+                <a:latin typeface="Consolas" panose="020B0609020204030204" pitchFamily="49" charset="0"/>
+                <a:ea typeface="HG教科書体" panose="02020609000000000000" pitchFamily="17" charset="-128"/>
+              </a:rPr>
+              <a:t> </a:t>
+            </a:r>
+            <a:r>
+              <a:rPr lang="en-US" altLang="ja-JP" sz="2800" b="0" dirty="0" err="1">
+                <a:solidFill>
+                  <a:srgbClr val="C586C0"/>
+                </a:solidFill>
+                <a:effectLst/>
+                <a:latin typeface="Consolas" panose="020B0609020204030204" pitchFamily="49" charset="0"/>
+                <a:ea typeface="HG教科書体" panose="02020609000000000000" pitchFamily="17" charset="-128"/>
+              </a:rPr>
+              <a:t>elif</a:t>
+            </a:r>
+            <a:r>
+              <a:rPr lang="ja-JP" altLang="en-US" sz="2800" dirty="0">
+                <a:solidFill>
+                  <a:srgbClr val="C586C0"/>
+                </a:solidFill>
+                <a:latin typeface="Consolas" panose="020B0609020204030204" pitchFamily="49" charset="0"/>
+              </a:rPr>
+              <a:t> </a:t>
+            </a:r>
+            <a:r>
+              <a:rPr lang="en-US" altLang="ja-JP" sz="2800" dirty="0">
+                <a:solidFill>
+                  <a:schemeClr val="tx1"/>
+                </a:solidFill>
+                <a:latin typeface="Consolas" panose="020B0609020204030204" pitchFamily="49" charset="0"/>
+              </a:rPr>
+              <a:t>(</a:t>
+            </a:r>
+            <a:r>
+              <a:rPr lang="en-US" altLang="ja-JP" sz="2800" dirty="0">
+                <a:solidFill>
+                  <a:srgbClr val="C586C0"/>
+                </a:solidFill>
+                <a:latin typeface="Consolas" panose="020B0609020204030204" pitchFamily="49" charset="0"/>
+              </a:rPr>
+              <a:t>else if</a:t>
+            </a:r>
+            <a:r>
+              <a:rPr lang="en-US" altLang="ja-JP" sz="2800" dirty="0">
+                <a:solidFill>
+                  <a:schemeClr val="tx1"/>
+                </a:solidFill>
+                <a:latin typeface="Consolas" panose="020B0609020204030204" pitchFamily="49" charset="0"/>
+              </a:rPr>
+              <a:t>)</a:t>
+            </a:r>
+            <a:r>
+              <a:rPr kumimoji="1" lang="en-US" altLang="ja-JP" sz="2800" dirty="0">
+                <a:latin typeface="Consolas" panose="020B0609020204030204" pitchFamily="49" charset="0"/>
+                <a:ea typeface="HG教科書体" panose="02020609000000000000" pitchFamily="17" charset="-128"/>
+              </a:rPr>
+              <a:t> </a:t>
+            </a:r>
+            <a:r>
+              <a:rPr kumimoji="1" lang="ja-JP" altLang="en-US" sz="2800" dirty="0">
+                <a:latin typeface="Consolas" panose="020B0609020204030204" pitchFamily="49" charset="0"/>
+                <a:ea typeface="HG教科書体" panose="02020609000000000000" pitchFamily="17" charset="-128"/>
+              </a:rPr>
+              <a:t>は</a:t>
+            </a:r>
+            <a:br>
+              <a:rPr kumimoji="1" lang="en-US" altLang="ja-JP" sz="2800" dirty="0">
+                <a:latin typeface="Consolas" panose="020B0609020204030204" pitchFamily="49" charset="0"/>
+                <a:ea typeface="HG教科書体" panose="02020609000000000000" pitchFamily="17" charset="-128"/>
+              </a:rPr>
+            </a:br>
+            <a:r>
+              <a:rPr kumimoji="1" lang="ja-JP" altLang="en-US" sz="2800" dirty="0">
+                <a:latin typeface="Consolas" panose="020B0609020204030204" pitchFamily="49" charset="0"/>
+                <a:ea typeface="HG教科書体" panose="02020609000000000000" pitchFamily="17" charset="-128"/>
+              </a:rPr>
+              <a:t>  何個書いてもい</a:t>
+            </a:r>
+            <a:r>
+              <a:rPr lang="ja-JP" altLang="en-US" sz="2800" dirty="0">
+                <a:latin typeface="Consolas" panose="020B0609020204030204" pitchFamily="49" charset="0"/>
+                <a:ea typeface="HG教科書体" panose="02020609000000000000" pitchFamily="17" charset="-128"/>
+              </a:rPr>
+              <a:t>い</a:t>
+            </a:r>
+            <a:endParaRPr lang="en-US" altLang="ja-JP" sz="2800" dirty="0">
+              <a:latin typeface="Consolas" panose="020B0609020204030204" pitchFamily="49" charset="0"/>
+              <a:ea typeface="HG教科書体" panose="02020609000000000000" pitchFamily="17" charset="-128"/>
+            </a:endParaRPr>
+          </a:p>
+          <a:p>
+            <a:pPr>
+              <a:buSzPct val="50000"/>
+              <a:buFont typeface="Wingdings" panose="05000000000000000000" pitchFamily="2" charset="2"/>
+              <a:buChar char="l"/>
+            </a:pPr>
+            <a:r>
+              <a:rPr kumimoji="1" lang="ja-JP" altLang="en-US" sz="2800" dirty="0">
+                <a:latin typeface="Consolas" panose="020B0609020204030204" pitchFamily="49" charset="0"/>
+                <a:ea typeface="HG教科書体" panose="02020609000000000000" pitchFamily="17" charset="-128"/>
+              </a:rPr>
+              <a:t> </a:t>
+            </a:r>
+            <a:r>
+              <a:rPr lang="en-US" altLang="ja-JP" sz="2800" dirty="0">
+                <a:solidFill>
+                  <a:srgbClr val="C586C0"/>
+                </a:solidFill>
+                <a:latin typeface="Consolas" panose="020B0609020204030204" pitchFamily="49" charset="0"/>
+              </a:rPr>
+              <a:t>else</a:t>
+            </a:r>
+            <a:r>
+              <a:rPr kumimoji="1" lang="en-US" altLang="ja-JP" sz="2800" dirty="0">
+                <a:latin typeface="Consolas" panose="020B0609020204030204" pitchFamily="49" charset="0"/>
+                <a:ea typeface="HG教科書体" panose="02020609000000000000" pitchFamily="17" charset="-128"/>
+              </a:rPr>
+              <a:t> </a:t>
+            </a:r>
+            <a:r>
+              <a:rPr kumimoji="1" lang="ja-JP" altLang="en-US" sz="2800" dirty="0">
+                <a:latin typeface="Consolas" panose="020B0609020204030204" pitchFamily="49" charset="0"/>
+                <a:ea typeface="HG教科書体" panose="02020609000000000000" pitchFamily="17" charset="-128"/>
+              </a:rPr>
+              <a:t>は無くてもいい</a:t>
+            </a:r>
+            <a:endParaRPr kumimoji="1" lang="en-US" altLang="ja-JP" sz="2800" dirty="0">
+              <a:latin typeface="Consolas" panose="020B0609020204030204" pitchFamily="49" charset="0"/>
+              <a:ea typeface="HG教科書体" panose="02020609000000000000" pitchFamily="17" charset="-128"/>
+            </a:endParaRPr>
+          </a:p>
+          <a:p>
+            <a:pPr>
+              <a:buSzPct val="50000"/>
+              <a:buFont typeface="Wingdings" panose="05000000000000000000" pitchFamily="2" charset="2"/>
+              <a:buChar char="l"/>
+            </a:pPr>
+            <a:r>
+              <a:rPr lang="ja-JP" altLang="en-US" sz="2800" dirty="0">
+                <a:latin typeface="Consolas" panose="020B0609020204030204" pitchFamily="49" charset="0"/>
+                <a:ea typeface="HG教科書体" panose="02020609000000000000" pitchFamily="17" charset="-128"/>
+              </a:rPr>
+              <a:t> 上から順に、条件に当てはまった箇所が動く</a:t>
+            </a:r>
+            <a:endParaRPr lang="en-US" altLang="ja-JP" sz="2800" dirty="0">
+              <a:latin typeface="Consolas" panose="020B0609020204030204" pitchFamily="49" charset="0"/>
+              <a:ea typeface="HG教科書体" panose="02020609000000000000" pitchFamily="17" charset="-128"/>
+            </a:endParaRPr>
+          </a:p>
+          <a:p>
+            <a:pPr>
+              <a:buSzPct val="50000"/>
+              <a:buFont typeface="Wingdings" panose="05000000000000000000" pitchFamily="2" charset="2"/>
+              <a:buChar char="l"/>
+            </a:pPr>
+            <a:endParaRPr kumimoji="1" lang="ja-JP" altLang="en-US" dirty="0">
+              <a:latin typeface="Consolas" panose="020B0609020204030204" pitchFamily="49" charset="0"/>
+            </a:endParaRPr>
+          </a:p>
+        </p:txBody>
+      </p:sp>
+      <p:sp>
+        <p:nvSpPr>
+          <p:cNvPr id="5" name="スライド番号プレースホルダー 4">
+            <a:extLst>
+              <a:ext uri="{FF2B5EF4-FFF2-40B4-BE49-F238E27FC236}">
+                <a16:creationId xmlns:a16="http://schemas.microsoft.com/office/drawing/2014/main" id="{F7A4A7B3-03A3-E0FE-1C7D-9C01972A5577}"/>
+              </a:ext>
+            </a:extLst>
+          </p:cNvPr>
+          <p:cNvSpPr>
+            <a:spLocks noGrp="1"/>
+          </p:cNvSpPr>
+          <p:nvPr>
+            <p:ph type="sldNum" sz="quarter" idx="12"/>
+          </p:nvPr>
+        </p:nvSpPr>
+        <p:spPr>
+          <a:xfrm>
+            <a:off x="10610142" y="286603"/>
+            <a:ext cx="1312025" cy="365125"/>
           </a:xfrm>
         </p:spPr>
         <p:txBody>
           <a:bodyPr/>
           <a:lstStyle/>
           <a:p>
+            <a:fld id="{EBB17469-0394-43CE-8997-40175C06C0DE}" type="slidenum">
+              <a:rPr kumimoji="1" lang="ja-JP" altLang="en-US" sz="3200" smtClean="0">
+                <a:solidFill>
+                  <a:schemeClr val="tx1"/>
+                </a:solidFill>
+              </a:rPr>
+              <a:t>33</a:t>
+            </a:fld>
+            <a:endParaRPr kumimoji="1" lang="ja-JP" altLang="en-US" dirty="0">
+              <a:solidFill>
+                <a:schemeClr val="tx1"/>
+              </a:solidFill>
+            </a:endParaRPr>
+          </a:p>
+        </p:txBody>
+      </p:sp>
+      <p:cxnSp>
+        <p:nvCxnSpPr>
+          <p:cNvPr id="7" name="直線矢印コネクタ 6">
+            <a:extLst>
+              <a:ext uri="{FF2B5EF4-FFF2-40B4-BE49-F238E27FC236}">
+                <a16:creationId xmlns:a16="http://schemas.microsoft.com/office/drawing/2014/main" id="{7D2086D3-8A0A-2128-FCF8-67F5A426C43B}"/>
+              </a:ext>
+            </a:extLst>
+          </p:cNvPr>
+          <p:cNvCxnSpPr>
+            <a:cxnSpLocks/>
+          </p:cNvCxnSpPr>
+          <p:nvPr/>
+        </p:nvCxnSpPr>
+        <p:spPr>
+          <a:xfrm>
+            <a:off x="1030657" y="1962274"/>
+            <a:ext cx="0" cy="2974180"/>
+          </a:xfrm>
+          <a:prstGeom prst="straightConnector1">
+            <a:avLst/>
+          </a:prstGeom>
+          <a:ln w="57150">
+            <a:tailEnd type="triangle"/>
+          </a:ln>
+        </p:spPr>
+        <p:style>
+          <a:lnRef idx="1">
+            <a:schemeClr val="accent1"/>
+          </a:lnRef>
+          <a:fillRef idx="0">
+            <a:schemeClr val="accent1"/>
+          </a:fillRef>
+          <a:effectRef idx="0">
+            <a:schemeClr val="accent1"/>
+          </a:effectRef>
+          <a:fontRef idx="minor">
+            <a:schemeClr val="tx1"/>
+          </a:fontRef>
+        </p:style>
+      </p:cxnSp>
+    </p:spTree>
+    <p:extLst>
+      <p:ext uri="{BB962C8B-B14F-4D97-AF65-F5344CB8AC3E}">
+        <p14:creationId xmlns:p14="http://schemas.microsoft.com/office/powerpoint/2010/main" val="4118987829"/>
+      </p:ext>
+    </p:extLst>
+  </p:cSld>
+  <p:clrMapOvr>
+    <a:masterClrMapping/>
+  </p:clrMapOvr>
+</p:sld>
+</file>
+
+<file path=ppt/slides/slide34.xml><?xml version="1.0" encoding="utf-8"?>
+<p:sld xmlns:a="http://schemas.openxmlformats.org/drawingml/2006/main" xmlns:r="http://schemas.openxmlformats.org/officeDocument/2006/relationships" xmlns:p="http://schemas.openxmlformats.org/presentationml/2006/main">
+  <p:cSld>
+    <p:spTree>
+      <p:nvGrpSpPr>
+        <p:cNvPr id="1" name=""/>
+        <p:cNvGrpSpPr/>
+        <p:nvPr/>
+      </p:nvGrpSpPr>
+      <p:grpSpPr>
+        <a:xfrm>
+          <a:off x="0" y="0"/>
+          <a:ext cx="0" cy="0"/>
+          <a:chOff x="0" y="0"/>
+          <a:chExt cx="0" cy="0"/>
+        </a:xfrm>
+      </p:grpSpPr>
+      <p:sp>
+        <p:nvSpPr>
+          <p:cNvPr id="2" name="タイトル 1">
+            <a:extLst>
+              <a:ext uri="{FF2B5EF4-FFF2-40B4-BE49-F238E27FC236}">
+                <a16:creationId xmlns:a16="http://schemas.microsoft.com/office/drawing/2014/main" id="{660020EA-2004-3253-B9DF-8DA98B389D86}"/>
+              </a:ext>
+            </a:extLst>
+          </p:cNvPr>
+          <p:cNvSpPr>
+            <a:spLocks noGrp="1"/>
+          </p:cNvSpPr>
+          <p:nvPr>
+            <p:ph type="title"/>
+          </p:nvPr>
+        </p:nvSpPr>
+        <p:spPr/>
+        <p:txBody>
+          <a:bodyPr/>
+          <a:lstStyle/>
+          <a:p>
+            <a:r>
+              <a:rPr kumimoji="1" lang="ja-JP" altLang="en-US" dirty="0"/>
+              <a:t>３つ以上の分岐</a:t>
+            </a:r>
+          </a:p>
+        </p:txBody>
+      </p:sp>
+      <p:sp>
+        <p:nvSpPr>
+          <p:cNvPr id="3" name="コンテンツ プレースホルダー 2">
+            <a:extLst>
+              <a:ext uri="{FF2B5EF4-FFF2-40B4-BE49-F238E27FC236}">
+                <a16:creationId xmlns:a16="http://schemas.microsoft.com/office/drawing/2014/main" id="{508EA886-71FF-70E2-E150-831E475987D0}"/>
+              </a:ext>
+            </a:extLst>
+          </p:cNvPr>
+          <p:cNvSpPr>
+            <a:spLocks noGrp="1"/>
+          </p:cNvSpPr>
+          <p:nvPr>
+            <p:ph sz="half" idx="1"/>
+          </p:nvPr>
+        </p:nvSpPr>
+        <p:spPr>
+          <a:xfrm>
+            <a:off x="1043153" y="1962274"/>
+            <a:ext cx="5648296" cy="4766072"/>
+          </a:xfrm>
+        </p:spPr>
+        <p:txBody>
+          <a:bodyPr>
+            <a:normAutofit/>
+          </a:bodyPr>
+          <a:lstStyle/>
+          <a:p>
+            <a:pPr>
+              <a:lnSpc>
+                <a:spcPct val="100000"/>
+              </a:lnSpc>
+            </a:pPr>
+            <a:r>
+              <a:rPr lang="en-US" altLang="ja-JP" sz="2800" b="0" dirty="0">
+                <a:solidFill>
+                  <a:srgbClr val="C586C0"/>
+                </a:solidFill>
+                <a:effectLst/>
+                <a:latin typeface="Consolas" panose="020B0609020204030204" pitchFamily="49" charset="0"/>
+                <a:ea typeface="HG教科書体" panose="02020609000000000000" pitchFamily="17" charset="-128"/>
+              </a:rPr>
+              <a:t>if</a:t>
+            </a:r>
+            <a:r>
+              <a:rPr lang="ja-JP" altLang="en-US" sz="2800" b="0" dirty="0">
+                <a:solidFill>
+                  <a:srgbClr val="D4D4D4"/>
+                </a:solidFill>
+                <a:effectLst/>
+                <a:latin typeface="Consolas" panose="020B0609020204030204" pitchFamily="49" charset="0"/>
+                <a:ea typeface="HG教科書体" panose="02020609000000000000" pitchFamily="17" charset="-128"/>
+              </a:rPr>
+              <a:t> </a:t>
+            </a:r>
+            <a:r>
+              <a:rPr lang="ja-JP" altLang="en-US" sz="2800" b="0" dirty="0">
+                <a:solidFill>
+                  <a:schemeClr val="tx1"/>
+                </a:solidFill>
+                <a:effectLst/>
+                <a:latin typeface="Consolas" panose="020B0609020204030204" pitchFamily="49" charset="0"/>
+                <a:ea typeface="HG教科書体" panose="02020609000000000000" pitchFamily="17" charset="-128"/>
+              </a:rPr>
+              <a:t>条件式</a:t>
+            </a:r>
+            <a:r>
+              <a:rPr lang="en-US" altLang="ja-JP" sz="2800" b="0" dirty="0">
+                <a:solidFill>
+                  <a:schemeClr val="tx1"/>
+                </a:solidFill>
+                <a:effectLst/>
+                <a:latin typeface="Consolas" panose="020B0609020204030204" pitchFamily="49" charset="0"/>
+                <a:ea typeface="HG教科書体" panose="02020609000000000000" pitchFamily="17" charset="-128"/>
+              </a:rPr>
+              <a:t>1:</a:t>
+            </a:r>
+          </a:p>
+          <a:p>
+            <a:pPr>
+              <a:lnSpc>
+                <a:spcPct val="100000"/>
+              </a:lnSpc>
+            </a:pPr>
+            <a:r>
+              <a:rPr lang="en-US" altLang="ja-JP" sz="2800" b="0" dirty="0" err="1">
+                <a:solidFill>
+                  <a:srgbClr val="C586C0"/>
+                </a:solidFill>
+                <a:effectLst/>
+                <a:latin typeface="Consolas" panose="020B0609020204030204" pitchFamily="49" charset="0"/>
+                <a:ea typeface="HG教科書体" panose="02020609000000000000" pitchFamily="17" charset="-128"/>
+              </a:rPr>
+              <a:t>elif</a:t>
+            </a:r>
+            <a:r>
+              <a:rPr lang="ja-JP" altLang="en-US" sz="2800" b="0" dirty="0">
+                <a:solidFill>
+                  <a:srgbClr val="D4D4D4"/>
+                </a:solidFill>
+                <a:effectLst/>
+                <a:latin typeface="Consolas" panose="020B0609020204030204" pitchFamily="49" charset="0"/>
+                <a:ea typeface="HG教科書体" panose="02020609000000000000" pitchFamily="17" charset="-128"/>
+              </a:rPr>
+              <a:t> </a:t>
+            </a:r>
+            <a:r>
+              <a:rPr lang="ja-JP" altLang="en-US" sz="2800" b="0" dirty="0">
+                <a:solidFill>
+                  <a:schemeClr val="tx1"/>
+                </a:solidFill>
+                <a:effectLst/>
+                <a:latin typeface="Consolas" panose="020B0609020204030204" pitchFamily="49" charset="0"/>
+                <a:ea typeface="HG教科書体" panose="02020609000000000000" pitchFamily="17" charset="-128"/>
+              </a:rPr>
+              <a:t>条件式</a:t>
+            </a:r>
+            <a:r>
+              <a:rPr lang="en-US" altLang="ja-JP" sz="2800" b="0" dirty="0">
+                <a:solidFill>
+                  <a:schemeClr val="tx1"/>
+                </a:solidFill>
+                <a:effectLst/>
+                <a:latin typeface="Consolas" panose="020B0609020204030204" pitchFamily="49" charset="0"/>
+                <a:ea typeface="HG教科書体" panose="02020609000000000000" pitchFamily="17" charset="-128"/>
+              </a:rPr>
+              <a:t>2:</a:t>
+            </a:r>
+          </a:p>
+          <a:p>
+            <a:pPr>
+              <a:lnSpc>
+                <a:spcPct val="100000"/>
+              </a:lnSpc>
+            </a:pPr>
+            <a:r>
+              <a:rPr lang="en-US" altLang="ja-JP" sz="2800" b="0" dirty="0" err="1">
+                <a:solidFill>
+                  <a:srgbClr val="C586C0"/>
+                </a:solidFill>
+                <a:effectLst/>
+                <a:latin typeface="Consolas" panose="020B0609020204030204" pitchFamily="49" charset="0"/>
+                <a:ea typeface="HG教科書体" panose="02020609000000000000" pitchFamily="17" charset="-128"/>
+              </a:rPr>
+              <a:t>elif</a:t>
+            </a:r>
+            <a:r>
+              <a:rPr lang="ja-JP" altLang="en-US" sz="2800" b="0" dirty="0">
+                <a:solidFill>
+                  <a:srgbClr val="D4D4D4"/>
+                </a:solidFill>
+                <a:effectLst/>
+                <a:latin typeface="Consolas" panose="020B0609020204030204" pitchFamily="49" charset="0"/>
+                <a:ea typeface="HG教科書体" panose="02020609000000000000" pitchFamily="17" charset="-128"/>
+              </a:rPr>
+              <a:t> </a:t>
+            </a:r>
+            <a:r>
+              <a:rPr lang="ja-JP" altLang="en-US" sz="2800" b="0" dirty="0">
+                <a:solidFill>
+                  <a:schemeClr val="tx1"/>
+                </a:solidFill>
+                <a:effectLst/>
+                <a:latin typeface="Consolas" panose="020B0609020204030204" pitchFamily="49" charset="0"/>
+                <a:ea typeface="HG教科書体" panose="02020609000000000000" pitchFamily="17" charset="-128"/>
+              </a:rPr>
+              <a:t>条件式</a:t>
+            </a:r>
+            <a:r>
+              <a:rPr lang="en-US" altLang="ja-JP" sz="2800" dirty="0">
+                <a:solidFill>
+                  <a:schemeClr val="tx1"/>
+                </a:solidFill>
+                <a:latin typeface="Consolas" panose="020B0609020204030204" pitchFamily="49" charset="0"/>
+                <a:ea typeface="HG教科書体" panose="02020609000000000000" pitchFamily="17" charset="-128"/>
+              </a:rPr>
+              <a:t>3</a:t>
+            </a:r>
+            <a:r>
+              <a:rPr lang="en-US" altLang="ja-JP" sz="2800" b="0" dirty="0">
+                <a:solidFill>
+                  <a:schemeClr val="tx1"/>
+                </a:solidFill>
+                <a:effectLst/>
+                <a:latin typeface="Consolas" panose="020B0609020204030204" pitchFamily="49" charset="0"/>
+                <a:ea typeface="HG教科書体" panose="02020609000000000000" pitchFamily="17" charset="-128"/>
+              </a:rPr>
+              <a:t>:</a:t>
+            </a:r>
+          </a:p>
+          <a:p>
+            <a:pPr>
+              <a:lnSpc>
+                <a:spcPct val="100000"/>
+              </a:lnSpc>
+            </a:pPr>
+            <a:r>
+              <a:rPr lang="en-US" altLang="ja-JP" sz="2800" b="0" dirty="0" err="1">
+                <a:solidFill>
+                  <a:srgbClr val="C586C0"/>
+                </a:solidFill>
+                <a:effectLst/>
+                <a:latin typeface="Consolas" panose="020B0609020204030204" pitchFamily="49" charset="0"/>
+                <a:ea typeface="HG教科書体" panose="02020609000000000000" pitchFamily="17" charset="-128"/>
+              </a:rPr>
+              <a:t>elif</a:t>
+            </a:r>
+            <a:r>
+              <a:rPr lang="ja-JP" altLang="en-US" sz="2800" b="0" dirty="0">
+                <a:solidFill>
+                  <a:srgbClr val="D4D4D4"/>
+                </a:solidFill>
+                <a:effectLst/>
+                <a:latin typeface="Consolas" panose="020B0609020204030204" pitchFamily="49" charset="0"/>
+                <a:ea typeface="HG教科書体" panose="02020609000000000000" pitchFamily="17" charset="-128"/>
+              </a:rPr>
+              <a:t> </a:t>
+            </a:r>
+            <a:r>
+              <a:rPr lang="ja-JP" altLang="en-US" sz="2800" b="0" dirty="0">
+                <a:solidFill>
+                  <a:schemeClr val="tx1"/>
+                </a:solidFill>
+                <a:effectLst/>
+                <a:latin typeface="Consolas" panose="020B0609020204030204" pitchFamily="49" charset="0"/>
+                <a:ea typeface="HG教科書体" panose="02020609000000000000" pitchFamily="17" charset="-128"/>
+              </a:rPr>
+              <a:t>条件式</a:t>
+            </a:r>
+            <a:r>
+              <a:rPr lang="en-US" altLang="ja-JP" sz="2800" dirty="0">
+                <a:solidFill>
+                  <a:schemeClr val="tx1"/>
+                </a:solidFill>
+                <a:latin typeface="Consolas" panose="020B0609020204030204" pitchFamily="49" charset="0"/>
+                <a:ea typeface="HG教科書体" panose="02020609000000000000" pitchFamily="17" charset="-128"/>
+              </a:rPr>
+              <a:t>4</a:t>
+            </a:r>
+            <a:r>
+              <a:rPr lang="en-US" altLang="ja-JP" sz="2800" b="0" dirty="0">
+                <a:solidFill>
+                  <a:schemeClr val="tx1"/>
+                </a:solidFill>
+                <a:effectLst/>
+                <a:latin typeface="Consolas" panose="020B0609020204030204" pitchFamily="49" charset="0"/>
+                <a:ea typeface="HG教科書体" panose="02020609000000000000" pitchFamily="17" charset="-128"/>
+              </a:rPr>
+              <a:t>:</a:t>
+            </a:r>
+          </a:p>
+          <a:p>
+            <a:pPr>
+              <a:lnSpc>
+                <a:spcPct val="100000"/>
+              </a:lnSpc>
+            </a:pPr>
+            <a:r>
+              <a:rPr lang="en-US" altLang="ja-JP" sz="2800" b="0" dirty="0">
+                <a:solidFill>
+                  <a:srgbClr val="C586C0"/>
+                </a:solidFill>
+                <a:effectLst/>
+                <a:latin typeface="Consolas" panose="020B0609020204030204" pitchFamily="49" charset="0"/>
+                <a:ea typeface="HG教科書体" panose="02020609000000000000" pitchFamily="17" charset="-128"/>
+              </a:rPr>
+              <a:t>else</a:t>
+            </a:r>
+            <a:r>
+              <a:rPr lang="en-US" altLang="ja-JP" sz="2800" b="0" dirty="0">
+                <a:solidFill>
+                  <a:schemeClr val="tx1"/>
+                </a:solidFill>
+                <a:effectLst/>
+                <a:latin typeface="Consolas" panose="020B0609020204030204" pitchFamily="49" charset="0"/>
+                <a:ea typeface="HG教科書体" panose="02020609000000000000" pitchFamily="17" charset="-128"/>
+              </a:rPr>
+              <a:t>:</a:t>
+            </a:r>
+          </a:p>
+          <a:p>
+            <a:endParaRPr lang="en-US" altLang="ja-JP" sz="2800" dirty="0">
+              <a:solidFill>
+                <a:schemeClr val="tx1"/>
+              </a:solidFill>
+              <a:latin typeface="Consolas" panose="020B0609020204030204" pitchFamily="49" charset="0"/>
+              <a:ea typeface="HG教科書体" panose="02020609000000000000" pitchFamily="17" charset="-128"/>
+            </a:endParaRPr>
+          </a:p>
+          <a:p>
+            <a:r>
+              <a:rPr lang="ja-JP" altLang="en-US" sz="2800" b="0" dirty="0">
+                <a:solidFill>
+                  <a:schemeClr val="tx1"/>
+                </a:solidFill>
+                <a:effectLst/>
+                <a:latin typeface="Consolas" panose="020B0609020204030204" pitchFamily="49" charset="0"/>
+                <a:ea typeface="HG教科書体" panose="02020609000000000000" pitchFamily="17" charset="-128"/>
+              </a:rPr>
+              <a:t>次の処理</a:t>
+            </a:r>
+            <a:r>
+              <a:rPr lang="en-US" altLang="ja-JP" sz="2800" b="0" dirty="0">
+                <a:solidFill>
+                  <a:schemeClr val="tx1"/>
+                </a:solidFill>
+                <a:effectLst/>
+                <a:latin typeface="Consolas" panose="020B0609020204030204" pitchFamily="49" charset="0"/>
+                <a:ea typeface="HG教科書体" panose="02020609000000000000" pitchFamily="17" charset="-128"/>
+              </a:rPr>
+              <a:t>C</a:t>
+            </a:r>
+          </a:p>
+        </p:txBody>
+      </p:sp>
+      <p:sp>
+        <p:nvSpPr>
+          <p:cNvPr id="4" name="コンテンツ プレースホルダー 3">
+            <a:extLst>
+              <a:ext uri="{FF2B5EF4-FFF2-40B4-BE49-F238E27FC236}">
+                <a16:creationId xmlns:a16="http://schemas.microsoft.com/office/drawing/2014/main" id="{0AE6AD1D-EC6D-079A-4CFA-C31687C06420}"/>
+              </a:ext>
+            </a:extLst>
+          </p:cNvPr>
+          <p:cNvSpPr>
+            <a:spLocks noGrp="1"/>
+          </p:cNvSpPr>
+          <p:nvPr>
+            <p:ph sz="half" idx="2"/>
+          </p:nvPr>
+        </p:nvSpPr>
+        <p:spPr>
+          <a:xfrm>
+            <a:off x="6328394" y="2160528"/>
+            <a:ext cx="4937760" cy="4023360"/>
+          </a:xfrm>
+        </p:spPr>
+        <p:txBody>
+          <a:bodyPr>
+            <a:normAutofit/>
+          </a:bodyPr>
+          <a:lstStyle/>
+          <a:p>
             <a:pPr>
               <a:buSzPct val="50000"/>
               <a:buFont typeface="Wingdings" panose="05000000000000000000" pitchFamily="2" charset="2"/>
@@ -25855,11 +27676,22 @@
               <a:t> </a:t>
             </a:r>
             <a:r>
+              <a:rPr lang="en-US" altLang="ja-JP" sz="2800" b="0" dirty="0">
+                <a:solidFill>
+                  <a:srgbClr val="C586C0"/>
+                </a:solidFill>
+                <a:effectLst/>
+                <a:latin typeface="Consolas" panose="020B0609020204030204" pitchFamily="49" charset="0"/>
+                <a:ea typeface="HG教科書体" panose="02020609000000000000" pitchFamily="17" charset="-128"/>
+              </a:rPr>
+              <a:t>else</a:t>
+            </a:r>
+            <a:r>
               <a:rPr kumimoji="1" lang="en-US" altLang="ja-JP" sz="2800" dirty="0">
                 <a:latin typeface="Consolas" panose="020B0609020204030204" pitchFamily="49" charset="0"/>
                 <a:ea typeface="HG教科書体" panose="02020609000000000000" pitchFamily="17" charset="-128"/>
               </a:rPr>
-              <a:t>else </a:t>
+              <a:t> </a:t>
             </a:r>
             <a:r>
               <a:rPr kumimoji="1" lang="ja-JP" altLang="en-US" sz="2800" dirty="0">
@@ -25879,6 +27711,108 @@
               <a:buFont typeface="Wingdings" panose="05000000000000000000" pitchFamily="2" charset="2"/>
               <a:buChar char="l"/>
             </a:pPr>
+            <a:r>
+              <a:rPr lang="ja-JP" altLang="en-US" sz="2800" dirty="0">
+                <a:latin typeface="Consolas" panose="020B0609020204030204" pitchFamily="49" charset="0"/>
+                <a:ea typeface="HG教科書体" panose="02020609000000000000" pitchFamily="17" charset="-128"/>
+              </a:rPr>
+              <a:t> 上から順に、条件に当てはまった箇所が動く</a:t>
+            </a:r>
+            <a:endParaRPr lang="en-US" altLang="ja-JP" sz="2800" dirty="0">
+              <a:latin typeface="Consolas" panose="020B0609020204030204" pitchFamily="49" charset="0"/>
+              <a:ea typeface="HG教科書体" panose="02020609000000000000" pitchFamily="17" charset="-128"/>
+            </a:endParaRPr>
+          </a:p>
+          <a:p>
+            <a:pPr>
+              <a:buSzPct val="50000"/>
+              <a:buFont typeface="Wingdings" panose="05000000000000000000" pitchFamily="2" charset="2"/>
+              <a:buChar char="l"/>
+            </a:pPr>
+            <a:r>
+              <a:rPr lang="ja-JP" altLang="en-US" sz="2800" dirty="0">
+                <a:latin typeface="Consolas" panose="020B0609020204030204" pitchFamily="49" charset="0"/>
+                <a:ea typeface="HG教科書体" panose="02020609000000000000" pitchFamily="17" charset="-128"/>
+              </a:rPr>
+              <a:t> </a:t>
+            </a:r>
+            <a:r>
+              <a:rPr lang="en-US" altLang="ja-JP" sz="2800" dirty="0">
+                <a:solidFill>
+                  <a:srgbClr val="C586C0"/>
+                </a:solidFill>
+                <a:latin typeface="Consolas" panose="020B0609020204030204" pitchFamily="49" charset="0"/>
+              </a:rPr>
+              <a:t>if</a:t>
+            </a:r>
+            <a:r>
+              <a:rPr lang="en-US" altLang="ja-JP" sz="2800" dirty="0">
+                <a:latin typeface="Consolas" panose="020B0609020204030204" pitchFamily="49" charset="0"/>
+                <a:ea typeface="HG教科書体" panose="02020609000000000000" pitchFamily="17" charset="-128"/>
+              </a:rPr>
+              <a:t>(</a:t>
+            </a:r>
+            <a:r>
+              <a:rPr lang="en-US" altLang="ja-JP" sz="2800" b="0" dirty="0" err="1">
+                <a:solidFill>
+                  <a:srgbClr val="C586C0"/>
+                </a:solidFill>
+                <a:effectLst/>
+                <a:latin typeface="Consolas" panose="020B0609020204030204" pitchFamily="49" charset="0"/>
+                <a:ea typeface="HG教科書体" panose="02020609000000000000" pitchFamily="17" charset="-128"/>
+              </a:rPr>
+              <a:t>elif</a:t>
+            </a:r>
+            <a:r>
+              <a:rPr lang="en-US" altLang="ja-JP" sz="2800" dirty="0">
+                <a:latin typeface="Consolas" panose="020B0609020204030204" pitchFamily="49" charset="0"/>
+                <a:ea typeface="HG教科書体" panose="02020609000000000000" pitchFamily="17" charset="-128"/>
+              </a:rPr>
+              <a:t>) </a:t>
+            </a:r>
+            <a:r>
+              <a:rPr lang="ja-JP" altLang="en-US" sz="2800" dirty="0">
+                <a:latin typeface="Consolas" panose="020B0609020204030204" pitchFamily="49" charset="0"/>
+                <a:ea typeface="HG教科書体" panose="02020609000000000000" pitchFamily="17" charset="-128"/>
+              </a:rPr>
+              <a:t>が動いたら、それ以降の</a:t>
+            </a:r>
+            <a:r>
+              <a:rPr lang="en-US" altLang="ja-JP" sz="2800" b="0" dirty="0" err="1">
+                <a:solidFill>
+                  <a:srgbClr val="C586C0"/>
+                </a:solidFill>
+                <a:effectLst/>
+                <a:latin typeface="Consolas" panose="020B0609020204030204" pitchFamily="49" charset="0"/>
+                <a:ea typeface="HG教科書体" panose="02020609000000000000" pitchFamily="17" charset="-128"/>
+              </a:rPr>
+              <a:t>elif</a:t>
+            </a:r>
+            <a:r>
+              <a:rPr lang="en-US" altLang="ja-JP" sz="2800" dirty="0">
+                <a:latin typeface="Consolas" panose="020B0609020204030204" pitchFamily="49" charset="0"/>
+                <a:ea typeface="HG教科書体" panose="02020609000000000000" pitchFamily="17" charset="-128"/>
+              </a:rPr>
+              <a:t>, </a:t>
+            </a:r>
+            <a:r>
+              <a:rPr lang="en-US" altLang="ja-JP" sz="2800" b="0" dirty="0">
+                <a:solidFill>
+                  <a:srgbClr val="C586C0"/>
+                </a:solidFill>
+                <a:effectLst/>
+                <a:latin typeface="Consolas" panose="020B0609020204030204" pitchFamily="49" charset="0"/>
+                <a:ea typeface="HG教科書体" panose="02020609000000000000" pitchFamily="17" charset="-128"/>
+              </a:rPr>
+              <a:t>else</a:t>
+            </a:r>
+            <a:r>
+              <a:rPr lang="ja-JP" altLang="en-US" sz="2800" dirty="0">
+                <a:latin typeface="Consolas" panose="020B0609020204030204" pitchFamily="49" charset="0"/>
+                <a:ea typeface="HG教科書体" panose="02020609000000000000" pitchFamily="17" charset="-128"/>
+              </a:rPr>
+              <a:t>は動かない</a:t>
+            </a:r>
             <a:endParaRPr lang="en-US" altLang="ja-JP" sz="2800" dirty="0">
               <a:latin typeface="Consolas" panose="020B0609020204030204" pitchFamily="49" charset="0"/>
               <a:ea typeface="HG教科書体" panose="02020609000000000000" pitchFamily="17" charset="-128"/>
@@ -25902,10 +27836,176 @@
           </a:p>
         </p:txBody>
       </p:sp>
+      <p:sp>
+        <p:nvSpPr>
+          <p:cNvPr id="5" name="スライド番号プレースホルダー 4">
+            <a:extLst>
+              <a:ext uri="{FF2B5EF4-FFF2-40B4-BE49-F238E27FC236}">
+                <a16:creationId xmlns:a16="http://schemas.microsoft.com/office/drawing/2014/main" id="{F7A4A7B3-03A3-E0FE-1C7D-9C01972A5577}"/>
+              </a:ext>
+            </a:extLst>
+          </p:cNvPr>
+          <p:cNvSpPr>
+            <a:spLocks noGrp="1"/>
+          </p:cNvSpPr>
+          <p:nvPr>
+            <p:ph type="sldNum" sz="quarter" idx="12"/>
+          </p:nvPr>
+        </p:nvSpPr>
+        <p:spPr>
+          <a:xfrm>
+            <a:off x="10610142" y="286603"/>
+            <a:ext cx="1312025" cy="365125"/>
+          </a:xfrm>
+        </p:spPr>
+        <p:txBody>
+          <a:bodyPr/>
+          <a:lstStyle/>
+          <a:p>
+            <a:fld id="{EBB17469-0394-43CE-8997-40175C06C0DE}" type="slidenum">
+              <a:rPr kumimoji="1" lang="ja-JP" altLang="en-US" sz="3200" smtClean="0">
+                <a:solidFill>
+                  <a:schemeClr val="tx1"/>
+                </a:solidFill>
+              </a:rPr>
+              <a:t>34</a:t>
+            </a:fld>
+            <a:endParaRPr kumimoji="1" lang="ja-JP" altLang="en-US" dirty="0">
+              <a:solidFill>
+                <a:schemeClr val="tx1"/>
+              </a:solidFill>
+            </a:endParaRPr>
+          </a:p>
+        </p:txBody>
+      </p:sp>
+      <p:cxnSp>
+        <p:nvCxnSpPr>
+          <p:cNvPr id="14" name="直線矢印コネクタ 13">
+            <a:extLst>
+              <a:ext uri="{FF2B5EF4-FFF2-40B4-BE49-F238E27FC236}">
+                <a16:creationId xmlns:a16="http://schemas.microsoft.com/office/drawing/2014/main" id="{3EE779BA-A8A5-66A5-2F30-F609473D5CB7}"/>
+              </a:ext>
+            </a:extLst>
+          </p:cNvPr>
+          <p:cNvCxnSpPr>
+            <a:cxnSpLocks/>
+          </p:cNvCxnSpPr>
+          <p:nvPr/>
+        </p:nvCxnSpPr>
+        <p:spPr>
+          <a:xfrm flipH="1">
+            <a:off x="3012830" y="5978769"/>
+            <a:ext cx="1715656" cy="0"/>
+          </a:xfrm>
+          <a:prstGeom prst="straightConnector1">
+            <a:avLst/>
+          </a:prstGeom>
+          <a:ln w="38100">
+            <a:prstDash val="sysDash"/>
+            <a:tailEnd type="triangle"/>
+          </a:ln>
+        </p:spPr>
+        <p:style>
+          <a:lnRef idx="1">
+            <a:schemeClr val="accent1"/>
+          </a:lnRef>
+          <a:fillRef idx="0">
+            <a:schemeClr val="accent1"/>
+          </a:fillRef>
+          <a:effectRef idx="0">
+            <a:schemeClr val="accent1"/>
+          </a:effectRef>
+          <a:fontRef idx="minor">
+            <a:schemeClr val="tx1"/>
+          </a:fontRef>
+        </p:style>
+      </p:cxnSp>
+      <p:cxnSp>
+        <p:nvCxnSpPr>
+          <p:cNvPr id="16" name="直線コネクタ 15">
+            <a:extLst>
+              <a:ext uri="{FF2B5EF4-FFF2-40B4-BE49-F238E27FC236}">
+                <a16:creationId xmlns:a16="http://schemas.microsoft.com/office/drawing/2014/main" id="{CF6DE65E-EA44-CD42-70CA-CCB16EAB9F7B}"/>
+              </a:ext>
+            </a:extLst>
+          </p:cNvPr>
+          <p:cNvCxnSpPr>
+            <a:cxnSpLocks/>
+          </p:cNvCxnSpPr>
+          <p:nvPr/>
+        </p:nvCxnSpPr>
+        <p:spPr>
+          <a:xfrm>
+            <a:off x="4728486" y="3429000"/>
+            <a:ext cx="0" cy="2549769"/>
+          </a:xfrm>
+          <a:prstGeom prst="line">
+            <a:avLst/>
+          </a:prstGeom>
+          <a:ln w="38100">
+            <a:prstDash val="sysDash"/>
+          </a:ln>
+        </p:spPr>
+        <p:style>
+          <a:lnRef idx="1">
+            <a:schemeClr val="accent1"/>
+          </a:lnRef>
+          <a:fillRef idx="0">
+            <a:schemeClr val="accent1"/>
+          </a:fillRef>
+          <a:effectRef idx="0">
+            <a:schemeClr val="accent1"/>
+          </a:effectRef>
+          <a:fontRef idx="minor">
+            <a:schemeClr val="tx1"/>
+          </a:fontRef>
+        </p:style>
+      </p:cxnSp>
+      <p:cxnSp>
+        <p:nvCxnSpPr>
+          <p:cNvPr id="17" name="直線コネクタ 16">
+            <a:extLst>
+              <a:ext uri="{FF2B5EF4-FFF2-40B4-BE49-F238E27FC236}">
+                <a16:creationId xmlns:a16="http://schemas.microsoft.com/office/drawing/2014/main" id="{E7B32E19-E8F7-7506-84B3-9B7AE883B4A1}"/>
+              </a:ext>
+            </a:extLst>
+          </p:cNvPr>
+          <p:cNvCxnSpPr>
+            <a:cxnSpLocks/>
+          </p:cNvCxnSpPr>
+          <p:nvPr/>
+        </p:nvCxnSpPr>
+        <p:spPr>
+          <a:xfrm>
+            <a:off x="3808686" y="3429000"/>
+            <a:ext cx="919800" cy="0"/>
+          </a:xfrm>
+          <a:prstGeom prst="line">
+            <a:avLst/>
+          </a:prstGeom>
+          <a:ln w="38100">
+            <a:prstDash val="sysDash"/>
+          </a:ln>
+        </p:spPr>
+        <p:style>
+          <a:lnRef idx="1">
+            <a:schemeClr val="accent1"/>
+          </a:lnRef>
+          <a:fillRef idx="0">
+            <a:schemeClr val="accent1"/>
+          </a:fillRef>
+          <a:effectRef idx="0">
+            <a:schemeClr val="accent1"/>
+          </a:effectRef>
+          <a:fontRef idx="minor">
+            <a:schemeClr val="tx1"/>
+          </a:fontRef>
+        </p:style>
+      </p:cxnSp>
     </p:spTree>
     <p:extLst>
       <p:ext uri="{BB962C8B-B14F-4D97-AF65-F5344CB8AC3E}">
-        <p14:creationId xmlns:p14="http://schemas.microsoft.com/office/powerpoint/2010/main" val="2892547180"/>
+        <p14:creationId xmlns:p14="http://schemas.microsoft.com/office/powerpoint/2010/main" val="403126507"/>
       </p:ext>
     </p:extLst>
   </p:cSld>
@@ -25915,7 +28015,7 @@
 </p:sld>
 </file>
 
-<file path=ppt/slides/slide33.xml><?xml version="1.0" encoding="utf-8"?>
+<file path=ppt/slides/slide35.xml><?xml version="1.0" encoding="utf-8"?>
 <p:sld xmlns:a="http://schemas.openxmlformats.org/drawingml/2006/main" xmlns:r="http://schemas.openxmlformats.org/officeDocument/2006/relationships" xmlns:p="http://schemas.openxmlformats.org/presentationml/2006/main">
   <p:cSld>
     <p:spTree>
@@ -26048,6 +28148,36 @@
           </a:p>
         </p:txBody>
       </p:sp>
+      <p:sp>
+        <p:nvSpPr>
+          <p:cNvPr id="4" name="スライド番号プレースホルダー 3">
+            <a:extLst>
+              <a:ext uri="{FF2B5EF4-FFF2-40B4-BE49-F238E27FC236}">
+                <a16:creationId xmlns:a16="http://schemas.microsoft.com/office/drawing/2014/main" id="{C716404F-7B2A-65D1-DEB4-FFAB816B99EA}"/>
+              </a:ext>
+            </a:extLst>
+          </p:cNvPr>
+          <p:cNvSpPr>
+            <a:spLocks noGrp="1"/>
+          </p:cNvSpPr>
+          <p:nvPr>
+            <p:ph type="sldNum" sz="quarter" idx="12"/>
+          </p:nvPr>
+        </p:nvSpPr>
+        <p:spPr/>
+        <p:txBody>
+          <a:bodyPr/>
+          <a:lstStyle/>
+          <a:p>
+            <a:fld id="{EBB17469-0394-43CE-8997-40175C06C0DE}" type="slidenum">
+              <a:rPr kumimoji="1" lang="ja-JP" altLang="en-US" smtClean="0"/>
+              <a:pPr/>
+              <a:t>35</a:t>
+            </a:fld>
+            <a:endParaRPr kumimoji="1" lang="ja-JP" altLang="en-US" dirty="0"/>
+          </a:p>
+        </p:txBody>
+      </p:sp>
     </p:spTree>
     <p:extLst>
       <p:ext uri="{BB962C8B-B14F-4D97-AF65-F5344CB8AC3E}">
@@ -26061,7 +28191,7 @@
 </p:sld>
 </file>
 
-<file path=ppt/slides/slide34.xml><?xml version="1.0" encoding="utf-8"?>
+<file path=ppt/slides/slide36.xml><?xml version="1.0" encoding="utf-8"?>
 <p:sld xmlns:a="http://schemas.openxmlformats.org/drawingml/2006/main" xmlns:r="http://schemas.openxmlformats.org/officeDocument/2006/relationships" xmlns:p="http://schemas.openxmlformats.org/presentationml/2006/main">
   <p:cSld>
     <p:spTree>
@@ -26101,7 +28231,15 @@
           <a:p>
             <a:r>
               <a:rPr kumimoji="1" lang="en-US" altLang="ja-JP" dirty="0"/>
-              <a:t>and, or</a:t>
+              <a:t>and</a:t>
+            </a:r>
+            <a:r>
+              <a:rPr kumimoji="1" lang="ja-JP" altLang="en-US" dirty="0"/>
+              <a:t> と</a:t>
+            </a:r>
+            <a:r>
+              <a:rPr kumimoji="1" lang="en-US" altLang="ja-JP" dirty="0"/>
+              <a:t> or</a:t>
             </a:r>
             <a:endParaRPr kumimoji="1" lang="ja-JP" altLang="en-US" dirty="0"/>
           </a:p>
@@ -26412,6 +28550,36 @@
           </a:p>
         </p:txBody>
       </p:sp>
+      <p:sp>
+        <p:nvSpPr>
+          <p:cNvPr id="4" name="スライド番号プレースホルダー 3">
+            <a:extLst>
+              <a:ext uri="{FF2B5EF4-FFF2-40B4-BE49-F238E27FC236}">
+                <a16:creationId xmlns:a16="http://schemas.microsoft.com/office/drawing/2014/main" id="{0F0ED121-4A54-F605-FF04-02AE08901925}"/>
+              </a:ext>
+            </a:extLst>
+          </p:cNvPr>
+          <p:cNvSpPr>
+            <a:spLocks noGrp="1"/>
+          </p:cNvSpPr>
+          <p:nvPr>
+            <p:ph type="sldNum" sz="quarter" idx="12"/>
+          </p:nvPr>
+        </p:nvSpPr>
+        <p:spPr/>
+        <p:txBody>
+          <a:bodyPr/>
+          <a:lstStyle/>
+          <a:p>
+            <a:fld id="{EBB17469-0394-43CE-8997-40175C06C0DE}" type="slidenum">
+              <a:rPr kumimoji="1" lang="ja-JP" altLang="en-US" smtClean="0"/>
+              <a:pPr/>
+              <a:t>36</a:t>
+            </a:fld>
+            <a:endParaRPr kumimoji="1" lang="ja-JP" altLang="en-US" dirty="0"/>
+          </a:p>
+        </p:txBody>
+      </p:sp>
     </p:spTree>
     <p:extLst>
       <p:ext uri="{BB962C8B-B14F-4D97-AF65-F5344CB8AC3E}">
@@ -26425,7 +28593,490 @@
 </p:sld>
 </file>
 
-<file path=ppt/slides/slide35.xml><?xml version="1.0" encoding="utf-8"?>
+<file path=ppt/slides/slide37.xml><?xml version="1.0" encoding="utf-8"?>
+<p:sld xmlns:a="http://schemas.openxmlformats.org/drawingml/2006/main" xmlns:r="http://schemas.openxmlformats.org/officeDocument/2006/relationships" xmlns:p="http://schemas.openxmlformats.org/presentationml/2006/main">
+  <p:cSld>
+    <p:spTree>
+      <p:nvGrpSpPr>
+        <p:cNvPr id="1" name=""/>
+        <p:cNvGrpSpPr/>
+        <p:nvPr/>
+      </p:nvGrpSpPr>
+      <p:grpSpPr>
+        <a:xfrm>
+          <a:off x="0" y="0"/>
+          <a:ext cx="0" cy="0"/>
+          <a:chOff x="0" y="0"/>
+          <a:chExt cx="0" cy="0"/>
+        </a:xfrm>
+      </p:grpSpPr>
+      <p:sp>
+        <p:nvSpPr>
+          <p:cNvPr id="2" name="タイトル 1">
+            <a:extLst>
+              <a:ext uri="{FF2B5EF4-FFF2-40B4-BE49-F238E27FC236}">
+                <a16:creationId xmlns:a16="http://schemas.microsoft.com/office/drawing/2014/main" id="{6A25CA2E-7086-33FD-4CBC-891F78ABE92E}"/>
+              </a:ext>
+            </a:extLst>
+          </p:cNvPr>
+          <p:cNvSpPr>
+            <a:spLocks noGrp="1"/>
+          </p:cNvSpPr>
+          <p:nvPr>
+            <p:ph type="title"/>
+          </p:nvPr>
+        </p:nvSpPr>
+        <p:spPr/>
+        <p:txBody>
+          <a:bodyPr/>
+          <a:lstStyle/>
+          <a:p>
+            <a:r>
+              <a:rPr kumimoji="1" lang="en-US" altLang="ja-JP" dirty="0"/>
+              <a:t>and </a:t>
+            </a:r>
+            <a:r>
+              <a:rPr kumimoji="1" lang="ja-JP" altLang="en-US" dirty="0"/>
+              <a:t>と </a:t>
+            </a:r>
+            <a:r>
+              <a:rPr kumimoji="1" lang="en-US" altLang="ja-JP" dirty="0"/>
+              <a:t>or</a:t>
+            </a:r>
+            <a:endParaRPr kumimoji="1" lang="ja-JP" altLang="en-US" dirty="0"/>
+          </a:p>
+        </p:txBody>
+      </p:sp>
+      <p:sp>
+        <p:nvSpPr>
+          <p:cNvPr id="3" name="コンテンツ プレースホルダー 2">
+            <a:extLst>
+              <a:ext uri="{FF2B5EF4-FFF2-40B4-BE49-F238E27FC236}">
+                <a16:creationId xmlns:a16="http://schemas.microsoft.com/office/drawing/2014/main" id="{180DDB4C-5DD1-9473-B671-D0E803029CA6}"/>
+              </a:ext>
+            </a:extLst>
+          </p:cNvPr>
+          <p:cNvSpPr>
+            <a:spLocks noGrp="1"/>
+          </p:cNvSpPr>
+          <p:nvPr>
+            <p:ph idx="1"/>
+          </p:nvPr>
+        </p:nvSpPr>
+        <p:spPr/>
+        <p:txBody>
+          <a:bodyPr>
+            <a:normAutofit/>
+          </a:bodyPr>
+          <a:lstStyle/>
+          <a:p>
+            <a:r>
+              <a:rPr lang="en-US" altLang="ja-JP" b="0" dirty="0">
+                <a:solidFill>
+                  <a:srgbClr val="C586C0"/>
+                </a:solidFill>
+                <a:effectLst/>
+                <a:latin typeface="Consolas" panose="020B0609020204030204" pitchFamily="49" charset="0"/>
+              </a:rPr>
+              <a:t>if</a:t>
+            </a:r>
+            <a:r>
+              <a:rPr lang="ja-JP" altLang="en-US" b="0" dirty="0">
+                <a:solidFill>
+                  <a:srgbClr val="D4D4D4"/>
+                </a:solidFill>
+                <a:effectLst/>
+                <a:latin typeface="Consolas" panose="020B0609020204030204" pitchFamily="49" charset="0"/>
+              </a:rPr>
+              <a:t> </a:t>
+            </a:r>
+            <a:r>
+              <a:rPr lang="ja-JP" altLang="en-US" b="0" dirty="0">
+                <a:solidFill>
+                  <a:schemeClr val="tx1"/>
+                </a:solidFill>
+                <a:effectLst/>
+                <a:latin typeface="Consolas" panose="020B0609020204030204" pitchFamily="49" charset="0"/>
+              </a:rPr>
+              <a:t>条件式</a:t>
+            </a:r>
+            <a:r>
+              <a:rPr lang="en-US" altLang="ja-JP" b="0" dirty="0">
+                <a:solidFill>
+                  <a:schemeClr val="tx1"/>
+                </a:solidFill>
+                <a:effectLst/>
+                <a:latin typeface="Consolas" panose="020B0609020204030204" pitchFamily="49" charset="0"/>
+              </a:rPr>
+              <a:t>1</a:t>
+            </a:r>
+            <a:r>
+              <a:rPr lang="en-US" altLang="ja-JP" b="0" dirty="0">
+                <a:solidFill>
+                  <a:srgbClr val="D4D4D4"/>
+                </a:solidFill>
+                <a:effectLst/>
+                <a:latin typeface="Consolas" panose="020B0609020204030204" pitchFamily="49" charset="0"/>
+              </a:rPr>
+              <a:t> </a:t>
+            </a:r>
+            <a:r>
+              <a:rPr lang="en-US" altLang="ja-JP" b="0" dirty="0">
+                <a:solidFill>
+                  <a:srgbClr val="569CD6"/>
+                </a:solidFill>
+                <a:effectLst/>
+                <a:latin typeface="Consolas" panose="020B0609020204030204" pitchFamily="49" charset="0"/>
+              </a:rPr>
+              <a:t>and</a:t>
+            </a:r>
+            <a:r>
+              <a:rPr lang="ja-JP" altLang="en-US" b="0" dirty="0">
+                <a:solidFill>
+                  <a:srgbClr val="D4D4D4"/>
+                </a:solidFill>
+                <a:effectLst/>
+                <a:latin typeface="Consolas" panose="020B0609020204030204" pitchFamily="49" charset="0"/>
+              </a:rPr>
+              <a:t> </a:t>
+            </a:r>
+            <a:r>
+              <a:rPr lang="ja-JP" altLang="en-US" b="0" dirty="0">
+                <a:solidFill>
+                  <a:schemeClr val="tx1"/>
+                </a:solidFill>
+                <a:effectLst/>
+                <a:latin typeface="Consolas" panose="020B0609020204030204" pitchFamily="49" charset="0"/>
+              </a:rPr>
+              <a:t>条件式</a:t>
+            </a:r>
+            <a:r>
+              <a:rPr lang="en-US" altLang="ja-JP" b="0" dirty="0">
+                <a:solidFill>
+                  <a:schemeClr val="tx1"/>
+                </a:solidFill>
+                <a:effectLst/>
+                <a:latin typeface="Consolas" panose="020B0609020204030204" pitchFamily="49" charset="0"/>
+              </a:rPr>
+              <a:t>2:</a:t>
+            </a:r>
+            <a:br>
+              <a:rPr lang="en-US" altLang="ja-JP" b="0" dirty="0">
+                <a:solidFill>
+                  <a:srgbClr val="D4D4D4"/>
+                </a:solidFill>
+                <a:effectLst/>
+                <a:latin typeface="Consolas" panose="020B0609020204030204" pitchFamily="49" charset="0"/>
+              </a:rPr>
+            </a:br>
+            <a:r>
+              <a:rPr lang="en-US" altLang="ja-JP" b="0" dirty="0">
+                <a:solidFill>
+                  <a:srgbClr val="D4D4D4"/>
+                </a:solidFill>
+                <a:effectLst/>
+                <a:latin typeface="Consolas" panose="020B0609020204030204" pitchFamily="49" charset="0"/>
+              </a:rPr>
+              <a:t>    </a:t>
+            </a:r>
+            <a:r>
+              <a:rPr lang="ja-JP" altLang="en-US" b="0" dirty="0">
+                <a:solidFill>
+                  <a:schemeClr val="tx1"/>
+                </a:solidFill>
+                <a:effectLst/>
+                <a:latin typeface="Consolas" panose="020B0609020204030204" pitchFamily="49" charset="0"/>
+              </a:rPr>
+              <a:t>条件式</a:t>
+            </a:r>
+            <a:r>
+              <a:rPr lang="en-US" altLang="ja-JP" b="0" dirty="0">
+                <a:solidFill>
+                  <a:schemeClr val="tx1"/>
+                </a:solidFill>
+                <a:effectLst/>
+                <a:latin typeface="Consolas" panose="020B0609020204030204" pitchFamily="49" charset="0"/>
+              </a:rPr>
+              <a:t>1</a:t>
+            </a:r>
+            <a:r>
+              <a:rPr lang="ja-JP" altLang="en-US" b="0" dirty="0">
+                <a:solidFill>
+                  <a:schemeClr val="tx1"/>
+                </a:solidFill>
+                <a:effectLst/>
+                <a:latin typeface="Consolas" panose="020B0609020204030204" pitchFamily="49" charset="0"/>
+              </a:rPr>
+              <a:t>、条件式</a:t>
+            </a:r>
+            <a:r>
+              <a:rPr lang="en-US" altLang="ja-JP" b="0" dirty="0">
+                <a:solidFill>
+                  <a:schemeClr val="tx1"/>
+                </a:solidFill>
+                <a:effectLst/>
+                <a:latin typeface="Consolas" panose="020B0609020204030204" pitchFamily="49" charset="0"/>
+              </a:rPr>
+              <a:t>2</a:t>
+            </a:r>
+            <a:r>
+              <a:rPr lang="ja-JP" altLang="en-US" b="0" dirty="0">
+                <a:solidFill>
+                  <a:schemeClr val="tx1"/>
+                </a:solidFill>
+                <a:effectLst/>
+                <a:latin typeface="Consolas" panose="020B0609020204030204" pitchFamily="49" charset="0"/>
+              </a:rPr>
+              <a:t>がともに</a:t>
+            </a:r>
+            <a:r>
+              <a:rPr lang="en-US" altLang="ja-JP" b="0" dirty="0">
+                <a:solidFill>
+                  <a:srgbClr val="569CD6"/>
+                </a:solidFill>
+                <a:effectLst/>
+                <a:latin typeface="Consolas" panose="020B0609020204030204" pitchFamily="49" charset="0"/>
+              </a:rPr>
+              <a:t>True</a:t>
+            </a:r>
+            <a:r>
+              <a:rPr lang="ja-JP" altLang="en-US" b="0" dirty="0">
+                <a:solidFill>
+                  <a:schemeClr val="tx1"/>
+                </a:solidFill>
+                <a:effectLst/>
+                <a:latin typeface="Consolas" panose="020B0609020204030204" pitchFamily="49" charset="0"/>
+              </a:rPr>
+              <a:t>の時に実行する処理</a:t>
+            </a:r>
+          </a:p>
+          <a:p>
+            <a:r>
+              <a:rPr lang="en-US" altLang="ja-JP" b="0" dirty="0">
+                <a:solidFill>
+                  <a:srgbClr val="C586C0"/>
+                </a:solidFill>
+                <a:effectLst/>
+                <a:latin typeface="Consolas" panose="020B0609020204030204" pitchFamily="49" charset="0"/>
+              </a:rPr>
+              <a:t>if</a:t>
+            </a:r>
+            <a:r>
+              <a:rPr lang="ja-JP" altLang="en-US" b="0" dirty="0">
+                <a:solidFill>
+                  <a:srgbClr val="D4D4D4"/>
+                </a:solidFill>
+                <a:effectLst/>
+                <a:latin typeface="Consolas" panose="020B0609020204030204" pitchFamily="49" charset="0"/>
+              </a:rPr>
+              <a:t> </a:t>
+            </a:r>
+            <a:r>
+              <a:rPr lang="ja-JP" altLang="en-US" b="0" dirty="0">
+                <a:solidFill>
+                  <a:schemeClr val="tx1"/>
+                </a:solidFill>
+                <a:effectLst/>
+                <a:latin typeface="Consolas" panose="020B0609020204030204" pitchFamily="49" charset="0"/>
+              </a:rPr>
+              <a:t>条件式</a:t>
+            </a:r>
+            <a:r>
+              <a:rPr lang="en-US" altLang="ja-JP" b="0" dirty="0">
+                <a:solidFill>
+                  <a:schemeClr val="tx1"/>
+                </a:solidFill>
+                <a:effectLst/>
+                <a:latin typeface="Consolas" panose="020B0609020204030204" pitchFamily="49" charset="0"/>
+              </a:rPr>
+              <a:t>1</a:t>
+            </a:r>
+            <a:r>
+              <a:rPr lang="en-US" altLang="ja-JP" b="0" dirty="0">
+                <a:solidFill>
+                  <a:srgbClr val="D4D4D4"/>
+                </a:solidFill>
+                <a:effectLst/>
+                <a:latin typeface="Consolas" panose="020B0609020204030204" pitchFamily="49" charset="0"/>
+              </a:rPr>
+              <a:t> </a:t>
+            </a:r>
+            <a:r>
+              <a:rPr lang="en-US" altLang="ja-JP" b="0" dirty="0">
+                <a:solidFill>
+                  <a:srgbClr val="569CD6"/>
+                </a:solidFill>
+                <a:effectLst/>
+                <a:latin typeface="Consolas" panose="020B0609020204030204" pitchFamily="49" charset="0"/>
+              </a:rPr>
+              <a:t>or</a:t>
+            </a:r>
+            <a:r>
+              <a:rPr lang="ja-JP" altLang="en-US" b="0" dirty="0">
+                <a:solidFill>
+                  <a:srgbClr val="D4D4D4"/>
+                </a:solidFill>
+                <a:effectLst/>
+                <a:latin typeface="Consolas" panose="020B0609020204030204" pitchFamily="49" charset="0"/>
+              </a:rPr>
+              <a:t> </a:t>
+            </a:r>
+            <a:r>
+              <a:rPr lang="ja-JP" altLang="en-US" b="0" dirty="0">
+                <a:solidFill>
+                  <a:schemeClr val="tx1"/>
+                </a:solidFill>
+                <a:effectLst/>
+                <a:latin typeface="Consolas" panose="020B0609020204030204" pitchFamily="49" charset="0"/>
+              </a:rPr>
+              <a:t>条件式</a:t>
+            </a:r>
+            <a:r>
+              <a:rPr lang="en-US" altLang="ja-JP" b="0" dirty="0">
+                <a:solidFill>
+                  <a:schemeClr val="tx1"/>
+                </a:solidFill>
+                <a:effectLst/>
+                <a:latin typeface="Consolas" panose="020B0609020204030204" pitchFamily="49" charset="0"/>
+              </a:rPr>
+              <a:t>2:</a:t>
+            </a:r>
+            <a:br>
+              <a:rPr lang="en-US" altLang="ja-JP" b="0" dirty="0">
+                <a:solidFill>
+                  <a:schemeClr val="tx1"/>
+                </a:solidFill>
+                <a:effectLst/>
+                <a:latin typeface="Consolas" panose="020B0609020204030204" pitchFamily="49" charset="0"/>
+              </a:rPr>
+            </a:br>
+            <a:r>
+              <a:rPr lang="en-US" altLang="ja-JP" b="0" dirty="0">
+                <a:solidFill>
+                  <a:schemeClr val="tx1"/>
+                </a:solidFill>
+                <a:effectLst/>
+                <a:latin typeface="Consolas" panose="020B0609020204030204" pitchFamily="49" charset="0"/>
+              </a:rPr>
+              <a:t>    </a:t>
+            </a:r>
+            <a:r>
+              <a:rPr lang="ja-JP" altLang="en-US" b="0" dirty="0">
+                <a:solidFill>
+                  <a:schemeClr val="tx1"/>
+                </a:solidFill>
+                <a:effectLst/>
+                <a:latin typeface="Consolas" panose="020B0609020204030204" pitchFamily="49" charset="0"/>
+              </a:rPr>
+              <a:t>条件式</a:t>
+            </a:r>
+            <a:r>
+              <a:rPr lang="en-US" altLang="ja-JP" b="0" dirty="0">
+                <a:solidFill>
+                  <a:schemeClr val="tx1"/>
+                </a:solidFill>
+                <a:effectLst/>
+                <a:latin typeface="Consolas" panose="020B0609020204030204" pitchFamily="49" charset="0"/>
+              </a:rPr>
+              <a:t>1</a:t>
+            </a:r>
+            <a:r>
+              <a:rPr lang="ja-JP" altLang="en-US" b="0" dirty="0">
+                <a:solidFill>
+                  <a:schemeClr val="tx1"/>
+                </a:solidFill>
+                <a:effectLst/>
+                <a:latin typeface="Consolas" panose="020B0609020204030204" pitchFamily="49" charset="0"/>
+              </a:rPr>
+              <a:t>、条件式</a:t>
+            </a:r>
+            <a:r>
+              <a:rPr lang="en-US" altLang="ja-JP" b="0" dirty="0">
+                <a:solidFill>
+                  <a:schemeClr val="tx1"/>
+                </a:solidFill>
+                <a:effectLst/>
+                <a:latin typeface="Consolas" panose="020B0609020204030204" pitchFamily="49" charset="0"/>
+              </a:rPr>
+              <a:t>2</a:t>
+            </a:r>
+            <a:r>
+              <a:rPr lang="ja-JP" altLang="en-US" b="0" dirty="0">
+                <a:solidFill>
+                  <a:schemeClr val="tx1"/>
+                </a:solidFill>
+                <a:effectLst/>
+                <a:latin typeface="Consolas" panose="020B0609020204030204" pitchFamily="49" charset="0"/>
+              </a:rPr>
+              <a:t>のいずれかが</a:t>
+            </a:r>
+            <a:r>
+              <a:rPr lang="en-US" altLang="ja-JP" b="0" dirty="0">
+                <a:solidFill>
+                  <a:srgbClr val="569CD6"/>
+                </a:solidFill>
+                <a:effectLst/>
+                <a:latin typeface="Consolas" panose="020B0609020204030204" pitchFamily="49" charset="0"/>
+              </a:rPr>
+              <a:t>True</a:t>
+            </a:r>
+            <a:r>
+              <a:rPr lang="ja-JP" altLang="en-US" b="0" dirty="0">
+                <a:solidFill>
+                  <a:schemeClr val="tx1"/>
+                </a:solidFill>
+                <a:effectLst/>
+                <a:latin typeface="Consolas" panose="020B0609020204030204" pitchFamily="49" charset="0"/>
+              </a:rPr>
+              <a:t>の時に実行する処理</a:t>
+            </a:r>
+          </a:p>
+        </p:txBody>
+      </p:sp>
+      <p:sp>
+        <p:nvSpPr>
+          <p:cNvPr id="4" name="スライド番号プレースホルダー 3">
+            <a:extLst>
+              <a:ext uri="{FF2B5EF4-FFF2-40B4-BE49-F238E27FC236}">
+                <a16:creationId xmlns:a16="http://schemas.microsoft.com/office/drawing/2014/main" id="{F3333AC7-72DA-16BB-C9A2-284C2F6D36FA}"/>
+              </a:ext>
+            </a:extLst>
+          </p:cNvPr>
+          <p:cNvSpPr>
+            <a:spLocks noGrp="1"/>
+          </p:cNvSpPr>
+          <p:nvPr>
+            <p:ph type="sldNum" sz="quarter" idx="12"/>
+          </p:nvPr>
+        </p:nvSpPr>
+        <p:spPr/>
+        <p:txBody>
+          <a:bodyPr/>
+          <a:lstStyle/>
+          <a:p>
+            <a:fld id="{EBB17469-0394-43CE-8997-40175C06C0DE}" type="slidenum">
+              <a:rPr kumimoji="1" lang="ja-JP" altLang="en-US" smtClean="0"/>
+              <a:pPr/>
+              <a:t>37</a:t>
+            </a:fld>
+            <a:endParaRPr kumimoji="1" lang="ja-JP" altLang="en-US" dirty="0"/>
+          </a:p>
+        </p:txBody>
+      </p:sp>
+    </p:spTree>
+    <p:extLst>
+      <p:ext uri="{BB962C8B-B14F-4D97-AF65-F5344CB8AC3E}">
+        <p14:creationId xmlns:p14="http://schemas.microsoft.com/office/powerpoint/2010/main" val="2227491049"/>
+      </p:ext>
+    </p:extLst>
+  </p:cSld>
+  <p:clrMapOvr>
+    <a:masterClrMapping/>
+  </p:clrMapOvr>
+</p:sld>
+</file>
+
+<file path=ppt/slides/slide38.xml><?xml version="1.0" encoding="utf-8"?>
 <p:sld xmlns:a="http://schemas.openxmlformats.org/drawingml/2006/main" xmlns:r="http://schemas.openxmlformats.org/officeDocument/2006/relationships" xmlns:p="http://schemas.openxmlformats.org/presentationml/2006/main">
   <p:cSld>
     <p:spTree>
@@ -26465,8 +29116,19 @@
           <a:p>
             <a:r>
               <a:rPr kumimoji="1" lang="ja-JP" altLang="en-US" dirty="0"/>
-              <a:t>入れ子構造</a:t>
-            </a:r>
+              <a:t>入れ子構造、</a:t>
+            </a:r>
+            <a:r>
+              <a:rPr lang="ja-JP" altLang="en-US" b="1" i="0" dirty="0">
+                <a:solidFill>
+                  <a:srgbClr val="000000"/>
+                </a:solidFill>
+                <a:effectLst/>
+                <a:latin typeface="noto-sans-cjk-jp"/>
+              </a:rPr>
+              <a:t>ネスト構造</a:t>
+            </a:r>
+            <a:endParaRPr kumimoji="1" lang="ja-JP" altLang="en-US" dirty="0"/>
           </a:p>
         </p:txBody>
       </p:sp>
@@ -26867,6 +29529,9 @@
             </a:r>
           </a:p>
           <a:p>
+            <a:pPr marL="0" indent="0">
+              <a:buNone/>
+            </a:pPr>
             <a:endParaRPr kumimoji="1" lang="ja-JP" altLang="en-US" dirty="0"/>
           </a:p>
         </p:txBody>
@@ -26901,42 +29566,12 @@
           </a:prstGeom>
         </p:spPr>
       </p:pic>
-    </p:spTree>
-    <p:extLst>
-      <p:ext uri="{BB962C8B-B14F-4D97-AF65-F5344CB8AC3E}">
-        <p14:creationId xmlns:p14="http://schemas.microsoft.com/office/powerpoint/2010/main" val="3685187686"/>
-      </p:ext>
-    </p:extLst>
-  </p:cSld>
-  <p:clrMapOvr>
-    <a:masterClrMapping/>
-  </p:clrMapOvr>
-</p:sld>
-</file>
-
-<file path=ppt/slides/slide36.xml><?xml version="1.0" encoding="utf-8"?>
-<p:sld xmlns:a="http://schemas.openxmlformats.org/drawingml/2006/main" xmlns:r="http://schemas.openxmlformats.org/officeDocument/2006/relationships" xmlns:p="http://schemas.openxmlformats.org/presentationml/2006/main">
-  <p:cSld>
-    <p:spTree>
-      <p:nvGrpSpPr>
-        <p:cNvPr id="1" name=""/>
-        <p:cNvGrpSpPr/>
-        <p:nvPr/>
-      </p:nvGrpSpPr>
-      <p:grpSpPr>
-        <a:xfrm>
-          <a:off x="0" y="0"/>
-          <a:ext cx="0" cy="0"/>
-          <a:chOff x="0" y="0"/>
-          <a:chExt cx="0" cy="0"/>
-        </a:xfrm>
-      </p:grpSpPr>
       <p:sp>
         <p:nvSpPr>
-          <p:cNvPr id="2" name="タイトル 1">
+          <p:cNvPr id="4" name="スライド番号プレースホルダー 3">
             <a:extLst>
               <a:ext uri="{FF2B5EF4-FFF2-40B4-BE49-F238E27FC236}">
-                <a16:creationId xmlns:a16="http://schemas.microsoft.com/office/drawing/2014/main" id="{14B53B9D-C3AC-8FE6-0E35-0D9447C44072}"/>
+                <a16:creationId xmlns:a16="http://schemas.microsoft.com/office/drawing/2014/main" id="{84F2CD30-D990-AAF2-13FD-2960E0558280}"/>
               </a:ext>
             </a:extLst>
           </p:cNvPr>
@@ -26944,7 +29579,7 @@
             <a:spLocks noGrp="1"/>
           </p:cNvSpPr>
           <p:nvPr>
-            <p:ph type="title"/>
+            <p:ph type="sldNum" sz="quarter" idx="12"/>
           </p:nvPr>
         </p:nvSpPr>
         <p:spPr/>
@@ -26952,303 +29587,19 @@
           <a:bodyPr/>
           <a:lstStyle/>
           <a:p>
-            <a:r>
-              <a:rPr lang="ja-JP" altLang="en-US" dirty="0"/>
-              <a:t>以上</a:t>
-            </a:r>
+            <a:fld id="{EBB17469-0394-43CE-8997-40175C06C0DE}" type="slidenum">
+              <a:rPr kumimoji="1" lang="ja-JP" altLang="en-US" smtClean="0"/>
+              <a:pPr/>
+              <a:t>38</a:t>
+            </a:fld>
             <a:endParaRPr kumimoji="1" lang="ja-JP" altLang="en-US" dirty="0"/>
-          </a:p>
-        </p:txBody>
-      </p:sp>
-      <p:sp>
-        <p:nvSpPr>
-          <p:cNvPr id="3" name="コンテンツ プレースホルダー 2">
-            <a:extLst>
-              <a:ext uri="{FF2B5EF4-FFF2-40B4-BE49-F238E27FC236}">
-                <a16:creationId xmlns:a16="http://schemas.microsoft.com/office/drawing/2014/main" id="{E84AA546-B693-C7AD-DF9B-9D880BE0A7CC}"/>
-              </a:ext>
-            </a:extLst>
-          </p:cNvPr>
-          <p:cNvSpPr>
-            <a:spLocks noGrp="1"/>
-          </p:cNvSpPr>
-          <p:nvPr>
-            <p:ph idx="1"/>
-          </p:nvPr>
-        </p:nvSpPr>
-        <p:spPr/>
-        <p:txBody>
-          <a:bodyPr/>
-          <a:lstStyle/>
-          <a:p>
-            <a:endParaRPr kumimoji="1" lang="ja-JP" altLang="en-US"/>
           </a:p>
         </p:txBody>
       </p:sp>
     </p:spTree>
     <p:extLst>
       <p:ext uri="{BB962C8B-B14F-4D97-AF65-F5344CB8AC3E}">
-        <p14:creationId xmlns:p14="http://schemas.microsoft.com/office/powerpoint/2010/main" val="427231446"/>
-      </p:ext>
-    </p:extLst>
-  </p:cSld>
-  <p:clrMapOvr>
-    <a:masterClrMapping/>
-  </p:clrMapOvr>
-</p:sld>
-</file>
-
-<file path=ppt/slides/slide37.xml><?xml version="1.0" encoding="utf-8"?>
-<p:sld xmlns:a="http://schemas.openxmlformats.org/drawingml/2006/main" xmlns:r="http://schemas.openxmlformats.org/officeDocument/2006/relationships" xmlns:p="http://schemas.openxmlformats.org/presentationml/2006/main">
-  <p:cSld>
-    <p:spTree>
-      <p:nvGrpSpPr>
-        <p:cNvPr id="1" name=""/>
-        <p:cNvGrpSpPr/>
-        <p:nvPr/>
-      </p:nvGrpSpPr>
-      <p:grpSpPr>
-        <a:xfrm>
-          <a:off x="0" y="0"/>
-          <a:ext cx="0" cy="0"/>
-          <a:chOff x="0" y="0"/>
-          <a:chExt cx="0" cy="0"/>
-        </a:xfrm>
-      </p:grpSpPr>
-      <p:sp>
-        <p:nvSpPr>
-          <p:cNvPr id="2" name="タイトル 1">
-            <a:extLst>
-              <a:ext uri="{FF2B5EF4-FFF2-40B4-BE49-F238E27FC236}">
-                <a16:creationId xmlns:a16="http://schemas.microsoft.com/office/drawing/2014/main" id="{1118DBAB-9DB9-3145-FF73-DAC20FF40C3F}"/>
-              </a:ext>
-            </a:extLst>
-          </p:cNvPr>
-          <p:cNvSpPr>
-            <a:spLocks noGrp="1"/>
-          </p:cNvSpPr>
-          <p:nvPr>
-            <p:ph type="title"/>
-          </p:nvPr>
-        </p:nvSpPr>
-        <p:spPr/>
-        <p:txBody>
-          <a:bodyPr/>
-          <a:lstStyle/>
-          <a:p>
-            <a:r>
-              <a:rPr lang="ja-JP" altLang="en-US" dirty="0"/>
-              <a:t>余談</a:t>
-            </a:r>
-            <a:endParaRPr kumimoji="1" lang="ja-JP" altLang="en-US" dirty="0"/>
-          </a:p>
-        </p:txBody>
-      </p:sp>
-      <p:sp>
-        <p:nvSpPr>
-          <p:cNvPr id="3" name="コンテンツ プレースホルダー 2">
-            <a:extLst>
-              <a:ext uri="{FF2B5EF4-FFF2-40B4-BE49-F238E27FC236}">
-                <a16:creationId xmlns:a16="http://schemas.microsoft.com/office/drawing/2014/main" id="{3D4FCBDA-9E0C-38FC-B7B2-DD430CFB81CA}"/>
-              </a:ext>
-            </a:extLst>
-          </p:cNvPr>
-          <p:cNvSpPr>
-            <a:spLocks noGrp="1"/>
-          </p:cNvSpPr>
-          <p:nvPr>
-            <p:ph idx="1"/>
-          </p:nvPr>
-        </p:nvSpPr>
-        <p:spPr/>
-        <p:txBody>
-          <a:bodyPr>
-            <a:normAutofit/>
-          </a:bodyPr>
-          <a:lstStyle/>
-          <a:p>
-            <a:pPr marL="514350" indent="-514350">
-              <a:buFont typeface="+mj-lt"/>
-              <a:buAutoNum type="arabicPeriod"/>
-            </a:pPr>
-            <a:r>
-              <a:rPr lang="ja-JP" altLang="en-US" dirty="0">
-                <a:solidFill>
-                  <a:schemeClr val="tx1"/>
-                </a:solidFill>
-                <a:effectLst/>
-                <a:latin typeface="Consolas" panose="020B0609020204030204" pitchFamily="49" charset="0"/>
-              </a:rPr>
-              <a:t>気を付ける判定例</a:t>
-            </a:r>
-            <a:endParaRPr lang="en-US" altLang="ja-JP" dirty="0">
-              <a:solidFill>
-                <a:schemeClr val="tx1"/>
-              </a:solidFill>
-            </a:endParaRPr>
-          </a:p>
-          <a:p>
-            <a:pPr marL="514350" indent="-514350">
-              <a:buFont typeface="+mj-lt"/>
-              <a:buAutoNum type="arabicPeriod"/>
-            </a:pPr>
-            <a:r>
-              <a:rPr lang="en-US" altLang="ja-JP" dirty="0"/>
-              <a:t>bool() </a:t>
-            </a:r>
-            <a:r>
-              <a:rPr lang="ja-JP" altLang="en-US" dirty="0"/>
-              <a:t>の変換</a:t>
-            </a:r>
-            <a:endParaRPr lang="en-US" altLang="ja-JP" dirty="0"/>
-          </a:p>
-          <a:p>
-            <a:pPr marL="514350" indent="-514350">
-              <a:buFont typeface="+mj-lt"/>
-              <a:buAutoNum type="arabicPeriod"/>
-            </a:pPr>
-            <a:r>
-              <a:rPr kumimoji="1" lang="ja-JP" altLang="en-US" dirty="0"/>
-              <a:t>複数の条件</a:t>
-            </a:r>
-            <a:endParaRPr kumimoji="1" lang="en-US" altLang="ja-JP" dirty="0"/>
-          </a:p>
-        </p:txBody>
-      </p:sp>
-    </p:spTree>
-    <p:extLst>
-      <p:ext uri="{BB962C8B-B14F-4D97-AF65-F5344CB8AC3E}">
-        <p14:creationId xmlns:p14="http://schemas.microsoft.com/office/powerpoint/2010/main" val="1559929795"/>
-      </p:ext>
-    </p:extLst>
-  </p:cSld>
-  <p:clrMapOvr>
-    <a:masterClrMapping/>
-  </p:clrMapOvr>
-</p:sld>
-</file>
-
-<file path=ppt/slides/slide38.xml><?xml version="1.0" encoding="utf-8"?>
-<p:sld xmlns:a="http://schemas.openxmlformats.org/drawingml/2006/main" xmlns:r="http://schemas.openxmlformats.org/officeDocument/2006/relationships" xmlns:p="http://schemas.openxmlformats.org/presentationml/2006/main">
-  <p:cSld>
-    <p:spTree>
-      <p:nvGrpSpPr>
-        <p:cNvPr id="1" name=""/>
-        <p:cNvGrpSpPr/>
-        <p:nvPr/>
-      </p:nvGrpSpPr>
-      <p:grpSpPr>
-        <a:xfrm>
-          <a:off x="0" y="0"/>
-          <a:ext cx="0" cy="0"/>
-          <a:chOff x="0" y="0"/>
-          <a:chExt cx="0" cy="0"/>
-        </a:xfrm>
-      </p:grpSpPr>
-      <p:sp>
-        <p:nvSpPr>
-          <p:cNvPr id="2" name="タイトル 1">
-            <a:extLst>
-              <a:ext uri="{FF2B5EF4-FFF2-40B4-BE49-F238E27FC236}">
-                <a16:creationId xmlns:a16="http://schemas.microsoft.com/office/drawing/2014/main" id="{1118DBAB-9DB9-3145-FF73-DAC20FF40C3F}"/>
-              </a:ext>
-            </a:extLst>
-          </p:cNvPr>
-          <p:cNvSpPr>
-            <a:spLocks noGrp="1"/>
-          </p:cNvSpPr>
-          <p:nvPr>
-            <p:ph type="title"/>
-          </p:nvPr>
-        </p:nvSpPr>
-        <p:spPr/>
-        <p:txBody>
-          <a:bodyPr/>
-          <a:lstStyle/>
-          <a:p>
-            <a:r>
-              <a:rPr lang="ja-JP" altLang="en-US" dirty="0"/>
-              <a:t>余談</a:t>
-            </a:r>
-            <a:endParaRPr kumimoji="1" lang="ja-JP" altLang="en-US" dirty="0"/>
-          </a:p>
-        </p:txBody>
-      </p:sp>
-      <p:sp>
-        <p:nvSpPr>
-          <p:cNvPr id="3" name="コンテンツ プレースホルダー 2">
-            <a:extLst>
-              <a:ext uri="{FF2B5EF4-FFF2-40B4-BE49-F238E27FC236}">
-                <a16:creationId xmlns:a16="http://schemas.microsoft.com/office/drawing/2014/main" id="{3D4FCBDA-9E0C-38FC-B7B2-DD430CFB81CA}"/>
-              </a:ext>
-            </a:extLst>
-          </p:cNvPr>
-          <p:cNvSpPr>
-            <a:spLocks noGrp="1"/>
-          </p:cNvSpPr>
-          <p:nvPr>
-            <p:ph idx="1"/>
-          </p:nvPr>
-        </p:nvSpPr>
-        <p:spPr/>
-        <p:txBody>
-          <a:bodyPr>
-            <a:normAutofit/>
-          </a:bodyPr>
-          <a:lstStyle/>
-          <a:p>
-            <a:pPr marL="514350" indent="-514350">
-              <a:buFont typeface="+mj-lt"/>
-              <a:buAutoNum type="arabicPeriod"/>
-            </a:pPr>
-            <a:r>
-              <a:rPr lang="ja-JP" altLang="en-US" dirty="0">
-                <a:solidFill>
-                  <a:srgbClr val="FF0000"/>
-                </a:solidFill>
-                <a:effectLst/>
-                <a:latin typeface="Consolas" panose="020B0609020204030204" pitchFamily="49" charset="0"/>
-              </a:rPr>
-              <a:t>気を付ける判定例</a:t>
-            </a:r>
-            <a:endParaRPr lang="en-US" altLang="ja-JP" dirty="0">
-              <a:solidFill>
-                <a:srgbClr val="FF0000"/>
-              </a:solidFill>
-            </a:endParaRPr>
-          </a:p>
-          <a:p>
-            <a:pPr marL="514350" indent="-514350">
-              <a:buFont typeface="+mj-lt"/>
-              <a:buAutoNum type="arabicPeriod"/>
-            </a:pPr>
-            <a:r>
-              <a:rPr lang="en-US" altLang="ja-JP" dirty="0"/>
-              <a:t>bool()</a:t>
-            </a:r>
-            <a:r>
-              <a:rPr lang="ja-JP" altLang="en-US" dirty="0"/>
-              <a:t> の変換</a:t>
-            </a:r>
-            <a:endParaRPr lang="en-US" altLang="ja-JP" dirty="0"/>
-          </a:p>
-          <a:p>
-            <a:pPr marL="514350" indent="-514350">
-              <a:buFont typeface="+mj-lt"/>
-              <a:buAutoNum type="arabicPeriod"/>
-            </a:pPr>
-            <a:r>
-              <a:rPr kumimoji="1" lang="ja-JP" altLang="en-US" dirty="0"/>
-              <a:t>複数の条件</a:t>
-            </a:r>
-            <a:endParaRPr kumimoji="1" lang="en-US" altLang="ja-JP" dirty="0"/>
-          </a:p>
-        </p:txBody>
-      </p:sp>
-    </p:spTree>
-    <p:extLst>
-      <p:ext uri="{BB962C8B-B14F-4D97-AF65-F5344CB8AC3E}">
-        <p14:creationId xmlns:p14="http://schemas.microsoft.com/office/powerpoint/2010/main" val="4077980734"/>
+        <p14:creationId xmlns:p14="http://schemas.microsoft.com/office/powerpoint/2010/main" val="3685187686"/>
       </p:ext>
     </p:extLst>
   </p:cSld>
@@ -27280,7 +29631,7 @@
           <p:cNvPr id="2" name="タイトル 1">
             <a:extLst>
               <a:ext uri="{FF2B5EF4-FFF2-40B4-BE49-F238E27FC236}">
-                <a16:creationId xmlns:a16="http://schemas.microsoft.com/office/drawing/2014/main" id="{3FE08B12-F187-25CA-A5CE-DF7F3CB8EB85}"/>
+                <a16:creationId xmlns:a16="http://schemas.microsoft.com/office/drawing/2014/main" id="{466EF124-25EA-502B-A053-A91A884A4BBE}"/>
               </a:ext>
             </a:extLst>
           </p:cNvPr>
@@ -27297,8 +29648,18 @@
           <a:lstStyle/>
           <a:p>
             <a:r>
-              <a:rPr lang="ja-JP" altLang="en-US" dirty="0"/>
-              <a:t>気を付ける判定例</a:t>
+              <a:rPr kumimoji="1" lang="ja-JP" altLang="en-US" dirty="0"/>
+              <a:t>入れ子構造、</a:t>
+            </a:r>
+            <a:r>
+              <a:rPr lang="ja-JP" altLang="en-US" b="1" i="0" dirty="0">
+                <a:solidFill>
+                  <a:srgbClr val="000000"/>
+                </a:solidFill>
+                <a:effectLst/>
+                <a:latin typeface="noto-sans-cjk-jp"/>
+              </a:rPr>
+              <a:t>ネスト構造</a:t>
             </a:r>
             <a:endParaRPr kumimoji="1" lang="ja-JP" altLang="en-US" dirty="0"/>
           </a:p>
@@ -27309,7 +29670,7 @@
           <p:cNvPr id="3" name="コンテンツ プレースホルダー 2">
             <a:extLst>
               <a:ext uri="{FF2B5EF4-FFF2-40B4-BE49-F238E27FC236}">
-                <a16:creationId xmlns:a16="http://schemas.microsoft.com/office/drawing/2014/main" id="{C0F5BEBF-5ECF-CB97-E48A-1073F12D5F15}"/>
+                <a16:creationId xmlns:a16="http://schemas.microsoft.com/office/drawing/2014/main" id="{5C25AC4F-39BD-2CE6-CA05-93B2EFC1B320}"/>
               </a:ext>
             </a:extLst>
           </p:cNvPr>
@@ -27322,195 +29683,88 @@
         </p:nvSpPr>
         <p:spPr/>
         <p:txBody>
-          <a:bodyPr>
-            <a:normAutofit/>
-          </a:bodyPr>
+          <a:bodyPr/>
           <a:lstStyle/>
           <a:p>
             <a:r>
-              <a:rPr lang="en-US" altLang="ja-JP" b="0" dirty="0">
-                <a:solidFill>
-                  <a:srgbClr val="6A9955"/>
-                </a:solidFill>
-                <a:effectLst/>
-                <a:latin typeface="Consolas" panose="020B0609020204030204" pitchFamily="49" charset="0"/>
-              </a:rPr>
-              <a:t># int </a:t>
-            </a:r>
-            <a:r>
-              <a:rPr lang="ja-JP" altLang="en-US" b="0" dirty="0">
-                <a:solidFill>
-                  <a:srgbClr val="6A9955"/>
-                </a:solidFill>
-                <a:effectLst/>
-                <a:latin typeface="Consolas" panose="020B0609020204030204" pitchFamily="49" charset="0"/>
-              </a:rPr>
-              <a:t>と </a:t>
-            </a:r>
-            <a:r>
-              <a:rPr lang="en-US" altLang="ja-JP" b="0" dirty="0">
-                <a:solidFill>
-                  <a:srgbClr val="6A9955"/>
-                </a:solidFill>
-                <a:effectLst/>
-                <a:latin typeface="Consolas" panose="020B0609020204030204" pitchFamily="49" charset="0"/>
-              </a:rPr>
-              <a:t>float</a:t>
-            </a:r>
-            <a:endParaRPr lang="en-US" altLang="ja-JP" b="0" dirty="0">
-              <a:solidFill>
-                <a:srgbClr val="D4D4D4"/>
-              </a:solidFill>
-              <a:effectLst/>
-              <a:latin typeface="Consolas" panose="020B0609020204030204" pitchFamily="49" charset="0"/>
-            </a:endParaRPr>
-          </a:p>
-          <a:p>
-            <a:r>
-              <a:rPr lang="en-US" altLang="ja-JP" b="0" dirty="0">
-                <a:solidFill>
-                  <a:schemeClr val="tx1"/>
-                </a:solidFill>
-                <a:effectLst/>
-                <a:latin typeface="Consolas" panose="020B0609020204030204" pitchFamily="49" charset="0"/>
-              </a:rPr>
-              <a:t>&gt;&gt;&gt;</a:t>
-            </a:r>
-            <a:r>
-              <a:rPr lang="en-US" altLang="ja-JP" b="0" dirty="0">
-                <a:solidFill>
-                  <a:srgbClr val="DCDCAA"/>
-                </a:solidFill>
-                <a:effectLst/>
-                <a:latin typeface="Consolas" panose="020B0609020204030204" pitchFamily="49" charset="0"/>
-              </a:rPr>
+              <a:rPr kumimoji="1" lang="en-US" altLang="ja-JP" dirty="0"/>
+              <a:t>if</a:t>
+            </a:r>
+            <a:r>
+              <a:rPr kumimoji="1" lang="ja-JP" altLang="en-US" dirty="0"/>
+              <a:t>文の処理の中に</a:t>
+            </a:r>
+            <a:r>
+              <a:rPr kumimoji="1" lang="en-US" altLang="ja-JP" dirty="0"/>
+              <a:t>if</a:t>
+            </a:r>
+            <a:r>
+              <a:rPr kumimoji="1" lang="ja-JP" altLang="en-US" dirty="0"/>
+              <a:t>文を書く処理方法</a:t>
+            </a:r>
+            <a:endParaRPr kumimoji="1" lang="en-US" altLang="ja-JP" dirty="0"/>
+          </a:p>
+          <a:p>
+            <a:r>
+              <a:rPr kumimoji="1" lang="ja-JP" altLang="en-US" dirty="0"/>
+              <a:t>注意点</a:t>
+            </a:r>
+            <a:endParaRPr kumimoji="1" lang="en-US" altLang="ja-JP" dirty="0"/>
+          </a:p>
+          <a:p>
+            <a:pPr lvl="1"/>
+            <a:r>
+              <a:rPr lang="en-US" altLang="ja-JP" dirty="0"/>
               <a:t> </a:t>
             </a:r>
             <a:r>
-              <a:rPr lang="en-US" altLang="ja-JP" b="0" dirty="0">
-                <a:solidFill>
-                  <a:schemeClr val="accent4">
-                    <a:lumMod val="75000"/>
-                  </a:schemeClr>
-                </a:solidFill>
-                <a:effectLst/>
-                <a:latin typeface="Consolas" panose="020B0609020204030204" pitchFamily="49" charset="0"/>
-              </a:rPr>
-              <a:t>print</a:t>
-            </a:r>
-            <a:r>
-              <a:rPr lang="en-US" altLang="ja-JP" b="0" dirty="0">
-                <a:solidFill>
-                  <a:schemeClr val="tx1"/>
-                </a:solidFill>
-                <a:effectLst/>
-                <a:latin typeface="Consolas" panose="020B0609020204030204" pitchFamily="49" charset="0"/>
-              </a:rPr>
-              <a:t>(</a:t>
-            </a:r>
-            <a:r>
-              <a:rPr lang="en-US" altLang="ja-JP" b="0" dirty="0">
-                <a:solidFill>
-                  <a:srgbClr val="92D050"/>
-                </a:solidFill>
-                <a:effectLst/>
-                <a:latin typeface="Consolas" panose="020B0609020204030204" pitchFamily="49" charset="0"/>
-              </a:rPr>
-              <a:t>10</a:t>
-            </a:r>
-            <a:r>
-              <a:rPr lang="en-US" altLang="ja-JP" b="0" dirty="0">
-                <a:solidFill>
-                  <a:srgbClr val="D4D4D4"/>
-                </a:solidFill>
-                <a:effectLst/>
-                <a:latin typeface="Consolas" panose="020B0609020204030204" pitchFamily="49" charset="0"/>
-              </a:rPr>
-              <a:t> </a:t>
-            </a:r>
-            <a:r>
-              <a:rPr lang="en-US" altLang="ja-JP" b="0" dirty="0">
-                <a:solidFill>
-                  <a:schemeClr val="tx1"/>
-                </a:solidFill>
-                <a:effectLst/>
-                <a:latin typeface="Consolas" panose="020B0609020204030204" pitchFamily="49" charset="0"/>
-              </a:rPr>
-              <a:t>==</a:t>
-            </a:r>
-            <a:r>
-              <a:rPr lang="en-US" altLang="ja-JP" b="0" dirty="0">
-                <a:solidFill>
-                  <a:srgbClr val="D4D4D4"/>
-                </a:solidFill>
-                <a:effectLst/>
-                <a:latin typeface="Consolas" panose="020B0609020204030204" pitchFamily="49" charset="0"/>
-              </a:rPr>
-              <a:t> </a:t>
-            </a:r>
-            <a:r>
-              <a:rPr lang="en-US" altLang="ja-JP" b="0" dirty="0">
-                <a:solidFill>
-                  <a:srgbClr val="92D050"/>
-                </a:solidFill>
-                <a:effectLst/>
-                <a:latin typeface="Consolas" panose="020B0609020204030204" pitchFamily="49" charset="0"/>
-              </a:rPr>
-              <a:t>10.0</a:t>
-            </a:r>
-            <a:r>
-              <a:rPr lang="en-US" altLang="ja-JP" b="0" dirty="0">
-                <a:solidFill>
-                  <a:schemeClr val="tx1"/>
-                </a:solidFill>
-                <a:effectLst/>
-                <a:latin typeface="Consolas" panose="020B0609020204030204" pitchFamily="49" charset="0"/>
-              </a:rPr>
-              <a:t>)</a:t>
-            </a:r>
-          </a:p>
-          <a:p>
-            <a:r>
-              <a:rPr lang="en-US" altLang="ja-JP" b="0" dirty="0">
-                <a:solidFill>
-                  <a:srgbClr val="569CD6"/>
-                </a:solidFill>
-                <a:effectLst/>
-                <a:latin typeface="Consolas" panose="020B0609020204030204" pitchFamily="49" charset="0"/>
-              </a:rPr>
-              <a:t>True</a:t>
-            </a:r>
-          </a:p>
-          <a:p>
-            <a:r>
-              <a:rPr lang="en-US" altLang="ja-JP" b="0" dirty="0">
-                <a:solidFill>
-                  <a:schemeClr val="tx1"/>
-                </a:solidFill>
-                <a:effectLst/>
-                <a:latin typeface="Consolas" panose="020B0609020204030204" pitchFamily="49" charset="0"/>
-              </a:rPr>
-              <a:t>-&gt; </a:t>
-            </a:r>
-            <a:r>
-              <a:rPr lang="ja-JP" altLang="en-US" b="0" dirty="0">
-                <a:solidFill>
-                  <a:schemeClr val="tx1"/>
-                </a:solidFill>
-                <a:effectLst/>
-                <a:latin typeface="Consolas" panose="020B0609020204030204" pitchFamily="49" charset="0"/>
-              </a:rPr>
-              <a:t>整数と小数では値が等しければ等しい</a:t>
-            </a:r>
-            <a:endParaRPr lang="en-US" altLang="ja-JP" b="0" dirty="0">
-              <a:solidFill>
-                <a:schemeClr val="tx1"/>
-              </a:solidFill>
-              <a:effectLst/>
-              <a:latin typeface="Consolas" panose="020B0609020204030204" pitchFamily="49" charset="0"/>
-            </a:endParaRPr>
-          </a:p>
-          <a:p>
+              <a:rPr lang="ja-JP" altLang="en-US" dirty="0"/>
+              <a:t>深くなればなるほど見づらくなる</a:t>
+            </a:r>
+            <a:endParaRPr lang="en-US" altLang="ja-JP" dirty="0"/>
+          </a:p>
+          <a:p>
+            <a:pPr lvl="1"/>
+            <a:r>
+              <a:rPr kumimoji="1" lang="ja-JP" altLang="en-US" dirty="0"/>
+              <a:t> インデントのミスによるエラーが起きやすくなる</a:t>
+            </a:r>
+            <a:endParaRPr kumimoji="1" lang="en-US" altLang="ja-JP" dirty="0"/>
+          </a:p>
+          <a:p>
+            <a:pPr marL="201168" lvl="1" indent="0">
+              <a:buNone/>
+            </a:pPr>
+            <a:endParaRPr kumimoji="1" lang="ja-JP" altLang="en-US" dirty="0"/>
+          </a:p>
+        </p:txBody>
+      </p:sp>
+      <p:sp>
+        <p:nvSpPr>
+          <p:cNvPr id="4" name="スライド番号プレースホルダー 3">
+            <a:extLst>
+              <a:ext uri="{FF2B5EF4-FFF2-40B4-BE49-F238E27FC236}">
+                <a16:creationId xmlns:a16="http://schemas.microsoft.com/office/drawing/2014/main" id="{67FD9B5F-AA3C-799E-BF88-82CA233A2511}"/>
+              </a:ext>
+            </a:extLst>
+          </p:cNvPr>
+          <p:cNvSpPr>
+            <a:spLocks noGrp="1"/>
+          </p:cNvSpPr>
+          <p:nvPr>
+            <p:ph type="sldNum" sz="quarter" idx="12"/>
+          </p:nvPr>
+        </p:nvSpPr>
+        <p:spPr/>
+        <p:txBody>
+          <a:bodyPr/>
+          <a:lstStyle/>
+          <a:p>
+            <a:fld id="{EBB17469-0394-43CE-8997-40175C06C0DE}" type="slidenum">
+              <a:rPr kumimoji="1" lang="ja-JP" altLang="en-US" smtClean="0"/>
+              <a:pPr/>
+              <a:t>39</a:t>
+            </a:fld>
             <a:endParaRPr kumimoji="1" lang="ja-JP" altLang="en-US" dirty="0"/>
           </a:p>
         </p:txBody>
@@ -27518,7 +29772,7 @@
     </p:spTree>
     <p:extLst>
       <p:ext uri="{BB962C8B-B14F-4D97-AF65-F5344CB8AC3E}">
-        <p14:creationId xmlns:p14="http://schemas.microsoft.com/office/powerpoint/2010/main" val="3481661128"/>
+        <p14:creationId xmlns:p14="http://schemas.microsoft.com/office/powerpoint/2010/main" val="1395713420"/>
       </p:ext>
     </p:extLst>
   </p:cSld>
@@ -27743,6 +29997,36 @@
           </a:p>
         </p:txBody>
       </p:sp>
+      <p:sp>
+        <p:nvSpPr>
+          <p:cNvPr id="4" name="スライド番号プレースホルダー 3">
+            <a:extLst>
+              <a:ext uri="{FF2B5EF4-FFF2-40B4-BE49-F238E27FC236}">
+                <a16:creationId xmlns:a16="http://schemas.microsoft.com/office/drawing/2014/main" id="{748144FC-BB90-A5C2-6ED4-0FFBB404D2AB}"/>
+              </a:ext>
+            </a:extLst>
+          </p:cNvPr>
+          <p:cNvSpPr>
+            <a:spLocks noGrp="1"/>
+          </p:cNvSpPr>
+          <p:nvPr>
+            <p:ph type="sldNum" sz="quarter" idx="12"/>
+          </p:nvPr>
+        </p:nvSpPr>
+        <p:spPr/>
+        <p:txBody>
+          <a:bodyPr/>
+          <a:lstStyle/>
+          <a:p>
+            <a:fld id="{EBB17469-0394-43CE-8997-40175C06C0DE}" type="slidenum">
+              <a:rPr kumimoji="1" lang="ja-JP" altLang="en-US" smtClean="0"/>
+              <a:pPr/>
+              <a:t>4</a:t>
+            </a:fld>
+            <a:endParaRPr kumimoji="1" lang="ja-JP" altLang="en-US" dirty="0"/>
+          </a:p>
+        </p:txBody>
+      </p:sp>
     </p:spTree>
     <p:extLst>
       <p:ext uri="{BB962C8B-B14F-4D97-AF65-F5344CB8AC3E}">
@@ -27778,7 +30062,7 @@
           <p:cNvPr id="2" name="タイトル 1">
             <a:extLst>
               <a:ext uri="{FF2B5EF4-FFF2-40B4-BE49-F238E27FC236}">
-                <a16:creationId xmlns:a16="http://schemas.microsoft.com/office/drawing/2014/main" id="{3FE08B12-F187-25CA-A5CE-DF7F3CB8EB85}"/>
+                <a16:creationId xmlns:a16="http://schemas.microsoft.com/office/drawing/2014/main" id="{14B53B9D-C3AC-8FE6-0E35-0D9447C44072}"/>
               </a:ext>
             </a:extLst>
           </p:cNvPr>
@@ -27796,7 +30080,7 @@
           <a:p>
             <a:r>
               <a:rPr lang="ja-JP" altLang="en-US" dirty="0"/>
-              <a:t>気を付ける判定例</a:t>
+              <a:t>以上</a:t>
             </a:r>
             <a:endParaRPr kumimoji="1" lang="ja-JP" altLang="en-US" dirty="0"/>
           </a:p>
@@ -27807,7 +30091,7 @@
           <p:cNvPr id="3" name="コンテンツ プレースホルダー 2">
             <a:extLst>
               <a:ext uri="{FF2B5EF4-FFF2-40B4-BE49-F238E27FC236}">
-                <a16:creationId xmlns:a16="http://schemas.microsoft.com/office/drawing/2014/main" id="{C0F5BEBF-5ECF-CB97-E48A-1073F12D5F15}"/>
+                <a16:creationId xmlns:a16="http://schemas.microsoft.com/office/drawing/2014/main" id="{E84AA546-B693-C7AD-DF9B-9D880BE0A7CC}"/>
               </a:ext>
             </a:extLst>
           </p:cNvPr>
@@ -27820,188 +30104,47 @@
         </p:nvSpPr>
         <p:spPr/>
         <p:txBody>
-          <a:bodyPr>
-            <a:normAutofit/>
-          </a:bodyPr>
+          <a:bodyPr/>
           <a:lstStyle/>
           <a:p>
-            <a:r>
-              <a:rPr lang="en-US" altLang="ja-JP" b="0" dirty="0">
-                <a:solidFill>
-                  <a:srgbClr val="6A9955"/>
-                </a:solidFill>
-                <a:effectLst/>
-                <a:latin typeface="Consolas" panose="020B0609020204030204" pitchFamily="49" charset="0"/>
-              </a:rPr>
-              <a:t># int </a:t>
-            </a:r>
-            <a:r>
-              <a:rPr lang="ja-JP" altLang="en-US" b="0" dirty="0">
-                <a:solidFill>
-                  <a:srgbClr val="6A9955"/>
-                </a:solidFill>
-                <a:effectLst/>
-                <a:latin typeface="Consolas" panose="020B0609020204030204" pitchFamily="49" charset="0"/>
-              </a:rPr>
-              <a:t>と </a:t>
-            </a:r>
-            <a:r>
-              <a:rPr lang="en-US" altLang="ja-JP" b="0" dirty="0">
-                <a:solidFill>
-                  <a:srgbClr val="6A9955"/>
-                </a:solidFill>
-                <a:effectLst/>
-                <a:latin typeface="Consolas" panose="020B0609020204030204" pitchFamily="49" charset="0"/>
-              </a:rPr>
-              <a:t>str</a:t>
-            </a:r>
-            <a:endParaRPr lang="en-US" altLang="ja-JP" b="0" dirty="0">
-              <a:solidFill>
-                <a:srgbClr val="D4D4D4"/>
-              </a:solidFill>
-              <a:effectLst/>
-              <a:latin typeface="Consolas" panose="020B0609020204030204" pitchFamily="49" charset="0"/>
-            </a:endParaRPr>
-          </a:p>
-          <a:p>
-            <a:r>
-              <a:rPr lang="en-US" altLang="ja-JP" b="0" dirty="0">
-                <a:solidFill>
-                  <a:schemeClr val="tx1"/>
-                </a:solidFill>
-                <a:effectLst/>
-                <a:latin typeface="Consolas" panose="020B0609020204030204" pitchFamily="49" charset="0"/>
-              </a:rPr>
-              <a:t>&gt;&gt;&gt;</a:t>
-            </a:r>
-            <a:r>
-              <a:rPr lang="en-US" altLang="ja-JP" b="0" dirty="0">
-                <a:solidFill>
-                  <a:srgbClr val="DCDCAA"/>
-                </a:solidFill>
-                <a:effectLst/>
-                <a:latin typeface="Consolas" panose="020B0609020204030204" pitchFamily="49" charset="0"/>
-              </a:rPr>
-              <a:t> </a:t>
-            </a:r>
-            <a:r>
-              <a:rPr lang="en-US" altLang="ja-JP" b="0" dirty="0">
-                <a:solidFill>
-                  <a:schemeClr val="accent4">
-                    <a:lumMod val="75000"/>
-                  </a:schemeClr>
-                </a:solidFill>
-                <a:effectLst/>
-                <a:latin typeface="Consolas" panose="020B0609020204030204" pitchFamily="49" charset="0"/>
-              </a:rPr>
-              <a:t>print</a:t>
-            </a:r>
-            <a:r>
-              <a:rPr lang="en-US" altLang="ja-JP" b="0" dirty="0">
-                <a:solidFill>
-                  <a:schemeClr val="tx1"/>
-                </a:solidFill>
-                <a:effectLst/>
-                <a:latin typeface="Consolas" panose="020B0609020204030204" pitchFamily="49" charset="0"/>
-              </a:rPr>
-              <a:t>(</a:t>
-            </a:r>
-            <a:r>
-              <a:rPr lang="en-US" altLang="ja-JP" b="0" dirty="0">
-                <a:solidFill>
-                  <a:srgbClr val="CE9178"/>
-                </a:solidFill>
-                <a:effectLst/>
-                <a:latin typeface="Consolas" panose="020B0609020204030204" pitchFamily="49" charset="0"/>
-              </a:rPr>
-              <a:t>"57"</a:t>
-            </a:r>
-            <a:r>
-              <a:rPr lang="en-US" altLang="ja-JP" b="0" dirty="0">
-                <a:solidFill>
-                  <a:srgbClr val="D4D4D4"/>
-                </a:solidFill>
-                <a:effectLst/>
-                <a:latin typeface="Consolas" panose="020B0609020204030204" pitchFamily="49" charset="0"/>
-              </a:rPr>
-              <a:t> </a:t>
-            </a:r>
-            <a:r>
-              <a:rPr lang="en-US" altLang="ja-JP" b="0" dirty="0">
-                <a:solidFill>
-                  <a:schemeClr val="tx1"/>
-                </a:solidFill>
-                <a:effectLst/>
-                <a:latin typeface="Consolas" panose="020B0609020204030204" pitchFamily="49" charset="0"/>
-              </a:rPr>
-              <a:t>==</a:t>
-            </a:r>
-            <a:r>
-              <a:rPr lang="en-US" altLang="ja-JP" b="0" dirty="0">
-                <a:solidFill>
-                  <a:srgbClr val="D4D4D4"/>
-                </a:solidFill>
-                <a:effectLst/>
-                <a:latin typeface="Consolas" panose="020B0609020204030204" pitchFamily="49" charset="0"/>
-              </a:rPr>
-              <a:t> </a:t>
-            </a:r>
-            <a:r>
-              <a:rPr lang="en-US" altLang="ja-JP" b="0" dirty="0">
-                <a:solidFill>
-                  <a:srgbClr val="92D050"/>
-                </a:solidFill>
-                <a:effectLst/>
-                <a:latin typeface="Consolas" panose="020B0609020204030204" pitchFamily="49" charset="0"/>
-              </a:rPr>
-              <a:t>57</a:t>
-            </a:r>
-            <a:r>
-              <a:rPr lang="en-US" altLang="ja-JP" b="0" dirty="0">
-                <a:solidFill>
-                  <a:schemeClr val="tx1"/>
-                </a:solidFill>
-                <a:effectLst/>
-                <a:latin typeface="Consolas" panose="020B0609020204030204" pitchFamily="49" charset="0"/>
-              </a:rPr>
-              <a:t>)</a:t>
-            </a:r>
-          </a:p>
-          <a:p>
-            <a:r>
-              <a:rPr lang="en-US" altLang="ja-JP" b="0" dirty="0">
-                <a:solidFill>
-                  <a:srgbClr val="569CD6"/>
-                </a:solidFill>
-                <a:effectLst/>
-                <a:latin typeface="Consolas" panose="020B0609020204030204" pitchFamily="49" charset="0"/>
-              </a:rPr>
-              <a:t>False</a:t>
-            </a:r>
-            <a:endParaRPr lang="en-US" altLang="ja-JP" b="0" dirty="0">
-              <a:solidFill>
-                <a:srgbClr val="D4D4D4"/>
-              </a:solidFill>
-              <a:effectLst/>
-              <a:latin typeface="Consolas" panose="020B0609020204030204" pitchFamily="49" charset="0"/>
-            </a:endParaRPr>
-          </a:p>
-          <a:p>
-            <a:r>
-              <a:rPr kumimoji="1" lang="en-US" altLang="ja-JP" dirty="0"/>
-              <a:t>-&gt; </a:t>
-            </a:r>
-            <a:r>
-              <a:rPr kumimoji="1" lang="ja-JP" altLang="en-US" dirty="0"/>
-              <a:t>数字と文字は別物として扱われる</a:t>
-            </a:r>
+            <a:endParaRPr kumimoji="1" lang="ja-JP" altLang="en-US"/>
+          </a:p>
+        </p:txBody>
+      </p:sp>
+      <p:sp>
+        <p:nvSpPr>
+          <p:cNvPr id="4" name="スライド番号プレースホルダー 3">
+            <a:extLst>
+              <a:ext uri="{FF2B5EF4-FFF2-40B4-BE49-F238E27FC236}">
+                <a16:creationId xmlns:a16="http://schemas.microsoft.com/office/drawing/2014/main" id="{AE739467-25E6-3D2F-039C-BFD070C5E41E}"/>
+              </a:ext>
+            </a:extLst>
+          </p:cNvPr>
+          <p:cNvSpPr>
+            <a:spLocks noGrp="1"/>
+          </p:cNvSpPr>
+          <p:nvPr>
+            <p:ph type="sldNum" sz="quarter" idx="12"/>
+          </p:nvPr>
+        </p:nvSpPr>
+        <p:spPr/>
+        <p:txBody>
+          <a:bodyPr/>
+          <a:lstStyle/>
+          <a:p>
+            <a:fld id="{EBB17469-0394-43CE-8997-40175C06C0DE}" type="slidenum">
+              <a:rPr kumimoji="1" lang="ja-JP" altLang="en-US" smtClean="0"/>
+              <a:pPr/>
+              <a:t>40</a:t>
+            </a:fld>
+            <a:endParaRPr kumimoji="1" lang="ja-JP" altLang="en-US" dirty="0"/>
           </a:p>
         </p:txBody>
       </p:sp>
     </p:spTree>
     <p:extLst>
       <p:ext uri="{BB962C8B-B14F-4D97-AF65-F5344CB8AC3E}">
-        <p14:creationId xmlns:p14="http://schemas.microsoft.com/office/powerpoint/2010/main" val="1457969091"/>
+        <p14:creationId xmlns:p14="http://schemas.microsoft.com/office/powerpoint/2010/main" val="427231446"/>
       </p:ext>
     </p:extLst>
   </p:cSld>
@@ -28033,7 +30176,7 @@
           <p:cNvPr id="2" name="タイトル 1">
             <a:extLst>
               <a:ext uri="{FF2B5EF4-FFF2-40B4-BE49-F238E27FC236}">
-                <a16:creationId xmlns:a16="http://schemas.microsoft.com/office/drawing/2014/main" id="{3FE08B12-F187-25CA-A5CE-DF7F3CB8EB85}"/>
+                <a16:creationId xmlns:a16="http://schemas.microsoft.com/office/drawing/2014/main" id="{1118DBAB-9DB9-3145-FF73-DAC20FF40C3F}"/>
               </a:ext>
             </a:extLst>
           </p:cNvPr>
@@ -28051,7 +30194,7 @@
           <a:p>
             <a:r>
               <a:rPr lang="ja-JP" altLang="en-US" dirty="0"/>
-              <a:t>気を付ける判定例</a:t>
+              <a:t>余談</a:t>
             </a:r>
             <a:endParaRPr kumimoji="1" lang="ja-JP" altLang="en-US" dirty="0"/>
           </a:p>
@@ -28062,7 +30205,7 @@
           <p:cNvPr id="3" name="コンテンツ プレースホルダー 2">
             <a:extLst>
               <a:ext uri="{FF2B5EF4-FFF2-40B4-BE49-F238E27FC236}">
-                <a16:creationId xmlns:a16="http://schemas.microsoft.com/office/drawing/2014/main" id="{C0F5BEBF-5ECF-CB97-E48A-1073F12D5F15}"/>
+                <a16:creationId xmlns:a16="http://schemas.microsoft.com/office/drawing/2014/main" id="{3D4FCBDA-9E0C-38FC-B7B2-DD430CFB81CA}"/>
               </a:ext>
             </a:extLst>
           </p:cNvPr>
@@ -28080,181 +30223,88 @@
           </a:bodyPr>
           <a:lstStyle/>
           <a:p>
-            <a:r>
-              <a:rPr lang="en-US" altLang="ja-JP" b="0" dirty="0">
-                <a:solidFill>
-                  <a:srgbClr val="6A9955"/>
-                </a:solidFill>
-                <a:effectLst/>
-                <a:latin typeface="Consolas" panose="020B0609020204030204" pitchFamily="49" charset="0"/>
-              </a:rPr>
-              <a:t># </a:t>
-            </a:r>
-            <a:r>
-              <a:rPr lang="ja-JP" altLang="en-US" b="0" dirty="0">
-                <a:solidFill>
-                  <a:srgbClr val="6A9955"/>
-                </a:solidFill>
-                <a:effectLst/>
-                <a:latin typeface="Consolas" panose="020B0609020204030204" pitchFamily="49" charset="0"/>
-              </a:rPr>
-              <a:t>大文字と小文字</a:t>
-            </a:r>
-            <a:endParaRPr lang="ja-JP" altLang="en-US" b="0" dirty="0">
-              <a:solidFill>
-                <a:srgbClr val="D4D4D4"/>
-              </a:solidFill>
-              <a:effectLst/>
-              <a:latin typeface="Consolas" panose="020B0609020204030204" pitchFamily="49" charset="0"/>
-            </a:endParaRPr>
-          </a:p>
-          <a:p>
-            <a:r>
-              <a:rPr lang="en-US" altLang="ja-JP" b="0" dirty="0">
+            <a:pPr marL="514350" indent="-514350">
+              <a:buFont typeface="+mj-lt"/>
+              <a:buAutoNum type="arabicPeriod"/>
+            </a:pPr>
+            <a:r>
+              <a:rPr lang="ja-JP" altLang="en-US" dirty="0">
                 <a:solidFill>
                   <a:schemeClr val="tx1"/>
                 </a:solidFill>
                 <a:effectLst/>
                 <a:latin typeface="Consolas" panose="020B0609020204030204" pitchFamily="49" charset="0"/>
               </a:rPr>
-              <a:t>&gt;&gt;&gt;</a:t>
-            </a:r>
-            <a:r>
-              <a:rPr lang="en-US" altLang="ja-JP" b="0" dirty="0">
-                <a:solidFill>
-                  <a:srgbClr val="DCDCAA"/>
-                </a:solidFill>
-                <a:effectLst/>
-                <a:latin typeface="Consolas" panose="020B0609020204030204" pitchFamily="49" charset="0"/>
-              </a:rPr>
-              <a:t> </a:t>
-            </a:r>
-            <a:r>
-              <a:rPr lang="en-US" altLang="ja-JP" b="0" dirty="0">
-                <a:solidFill>
-                  <a:schemeClr val="accent4">
-                    <a:lumMod val="75000"/>
-                  </a:schemeClr>
-                </a:solidFill>
-                <a:effectLst/>
-                <a:latin typeface="Consolas" panose="020B0609020204030204" pitchFamily="49" charset="0"/>
-              </a:rPr>
-              <a:t>print</a:t>
-            </a:r>
-            <a:r>
-              <a:rPr lang="en-US" altLang="ja-JP" b="0" dirty="0">
-                <a:solidFill>
-                  <a:schemeClr val="tx1"/>
-                </a:solidFill>
-                <a:effectLst/>
-                <a:latin typeface="Consolas" panose="020B0609020204030204" pitchFamily="49" charset="0"/>
-              </a:rPr>
-              <a:t>(</a:t>
-            </a:r>
-            <a:r>
-              <a:rPr lang="en-US" altLang="ja-JP" b="0" dirty="0">
-                <a:solidFill>
-                  <a:srgbClr val="CE9178"/>
-                </a:solidFill>
-                <a:effectLst/>
-                <a:latin typeface="Consolas" panose="020B0609020204030204" pitchFamily="49" charset="0"/>
-              </a:rPr>
-              <a:t>"HELLO"</a:t>
-            </a:r>
-            <a:r>
-              <a:rPr lang="en-US" altLang="ja-JP" b="0" dirty="0">
-                <a:solidFill>
-                  <a:srgbClr val="D4D4D4"/>
-                </a:solidFill>
-                <a:effectLst/>
-                <a:latin typeface="Consolas" panose="020B0609020204030204" pitchFamily="49" charset="0"/>
-              </a:rPr>
-              <a:t> </a:t>
-            </a:r>
-            <a:r>
-              <a:rPr lang="en-US" altLang="ja-JP" b="0" dirty="0">
-                <a:solidFill>
-                  <a:schemeClr val="tx1"/>
-                </a:solidFill>
-                <a:effectLst/>
-                <a:latin typeface="Consolas" panose="020B0609020204030204" pitchFamily="49" charset="0"/>
-              </a:rPr>
-              <a:t>==</a:t>
-            </a:r>
-            <a:r>
-              <a:rPr lang="en-US" altLang="ja-JP" b="0" dirty="0">
-                <a:solidFill>
-                  <a:srgbClr val="D4D4D4"/>
-                </a:solidFill>
-                <a:effectLst/>
-                <a:latin typeface="Consolas" panose="020B0609020204030204" pitchFamily="49" charset="0"/>
-              </a:rPr>
-              <a:t> </a:t>
-            </a:r>
-            <a:r>
-              <a:rPr lang="en-US" altLang="ja-JP" b="0" dirty="0">
-                <a:solidFill>
-                  <a:srgbClr val="CE9178"/>
-                </a:solidFill>
-                <a:effectLst/>
-                <a:latin typeface="Consolas" panose="020B0609020204030204" pitchFamily="49" charset="0"/>
-              </a:rPr>
-              <a:t>"hello"</a:t>
-            </a:r>
-            <a:r>
-              <a:rPr lang="en-US" altLang="ja-JP" b="0" dirty="0">
-                <a:solidFill>
-                  <a:schemeClr val="tx1"/>
-                </a:solidFill>
-                <a:effectLst/>
-                <a:latin typeface="Consolas" panose="020B0609020204030204" pitchFamily="49" charset="0"/>
-              </a:rPr>
-              <a:t>)</a:t>
-            </a:r>
-          </a:p>
-          <a:p>
-            <a:r>
-              <a:rPr lang="en-US" altLang="ja-JP" b="0" dirty="0">
-                <a:solidFill>
-                  <a:srgbClr val="569CD6"/>
-                </a:solidFill>
-                <a:effectLst/>
-                <a:latin typeface="Consolas" panose="020B0609020204030204" pitchFamily="49" charset="0"/>
-              </a:rPr>
-              <a:t>False</a:t>
-            </a:r>
-          </a:p>
-          <a:p>
-            <a:r>
-              <a:rPr lang="en-US" altLang="ja-JP" dirty="0">
-                <a:solidFill>
-                  <a:schemeClr val="tx1"/>
-                </a:solidFill>
-              </a:rPr>
-              <a:t>-&gt; </a:t>
-            </a:r>
-            <a:r>
-              <a:rPr lang="ja-JP" altLang="en-US" dirty="0">
-                <a:solidFill>
-                  <a:schemeClr val="tx1"/>
-                </a:solidFill>
-              </a:rPr>
-              <a:t>大文字と小文字は別物として扱われる</a:t>
-            </a:r>
-            <a:endParaRPr lang="en-US" altLang="ja-JP" b="0" dirty="0">
+              <a:t>気を付ける判定例</a:t>
+            </a:r>
+            <a:endParaRPr lang="en-US" altLang="ja-JP" dirty="0">
               <a:solidFill>
                 <a:schemeClr val="tx1"/>
               </a:solidFill>
-              <a:effectLst/>
-              <a:latin typeface="Consolas" panose="020B0609020204030204" pitchFamily="49" charset="0"/>
             </a:endParaRPr>
+          </a:p>
+          <a:p>
+            <a:pPr marL="514350" indent="-514350">
+              <a:buFont typeface="+mj-lt"/>
+              <a:buAutoNum type="arabicPeriod"/>
+            </a:pPr>
+            <a:r>
+              <a:rPr lang="en-US" altLang="ja-JP" dirty="0"/>
+              <a:t>bool() </a:t>
+            </a:r>
+            <a:r>
+              <a:rPr lang="ja-JP" altLang="en-US" dirty="0"/>
+              <a:t>の変換</a:t>
+            </a:r>
+            <a:endParaRPr lang="en-US" altLang="ja-JP" dirty="0"/>
+          </a:p>
+          <a:p>
+            <a:pPr marL="514350" indent="-514350">
+              <a:buFont typeface="+mj-lt"/>
+              <a:buAutoNum type="arabicPeriod"/>
+            </a:pPr>
+            <a:r>
+              <a:rPr kumimoji="1" lang="ja-JP" altLang="en-US" dirty="0"/>
+              <a:t>複数の条件</a:t>
+            </a:r>
+            <a:endParaRPr kumimoji="1" lang="en-US" altLang="ja-JP" dirty="0"/>
+          </a:p>
+        </p:txBody>
+      </p:sp>
+      <p:sp>
+        <p:nvSpPr>
+          <p:cNvPr id="4" name="スライド番号プレースホルダー 3">
+            <a:extLst>
+              <a:ext uri="{FF2B5EF4-FFF2-40B4-BE49-F238E27FC236}">
+                <a16:creationId xmlns:a16="http://schemas.microsoft.com/office/drawing/2014/main" id="{5ECAD855-B968-CB22-07F0-2986E4CA0D18}"/>
+              </a:ext>
+            </a:extLst>
+          </p:cNvPr>
+          <p:cNvSpPr>
+            <a:spLocks noGrp="1"/>
+          </p:cNvSpPr>
+          <p:nvPr>
+            <p:ph type="sldNum" sz="quarter" idx="12"/>
+          </p:nvPr>
+        </p:nvSpPr>
+        <p:spPr/>
+        <p:txBody>
+          <a:bodyPr/>
+          <a:lstStyle/>
+          <a:p>
+            <a:fld id="{EBB17469-0394-43CE-8997-40175C06C0DE}" type="slidenum">
+              <a:rPr kumimoji="1" lang="ja-JP" altLang="en-US" smtClean="0"/>
+              <a:pPr/>
+              <a:t>41</a:t>
+            </a:fld>
+            <a:endParaRPr kumimoji="1" lang="ja-JP" altLang="en-US" dirty="0"/>
           </a:p>
         </p:txBody>
       </p:sp>
     </p:spTree>
     <p:extLst>
       <p:ext uri="{BB962C8B-B14F-4D97-AF65-F5344CB8AC3E}">
-        <p14:creationId xmlns:p14="http://schemas.microsoft.com/office/powerpoint/2010/main" val="3881389768"/>
+        <p14:creationId xmlns:p14="http://schemas.microsoft.com/office/powerpoint/2010/main" val="1559929795"/>
       </p:ext>
     </p:extLst>
   </p:cSld>
@@ -28340,6 +30390,1034 @@
             <a:r>
               <a:rPr lang="ja-JP" altLang="en-US" dirty="0">
                 <a:solidFill>
+                  <a:srgbClr val="FF0000"/>
+                </a:solidFill>
+                <a:effectLst/>
+                <a:latin typeface="Consolas" panose="020B0609020204030204" pitchFamily="49" charset="0"/>
+              </a:rPr>
+              <a:t>気を付ける判定例</a:t>
+            </a:r>
+            <a:endParaRPr lang="en-US" altLang="ja-JP" dirty="0">
+              <a:solidFill>
+                <a:srgbClr val="FF0000"/>
+              </a:solidFill>
+            </a:endParaRPr>
+          </a:p>
+          <a:p>
+            <a:pPr marL="514350" indent="-514350">
+              <a:buFont typeface="+mj-lt"/>
+              <a:buAutoNum type="arabicPeriod"/>
+            </a:pPr>
+            <a:r>
+              <a:rPr lang="en-US" altLang="ja-JP" dirty="0"/>
+              <a:t>bool()</a:t>
+            </a:r>
+            <a:r>
+              <a:rPr lang="ja-JP" altLang="en-US" dirty="0"/>
+              <a:t> の変換</a:t>
+            </a:r>
+            <a:endParaRPr lang="en-US" altLang="ja-JP" dirty="0"/>
+          </a:p>
+          <a:p>
+            <a:pPr marL="514350" indent="-514350">
+              <a:buFont typeface="+mj-lt"/>
+              <a:buAutoNum type="arabicPeriod"/>
+            </a:pPr>
+            <a:r>
+              <a:rPr kumimoji="1" lang="ja-JP" altLang="en-US" dirty="0"/>
+              <a:t>複数の条件</a:t>
+            </a:r>
+            <a:endParaRPr kumimoji="1" lang="en-US" altLang="ja-JP" dirty="0"/>
+          </a:p>
+        </p:txBody>
+      </p:sp>
+      <p:sp>
+        <p:nvSpPr>
+          <p:cNvPr id="4" name="スライド番号プレースホルダー 3">
+            <a:extLst>
+              <a:ext uri="{FF2B5EF4-FFF2-40B4-BE49-F238E27FC236}">
+                <a16:creationId xmlns:a16="http://schemas.microsoft.com/office/drawing/2014/main" id="{A26116F9-3F95-37DE-6E91-B6837DB312DC}"/>
+              </a:ext>
+            </a:extLst>
+          </p:cNvPr>
+          <p:cNvSpPr>
+            <a:spLocks noGrp="1"/>
+          </p:cNvSpPr>
+          <p:nvPr>
+            <p:ph type="sldNum" sz="quarter" idx="12"/>
+          </p:nvPr>
+        </p:nvSpPr>
+        <p:spPr/>
+        <p:txBody>
+          <a:bodyPr/>
+          <a:lstStyle/>
+          <a:p>
+            <a:fld id="{EBB17469-0394-43CE-8997-40175C06C0DE}" type="slidenum">
+              <a:rPr kumimoji="1" lang="ja-JP" altLang="en-US" smtClean="0"/>
+              <a:pPr/>
+              <a:t>42</a:t>
+            </a:fld>
+            <a:endParaRPr kumimoji="1" lang="ja-JP" altLang="en-US" dirty="0"/>
+          </a:p>
+        </p:txBody>
+      </p:sp>
+    </p:spTree>
+    <p:extLst>
+      <p:ext uri="{BB962C8B-B14F-4D97-AF65-F5344CB8AC3E}">
+        <p14:creationId xmlns:p14="http://schemas.microsoft.com/office/powerpoint/2010/main" val="4077980734"/>
+      </p:ext>
+    </p:extLst>
+  </p:cSld>
+  <p:clrMapOvr>
+    <a:masterClrMapping/>
+  </p:clrMapOvr>
+</p:sld>
+</file>
+
+<file path=ppt/slides/slide43.xml><?xml version="1.0" encoding="utf-8"?>
+<p:sld xmlns:a="http://schemas.openxmlformats.org/drawingml/2006/main" xmlns:r="http://schemas.openxmlformats.org/officeDocument/2006/relationships" xmlns:p="http://schemas.openxmlformats.org/presentationml/2006/main">
+  <p:cSld>
+    <p:spTree>
+      <p:nvGrpSpPr>
+        <p:cNvPr id="1" name=""/>
+        <p:cNvGrpSpPr/>
+        <p:nvPr/>
+      </p:nvGrpSpPr>
+      <p:grpSpPr>
+        <a:xfrm>
+          <a:off x="0" y="0"/>
+          <a:ext cx="0" cy="0"/>
+          <a:chOff x="0" y="0"/>
+          <a:chExt cx="0" cy="0"/>
+        </a:xfrm>
+      </p:grpSpPr>
+      <p:sp>
+        <p:nvSpPr>
+          <p:cNvPr id="2" name="タイトル 1">
+            <a:extLst>
+              <a:ext uri="{FF2B5EF4-FFF2-40B4-BE49-F238E27FC236}">
+                <a16:creationId xmlns:a16="http://schemas.microsoft.com/office/drawing/2014/main" id="{3FE08B12-F187-25CA-A5CE-DF7F3CB8EB85}"/>
+              </a:ext>
+            </a:extLst>
+          </p:cNvPr>
+          <p:cNvSpPr>
+            <a:spLocks noGrp="1"/>
+          </p:cNvSpPr>
+          <p:nvPr>
+            <p:ph type="title"/>
+          </p:nvPr>
+        </p:nvSpPr>
+        <p:spPr/>
+        <p:txBody>
+          <a:bodyPr/>
+          <a:lstStyle/>
+          <a:p>
+            <a:r>
+              <a:rPr lang="ja-JP" altLang="en-US" dirty="0"/>
+              <a:t>気を付ける判定例</a:t>
+            </a:r>
+            <a:endParaRPr kumimoji="1" lang="ja-JP" altLang="en-US" dirty="0"/>
+          </a:p>
+        </p:txBody>
+      </p:sp>
+      <p:sp>
+        <p:nvSpPr>
+          <p:cNvPr id="3" name="コンテンツ プレースホルダー 2">
+            <a:extLst>
+              <a:ext uri="{FF2B5EF4-FFF2-40B4-BE49-F238E27FC236}">
+                <a16:creationId xmlns:a16="http://schemas.microsoft.com/office/drawing/2014/main" id="{C0F5BEBF-5ECF-CB97-E48A-1073F12D5F15}"/>
+              </a:ext>
+            </a:extLst>
+          </p:cNvPr>
+          <p:cNvSpPr>
+            <a:spLocks noGrp="1"/>
+          </p:cNvSpPr>
+          <p:nvPr>
+            <p:ph idx="1"/>
+          </p:nvPr>
+        </p:nvSpPr>
+        <p:spPr/>
+        <p:txBody>
+          <a:bodyPr>
+            <a:normAutofit/>
+          </a:bodyPr>
+          <a:lstStyle/>
+          <a:p>
+            <a:r>
+              <a:rPr lang="en-US" altLang="ja-JP" b="0" dirty="0">
+                <a:solidFill>
+                  <a:srgbClr val="6A9955"/>
+                </a:solidFill>
+                <a:effectLst/>
+                <a:latin typeface="Consolas" panose="020B0609020204030204" pitchFamily="49" charset="0"/>
+              </a:rPr>
+              <a:t># int </a:t>
+            </a:r>
+            <a:r>
+              <a:rPr lang="ja-JP" altLang="en-US" b="0" dirty="0">
+                <a:solidFill>
+                  <a:srgbClr val="6A9955"/>
+                </a:solidFill>
+                <a:effectLst/>
+                <a:latin typeface="Consolas" panose="020B0609020204030204" pitchFamily="49" charset="0"/>
+              </a:rPr>
+              <a:t>と </a:t>
+            </a:r>
+            <a:r>
+              <a:rPr lang="en-US" altLang="ja-JP" b="0" dirty="0">
+                <a:solidFill>
+                  <a:srgbClr val="6A9955"/>
+                </a:solidFill>
+                <a:effectLst/>
+                <a:latin typeface="Consolas" panose="020B0609020204030204" pitchFamily="49" charset="0"/>
+              </a:rPr>
+              <a:t>float</a:t>
+            </a:r>
+            <a:endParaRPr lang="en-US" altLang="ja-JP" b="0" dirty="0">
+              <a:solidFill>
+                <a:srgbClr val="D4D4D4"/>
+              </a:solidFill>
+              <a:effectLst/>
+              <a:latin typeface="Consolas" panose="020B0609020204030204" pitchFamily="49" charset="0"/>
+            </a:endParaRPr>
+          </a:p>
+          <a:p>
+            <a:r>
+              <a:rPr lang="en-US" altLang="ja-JP" b="0" dirty="0">
+                <a:solidFill>
+                  <a:schemeClr val="tx1"/>
+                </a:solidFill>
+                <a:effectLst/>
+                <a:latin typeface="Consolas" panose="020B0609020204030204" pitchFamily="49" charset="0"/>
+              </a:rPr>
+              <a:t>&gt;&gt;&gt;</a:t>
+            </a:r>
+            <a:r>
+              <a:rPr lang="en-US" altLang="ja-JP" b="0" dirty="0">
+                <a:solidFill>
+                  <a:srgbClr val="DCDCAA"/>
+                </a:solidFill>
+                <a:effectLst/>
+                <a:latin typeface="Consolas" panose="020B0609020204030204" pitchFamily="49" charset="0"/>
+              </a:rPr>
+              <a:t> </a:t>
+            </a:r>
+            <a:r>
+              <a:rPr lang="en-US" altLang="ja-JP" b="0" dirty="0">
+                <a:solidFill>
+                  <a:schemeClr val="accent4">
+                    <a:lumMod val="75000"/>
+                  </a:schemeClr>
+                </a:solidFill>
+                <a:effectLst/>
+                <a:latin typeface="Consolas" panose="020B0609020204030204" pitchFamily="49" charset="0"/>
+              </a:rPr>
+              <a:t>print</a:t>
+            </a:r>
+            <a:r>
+              <a:rPr lang="en-US" altLang="ja-JP" b="0" dirty="0">
+                <a:solidFill>
+                  <a:schemeClr val="tx1"/>
+                </a:solidFill>
+                <a:effectLst/>
+                <a:latin typeface="Consolas" panose="020B0609020204030204" pitchFamily="49" charset="0"/>
+              </a:rPr>
+              <a:t>(</a:t>
+            </a:r>
+            <a:r>
+              <a:rPr lang="en-US" altLang="ja-JP" b="0" dirty="0">
+                <a:solidFill>
+                  <a:srgbClr val="92D050"/>
+                </a:solidFill>
+                <a:effectLst/>
+                <a:latin typeface="Consolas" panose="020B0609020204030204" pitchFamily="49" charset="0"/>
+              </a:rPr>
+              <a:t>10</a:t>
+            </a:r>
+            <a:r>
+              <a:rPr lang="en-US" altLang="ja-JP" b="0" dirty="0">
+                <a:solidFill>
+                  <a:srgbClr val="D4D4D4"/>
+                </a:solidFill>
+                <a:effectLst/>
+                <a:latin typeface="Consolas" panose="020B0609020204030204" pitchFamily="49" charset="0"/>
+              </a:rPr>
+              <a:t> </a:t>
+            </a:r>
+            <a:r>
+              <a:rPr lang="en-US" altLang="ja-JP" b="0" dirty="0">
+                <a:solidFill>
+                  <a:schemeClr val="tx1"/>
+                </a:solidFill>
+                <a:effectLst/>
+                <a:latin typeface="Consolas" panose="020B0609020204030204" pitchFamily="49" charset="0"/>
+              </a:rPr>
+              <a:t>==</a:t>
+            </a:r>
+            <a:r>
+              <a:rPr lang="en-US" altLang="ja-JP" b="0" dirty="0">
+                <a:solidFill>
+                  <a:srgbClr val="D4D4D4"/>
+                </a:solidFill>
+                <a:effectLst/>
+                <a:latin typeface="Consolas" panose="020B0609020204030204" pitchFamily="49" charset="0"/>
+              </a:rPr>
+              <a:t> </a:t>
+            </a:r>
+            <a:r>
+              <a:rPr lang="en-US" altLang="ja-JP" b="0" dirty="0">
+                <a:solidFill>
+                  <a:srgbClr val="92D050"/>
+                </a:solidFill>
+                <a:effectLst/>
+                <a:latin typeface="Consolas" panose="020B0609020204030204" pitchFamily="49" charset="0"/>
+              </a:rPr>
+              <a:t>10.0</a:t>
+            </a:r>
+            <a:r>
+              <a:rPr lang="en-US" altLang="ja-JP" b="0" dirty="0">
+                <a:solidFill>
+                  <a:schemeClr val="tx1"/>
+                </a:solidFill>
+                <a:effectLst/>
+                <a:latin typeface="Consolas" panose="020B0609020204030204" pitchFamily="49" charset="0"/>
+              </a:rPr>
+              <a:t>)</a:t>
+            </a:r>
+          </a:p>
+          <a:p>
+            <a:r>
+              <a:rPr lang="en-US" altLang="ja-JP" b="0" dirty="0">
+                <a:solidFill>
+                  <a:srgbClr val="569CD6"/>
+                </a:solidFill>
+                <a:effectLst/>
+                <a:latin typeface="Consolas" panose="020B0609020204030204" pitchFamily="49" charset="0"/>
+              </a:rPr>
+              <a:t>True</a:t>
+            </a:r>
+          </a:p>
+          <a:p>
+            <a:r>
+              <a:rPr lang="en-US" altLang="ja-JP" b="0" dirty="0">
+                <a:solidFill>
+                  <a:schemeClr val="tx1"/>
+                </a:solidFill>
+                <a:effectLst/>
+                <a:latin typeface="Consolas" panose="020B0609020204030204" pitchFamily="49" charset="0"/>
+              </a:rPr>
+              <a:t>-&gt; </a:t>
+            </a:r>
+            <a:r>
+              <a:rPr lang="ja-JP" altLang="en-US" b="0" dirty="0">
+                <a:solidFill>
+                  <a:schemeClr val="tx1"/>
+                </a:solidFill>
+                <a:effectLst/>
+                <a:latin typeface="Consolas" panose="020B0609020204030204" pitchFamily="49" charset="0"/>
+              </a:rPr>
+              <a:t>整数と小数では値が等しければ等しい</a:t>
+            </a:r>
+            <a:endParaRPr lang="en-US" altLang="ja-JP" b="0" dirty="0">
+              <a:solidFill>
+                <a:schemeClr val="tx1"/>
+              </a:solidFill>
+              <a:effectLst/>
+              <a:latin typeface="Consolas" panose="020B0609020204030204" pitchFamily="49" charset="0"/>
+            </a:endParaRPr>
+          </a:p>
+          <a:p>
+            <a:endParaRPr kumimoji="1" lang="ja-JP" altLang="en-US" dirty="0"/>
+          </a:p>
+        </p:txBody>
+      </p:sp>
+      <p:sp>
+        <p:nvSpPr>
+          <p:cNvPr id="4" name="スライド番号プレースホルダー 3">
+            <a:extLst>
+              <a:ext uri="{FF2B5EF4-FFF2-40B4-BE49-F238E27FC236}">
+                <a16:creationId xmlns:a16="http://schemas.microsoft.com/office/drawing/2014/main" id="{B9ED6ADF-EF66-B4A3-CF4C-7273D06541F5}"/>
+              </a:ext>
+            </a:extLst>
+          </p:cNvPr>
+          <p:cNvSpPr>
+            <a:spLocks noGrp="1"/>
+          </p:cNvSpPr>
+          <p:nvPr>
+            <p:ph type="sldNum" sz="quarter" idx="12"/>
+          </p:nvPr>
+        </p:nvSpPr>
+        <p:spPr/>
+        <p:txBody>
+          <a:bodyPr/>
+          <a:lstStyle/>
+          <a:p>
+            <a:fld id="{EBB17469-0394-43CE-8997-40175C06C0DE}" type="slidenum">
+              <a:rPr kumimoji="1" lang="ja-JP" altLang="en-US" smtClean="0"/>
+              <a:pPr/>
+              <a:t>43</a:t>
+            </a:fld>
+            <a:endParaRPr kumimoji="1" lang="ja-JP" altLang="en-US" dirty="0"/>
+          </a:p>
+        </p:txBody>
+      </p:sp>
+    </p:spTree>
+    <p:extLst>
+      <p:ext uri="{BB962C8B-B14F-4D97-AF65-F5344CB8AC3E}">
+        <p14:creationId xmlns:p14="http://schemas.microsoft.com/office/powerpoint/2010/main" val="3481661128"/>
+      </p:ext>
+    </p:extLst>
+  </p:cSld>
+  <p:clrMapOvr>
+    <a:masterClrMapping/>
+  </p:clrMapOvr>
+</p:sld>
+</file>
+
+<file path=ppt/slides/slide44.xml><?xml version="1.0" encoding="utf-8"?>
+<p:sld xmlns:a="http://schemas.openxmlformats.org/drawingml/2006/main" xmlns:r="http://schemas.openxmlformats.org/officeDocument/2006/relationships" xmlns:p="http://schemas.openxmlformats.org/presentationml/2006/main">
+  <p:cSld>
+    <p:spTree>
+      <p:nvGrpSpPr>
+        <p:cNvPr id="1" name=""/>
+        <p:cNvGrpSpPr/>
+        <p:nvPr/>
+      </p:nvGrpSpPr>
+      <p:grpSpPr>
+        <a:xfrm>
+          <a:off x="0" y="0"/>
+          <a:ext cx="0" cy="0"/>
+          <a:chOff x="0" y="0"/>
+          <a:chExt cx="0" cy="0"/>
+        </a:xfrm>
+      </p:grpSpPr>
+      <p:sp>
+        <p:nvSpPr>
+          <p:cNvPr id="2" name="タイトル 1">
+            <a:extLst>
+              <a:ext uri="{FF2B5EF4-FFF2-40B4-BE49-F238E27FC236}">
+                <a16:creationId xmlns:a16="http://schemas.microsoft.com/office/drawing/2014/main" id="{3FE08B12-F187-25CA-A5CE-DF7F3CB8EB85}"/>
+              </a:ext>
+            </a:extLst>
+          </p:cNvPr>
+          <p:cNvSpPr>
+            <a:spLocks noGrp="1"/>
+          </p:cNvSpPr>
+          <p:nvPr>
+            <p:ph type="title"/>
+          </p:nvPr>
+        </p:nvSpPr>
+        <p:spPr/>
+        <p:txBody>
+          <a:bodyPr/>
+          <a:lstStyle/>
+          <a:p>
+            <a:r>
+              <a:rPr lang="ja-JP" altLang="en-US" dirty="0"/>
+              <a:t>気を付ける判定例</a:t>
+            </a:r>
+            <a:endParaRPr kumimoji="1" lang="ja-JP" altLang="en-US" dirty="0"/>
+          </a:p>
+        </p:txBody>
+      </p:sp>
+      <p:sp>
+        <p:nvSpPr>
+          <p:cNvPr id="3" name="コンテンツ プレースホルダー 2">
+            <a:extLst>
+              <a:ext uri="{FF2B5EF4-FFF2-40B4-BE49-F238E27FC236}">
+                <a16:creationId xmlns:a16="http://schemas.microsoft.com/office/drawing/2014/main" id="{C0F5BEBF-5ECF-CB97-E48A-1073F12D5F15}"/>
+              </a:ext>
+            </a:extLst>
+          </p:cNvPr>
+          <p:cNvSpPr>
+            <a:spLocks noGrp="1"/>
+          </p:cNvSpPr>
+          <p:nvPr>
+            <p:ph idx="1"/>
+          </p:nvPr>
+        </p:nvSpPr>
+        <p:spPr/>
+        <p:txBody>
+          <a:bodyPr>
+            <a:normAutofit/>
+          </a:bodyPr>
+          <a:lstStyle/>
+          <a:p>
+            <a:r>
+              <a:rPr lang="en-US" altLang="ja-JP" b="0" dirty="0">
+                <a:solidFill>
+                  <a:srgbClr val="6A9955"/>
+                </a:solidFill>
+                <a:effectLst/>
+                <a:latin typeface="Consolas" panose="020B0609020204030204" pitchFamily="49" charset="0"/>
+              </a:rPr>
+              <a:t># int </a:t>
+            </a:r>
+            <a:r>
+              <a:rPr lang="ja-JP" altLang="en-US" b="0" dirty="0">
+                <a:solidFill>
+                  <a:srgbClr val="6A9955"/>
+                </a:solidFill>
+                <a:effectLst/>
+                <a:latin typeface="Consolas" panose="020B0609020204030204" pitchFamily="49" charset="0"/>
+              </a:rPr>
+              <a:t>と </a:t>
+            </a:r>
+            <a:r>
+              <a:rPr lang="en-US" altLang="ja-JP" b="0" dirty="0">
+                <a:solidFill>
+                  <a:srgbClr val="6A9955"/>
+                </a:solidFill>
+                <a:effectLst/>
+                <a:latin typeface="Consolas" panose="020B0609020204030204" pitchFamily="49" charset="0"/>
+              </a:rPr>
+              <a:t>str</a:t>
+            </a:r>
+            <a:endParaRPr lang="en-US" altLang="ja-JP" b="0" dirty="0">
+              <a:solidFill>
+                <a:srgbClr val="D4D4D4"/>
+              </a:solidFill>
+              <a:effectLst/>
+              <a:latin typeface="Consolas" panose="020B0609020204030204" pitchFamily="49" charset="0"/>
+            </a:endParaRPr>
+          </a:p>
+          <a:p>
+            <a:r>
+              <a:rPr lang="en-US" altLang="ja-JP" b="0" dirty="0">
+                <a:solidFill>
+                  <a:schemeClr val="tx1"/>
+                </a:solidFill>
+                <a:effectLst/>
+                <a:latin typeface="Consolas" panose="020B0609020204030204" pitchFamily="49" charset="0"/>
+              </a:rPr>
+              <a:t>&gt;&gt;&gt;</a:t>
+            </a:r>
+            <a:r>
+              <a:rPr lang="en-US" altLang="ja-JP" b="0" dirty="0">
+                <a:solidFill>
+                  <a:srgbClr val="DCDCAA"/>
+                </a:solidFill>
+                <a:effectLst/>
+                <a:latin typeface="Consolas" panose="020B0609020204030204" pitchFamily="49" charset="0"/>
+              </a:rPr>
+              <a:t> </a:t>
+            </a:r>
+            <a:r>
+              <a:rPr lang="en-US" altLang="ja-JP" b="0" dirty="0">
+                <a:solidFill>
+                  <a:schemeClr val="accent4">
+                    <a:lumMod val="75000"/>
+                  </a:schemeClr>
+                </a:solidFill>
+                <a:effectLst/>
+                <a:latin typeface="Consolas" panose="020B0609020204030204" pitchFamily="49" charset="0"/>
+              </a:rPr>
+              <a:t>print</a:t>
+            </a:r>
+            <a:r>
+              <a:rPr lang="en-US" altLang="ja-JP" b="0" dirty="0">
+                <a:solidFill>
+                  <a:schemeClr val="tx1"/>
+                </a:solidFill>
+                <a:effectLst/>
+                <a:latin typeface="Consolas" panose="020B0609020204030204" pitchFamily="49" charset="0"/>
+              </a:rPr>
+              <a:t>(</a:t>
+            </a:r>
+            <a:r>
+              <a:rPr lang="en-US" altLang="ja-JP" b="0" dirty="0">
+                <a:solidFill>
+                  <a:srgbClr val="CE9178"/>
+                </a:solidFill>
+                <a:effectLst/>
+                <a:latin typeface="Consolas" panose="020B0609020204030204" pitchFamily="49" charset="0"/>
+              </a:rPr>
+              <a:t>"57"</a:t>
+            </a:r>
+            <a:r>
+              <a:rPr lang="en-US" altLang="ja-JP" b="0" dirty="0">
+                <a:solidFill>
+                  <a:srgbClr val="D4D4D4"/>
+                </a:solidFill>
+                <a:effectLst/>
+                <a:latin typeface="Consolas" panose="020B0609020204030204" pitchFamily="49" charset="0"/>
+              </a:rPr>
+              <a:t> </a:t>
+            </a:r>
+            <a:r>
+              <a:rPr lang="en-US" altLang="ja-JP" b="0" dirty="0">
+                <a:solidFill>
+                  <a:schemeClr val="tx1"/>
+                </a:solidFill>
+                <a:effectLst/>
+                <a:latin typeface="Consolas" panose="020B0609020204030204" pitchFamily="49" charset="0"/>
+              </a:rPr>
+              <a:t>==</a:t>
+            </a:r>
+            <a:r>
+              <a:rPr lang="en-US" altLang="ja-JP" b="0" dirty="0">
+                <a:solidFill>
+                  <a:srgbClr val="D4D4D4"/>
+                </a:solidFill>
+                <a:effectLst/>
+                <a:latin typeface="Consolas" panose="020B0609020204030204" pitchFamily="49" charset="0"/>
+              </a:rPr>
+              <a:t> </a:t>
+            </a:r>
+            <a:r>
+              <a:rPr lang="en-US" altLang="ja-JP" b="0" dirty="0">
+                <a:solidFill>
+                  <a:srgbClr val="92D050"/>
+                </a:solidFill>
+                <a:effectLst/>
+                <a:latin typeface="Consolas" panose="020B0609020204030204" pitchFamily="49" charset="0"/>
+              </a:rPr>
+              <a:t>57</a:t>
+            </a:r>
+            <a:r>
+              <a:rPr lang="en-US" altLang="ja-JP" b="0" dirty="0">
+                <a:solidFill>
+                  <a:schemeClr val="tx1"/>
+                </a:solidFill>
+                <a:effectLst/>
+                <a:latin typeface="Consolas" panose="020B0609020204030204" pitchFamily="49" charset="0"/>
+              </a:rPr>
+              <a:t>)</a:t>
+            </a:r>
+          </a:p>
+          <a:p>
+            <a:r>
+              <a:rPr lang="en-US" altLang="ja-JP" b="0" dirty="0">
+                <a:solidFill>
+                  <a:srgbClr val="569CD6"/>
+                </a:solidFill>
+                <a:effectLst/>
+                <a:latin typeface="Consolas" panose="020B0609020204030204" pitchFamily="49" charset="0"/>
+              </a:rPr>
+              <a:t>False</a:t>
+            </a:r>
+            <a:endParaRPr lang="en-US" altLang="ja-JP" b="0" dirty="0">
+              <a:solidFill>
+                <a:srgbClr val="D4D4D4"/>
+              </a:solidFill>
+              <a:effectLst/>
+              <a:latin typeface="Consolas" panose="020B0609020204030204" pitchFamily="49" charset="0"/>
+            </a:endParaRPr>
+          </a:p>
+          <a:p>
+            <a:r>
+              <a:rPr kumimoji="1" lang="en-US" altLang="ja-JP" dirty="0"/>
+              <a:t>-&gt; </a:t>
+            </a:r>
+            <a:r>
+              <a:rPr kumimoji="1" lang="ja-JP" altLang="en-US" dirty="0"/>
+              <a:t>数字と文字は別物として扱われる</a:t>
+            </a:r>
+          </a:p>
+        </p:txBody>
+      </p:sp>
+      <p:sp>
+        <p:nvSpPr>
+          <p:cNvPr id="4" name="スライド番号プレースホルダー 3">
+            <a:extLst>
+              <a:ext uri="{FF2B5EF4-FFF2-40B4-BE49-F238E27FC236}">
+                <a16:creationId xmlns:a16="http://schemas.microsoft.com/office/drawing/2014/main" id="{6E6D38BC-831A-1F71-3E0B-208AE717460F}"/>
+              </a:ext>
+            </a:extLst>
+          </p:cNvPr>
+          <p:cNvSpPr>
+            <a:spLocks noGrp="1"/>
+          </p:cNvSpPr>
+          <p:nvPr>
+            <p:ph type="sldNum" sz="quarter" idx="12"/>
+          </p:nvPr>
+        </p:nvSpPr>
+        <p:spPr/>
+        <p:txBody>
+          <a:bodyPr/>
+          <a:lstStyle/>
+          <a:p>
+            <a:fld id="{EBB17469-0394-43CE-8997-40175C06C0DE}" type="slidenum">
+              <a:rPr kumimoji="1" lang="ja-JP" altLang="en-US" smtClean="0"/>
+              <a:pPr/>
+              <a:t>44</a:t>
+            </a:fld>
+            <a:endParaRPr kumimoji="1" lang="ja-JP" altLang="en-US" dirty="0"/>
+          </a:p>
+        </p:txBody>
+      </p:sp>
+    </p:spTree>
+    <p:extLst>
+      <p:ext uri="{BB962C8B-B14F-4D97-AF65-F5344CB8AC3E}">
+        <p14:creationId xmlns:p14="http://schemas.microsoft.com/office/powerpoint/2010/main" val="1457969091"/>
+      </p:ext>
+    </p:extLst>
+  </p:cSld>
+  <p:clrMapOvr>
+    <a:masterClrMapping/>
+  </p:clrMapOvr>
+</p:sld>
+</file>
+
+<file path=ppt/slides/slide45.xml><?xml version="1.0" encoding="utf-8"?>
+<p:sld xmlns:a="http://schemas.openxmlformats.org/drawingml/2006/main" xmlns:r="http://schemas.openxmlformats.org/officeDocument/2006/relationships" xmlns:p="http://schemas.openxmlformats.org/presentationml/2006/main">
+  <p:cSld>
+    <p:spTree>
+      <p:nvGrpSpPr>
+        <p:cNvPr id="1" name=""/>
+        <p:cNvGrpSpPr/>
+        <p:nvPr/>
+      </p:nvGrpSpPr>
+      <p:grpSpPr>
+        <a:xfrm>
+          <a:off x="0" y="0"/>
+          <a:ext cx="0" cy="0"/>
+          <a:chOff x="0" y="0"/>
+          <a:chExt cx="0" cy="0"/>
+        </a:xfrm>
+      </p:grpSpPr>
+      <p:sp>
+        <p:nvSpPr>
+          <p:cNvPr id="2" name="タイトル 1">
+            <a:extLst>
+              <a:ext uri="{FF2B5EF4-FFF2-40B4-BE49-F238E27FC236}">
+                <a16:creationId xmlns:a16="http://schemas.microsoft.com/office/drawing/2014/main" id="{3FE08B12-F187-25CA-A5CE-DF7F3CB8EB85}"/>
+              </a:ext>
+            </a:extLst>
+          </p:cNvPr>
+          <p:cNvSpPr>
+            <a:spLocks noGrp="1"/>
+          </p:cNvSpPr>
+          <p:nvPr>
+            <p:ph type="title"/>
+          </p:nvPr>
+        </p:nvSpPr>
+        <p:spPr/>
+        <p:txBody>
+          <a:bodyPr/>
+          <a:lstStyle/>
+          <a:p>
+            <a:r>
+              <a:rPr lang="ja-JP" altLang="en-US" dirty="0"/>
+              <a:t>気を付ける判定例</a:t>
+            </a:r>
+            <a:endParaRPr kumimoji="1" lang="ja-JP" altLang="en-US" dirty="0"/>
+          </a:p>
+        </p:txBody>
+      </p:sp>
+      <p:sp>
+        <p:nvSpPr>
+          <p:cNvPr id="3" name="コンテンツ プレースホルダー 2">
+            <a:extLst>
+              <a:ext uri="{FF2B5EF4-FFF2-40B4-BE49-F238E27FC236}">
+                <a16:creationId xmlns:a16="http://schemas.microsoft.com/office/drawing/2014/main" id="{C0F5BEBF-5ECF-CB97-E48A-1073F12D5F15}"/>
+              </a:ext>
+            </a:extLst>
+          </p:cNvPr>
+          <p:cNvSpPr>
+            <a:spLocks noGrp="1"/>
+          </p:cNvSpPr>
+          <p:nvPr>
+            <p:ph idx="1"/>
+          </p:nvPr>
+        </p:nvSpPr>
+        <p:spPr/>
+        <p:txBody>
+          <a:bodyPr>
+            <a:normAutofit/>
+          </a:bodyPr>
+          <a:lstStyle/>
+          <a:p>
+            <a:r>
+              <a:rPr lang="en-US" altLang="ja-JP" b="0" dirty="0">
+                <a:solidFill>
+                  <a:srgbClr val="6A9955"/>
+                </a:solidFill>
+                <a:effectLst/>
+                <a:latin typeface="Consolas" panose="020B0609020204030204" pitchFamily="49" charset="0"/>
+              </a:rPr>
+              <a:t># </a:t>
+            </a:r>
+            <a:r>
+              <a:rPr lang="ja-JP" altLang="en-US" b="0" dirty="0">
+                <a:solidFill>
+                  <a:srgbClr val="6A9955"/>
+                </a:solidFill>
+                <a:effectLst/>
+                <a:latin typeface="Consolas" panose="020B0609020204030204" pitchFamily="49" charset="0"/>
+              </a:rPr>
+              <a:t>大文字と小文字</a:t>
+            </a:r>
+            <a:endParaRPr lang="ja-JP" altLang="en-US" b="0" dirty="0">
+              <a:solidFill>
+                <a:srgbClr val="D4D4D4"/>
+              </a:solidFill>
+              <a:effectLst/>
+              <a:latin typeface="Consolas" panose="020B0609020204030204" pitchFamily="49" charset="0"/>
+            </a:endParaRPr>
+          </a:p>
+          <a:p>
+            <a:r>
+              <a:rPr lang="en-US" altLang="ja-JP" b="0" dirty="0">
+                <a:solidFill>
+                  <a:schemeClr val="tx1"/>
+                </a:solidFill>
+                <a:effectLst/>
+                <a:latin typeface="Consolas" panose="020B0609020204030204" pitchFamily="49" charset="0"/>
+              </a:rPr>
+              <a:t>&gt;&gt;&gt;</a:t>
+            </a:r>
+            <a:r>
+              <a:rPr lang="en-US" altLang="ja-JP" b="0" dirty="0">
+                <a:solidFill>
+                  <a:srgbClr val="DCDCAA"/>
+                </a:solidFill>
+                <a:effectLst/>
+                <a:latin typeface="Consolas" panose="020B0609020204030204" pitchFamily="49" charset="0"/>
+              </a:rPr>
+              <a:t> </a:t>
+            </a:r>
+            <a:r>
+              <a:rPr lang="en-US" altLang="ja-JP" b="0" dirty="0">
+                <a:solidFill>
+                  <a:schemeClr val="accent4">
+                    <a:lumMod val="75000"/>
+                  </a:schemeClr>
+                </a:solidFill>
+                <a:effectLst/>
+                <a:latin typeface="Consolas" panose="020B0609020204030204" pitchFamily="49" charset="0"/>
+              </a:rPr>
+              <a:t>print</a:t>
+            </a:r>
+            <a:r>
+              <a:rPr lang="en-US" altLang="ja-JP" b="0" dirty="0">
+                <a:solidFill>
+                  <a:schemeClr val="tx1"/>
+                </a:solidFill>
+                <a:effectLst/>
+                <a:latin typeface="Consolas" panose="020B0609020204030204" pitchFamily="49" charset="0"/>
+              </a:rPr>
+              <a:t>(</a:t>
+            </a:r>
+            <a:r>
+              <a:rPr lang="en-US" altLang="ja-JP" b="0" dirty="0">
+                <a:solidFill>
+                  <a:srgbClr val="CE9178"/>
+                </a:solidFill>
+                <a:effectLst/>
+                <a:latin typeface="Consolas" panose="020B0609020204030204" pitchFamily="49" charset="0"/>
+              </a:rPr>
+              <a:t>"HELLO"</a:t>
+            </a:r>
+            <a:r>
+              <a:rPr lang="en-US" altLang="ja-JP" b="0" dirty="0">
+                <a:solidFill>
+                  <a:srgbClr val="D4D4D4"/>
+                </a:solidFill>
+                <a:effectLst/>
+                <a:latin typeface="Consolas" panose="020B0609020204030204" pitchFamily="49" charset="0"/>
+              </a:rPr>
+              <a:t> </a:t>
+            </a:r>
+            <a:r>
+              <a:rPr lang="en-US" altLang="ja-JP" b="0" dirty="0">
+                <a:solidFill>
+                  <a:schemeClr val="tx1"/>
+                </a:solidFill>
+                <a:effectLst/>
+                <a:latin typeface="Consolas" panose="020B0609020204030204" pitchFamily="49" charset="0"/>
+              </a:rPr>
+              <a:t>==</a:t>
+            </a:r>
+            <a:r>
+              <a:rPr lang="en-US" altLang="ja-JP" b="0" dirty="0">
+                <a:solidFill>
+                  <a:srgbClr val="D4D4D4"/>
+                </a:solidFill>
+                <a:effectLst/>
+                <a:latin typeface="Consolas" panose="020B0609020204030204" pitchFamily="49" charset="0"/>
+              </a:rPr>
+              <a:t> </a:t>
+            </a:r>
+            <a:r>
+              <a:rPr lang="en-US" altLang="ja-JP" b="0" dirty="0">
+                <a:solidFill>
+                  <a:srgbClr val="CE9178"/>
+                </a:solidFill>
+                <a:effectLst/>
+                <a:latin typeface="Consolas" panose="020B0609020204030204" pitchFamily="49" charset="0"/>
+              </a:rPr>
+              <a:t>"hello"</a:t>
+            </a:r>
+            <a:r>
+              <a:rPr lang="en-US" altLang="ja-JP" b="0" dirty="0">
+                <a:solidFill>
+                  <a:schemeClr val="tx1"/>
+                </a:solidFill>
+                <a:effectLst/>
+                <a:latin typeface="Consolas" panose="020B0609020204030204" pitchFamily="49" charset="0"/>
+              </a:rPr>
+              <a:t>)</a:t>
+            </a:r>
+          </a:p>
+          <a:p>
+            <a:r>
+              <a:rPr lang="en-US" altLang="ja-JP" b="0" dirty="0">
+                <a:solidFill>
+                  <a:srgbClr val="569CD6"/>
+                </a:solidFill>
+                <a:effectLst/>
+                <a:latin typeface="Consolas" panose="020B0609020204030204" pitchFamily="49" charset="0"/>
+              </a:rPr>
+              <a:t>False</a:t>
+            </a:r>
+          </a:p>
+          <a:p>
+            <a:r>
+              <a:rPr lang="en-US" altLang="ja-JP" dirty="0">
+                <a:solidFill>
+                  <a:schemeClr val="tx1"/>
+                </a:solidFill>
+              </a:rPr>
+              <a:t>-&gt; </a:t>
+            </a:r>
+            <a:r>
+              <a:rPr lang="ja-JP" altLang="en-US" dirty="0">
+                <a:solidFill>
+                  <a:schemeClr val="tx1"/>
+                </a:solidFill>
+              </a:rPr>
+              <a:t>大文字と小文字は別物として扱われる</a:t>
+            </a:r>
+            <a:endParaRPr lang="en-US" altLang="ja-JP" b="0" dirty="0">
+              <a:solidFill>
+                <a:schemeClr val="tx1"/>
+              </a:solidFill>
+              <a:effectLst/>
+              <a:latin typeface="Consolas" panose="020B0609020204030204" pitchFamily="49" charset="0"/>
+            </a:endParaRPr>
+          </a:p>
+        </p:txBody>
+      </p:sp>
+      <p:sp>
+        <p:nvSpPr>
+          <p:cNvPr id="4" name="スライド番号プレースホルダー 3">
+            <a:extLst>
+              <a:ext uri="{FF2B5EF4-FFF2-40B4-BE49-F238E27FC236}">
+                <a16:creationId xmlns:a16="http://schemas.microsoft.com/office/drawing/2014/main" id="{F8509387-E97E-B9DA-2C70-CBA61FC33483}"/>
+              </a:ext>
+            </a:extLst>
+          </p:cNvPr>
+          <p:cNvSpPr>
+            <a:spLocks noGrp="1"/>
+          </p:cNvSpPr>
+          <p:nvPr>
+            <p:ph type="sldNum" sz="quarter" idx="12"/>
+          </p:nvPr>
+        </p:nvSpPr>
+        <p:spPr/>
+        <p:txBody>
+          <a:bodyPr/>
+          <a:lstStyle/>
+          <a:p>
+            <a:fld id="{EBB17469-0394-43CE-8997-40175C06C0DE}" type="slidenum">
+              <a:rPr kumimoji="1" lang="ja-JP" altLang="en-US" smtClean="0"/>
+              <a:pPr/>
+              <a:t>45</a:t>
+            </a:fld>
+            <a:endParaRPr kumimoji="1" lang="ja-JP" altLang="en-US" dirty="0"/>
+          </a:p>
+        </p:txBody>
+      </p:sp>
+    </p:spTree>
+    <p:extLst>
+      <p:ext uri="{BB962C8B-B14F-4D97-AF65-F5344CB8AC3E}">
+        <p14:creationId xmlns:p14="http://schemas.microsoft.com/office/powerpoint/2010/main" val="3881389768"/>
+      </p:ext>
+    </p:extLst>
+  </p:cSld>
+  <p:clrMapOvr>
+    <a:masterClrMapping/>
+  </p:clrMapOvr>
+</p:sld>
+</file>
+
+<file path=ppt/slides/slide46.xml><?xml version="1.0" encoding="utf-8"?>
+<p:sld xmlns:a="http://schemas.openxmlformats.org/drawingml/2006/main" xmlns:r="http://schemas.openxmlformats.org/officeDocument/2006/relationships" xmlns:p="http://schemas.openxmlformats.org/presentationml/2006/main">
+  <p:cSld>
+    <p:spTree>
+      <p:nvGrpSpPr>
+        <p:cNvPr id="1" name=""/>
+        <p:cNvGrpSpPr/>
+        <p:nvPr/>
+      </p:nvGrpSpPr>
+      <p:grpSpPr>
+        <a:xfrm>
+          <a:off x="0" y="0"/>
+          <a:ext cx="0" cy="0"/>
+          <a:chOff x="0" y="0"/>
+          <a:chExt cx="0" cy="0"/>
+        </a:xfrm>
+      </p:grpSpPr>
+      <p:sp>
+        <p:nvSpPr>
+          <p:cNvPr id="2" name="タイトル 1">
+            <a:extLst>
+              <a:ext uri="{FF2B5EF4-FFF2-40B4-BE49-F238E27FC236}">
+                <a16:creationId xmlns:a16="http://schemas.microsoft.com/office/drawing/2014/main" id="{1118DBAB-9DB9-3145-FF73-DAC20FF40C3F}"/>
+              </a:ext>
+            </a:extLst>
+          </p:cNvPr>
+          <p:cNvSpPr>
+            <a:spLocks noGrp="1"/>
+          </p:cNvSpPr>
+          <p:nvPr>
+            <p:ph type="title"/>
+          </p:nvPr>
+        </p:nvSpPr>
+        <p:spPr/>
+        <p:txBody>
+          <a:bodyPr/>
+          <a:lstStyle/>
+          <a:p>
+            <a:r>
+              <a:rPr lang="ja-JP" altLang="en-US" dirty="0"/>
+              <a:t>余談</a:t>
+            </a:r>
+            <a:endParaRPr kumimoji="1" lang="ja-JP" altLang="en-US" dirty="0"/>
+          </a:p>
+        </p:txBody>
+      </p:sp>
+      <p:sp>
+        <p:nvSpPr>
+          <p:cNvPr id="3" name="コンテンツ プレースホルダー 2">
+            <a:extLst>
+              <a:ext uri="{FF2B5EF4-FFF2-40B4-BE49-F238E27FC236}">
+                <a16:creationId xmlns:a16="http://schemas.microsoft.com/office/drawing/2014/main" id="{3D4FCBDA-9E0C-38FC-B7B2-DD430CFB81CA}"/>
+              </a:ext>
+            </a:extLst>
+          </p:cNvPr>
+          <p:cNvSpPr>
+            <a:spLocks noGrp="1"/>
+          </p:cNvSpPr>
+          <p:nvPr>
+            <p:ph idx="1"/>
+          </p:nvPr>
+        </p:nvSpPr>
+        <p:spPr/>
+        <p:txBody>
+          <a:bodyPr>
+            <a:normAutofit/>
+          </a:bodyPr>
+          <a:lstStyle/>
+          <a:p>
+            <a:pPr marL="514350" indent="-514350">
+              <a:buFont typeface="+mj-lt"/>
+              <a:buAutoNum type="arabicPeriod"/>
+            </a:pPr>
+            <a:r>
+              <a:rPr lang="ja-JP" altLang="en-US" dirty="0">
+                <a:solidFill>
                   <a:schemeClr val="tx1"/>
                 </a:solidFill>
                 <a:effectLst/>
@@ -28390,6 +31468,36 @@
               <a:t>複数の条件</a:t>
             </a:r>
             <a:endParaRPr kumimoji="1" lang="en-US" altLang="ja-JP" dirty="0"/>
+          </a:p>
+        </p:txBody>
+      </p:sp>
+      <p:sp>
+        <p:nvSpPr>
+          <p:cNvPr id="4" name="スライド番号プレースホルダー 3">
+            <a:extLst>
+              <a:ext uri="{FF2B5EF4-FFF2-40B4-BE49-F238E27FC236}">
+                <a16:creationId xmlns:a16="http://schemas.microsoft.com/office/drawing/2014/main" id="{5FAF08DF-D64D-E400-0FF2-00C06FCDB872}"/>
+              </a:ext>
+            </a:extLst>
+          </p:cNvPr>
+          <p:cNvSpPr>
+            <a:spLocks noGrp="1"/>
+          </p:cNvSpPr>
+          <p:nvPr>
+            <p:ph type="sldNum" sz="quarter" idx="12"/>
+          </p:nvPr>
+        </p:nvSpPr>
+        <p:spPr/>
+        <p:txBody>
+          <a:bodyPr/>
+          <a:lstStyle/>
+          <a:p>
+            <a:fld id="{EBB17469-0394-43CE-8997-40175C06C0DE}" type="slidenum">
+              <a:rPr kumimoji="1" lang="ja-JP" altLang="en-US" smtClean="0"/>
+              <a:pPr/>
+              <a:t>46</a:t>
+            </a:fld>
+            <a:endParaRPr kumimoji="1" lang="ja-JP" altLang="en-US" dirty="0"/>
           </a:p>
         </p:txBody>
       </p:sp>
@@ -28406,7 +31514,7 @@
 </p:sld>
 </file>
 
-<file path=ppt/slides/slide43.xml><?xml version="1.0" encoding="utf-8"?>
+<file path=ppt/slides/slide47.xml><?xml version="1.0" encoding="utf-8"?>
 <p:sld xmlns:a="http://schemas.openxmlformats.org/drawingml/2006/main" xmlns:r="http://schemas.openxmlformats.org/officeDocument/2006/relationships" xmlns:p="http://schemas.openxmlformats.org/presentationml/2006/main">
   <p:cSld>
     <p:spTree>
@@ -28767,6 +31875,36 @@
           </a:graphicData>
         </a:graphic>
       </p:graphicFrame>
+      <p:sp>
+        <p:nvSpPr>
+          <p:cNvPr id="5" name="スライド番号プレースホルダー 4">
+            <a:extLst>
+              <a:ext uri="{FF2B5EF4-FFF2-40B4-BE49-F238E27FC236}">
+                <a16:creationId xmlns:a16="http://schemas.microsoft.com/office/drawing/2014/main" id="{F18E36EF-68DF-0FA8-FDA2-40797EE5F850}"/>
+              </a:ext>
+            </a:extLst>
+          </p:cNvPr>
+          <p:cNvSpPr>
+            <a:spLocks noGrp="1"/>
+          </p:cNvSpPr>
+          <p:nvPr>
+            <p:ph type="sldNum" sz="quarter" idx="12"/>
+          </p:nvPr>
+        </p:nvSpPr>
+        <p:spPr/>
+        <p:txBody>
+          <a:bodyPr/>
+          <a:lstStyle/>
+          <a:p>
+            <a:fld id="{EBB17469-0394-43CE-8997-40175C06C0DE}" type="slidenum">
+              <a:rPr kumimoji="1" lang="ja-JP" altLang="en-US" smtClean="0"/>
+              <a:pPr/>
+              <a:t>47</a:t>
+            </a:fld>
+            <a:endParaRPr kumimoji="1" lang="ja-JP" altLang="en-US" dirty="0"/>
+          </a:p>
+        </p:txBody>
+      </p:sp>
     </p:spTree>
     <p:extLst>
       <p:ext uri="{BB962C8B-B14F-4D97-AF65-F5344CB8AC3E}">
@@ -28780,7 +31918,7 @@
 </p:sld>
 </file>
 
-<file path=ppt/slides/slide44.xml><?xml version="1.0" encoding="utf-8"?>
+<file path=ppt/slides/slide48.xml><?xml version="1.0" encoding="utf-8"?>
 <p:sld xmlns:a="http://schemas.openxmlformats.org/drawingml/2006/main" xmlns:r="http://schemas.openxmlformats.org/officeDocument/2006/relationships" xmlns:p="http://schemas.openxmlformats.org/presentationml/2006/main">
   <p:cSld>
     <p:spTree>
@@ -28847,7 +31985,7 @@
         </p:nvSpPr>
         <p:spPr>
           <a:xfrm>
-            <a:off x="1097280" y="1845733"/>
+            <a:off x="1097280" y="1855258"/>
             <a:ext cx="10058400" cy="4384737"/>
           </a:xfrm>
         </p:spPr>
@@ -29235,6 +32373,36 @@
               <a:effectLst/>
               <a:latin typeface="Consolas" panose="020B0609020204030204" pitchFamily="49" charset="0"/>
             </a:endParaRPr>
+          </a:p>
+        </p:txBody>
+      </p:sp>
+      <p:sp>
+        <p:nvSpPr>
+          <p:cNvPr id="4" name="スライド番号プレースホルダー 3">
+            <a:extLst>
+              <a:ext uri="{FF2B5EF4-FFF2-40B4-BE49-F238E27FC236}">
+                <a16:creationId xmlns:a16="http://schemas.microsoft.com/office/drawing/2014/main" id="{A1F52652-7CF9-0879-7075-0AA0DE14A258}"/>
+              </a:ext>
+            </a:extLst>
+          </p:cNvPr>
+          <p:cNvSpPr>
+            <a:spLocks noGrp="1"/>
+          </p:cNvSpPr>
+          <p:nvPr>
+            <p:ph type="sldNum" sz="quarter" idx="12"/>
+          </p:nvPr>
+        </p:nvSpPr>
+        <p:spPr/>
+        <p:txBody>
+          <a:bodyPr/>
+          <a:lstStyle/>
+          <a:p>
+            <a:fld id="{EBB17469-0394-43CE-8997-40175C06C0DE}" type="slidenum">
+              <a:rPr kumimoji="1" lang="ja-JP" altLang="en-US" smtClean="0"/>
+              <a:pPr/>
+              <a:t>48</a:t>
+            </a:fld>
+            <a:endParaRPr kumimoji="1" lang="ja-JP" altLang="en-US" dirty="0"/>
           </a:p>
         </p:txBody>
       </p:sp>
@@ -29251,7 +32419,7 @@
 </p:sld>
 </file>
 
-<file path=ppt/slides/slide45.xml><?xml version="1.0" encoding="utf-8"?>
+<file path=ppt/slides/slide49.xml><?xml version="1.0" encoding="utf-8"?>
 <p:sld xmlns:a="http://schemas.openxmlformats.org/drawingml/2006/main" xmlns:r="http://schemas.openxmlformats.org/officeDocument/2006/relationships" xmlns:p="http://schemas.openxmlformats.org/presentationml/2006/main">
   <p:cSld>
     <p:spTree>
@@ -29376,6 +32544,36 @@
           </a:p>
         </p:txBody>
       </p:sp>
+      <p:sp>
+        <p:nvSpPr>
+          <p:cNvPr id="4" name="スライド番号プレースホルダー 3">
+            <a:extLst>
+              <a:ext uri="{FF2B5EF4-FFF2-40B4-BE49-F238E27FC236}">
+                <a16:creationId xmlns:a16="http://schemas.microsoft.com/office/drawing/2014/main" id="{39D40EF0-DDBF-E9C1-C094-24ABD0F562F5}"/>
+              </a:ext>
+            </a:extLst>
+          </p:cNvPr>
+          <p:cNvSpPr>
+            <a:spLocks noGrp="1"/>
+          </p:cNvSpPr>
+          <p:nvPr>
+            <p:ph type="sldNum" sz="quarter" idx="12"/>
+          </p:nvPr>
+        </p:nvSpPr>
+        <p:spPr/>
+        <p:txBody>
+          <a:bodyPr/>
+          <a:lstStyle/>
+          <a:p>
+            <a:fld id="{EBB17469-0394-43CE-8997-40175C06C0DE}" type="slidenum">
+              <a:rPr kumimoji="1" lang="ja-JP" altLang="en-US" smtClean="0"/>
+              <a:pPr/>
+              <a:t>49</a:t>
+            </a:fld>
+            <a:endParaRPr kumimoji="1" lang="ja-JP" altLang="en-US" dirty="0"/>
+          </a:p>
+        </p:txBody>
+      </p:sp>
     </p:spTree>
     <p:extLst>
       <p:ext uri="{BB962C8B-B14F-4D97-AF65-F5344CB8AC3E}">
@@ -29389,7 +32587,382 @@
 </p:sld>
 </file>
 
-<file path=ppt/slides/slide46.xml><?xml version="1.0" encoding="utf-8"?>
+<file path=ppt/slides/slide5.xml><?xml version="1.0" encoding="utf-8"?>
+<p:sld xmlns:a="http://schemas.openxmlformats.org/drawingml/2006/main" xmlns:r="http://schemas.openxmlformats.org/officeDocument/2006/relationships" xmlns:p="http://schemas.openxmlformats.org/presentationml/2006/main">
+  <p:cSld>
+    <p:spTree>
+      <p:nvGrpSpPr>
+        <p:cNvPr id="1" name=""/>
+        <p:cNvGrpSpPr/>
+        <p:nvPr/>
+      </p:nvGrpSpPr>
+      <p:grpSpPr>
+        <a:xfrm>
+          <a:off x="0" y="0"/>
+          <a:ext cx="0" cy="0"/>
+          <a:chOff x="0" y="0"/>
+          <a:chExt cx="0" cy="0"/>
+        </a:xfrm>
+      </p:grpSpPr>
+      <p:sp>
+        <p:nvSpPr>
+          <p:cNvPr id="2" name="タイトル 1">
+            <a:extLst>
+              <a:ext uri="{FF2B5EF4-FFF2-40B4-BE49-F238E27FC236}">
+                <a16:creationId xmlns:a16="http://schemas.microsoft.com/office/drawing/2014/main" id="{88F5F1AF-D011-019D-62BE-34B622504CCB}"/>
+              </a:ext>
+            </a:extLst>
+          </p:cNvPr>
+          <p:cNvSpPr>
+            <a:spLocks noGrp="1"/>
+          </p:cNvSpPr>
+          <p:nvPr>
+            <p:ph type="title"/>
+          </p:nvPr>
+        </p:nvSpPr>
+        <p:spPr>
+          <a:xfrm>
+            <a:off x="838200" y="336550"/>
+            <a:ext cx="10515600" cy="1325563"/>
+          </a:xfrm>
+        </p:spPr>
+        <p:txBody>
+          <a:bodyPr/>
+          <a:lstStyle/>
+          <a:p>
+            <a:r>
+              <a:rPr kumimoji="1" lang="ja-JP" altLang="en-US" dirty="0"/>
+              <a:t>標準入力</a:t>
+            </a:r>
+          </a:p>
+        </p:txBody>
+      </p:sp>
+      <p:sp>
+        <p:nvSpPr>
+          <p:cNvPr id="4" name="矢印: 右 3">
+            <a:extLst>
+              <a:ext uri="{FF2B5EF4-FFF2-40B4-BE49-F238E27FC236}">
+                <a16:creationId xmlns:a16="http://schemas.microsoft.com/office/drawing/2014/main" id="{1462065F-BCDF-47C1-366E-8ABBA814ED4B}"/>
+              </a:ext>
+            </a:extLst>
+          </p:cNvPr>
+          <p:cNvSpPr/>
+          <p:nvPr/>
+        </p:nvSpPr>
+        <p:spPr>
+          <a:xfrm>
+            <a:off x="4856244" y="2542092"/>
+            <a:ext cx="2943227" cy="1054893"/>
+          </a:xfrm>
+          <a:prstGeom prst="rightArrow">
+            <a:avLst/>
+          </a:prstGeom>
+        </p:spPr>
+        <p:style>
+          <a:lnRef idx="2">
+            <a:schemeClr val="accent1">
+              <a:shade val="15000"/>
+            </a:schemeClr>
+          </a:lnRef>
+          <a:fillRef idx="1">
+            <a:schemeClr val="accent1"/>
+          </a:fillRef>
+          <a:effectRef idx="0">
+            <a:schemeClr val="accent1"/>
+          </a:effectRef>
+          <a:fontRef idx="minor">
+            <a:schemeClr val="lt1"/>
+          </a:fontRef>
+        </p:style>
+        <p:txBody>
+          <a:bodyPr rtlCol="0" anchor="ctr"/>
+          <a:lstStyle/>
+          <a:p>
+            <a:pPr algn="ctr"/>
+            <a:r>
+              <a:rPr kumimoji="1" lang="en-US" altLang="ja-JP" sz="4000" b="1" dirty="0"/>
+              <a:t>input()</a:t>
+            </a:r>
+            <a:endParaRPr kumimoji="1" lang="ja-JP" altLang="en-US" sz="4000" b="1" dirty="0"/>
+          </a:p>
+        </p:txBody>
+      </p:sp>
+      <p:pic>
+        <p:nvPicPr>
+          <p:cNvPr id="1026" name="Picture 2" descr="ノートパソコンのイラスト">
+            <a:extLst>
+              <a:ext uri="{FF2B5EF4-FFF2-40B4-BE49-F238E27FC236}">
+                <a16:creationId xmlns:a16="http://schemas.microsoft.com/office/drawing/2014/main" id="{E6E7DBAF-A469-61AE-AD2D-73504F1363E2}"/>
+              </a:ext>
+            </a:extLst>
+          </p:cNvPr>
+          <p:cNvPicPr>
+            <a:picLocks noChangeAspect="1" noChangeArrowheads="1"/>
+          </p:cNvPicPr>
+          <p:nvPr/>
+        </p:nvPicPr>
+        <p:blipFill>
+          <a:blip r:embed="rId2">
+            <a:extLst>
+              <a:ext uri="{28A0092B-C50C-407E-A947-70E740481C1C}">
+                <a14:useLocalDpi xmlns:a14="http://schemas.microsoft.com/office/drawing/2010/main" val="0"/>
+              </a:ext>
+            </a:extLst>
+          </a:blip>
+          <a:srcRect/>
+          <a:stretch>
+            <a:fillRect/>
+          </a:stretch>
+        </p:blipFill>
+        <p:spPr bwMode="auto">
+          <a:xfrm>
+            <a:off x="1582894" y="3847422"/>
+            <a:ext cx="2455298" cy="1970377"/>
+          </a:xfrm>
+          <a:prstGeom prst="rect">
+            <a:avLst/>
+          </a:prstGeom>
+          <a:noFill/>
+          <a:extLst>
+            <a:ext uri="{909E8E84-426E-40DD-AFC4-6F175D3DCCD1}">
+              <a14:hiddenFill xmlns:a14="http://schemas.microsoft.com/office/drawing/2010/main">
+                <a:solidFill>
+                  <a:srgbClr val="FFFFFF"/>
+                </a:solidFill>
+              </a14:hiddenFill>
+            </a:ext>
+          </a:extLst>
+        </p:spPr>
+      </p:pic>
+      <p:pic>
+        <p:nvPicPr>
+          <p:cNvPr id="1028" name="Picture 4" descr="Python 割と使うライブラリ集 - Qiita">
+            <a:extLst>
+              <a:ext uri="{FF2B5EF4-FFF2-40B4-BE49-F238E27FC236}">
+                <a16:creationId xmlns:a16="http://schemas.microsoft.com/office/drawing/2014/main" id="{A71E6522-F72F-404D-3DC2-049F30D25DC3}"/>
+              </a:ext>
+            </a:extLst>
+          </p:cNvPr>
+          <p:cNvPicPr>
+            <a:picLocks noChangeAspect="1" noChangeArrowheads="1"/>
+          </p:cNvPicPr>
+          <p:nvPr/>
+        </p:nvPicPr>
+        <p:blipFill rotWithShape="1">
+          <a:blip r:embed="rId3">
+            <a:extLst>
+              <a:ext uri="{28A0092B-C50C-407E-A947-70E740481C1C}">
+                <a14:useLocalDpi xmlns:a14="http://schemas.microsoft.com/office/drawing/2010/main" val="0"/>
+              </a:ext>
+            </a:extLst>
+          </a:blip>
+          <a:srcRect l="27480" r="27390"/>
+          <a:stretch/>
+        </p:blipFill>
+        <p:spPr bwMode="auto">
+          <a:xfrm>
+            <a:off x="8617527" y="2542092"/>
+            <a:ext cx="2230582" cy="2471303"/>
+          </a:xfrm>
+          <a:prstGeom prst="rect">
+            <a:avLst/>
+          </a:prstGeom>
+          <a:noFill/>
+          <a:extLst>
+            <a:ext uri="{909E8E84-426E-40DD-AFC4-6F175D3DCCD1}">
+              <a14:hiddenFill xmlns:a14="http://schemas.microsoft.com/office/drawing/2010/main">
+                <a:solidFill>
+                  <a:srgbClr val="FFFFFF"/>
+                </a:solidFill>
+              </a14:hiddenFill>
+            </a:ext>
+          </a:extLst>
+        </p:spPr>
+      </p:pic>
+      <p:sp>
+        <p:nvSpPr>
+          <p:cNvPr id="3" name="矢印: 左 2">
+            <a:extLst>
+              <a:ext uri="{FF2B5EF4-FFF2-40B4-BE49-F238E27FC236}">
+                <a16:creationId xmlns:a16="http://schemas.microsoft.com/office/drawing/2014/main" id="{91970F9A-91B7-693B-BABC-B2C05AF18EA6}"/>
+              </a:ext>
+            </a:extLst>
+          </p:cNvPr>
+          <p:cNvSpPr/>
+          <p:nvPr/>
+        </p:nvSpPr>
+        <p:spPr>
+          <a:xfrm>
+            <a:off x="4714124" y="4014246"/>
+            <a:ext cx="3227471" cy="1054893"/>
+          </a:xfrm>
+          <a:prstGeom prst="leftArrow">
+            <a:avLst/>
+          </a:prstGeom>
+        </p:spPr>
+        <p:style>
+          <a:lnRef idx="2">
+            <a:schemeClr val="accent1">
+              <a:shade val="15000"/>
+            </a:schemeClr>
+          </a:lnRef>
+          <a:fillRef idx="1">
+            <a:schemeClr val="accent1"/>
+          </a:fillRef>
+          <a:effectRef idx="0">
+            <a:schemeClr val="accent1"/>
+          </a:effectRef>
+          <a:fontRef idx="minor">
+            <a:schemeClr val="lt1"/>
+          </a:fontRef>
+        </p:style>
+        <p:txBody>
+          <a:bodyPr rtlCol="0" anchor="ctr"/>
+          <a:lstStyle/>
+          <a:p>
+            <a:pPr algn="ctr"/>
+            <a:r>
+              <a:rPr kumimoji="1" lang="en-US" altLang="ja-JP" sz="4000" b="1" dirty="0"/>
+              <a:t>print()</a:t>
+            </a:r>
+            <a:endParaRPr kumimoji="1" lang="ja-JP" altLang="en-US" sz="4000" b="1" dirty="0"/>
+          </a:p>
+        </p:txBody>
+      </p:sp>
+      <p:pic>
+        <p:nvPicPr>
+          <p:cNvPr id="6" name="図 5">
+            <a:extLst>
+              <a:ext uri="{FF2B5EF4-FFF2-40B4-BE49-F238E27FC236}">
+                <a16:creationId xmlns:a16="http://schemas.microsoft.com/office/drawing/2014/main" id="{B502708C-8DB8-FD8B-5ACE-C0D251FDBFEB}"/>
+              </a:ext>
+            </a:extLst>
+          </p:cNvPr>
+          <p:cNvPicPr>
+            <a:picLocks noChangeAspect="1"/>
+          </p:cNvPicPr>
+          <p:nvPr/>
+        </p:nvPicPr>
+        <p:blipFill>
+          <a:blip r:embed="rId4">
+            <a:extLst>
+              <a:ext uri="{28A0092B-C50C-407E-A947-70E740481C1C}">
+                <a14:useLocalDpi xmlns:a14="http://schemas.microsoft.com/office/drawing/2010/main" val="0"/>
+              </a:ext>
+              <a:ext uri="{837473B0-CC2E-450A-ABE3-18F120FF3D39}">
+                <a1611:picAttrSrcUrl xmlns:a1611="http://schemas.microsoft.com/office/drawing/2016/11/main" r:id="rId5"/>
+              </a:ext>
+            </a:extLst>
+          </a:blip>
+          <a:stretch>
+            <a:fillRect/>
+          </a:stretch>
+        </p:blipFill>
+        <p:spPr>
+          <a:xfrm>
+            <a:off x="1246745" y="2271422"/>
+            <a:ext cx="3127596" cy="1325563"/>
+          </a:xfrm>
+          <a:prstGeom prst="rect">
+            <a:avLst/>
+          </a:prstGeom>
+        </p:spPr>
+      </p:pic>
+      <p:sp>
+        <p:nvSpPr>
+          <p:cNvPr id="7" name="テキスト ボックス 6">
+            <a:extLst>
+              <a:ext uri="{FF2B5EF4-FFF2-40B4-BE49-F238E27FC236}">
+                <a16:creationId xmlns:a16="http://schemas.microsoft.com/office/drawing/2014/main" id="{225F27E9-E609-6586-990E-804C62D3C3C4}"/>
+              </a:ext>
+            </a:extLst>
+          </p:cNvPr>
+          <p:cNvSpPr txBox="1"/>
+          <p:nvPr/>
+        </p:nvSpPr>
+        <p:spPr>
+          <a:xfrm>
+            <a:off x="79056" y="6399456"/>
+            <a:ext cx="2455298" cy="369332"/>
+          </a:xfrm>
+          <a:prstGeom prst="rect">
+            <a:avLst/>
+          </a:prstGeom>
+          <a:noFill/>
+        </p:spPr>
+        <p:txBody>
+          <a:bodyPr wrap="square" rtlCol="0">
+            <a:spAutoFit/>
+          </a:bodyPr>
+          <a:lstStyle/>
+          <a:p>
+            <a:r>
+              <a:rPr lang="ja-JP" altLang="en-US" sz="900" dirty="0">
+                <a:hlinkClick r:id="rId5" tooltip="https://sotodeyo.hateblo.jp/entry/typing-smartpho"/>
+              </a:rPr>
+              <a:t>この写真</a:t>
+            </a:r>
+            <a:r>
+              <a:rPr lang="ja-JP" altLang="en-US" sz="900" dirty="0"/>
+              <a:t> の作成者 不明な作成者 は </a:t>
+            </a:r>
+            <a:r>
+              <a:rPr lang="ja-JP" altLang="en-US" sz="900" dirty="0">
+                <a:hlinkClick r:id="rId6" tooltip="https://creativecommons.org/licenses/by/3.0/"/>
+              </a:rPr>
+              <a:t>CC BY</a:t>
+            </a:r>
+            <a:r>
+              <a:rPr lang="ja-JP" altLang="en-US" sz="900" dirty="0"/>
+              <a:t> のライセンスを許諾されています</a:t>
+            </a:r>
+          </a:p>
+        </p:txBody>
+      </p:sp>
+      <p:sp>
+        <p:nvSpPr>
+          <p:cNvPr id="5" name="スライド番号プレースホルダー 4">
+            <a:extLst>
+              <a:ext uri="{FF2B5EF4-FFF2-40B4-BE49-F238E27FC236}">
+                <a16:creationId xmlns:a16="http://schemas.microsoft.com/office/drawing/2014/main" id="{60FE9191-D553-E236-62DC-493ADC057544}"/>
+              </a:ext>
+            </a:extLst>
+          </p:cNvPr>
+          <p:cNvSpPr>
+            <a:spLocks noGrp="1"/>
+          </p:cNvSpPr>
+          <p:nvPr>
+            <p:ph type="sldNum" sz="quarter" idx="12"/>
+          </p:nvPr>
+        </p:nvSpPr>
+        <p:spPr/>
+        <p:txBody>
+          <a:bodyPr/>
+          <a:lstStyle/>
+          <a:p>
+            <a:fld id="{EBB17469-0394-43CE-8997-40175C06C0DE}" type="slidenum">
+              <a:rPr kumimoji="1" lang="ja-JP" altLang="en-US" smtClean="0"/>
+              <a:pPr/>
+              <a:t>5</a:t>
+            </a:fld>
+            <a:endParaRPr kumimoji="1" lang="ja-JP" altLang="en-US" dirty="0"/>
+          </a:p>
+        </p:txBody>
+      </p:sp>
+    </p:spTree>
+    <p:extLst>
+      <p:ext uri="{BB962C8B-B14F-4D97-AF65-F5344CB8AC3E}">
+        <p14:creationId xmlns:p14="http://schemas.microsoft.com/office/powerpoint/2010/main" val="3572900031"/>
+      </p:ext>
+    </p:extLst>
+  </p:cSld>
+  <p:clrMapOvr>
+    <a:masterClrMapping/>
+  </p:clrMapOvr>
+</p:sld>
+</file>
+
+<file path=ppt/slides/slide50.xml><?xml version="1.0" encoding="utf-8"?>
 <p:sld xmlns:a="http://schemas.openxmlformats.org/drawingml/2006/main" xmlns:r="http://schemas.openxmlformats.org/officeDocument/2006/relationships" xmlns:p="http://schemas.openxmlformats.org/presentationml/2006/main">
   <p:cSld>
     <p:spTree>
@@ -29461,6 +33034,36 @@
           </a:p>
         </p:txBody>
       </p:sp>
+      <p:sp>
+        <p:nvSpPr>
+          <p:cNvPr id="4" name="スライド番号プレースホルダー 3">
+            <a:extLst>
+              <a:ext uri="{FF2B5EF4-FFF2-40B4-BE49-F238E27FC236}">
+                <a16:creationId xmlns:a16="http://schemas.microsoft.com/office/drawing/2014/main" id="{D18CC0E8-9C41-6B37-98C0-74C3718C6DD2}"/>
+              </a:ext>
+            </a:extLst>
+          </p:cNvPr>
+          <p:cNvSpPr>
+            <a:spLocks noGrp="1"/>
+          </p:cNvSpPr>
+          <p:nvPr>
+            <p:ph type="sldNum" sz="quarter" idx="12"/>
+          </p:nvPr>
+        </p:nvSpPr>
+        <p:spPr/>
+        <p:txBody>
+          <a:bodyPr/>
+          <a:lstStyle/>
+          <a:p>
+            <a:fld id="{EBB17469-0394-43CE-8997-40175C06C0DE}" type="slidenum">
+              <a:rPr kumimoji="1" lang="ja-JP" altLang="en-US" smtClean="0"/>
+              <a:pPr/>
+              <a:t>50</a:t>
+            </a:fld>
+            <a:endParaRPr kumimoji="1" lang="ja-JP" altLang="en-US" dirty="0"/>
+          </a:p>
+        </p:txBody>
+      </p:sp>
     </p:spTree>
     <p:extLst>
       <p:ext uri="{BB962C8B-B14F-4D97-AF65-F5344CB8AC3E}">
@@ -29474,7 +33077,7 @@
 </p:sld>
 </file>
 
-<file path=ppt/slides/slide47.xml><?xml version="1.0" encoding="utf-8"?>
+<file path=ppt/slides/slide51.xml><?xml version="1.0" encoding="utf-8"?>
 <p:sld xmlns:a="http://schemas.openxmlformats.org/drawingml/2006/main" xmlns:r="http://schemas.openxmlformats.org/officeDocument/2006/relationships" xmlns:p="http://schemas.openxmlformats.org/presentationml/2006/main">
   <p:cSld>
     <p:spTree>
@@ -29664,7 +33267,7 @@
                 <a:latin typeface="Consolas" panose="020B0609020204030204" pitchFamily="49" charset="0"/>
                 <a:ea typeface="HG教科書体" panose="02020609000000000000" pitchFamily="17" charset="-128"/>
               </a:rPr>
-              <a:t>条件</a:t>
+              <a:t> 条件</a:t>
             </a:r>
             <a:r>
               <a:rPr kumimoji="1" lang="en-US" altLang="ja-JP" dirty="0">
@@ -29749,7 +33352,7 @@
                 <a:latin typeface="Consolas" panose="020B0609020204030204" pitchFamily="49" charset="0"/>
                 <a:ea typeface="HG教科書体" panose="02020609000000000000" pitchFamily="17" charset="-128"/>
               </a:rPr>
-              <a:t>条件</a:t>
+              <a:t> 条件</a:t>
             </a:r>
             <a:r>
               <a:rPr kumimoji="1" lang="en-US" altLang="ja-JP" dirty="0">
@@ -29834,7 +33437,7 @@
                 <a:latin typeface="Consolas" panose="020B0609020204030204" pitchFamily="49" charset="0"/>
                 <a:ea typeface="HG教科書体" panose="02020609000000000000" pitchFamily="17" charset="-128"/>
               </a:rPr>
-              <a:t>条件</a:t>
+              <a:t> 条件</a:t>
             </a:r>
             <a:r>
               <a:rPr kumimoji="1" lang="en-US" altLang="ja-JP" dirty="0">
@@ -29963,7 +33566,7 @@
                 <a:latin typeface="Consolas" panose="020B0609020204030204" pitchFamily="49" charset="0"/>
                 <a:ea typeface="HG教科書体" panose="02020609000000000000" pitchFamily="17" charset="-128"/>
               </a:rPr>
-              <a:t>条件</a:t>
+              <a:t> 条件</a:t>
             </a:r>
             <a:r>
               <a:rPr kumimoji="1" lang="en-US" altLang="ja-JP" dirty="0">
@@ -30071,6 +33674,36 @@
               </a:rPr>
               <a:t>の〇の部分</a:t>
             </a:r>
+          </a:p>
+        </p:txBody>
+      </p:sp>
+      <p:sp>
+        <p:nvSpPr>
+          <p:cNvPr id="3" name="スライド番号プレースホルダー 2">
+            <a:extLst>
+              <a:ext uri="{FF2B5EF4-FFF2-40B4-BE49-F238E27FC236}">
+                <a16:creationId xmlns:a16="http://schemas.microsoft.com/office/drawing/2014/main" id="{20390B3B-A12F-C746-3565-ECD72F061EC1}"/>
+              </a:ext>
+            </a:extLst>
+          </p:cNvPr>
+          <p:cNvSpPr>
+            <a:spLocks noGrp="1"/>
+          </p:cNvSpPr>
+          <p:nvPr>
+            <p:ph type="sldNum" sz="quarter" idx="12"/>
+          </p:nvPr>
+        </p:nvSpPr>
+        <p:spPr/>
+        <p:txBody>
+          <a:bodyPr/>
+          <a:lstStyle/>
+          <a:p>
+            <a:fld id="{EBB17469-0394-43CE-8997-40175C06C0DE}" type="slidenum">
+              <a:rPr kumimoji="1" lang="ja-JP" altLang="en-US" smtClean="0"/>
+              <a:pPr/>
+              <a:t>51</a:t>
+            </a:fld>
+            <a:endParaRPr kumimoji="1" lang="ja-JP" altLang="en-US" dirty="0"/>
           </a:p>
         </p:txBody>
       </p:sp>
@@ -30087,7 +33720,7 @@
 </p:sld>
 </file>
 
-<file path=ppt/slides/slide48.xml><?xml version="1.0" encoding="utf-8"?>
+<file path=ppt/slides/slide52.xml><?xml version="1.0" encoding="utf-8"?>
 <p:sld xmlns:a="http://schemas.openxmlformats.org/drawingml/2006/main" xmlns:r="http://schemas.openxmlformats.org/officeDocument/2006/relationships" xmlns:p="http://schemas.openxmlformats.org/presentationml/2006/main">
   <p:cSld>
     <p:spTree>
@@ -30767,6 +34400,36 @@
           </a:p>
         </p:txBody>
       </p:sp>
+      <p:sp>
+        <p:nvSpPr>
+          <p:cNvPr id="3" name="スライド番号プレースホルダー 2">
+            <a:extLst>
+              <a:ext uri="{FF2B5EF4-FFF2-40B4-BE49-F238E27FC236}">
+                <a16:creationId xmlns:a16="http://schemas.microsoft.com/office/drawing/2014/main" id="{A398CD8C-4954-6365-7FE4-8CE47F9DA1DB}"/>
+              </a:ext>
+            </a:extLst>
+          </p:cNvPr>
+          <p:cNvSpPr>
+            <a:spLocks noGrp="1"/>
+          </p:cNvSpPr>
+          <p:nvPr>
+            <p:ph type="sldNum" sz="quarter" idx="12"/>
+          </p:nvPr>
+        </p:nvSpPr>
+        <p:spPr/>
+        <p:txBody>
+          <a:bodyPr/>
+          <a:lstStyle/>
+          <a:p>
+            <a:fld id="{EBB17469-0394-43CE-8997-40175C06C0DE}" type="slidenum">
+              <a:rPr kumimoji="1" lang="ja-JP" altLang="en-US" smtClean="0"/>
+              <a:pPr/>
+              <a:t>52</a:t>
+            </a:fld>
+            <a:endParaRPr kumimoji="1" lang="ja-JP" altLang="en-US" dirty="0"/>
+          </a:p>
+        </p:txBody>
+      </p:sp>
     </p:spTree>
     <p:extLst>
       <p:ext uri="{BB962C8B-B14F-4D97-AF65-F5344CB8AC3E}">
@@ -30780,7 +34443,7 @@
 </p:sld>
 </file>
 
-<file path=ppt/slides/slide49.xml><?xml version="1.0" encoding="utf-8"?>
+<file path=ppt/slides/slide53.xml><?xml version="1.0" encoding="utf-8"?>
 <p:sld xmlns:a="http://schemas.openxmlformats.org/drawingml/2006/main" xmlns:r="http://schemas.openxmlformats.org/officeDocument/2006/relationships" xmlns:p="http://schemas.openxmlformats.org/presentationml/2006/main">
   <p:cSld>
     <p:spTree>
@@ -31394,6 +35057,36 @@
           </a:p>
         </p:txBody>
       </p:sp>
+      <p:sp>
+        <p:nvSpPr>
+          <p:cNvPr id="3" name="スライド番号プレースホルダー 2">
+            <a:extLst>
+              <a:ext uri="{FF2B5EF4-FFF2-40B4-BE49-F238E27FC236}">
+                <a16:creationId xmlns:a16="http://schemas.microsoft.com/office/drawing/2014/main" id="{C973B08C-285C-31A4-98C0-8B1A1505A701}"/>
+              </a:ext>
+            </a:extLst>
+          </p:cNvPr>
+          <p:cNvSpPr>
+            <a:spLocks noGrp="1"/>
+          </p:cNvSpPr>
+          <p:nvPr>
+            <p:ph type="sldNum" sz="quarter" idx="12"/>
+          </p:nvPr>
+        </p:nvSpPr>
+        <p:spPr/>
+        <p:txBody>
+          <a:bodyPr/>
+          <a:lstStyle/>
+          <a:p>
+            <a:fld id="{EBB17469-0394-43CE-8997-40175C06C0DE}" type="slidenum">
+              <a:rPr kumimoji="1" lang="ja-JP" altLang="en-US" smtClean="0"/>
+              <a:pPr/>
+              <a:t>53</a:t>
+            </a:fld>
+            <a:endParaRPr kumimoji="1" lang="ja-JP" altLang="en-US" dirty="0"/>
+          </a:p>
+        </p:txBody>
+      </p:sp>
     </p:spTree>
     <p:extLst>
       <p:ext uri="{BB962C8B-B14F-4D97-AF65-F5344CB8AC3E}">
@@ -31407,352 +35100,7 @@
 </p:sld>
 </file>
 
-<file path=ppt/slides/slide5.xml><?xml version="1.0" encoding="utf-8"?>
-<p:sld xmlns:a="http://schemas.openxmlformats.org/drawingml/2006/main" xmlns:r="http://schemas.openxmlformats.org/officeDocument/2006/relationships" xmlns:p="http://schemas.openxmlformats.org/presentationml/2006/main">
-  <p:cSld>
-    <p:spTree>
-      <p:nvGrpSpPr>
-        <p:cNvPr id="1" name=""/>
-        <p:cNvGrpSpPr/>
-        <p:nvPr/>
-      </p:nvGrpSpPr>
-      <p:grpSpPr>
-        <a:xfrm>
-          <a:off x="0" y="0"/>
-          <a:ext cx="0" cy="0"/>
-          <a:chOff x="0" y="0"/>
-          <a:chExt cx="0" cy="0"/>
-        </a:xfrm>
-      </p:grpSpPr>
-      <p:sp>
-        <p:nvSpPr>
-          <p:cNvPr id="2" name="タイトル 1">
-            <a:extLst>
-              <a:ext uri="{FF2B5EF4-FFF2-40B4-BE49-F238E27FC236}">
-                <a16:creationId xmlns:a16="http://schemas.microsoft.com/office/drawing/2014/main" id="{88F5F1AF-D011-019D-62BE-34B622504CCB}"/>
-              </a:ext>
-            </a:extLst>
-          </p:cNvPr>
-          <p:cNvSpPr>
-            <a:spLocks noGrp="1"/>
-          </p:cNvSpPr>
-          <p:nvPr>
-            <p:ph type="title"/>
-          </p:nvPr>
-        </p:nvSpPr>
-        <p:spPr>
-          <a:xfrm>
-            <a:off x="838200" y="336550"/>
-            <a:ext cx="10515600" cy="1325563"/>
-          </a:xfrm>
-        </p:spPr>
-        <p:txBody>
-          <a:bodyPr/>
-          <a:lstStyle/>
-          <a:p>
-            <a:r>
-              <a:rPr kumimoji="1" lang="ja-JP" altLang="en-US" dirty="0"/>
-              <a:t>標準入力</a:t>
-            </a:r>
-          </a:p>
-        </p:txBody>
-      </p:sp>
-      <p:sp>
-        <p:nvSpPr>
-          <p:cNvPr id="4" name="矢印: 右 3">
-            <a:extLst>
-              <a:ext uri="{FF2B5EF4-FFF2-40B4-BE49-F238E27FC236}">
-                <a16:creationId xmlns:a16="http://schemas.microsoft.com/office/drawing/2014/main" id="{1462065F-BCDF-47C1-366E-8ABBA814ED4B}"/>
-              </a:ext>
-            </a:extLst>
-          </p:cNvPr>
-          <p:cNvSpPr/>
-          <p:nvPr/>
-        </p:nvSpPr>
-        <p:spPr>
-          <a:xfrm>
-            <a:off x="4856244" y="2542092"/>
-            <a:ext cx="2943227" cy="1054893"/>
-          </a:xfrm>
-          <a:prstGeom prst="rightArrow">
-            <a:avLst/>
-          </a:prstGeom>
-        </p:spPr>
-        <p:style>
-          <a:lnRef idx="2">
-            <a:schemeClr val="accent1">
-              <a:shade val="15000"/>
-            </a:schemeClr>
-          </a:lnRef>
-          <a:fillRef idx="1">
-            <a:schemeClr val="accent1"/>
-          </a:fillRef>
-          <a:effectRef idx="0">
-            <a:schemeClr val="accent1"/>
-          </a:effectRef>
-          <a:fontRef idx="minor">
-            <a:schemeClr val="lt1"/>
-          </a:fontRef>
-        </p:style>
-        <p:txBody>
-          <a:bodyPr rtlCol="0" anchor="ctr"/>
-          <a:lstStyle/>
-          <a:p>
-            <a:pPr algn="ctr"/>
-            <a:r>
-              <a:rPr kumimoji="1" lang="en-US" altLang="ja-JP" sz="4000" b="1" dirty="0"/>
-              <a:t>input()</a:t>
-            </a:r>
-            <a:endParaRPr kumimoji="1" lang="ja-JP" altLang="en-US" sz="4000" b="1" dirty="0"/>
-          </a:p>
-        </p:txBody>
-      </p:sp>
-      <p:pic>
-        <p:nvPicPr>
-          <p:cNvPr id="1026" name="Picture 2" descr="ノートパソコンのイラスト">
-            <a:extLst>
-              <a:ext uri="{FF2B5EF4-FFF2-40B4-BE49-F238E27FC236}">
-                <a16:creationId xmlns:a16="http://schemas.microsoft.com/office/drawing/2014/main" id="{E6E7DBAF-A469-61AE-AD2D-73504F1363E2}"/>
-              </a:ext>
-            </a:extLst>
-          </p:cNvPr>
-          <p:cNvPicPr>
-            <a:picLocks noChangeAspect="1" noChangeArrowheads="1"/>
-          </p:cNvPicPr>
-          <p:nvPr/>
-        </p:nvPicPr>
-        <p:blipFill>
-          <a:blip r:embed="rId2">
-            <a:extLst>
-              <a:ext uri="{28A0092B-C50C-407E-A947-70E740481C1C}">
-                <a14:useLocalDpi xmlns:a14="http://schemas.microsoft.com/office/drawing/2010/main" val="0"/>
-              </a:ext>
-            </a:extLst>
-          </a:blip>
-          <a:srcRect/>
-          <a:stretch>
-            <a:fillRect/>
-          </a:stretch>
-        </p:blipFill>
-        <p:spPr bwMode="auto">
-          <a:xfrm>
-            <a:off x="1582894" y="3847422"/>
-            <a:ext cx="2455298" cy="1970377"/>
-          </a:xfrm>
-          <a:prstGeom prst="rect">
-            <a:avLst/>
-          </a:prstGeom>
-          <a:noFill/>
-          <a:extLst>
-            <a:ext uri="{909E8E84-426E-40DD-AFC4-6F175D3DCCD1}">
-              <a14:hiddenFill xmlns:a14="http://schemas.microsoft.com/office/drawing/2010/main">
-                <a:solidFill>
-                  <a:srgbClr val="FFFFFF"/>
-                </a:solidFill>
-              </a14:hiddenFill>
-            </a:ext>
-          </a:extLst>
-        </p:spPr>
-      </p:pic>
-      <p:pic>
-        <p:nvPicPr>
-          <p:cNvPr id="1028" name="Picture 4" descr="Python 割と使うライブラリ集 - Qiita">
-            <a:extLst>
-              <a:ext uri="{FF2B5EF4-FFF2-40B4-BE49-F238E27FC236}">
-                <a16:creationId xmlns:a16="http://schemas.microsoft.com/office/drawing/2014/main" id="{A71E6522-F72F-404D-3DC2-049F30D25DC3}"/>
-              </a:ext>
-            </a:extLst>
-          </p:cNvPr>
-          <p:cNvPicPr>
-            <a:picLocks noChangeAspect="1" noChangeArrowheads="1"/>
-          </p:cNvPicPr>
-          <p:nvPr/>
-        </p:nvPicPr>
-        <p:blipFill rotWithShape="1">
-          <a:blip r:embed="rId3">
-            <a:extLst>
-              <a:ext uri="{28A0092B-C50C-407E-A947-70E740481C1C}">
-                <a14:useLocalDpi xmlns:a14="http://schemas.microsoft.com/office/drawing/2010/main" val="0"/>
-              </a:ext>
-            </a:extLst>
-          </a:blip>
-          <a:srcRect l="27480" r="27390"/>
-          <a:stretch/>
-        </p:blipFill>
-        <p:spPr bwMode="auto">
-          <a:xfrm>
-            <a:off x="8617527" y="2542092"/>
-            <a:ext cx="2230582" cy="2471303"/>
-          </a:xfrm>
-          <a:prstGeom prst="rect">
-            <a:avLst/>
-          </a:prstGeom>
-          <a:noFill/>
-          <a:extLst>
-            <a:ext uri="{909E8E84-426E-40DD-AFC4-6F175D3DCCD1}">
-              <a14:hiddenFill xmlns:a14="http://schemas.microsoft.com/office/drawing/2010/main">
-                <a:solidFill>
-                  <a:srgbClr val="FFFFFF"/>
-                </a:solidFill>
-              </a14:hiddenFill>
-            </a:ext>
-          </a:extLst>
-        </p:spPr>
-      </p:pic>
-      <p:sp>
-        <p:nvSpPr>
-          <p:cNvPr id="3" name="矢印: 左 2">
-            <a:extLst>
-              <a:ext uri="{FF2B5EF4-FFF2-40B4-BE49-F238E27FC236}">
-                <a16:creationId xmlns:a16="http://schemas.microsoft.com/office/drawing/2014/main" id="{91970F9A-91B7-693B-BABC-B2C05AF18EA6}"/>
-              </a:ext>
-            </a:extLst>
-          </p:cNvPr>
-          <p:cNvSpPr/>
-          <p:nvPr/>
-        </p:nvSpPr>
-        <p:spPr>
-          <a:xfrm>
-            <a:off x="4714124" y="4014246"/>
-            <a:ext cx="3227471" cy="1054893"/>
-          </a:xfrm>
-          <a:prstGeom prst="leftArrow">
-            <a:avLst/>
-          </a:prstGeom>
-        </p:spPr>
-        <p:style>
-          <a:lnRef idx="2">
-            <a:schemeClr val="accent1">
-              <a:shade val="15000"/>
-            </a:schemeClr>
-          </a:lnRef>
-          <a:fillRef idx="1">
-            <a:schemeClr val="accent1"/>
-          </a:fillRef>
-          <a:effectRef idx="0">
-            <a:schemeClr val="accent1"/>
-          </a:effectRef>
-          <a:fontRef idx="minor">
-            <a:schemeClr val="lt1"/>
-          </a:fontRef>
-        </p:style>
-        <p:txBody>
-          <a:bodyPr rtlCol="0" anchor="ctr"/>
-          <a:lstStyle/>
-          <a:p>
-            <a:pPr algn="ctr"/>
-            <a:r>
-              <a:rPr kumimoji="1" lang="en-US" altLang="ja-JP" sz="4000" b="1" dirty="0"/>
-              <a:t>print()</a:t>
-            </a:r>
-            <a:endParaRPr kumimoji="1" lang="ja-JP" altLang="en-US" sz="4000" b="1" dirty="0"/>
-          </a:p>
-        </p:txBody>
-      </p:sp>
-      <p:pic>
-        <p:nvPicPr>
-          <p:cNvPr id="6" name="図 5">
-            <a:extLst>
-              <a:ext uri="{FF2B5EF4-FFF2-40B4-BE49-F238E27FC236}">
-                <a16:creationId xmlns:a16="http://schemas.microsoft.com/office/drawing/2014/main" id="{B502708C-8DB8-FD8B-5ACE-C0D251FDBFEB}"/>
-              </a:ext>
-            </a:extLst>
-          </p:cNvPr>
-          <p:cNvPicPr>
-            <a:picLocks noChangeAspect="1"/>
-          </p:cNvPicPr>
-          <p:nvPr/>
-        </p:nvPicPr>
-        <p:blipFill>
-          <a:blip r:embed="rId4">
-            <a:extLst>
-              <a:ext uri="{28A0092B-C50C-407E-A947-70E740481C1C}">
-                <a14:useLocalDpi xmlns:a14="http://schemas.microsoft.com/office/drawing/2010/main" val="0"/>
-              </a:ext>
-              <a:ext uri="{837473B0-CC2E-450A-ABE3-18F120FF3D39}">
-                <a1611:picAttrSrcUrl xmlns:a1611="http://schemas.microsoft.com/office/drawing/2016/11/main" r:id="rId5"/>
-              </a:ext>
-            </a:extLst>
-          </a:blip>
-          <a:stretch>
-            <a:fillRect/>
-          </a:stretch>
-        </p:blipFill>
-        <p:spPr>
-          <a:xfrm>
-            <a:off x="1246745" y="2271422"/>
-            <a:ext cx="3127596" cy="1325563"/>
-          </a:xfrm>
-          <a:prstGeom prst="rect">
-            <a:avLst/>
-          </a:prstGeom>
-        </p:spPr>
-      </p:pic>
-      <p:sp>
-        <p:nvSpPr>
-          <p:cNvPr id="7" name="テキスト ボックス 6">
-            <a:extLst>
-              <a:ext uri="{FF2B5EF4-FFF2-40B4-BE49-F238E27FC236}">
-                <a16:creationId xmlns:a16="http://schemas.microsoft.com/office/drawing/2014/main" id="{225F27E9-E609-6586-990E-804C62D3C3C4}"/>
-              </a:ext>
-            </a:extLst>
-          </p:cNvPr>
-          <p:cNvSpPr txBox="1"/>
-          <p:nvPr/>
-        </p:nvSpPr>
-        <p:spPr>
-          <a:xfrm>
-            <a:off x="79056" y="6399456"/>
-            <a:ext cx="2455298" cy="369332"/>
-          </a:xfrm>
-          <a:prstGeom prst="rect">
-            <a:avLst/>
-          </a:prstGeom>
-          <a:noFill/>
-        </p:spPr>
-        <p:txBody>
-          <a:bodyPr wrap="square" rtlCol="0">
-            <a:spAutoFit/>
-          </a:bodyPr>
-          <a:lstStyle/>
-          <a:p>
-            <a:r>
-              <a:rPr lang="ja-JP" altLang="en-US" sz="900" dirty="0">
-                <a:hlinkClick r:id="rId5" tooltip="https://sotodeyo.hateblo.jp/entry/typing-smartpho"/>
-              </a:rPr>
-              <a:t>この写真</a:t>
-            </a:r>
-            <a:r>
-              <a:rPr lang="ja-JP" altLang="en-US" sz="900" dirty="0"/>
-              <a:t> の作成者 不明な作成者 は </a:t>
-            </a:r>
-            <a:r>
-              <a:rPr lang="ja-JP" altLang="en-US" sz="900" dirty="0">
-                <a:hlinkClick r:id="rId6" tooltip="https://creativecommons.org/licenses/by/3.0/"/>
-              </a:rPr>
-              <a:t>CC BY</a:t>
-            </a:r>
-            <a:r>
-              <a:rPr lang="ja-JP" altLang="en-US" sz="900" dirty="0"/>
-              <a:t> のライセンスを許諾されています</a:t>
-            </a:r>
-          </a:p>
-        </p:txBody>
-      </p:sp>
-    </p:spTree>
-    <p:extLst>
-      <p:ext uri="{BB962C8B-B14F-4D97-AF65-F5344CB8AC3E}">
-        <p14:creationId xmlns:p14="http://schemas.microsoft.com/office/powerpoint/2010/main" val="3572900031"/>
-      </p:ext>
-    </p:extLst>
-  </p:cSld>
-  <p:clrMapOvr>
-    <a:masterClrMapping/>
-  </p:clrMapOvr>
-</p:sld>
-</file>
-
-<file path=ppt/slides/slide50.xml><?xml version="1.0" encoding="utf-8"?>
+<file path=ppt/slides/slide54.xml><?xml version="1.0" encoding="utf-8"?>
 <p:sld xmlns:a="http://schemas.openxmlformats.org/drawingml/2006/main" xmlns:r="http://schemas.openxmlformats.org/officeDocument/2006/relationships" xmlns:p="http://schemas.openxmlformats.org/presentationml/2006/main">
   <p:cSld>
     <p:spTree>
@@ -32680,6 +36028,36 @@
           </a:p>
         </p:txBody>
       </p:sp>
+      <p:sp>
+        <p:nvSpPr>
+          <p:cNvPr id="3" name="スライド番号プレースホルダー 2">
+            <a:extLst>
+              <a:ext uri="{FF2B5EF4-FFF2-40B4-BE49-F238E27FC236}">
+                <a16:creationId xmlns:a16="http://schemas.microsoft.com/office/drawing/2014/main" id="{924FE1BA-F942-6B3E-1C4F-0C3C4ED9837D}"/>
+              </a:ext>
+            </a:extLst>
+          </p:cNvPr>
+          <p:cNvSpPr>
+            <a:spLocks noGrp="1"/>
+          </p:cNvSpPr>
+          <p:nvPr>
+            <p:ph type="sldNum" sz="quarter" idx="12"/>
+          </p:nvPr>
+        </p:nvSpPr>
+        <p:spPr/>
+        <p:txBody>
+          <a:bodyPr/>
+          <a:lstStyle/>
+          <a:p>
+            <a:fld id="{EBB17469-0394-43CE-8997-40175C06C0DE}" type="slidenum">
+              <a:rPr kumimoji="1" lang="ja-JP" altLang="en-US" smtClean="0"/>
+              <a:pPr/>
+              <a:t>54</a:t>
+            </a:fld>
+            <a:endParaRPr kumimoji="1" lang="ja-JP" altLang="en-US" dirty="0"/>
+          </a:p>
+        </p:txBody>
+      </p:sp>
     </p:spTree>
     <p:extLst>
       <p:ext uri="{BB962C8B-B14F-4D97-AF65-F5344CB8AC3E}">
@@ -32693,7 +36071,7 @@
 </p:sld>
 </file>
 
-<file path=ppt/slides/slide51.xml><?xml version="1.0" encoding="utf-8"?>
+<file path=ppt/slides/slide55.xml><?xml version="1.0" encoding="utf-8"?>
 <p:sld xmlns:a="http://schemas.openxmlformats.org/drawingml/2006/main" xmlns:r="http://schemas.openxmlformats.org/officeDocument/2006/relationships" xmlns:p="http://schemas.openxmlformats.org/presentationml/2006/main">
   <p:cSld>
     <p:spTree>
@@ -33377,6 +36755,36 @@
           </a:graphicData>
         </a:graphic>
       </p:graphicFrame>
+      <p:sp>
+        <p:nvSpPr>
+          <p:cNvPr id="3" name="スライド番号プレースホルダー 2">
+            <a:extLst>
+              <a:ext uri="{FF2B5EF4-FFF2-40B4-BE49-F238E27FC236}">
+                <a16:creationId xmlns:a16="http://schemas.microsoft.com/office/drawing/2014/main" id="{BD1FB671-3C11-1CCF-F9DB-327A7EB68C5D}"/>
+              </a:ext>
+            </a:extLst>
+          </p:cNvPr>
+          <p:cNvSpPr>
+            <a:spLocks noGrp="1"/>
+          </p:cNvSpPr>
+          <p:nvPr>
+            <p:ph type="sldNum" sz="quarter" idx="12"/>
+          </p:nvPr>
+        </p:nvSpPr>
+        <p:spPr/>
+        <p:txBody>
+          <a:bodyPr/>
+          <a:lstStyle/>
+          <a:p>
+            <a:fld id="{EBB17469-0394-43CE-8997-40175C06C0DE}" type="slidenum">
+              <a:rPr kumimoji="1" lang="ja-JP" altLang="en-US" smtClean="0"/>
+              <a:pPr/>
+              <a:t>55</a:t>
+            </a:fld>
+            <a:endParaRPr kumimoji="1" lang="ja-JP" altLang="en-US" dirty="0"/>
+          </a:p>
+        </p:txBody>
+      </p:sp>
     </p:spTree>
     <p:extLst>
       <p:ext uri="{BB962C8B-B14F-4D97-AF65-F5344CB8AC3E}">
@@ -33476,6 +36884,36 @@
             </a:endParaRPr>
           </a:p>
           <a:p>
+            <a:endParaRPr kumimoji="1" lang="ja-JP" altLang="en-US" dirty="0"/>
+          </a:p>
+        </p:txBody>
+      </p:sp>
+      <p:sp>
+        <p:nvSpPr>
+          <p:cNvPr id="4" name="スライド番号プレースホルダー 3">
+            <a:extLst>
+              <a:ext uri="{FF2B5EF4-FFF2-40B4-BE49-F238E27FC236}">
+                <a16:creationId xmlns:a16="http://schemas.microsoft.com/office/drawing/2014/main" id="{9BE0F725-93D0-2039-8856-F8326E0B75B6}"/>
+              </a:ext>
+            </a:extLst>
+          </p:cNvPr>
+          <p:cNvSpPr>
+            <a:spLocks noGrp="1"/>
+          </p:cNvSpPr>
+          <p:nvPr>
+            <p:ph type="sldNum" sz="quarter" idx="12"/>
+          </p:nvPr>
+        </p:nvSpPr>
+        <p:spPr/>
+        <p:txBody>
+          <a:bodyPr/>
+          <a:lstStyle/>
+          <a:p>
+            <a:fld id="{EBB17469-0394-43CE-8997-40175C06C0DE}" type="slidenum">
+              <a:rPr kumimoji="1" lang="ja-JP" altLang="en-US" smtClean="0"/>
+              <a:pPr/>
+              <a:t>6</a:t>
+            </a:fld>
             <a:endParaRPr kumimoji="1" lang="ja-JP" altLang="en-US" dirty="0"/>
           </a:p>
         </p:txBody>
@@ -33660,6 +37098,36 @@
           </a:p>
         </p:txBody>
       </p:sp>
+      <p:sp>
+        <p:nvSpPr>
+          <p:cNvPr id="4" name="スライド番号プレースホルダー 3">
+            <a:extLst>
+              <a:ext uri="{FF2B5EF4-FFF2-40B4-BE49-F238E27FC236}">
+                <a16:creationId xmlns:a16="http://schemas.microsoft.com/office/drawing/2014/main" id="{0422CD55-AEA0-6808-1EDC-FBED2690D6BA}"/>
+              </a:ext>
+            </a:extLst>
+          </p:cNvPr>
+          <p:cNvSpPr>
+            <a:spLocks noGrp="1"/>
+          </p:cNvSpPr>
+          <p:nvPr>
+            <p:ph type="sldNum" sz="quarter" idx="12"/>
+          </p:nvPr>
+        </p:nvSpPr>
+        <p:spPr/>
+        <p:txBody>
+          <a:bodyPr/>
+          <a:lstStyle/>
+          <a:p>
+            <a:fld id="{EBB17469-0394-43CE-8997-40175C06C0DE}" type="slidenum">
+              <a:rPr kumimoji="1" lang="ja-JP" altLang="en-US" smtClean="0"/>
+              <a:pPr/>
+              <a:t>7</a:t>
+            </a:fld>
+            <a:endParaRPr kumimoji="1" lang="ja-JP" altLang="en-US" dirty="0"/>
+          </a:p>
+        </p:txBody>
+      </p:sp>
     </p:spTree>
     <p:extLst>
       <p:ext uri="{BB962C8B-B14F-4D97-AF65-F5344CB8AC3E}">
@@ -33802,6 +37270,36 @@
               <a:rPr kumimoji="1" lang="ja-JP" altLang="en-US" dirty="0"/>
               <a:t>条件分岐</a:t>
             </a:r>
+          </a:p>
+        </p:txBody>
+      </p:sp>
+      <p:sp>
+        <p:nvSpPr>
+          <p:cNvPr id="4" name="スライド番号プレースホルダー 3">
+            <a:extLst>
+              <a:ext uri="{FF2B5EF4-FFF2-40B4-BE49-F238E27FC236}">
+                <a16:creationId xmlns:a16="http://schemas.microsoft.com/office/drawing/2014/main" id="{CE08C67A-86F9-877F-23FC-5309F09EE3C2}"/>
+              </a:ext>
+            </a:extLst>
+          </p:cNvPr>
+          <p:cNvSpPr>
+            <a:spLocks noGrp="1"/>
+          </p:cNvSpPr>
+          <p:nvPr>
+            <p:ph type="sldNum" sz="quarter" idx="12"/>
+          </p:nvPr>
+        </p:nvSpPr>
+        <p:spPr/>
+        <p:txBody>
+          <a:bodyPr/>
+          <a:lstStyle/>
+          <a:p>
+            <a:fld id="{EBB17469-0394-43CE-8997-40175C06C0DE}" type="slidenum">
+              <a:rPr kumimoji="1" lang="ja-JP" altLang="en-US" smtClean="0"/>
+              <a:pPr/>
+              <a:t>8</a:t>
+            </a:fld>
+            <a:endParaRPr kumimoji="1" lang="ja-JP" altLang="en-US" dirty="0"/>
           </a:p>
         </p:txBody>
       </p:sp>
@@ -33888,7 +37386,7 @@
         </p:spPr>
         <p:txBody>
           <a:bodyPr>
-            <a:normAutofit/>
+            <a:normAutofit fontScale="92500" lnSpcReduction="10000"/>
           </a:bodyPr>
           <a:lstStyle/>
           <a:p>
@@ -33921,62 +37419,6 @@
                 <a:latin typeface="Consolas" panose="020B0609020204030204" pitchFamily="49" charset="0"/>
               </a:rPr>
               <a:t>がある</a:t>
-            </a:r>
-          </a:p>
-          <a:p>
-            <a:pPr lvl="1"/>
-            <a:r>
-              <a:rPr lang="en-US" altLang="ja-JP" b="0" dirty="0">
-                <a:solidFill>
-                  <a:srgbClr val="C00000"/>
-                </a:solidFill>
-                <a:effectLst/>
-                <a:latin typeface="Consolas" panose="020B0609020204030204" pitchFamily="49" charset="0"/>
-              </a:rPr>
-              <a:t> </a:t>
-            </a:r>
-            <a:r>
-              <a:rPr lang="en-US" altLang="ja-JP" b="0" dirty="0">
-                <a:solidFill>
-                  <a:srgbClr val="4EC9B0"/>
-                </a:solidFill>
-                <a:effectLst/>
-                <a:latin typeface="Consolas" panose="020B0609020204030204" pitchFamily="49" charset="0"/>
-              </a:rPr>
-              <a:t>type</a:t>
-            </a:r>
-            <a:r>
-              <a:rPr lang="en-US" altLang="ja-JP" b="0" dirty="0">
-                <a:solidFill>
-                  <a:schemeClr val="tx1"/>
-                </a:solidFill>
-                <a:effectLst/>
-                <a:latin typeface="Consolas" panose="020B0609020204030204" pitchFamily="49" charset="0"/>
-              </a:rPr>
-              <a:t>()</a:t>
-            </a:r>
-            <a:r>
-              <a:rPr lang="ja-JP" altLang="en-US" b="0" dirty="0">
-                <a:solidFill>
-                  <a:schemeClr val="tx1"/>
-                </a:solidFill>
-                <a:effectLst/>
-                <a:latin typeface="Consolas" panose="020B0609020204030204" pitchFamily="49" charset="0"/>
-              </a:rPr>
-              <a:t> を使うことで確認ができる</a:t>
-            </a:r>
-          </a:p>
-          <a:p>
-            <a:pPr lvl="1"/>
-            <a:r>
-              <a:rPr lang="ja-JP" altLang="en-US" b="0" dirty="0">
-                <a:solidFill>
-                  <a:schemeClr val="tx1"/>
-                </a:solidFill>
-                <a:effectLst/>
-                <a:latin typeface="Consolas" panose="020B0609020204030204" pitchFamily="49" charset="0"/>
-              </a:rPr>
-              <a:t> 基本的に、違う型同士で処理は出来ない</a:t>
             </a:r>
             <a:endParaRPr lang="en-US" altLang="ja-JP" b="0" dirty="0">
               <a:solidFill>
@@ -33987,159 +37429,38 @@
             </a:endParaRPr>
           </a:p>
           <a:p>
-            <a:r>
-              <a:rPr lang="en-US" altLang="ja-JP" b="0" dirty="0">
+            <a:pPr lvl="1"/>
+            <a:r>
+              <a:rPr lang="en-US" altLang="ja-JP" dirty="0">
                 <a:solidFill>
                   <a:schemeClr val="tx1"/>
                 </a:solidFill>
-                <a:effectLst/>
-                <a:latin typeface="Consolas" panose="020B0609020204030204" pitchFamily="49" charset="0"/>
-              </a:rPr>
-              <a:t>&gt;&gt;&gt; a = </a:t>
-            </a:r>
-            <a:r>
-              <a:rPr lang="en-US" altLang="ja-JP" b="0" dirty="0">
-                <a:solidFill>
-                  <a:srgbClr val="92D050"/>
-                </a:solidFill>
-                <a:effectLst/>
-                <a:latin typeface="Consolas" panose="020B0609020204030204" pitchFamily="49" charset="0"/>
-              </a:rPr>
-              <a:t>10</a:t>
-            </a:r>
-          </a:p>
-          <a:p>
-            <a:r>
-              <a:rPr lang="en-US" altLang="ja-JP" b="0" dirty="0">
+              </a:rPr>
+              <a:t> </a:t>
+            </a:r>
+            <a:r>
+              <a:rPr lang="ja-JP" altLang="en-US" dirty="0">
                 <a:solidFill>
                   <a:schemeClr val="tx1"/>
                 </a:solidFill>
-                <a:effectLst/>
-                <a:latin typeface="Consolas" panose="020B0609020204030204" pitchFamily="49" charset="0"/>
-              </a:rPr>
-              <a:t>&gt;&gt;&gt; </a:t>
-            </a:r>
-            <a:r>
-              <a:rPr lang="en-US" altLang="ja-JP" b="0" dirty="0">
-                <a:solidFill>
-                  <a:schemeClr val="accent4">
-                    <a:lumMod val="75000"/>
-                  </a:schemeClr>
-                </a:solidFill>
-                <a:effectLst/>
-                <a:latin typeface="Consolas" panose="020B0609020204030204" pitchFamily="49" charset="0"/>
-              </a:rPr>
-              <a:t>print</a:t>
-            </a:r>
-            <a:r>
-              <a:rPr lang="en-US" altLang="ja-JP" b="0" dirty="0">
+              </a:rPr>
+              <a:t>例</a:t>
+            </a:r>
+            <a:r>
+              <a:rPr lang="en-US" altLang="ja-JP" dirty="0">
                 <a:solidFill>
                   <a:schemeClr val="tx1"/>
                 </a:solidFill>
-                <a:effectLst/>
-                <a:latin typeface="Consolas" panose="020B0609020204030204" pitchFamily="49" charset="0"/>
-              </a:rPr>
-              <a:t>(</a:t>
-            </a:r>
-            <a:r>
-              <a:rPr lang="en-US" altLang="ja-JP" b="0" dirty="0">
-                <a:solidFill>
-                  <a:srgbClr val="CE9178"/>
-                </a:solidFill>
-                <a:effectLst/>
-                <a:latin typeface="Consolas" panose="020B0609020204030204" pitchFamily="49" charset="0"/>
-              </a:rPr>
-              <a:t>"int </a:t>
-            </a:r>
-            <a:r>
-              <a:rPr lang="ja-JP" altLang="en-US" b="0" dirty="0">
-                <a:solidFill>
-                  <a:srgbClr val="CE9178"/>
-                </a:solidFill>
-                <a:effectLst/>
-                <a:latin typeface="Consolas" panose="020B0609020204030204" pitchFamily="49" charset="0"/>
-              </a:rPr>
-              <a:t>型 </a:t>
-            </a:r>
-            <a:r>
-              <a:rPr lang="en-US" altLang="ja-JP" b="0" dirty="0">
-                <a:solidFill>
-                  <a:srgbClr val="CE9178"/>
-                </a:solidFill>
-                <a:effectLst/>
-                <a:latin typeface="Consolas" panose="020B0609020204030204" pitchFamily="49" charset="0"/>
-              </a:rPr>
-              <a:t>: "</a:t>
-            </a:r>
-            <a:r>
-              <a:rPr lang="en-US" altLang="ja-JP" b="0" dirty="0">
+              </a:rPr>
+              <a:t>) </a:t>
+            </a:r>
+            <a:r>
+              <a:rPr lang="ja-JP" altLang="en-US" dirty="0">
                 <a:solidFill>
                   <a:schemeClr val="tx1"/>
                 </a:solidFill>
-                <a:effectLst/>
-                <a:latin typeface="Consolas" panose="020B0609020204030204" pitchFamily="49" charset="0"/>
-              </a:rPr>
-              <a:t>,</a:t>
-            </a:r>
-            <a:r>
-              <a:rPr lang="en-US" altLang="ja-JP" b="0" dirty="0">
-                <a:solidFill>
-                  <a:srgbClr val="D4D4D4"/>
-                </a:solidFill>
-                <a:effectLst/>
-                <a:latin typeface="Consolas" panose="020B0609020204030204" pitchFamily="49" charset="0"/>
-              </a:rPr>
-              <a:t> </a:t>
-            </a:r>
-            <a:r>
-              <a:rPr lang="en-US" altLang="ja-JP" b="0" dirty="0">
-                <a:solidFill>
-                  <a:srgbClr val="4EC9B0"/>
-                </a:solidFill>
-                <a:effectLst/>
-                <a:latin typeface="Consolas" panose="020B0609020204030204" pitchFamily="49" charset="0"/>
-              </a:rPr>
-              <a:t>type</a:t>
-            </a:r>
-            <a:r>
-              <a:rPr lang="en-US" altLang="ja-JP" b="0" dirty="0">
-                <a:solidFill>
-                  <a:schemeClr val="tx1"/>
-                </a:solidFill>
-                <a:effectLst/>
-                <a:latin typeface="Consolas" panose="020B0609020204030204" pitchFamily="49" charset="0"/>
-              </a:rPr>
-              <a:t>(</a:t>
-            </a:r>
-            <a:r>
-              <a:rPr lang="en-US" altLang="ja-JP" dirty="0">
-                <a:solidFill>
-                  <a:srgbClr val="00B0F0"/>
-                </a:solidFill>
-              </a:rPr>
-              <a:t>a</a:t>
-            </a:r>
-            <a:r>
-              <a:rPr lang="en-US" altLang="ja-JP" b="0" dirty="0">
-                <a:solidFill>
-                  <a:schemeClr val="tx1"/>
-                </a:solidFill>
-                <a:effectLst/>
-                <a:latin typeface="Consolas" panose="020B0609020204030204" pitchFamily="49" charset="0"/>
-              </a:rPr>
-              <a:t>))</a:t>
-            </a:r>
-          </a:p>
-          <a:p>
-            <a:r>
-              <a:rPr lang="en-US" altLang="ja-JP" b="0" i="0" dirty="0">
-                <a:solidFill>
-                  <a:schemeClr val="tx1"/>
-                </a:solidFill>
-                <a:effectLst/>
-                <a:latin typeface="Consolas" panose="020B0609020204030204" pitchFamily="49" charset="0"/>
-              </a:rPr>
-              <a:t>&lt;class 'int'&gt;</a:t>
+              </a:rPr>
+              <a:t>数値 と 文字列</a:t>
             </a:r>
             <a:endParaRPr lang="ja-JP" altLang="en-US" b="0" dirty="0">
               <a:solidFill>
@@ -34148,6 +37469,262 @@
               <a:effectLst/>
               <a:latin typeface="Consolas" panose="020B0609020204030204" pitchFamily="49" charset="0"/>
             </a:endParaRPr>
+          </a:p>
+          <a:p>
+            <a:pPr lvl="1"/>
+            <a:r>
+              <a:rPr lang="en-US" altLang="ja-JP" b="0" dirty="0">
+                <a:solidFill>
+                  <a:srgbClr val="C00000"/>
+                </a:solidFill>
+                <a:effectLst/>
+                <a:latin typeface="Consolas" panose="020B0609020204030204" pitchFamily="49" charset="0"/>
+              </a:rPr>
+              <a:t> </a:t>
+            </a:r>
+            <a:r>
+              <a:rPr lang="en-US" altLang="ja-JP" b="0" dirty="0">
+                <a:solidFill>
+                  <a:srgbClr val="4EC9B0"/>
+                </a:solidFill>
+                <a:effectLst/>
+                <a:latin typeface="Consolas" panose="020B0609020204030204" pitchFamily="49" charset="0"/>
+              </a:rPr>
+              <a:t>type</a:t>
+            </a:r>
+            <a:r>
+              <a:rPr lang="en-US" altLang="ja-JP" b="0" dirty="0">
+                <a:solidFill>
+                  <a:schemeClr val="tx1"/>
+                </a:solidFill>
+                <a:effectLst/>
+                <a:latin typeface="Consolas" panose="020B0609020204030204" pitchFamily="49" charset="0"/>
+              </a:rPr>
+              <a:t>()</a:t>
+            </a:r>
+            <a:r>
+              <a:rPr lang="ja-JP" altLang="en-US" b="0" dirty="0">
+                <a:solidFill>
+                  <a:schemeClr val="tx1"/>
+                </a:solidFill>
+                <a:effectLst/>
+                <a:latin typeface="Consolas" panose="020B0609020204030204" pitchFamily="49" charset="0"/>
+              </a:rPr>
+              <a:t> を使うことで確認ができる</a:t>
+            </a:r>
+          </a:p>
+          <a:p>
+            <a:pPr lvl="1"/>
+            <a:r>
+              <a:rPr lang="ja-JP" altLang="en-US" b="0" dirty="0">
+                <a:solidFill>
+                  <a:schemeClr val="tx1"/>
+                </a:solidFill>
+                <a:effectLst/>
+                <a:latin typeface="Consolas" panose="020B0609020204030204" pitchFamily="49" charset="0"/>
+              </a:rPr>
+              <a:t> 基本的に、違う型同士で処理は出来ない</a:t>
+            </a:r>
+            <a:endParaRPr lang="en-US" altLang="ja-JP" b="0" dirty="0">
+              <a:solidFill>
+                <a:schemeClr val="tx1"/>
+              </a:solidFill>
+              <a:effectLst/>
+              <a:latin typeface="Consolas" panose="020B0609020204030204" pitchFamily="49" charset="0"/>
+            </a:endParaRPr>
+          </a:p>
+          <a:p>
+            <a:r>
+              <a:rPr lang="en-US" altLang="ja-JP" b="0" dirty="0">
+                <a:solidFill>
+                  <a:schemeClr val="tx1"/>
+                </a:solidFill>
+                <a:effectLst/>
+                <a:latin typeface="Consolas" panose="020B0609020204030204" pitchFamily="49" charset="0"/>
+              </a:rPr>
+              <a:t>&gt;&gt;&gt; a = </a:t>
+            </a:r>
+            <a:r>
+              <a:rPr lang="en-US" altLang="ja-JP" b="0" dirty="0">
+                <a:solidFill>
+                  <a:srgbClr val="92D050"/>
+                </a:solidFill>
+                <a:effectLst/>
+                <a:latin typeface="Consolas" panose="020B0609020204030204" pitchFamily="49" charset="0"/>
+              </a:rPr>
+              <a:t>10</a:t>
+            </a:r>
+          </a:p>
+          <a:p>
+            <a:r>
+              <a:rPr lang="en-US" altLang="ja-JP" b="0" dirty="0">
+                <a:solidFill>
+                  <a:schemeClr val="tx1"/>
+                </a:solidFill>
+                <a:effectLst/>
+                <a:latin typeface="Consolas" panose="020B0609020204030204" pitchFamily="49" charset="0"/>
+              </a:rPr>
+              <a:t>&gt;&gt;&gt; </a:t>
+            </a:r>
+            <a:r>
+              <a:rPr lang="en-US" altLang="ja-JP" b="0" dirty="0">
+                <a:solidFill>
+                  <a:schemeClr val="accent4">
+                    <a:lumMod val="75000"/>
+                  </a:schemeClr>
+                </a:solidFill>
+                <a:effectLst/>
+                <a:latin typeface="Consolas" panose="020B0609020204030204" pitchFamily="49" charset="0"/>
+              </a:rPr>
+              <a:t>print</a:t>
+            </a:r>
+            <a:r>
+              <a:rPr lang="en-US" altLang="ja-JP" b="0" dirty="0">
+                <a:solidFill>
+                  <a:schemeClr val="tx1"/>
+                </a:solidFill>
+                <a:effectLst/>
+                <a:latin typeface="Consolas" panose="020B0609020204030204" pitchFamily="49" charset="0"/>
+              </a:rPr>
+              <a:t>(</a:t>
+            </a:r>
+            <a:r>
+              <a:rPr lang="en-US" altLang="ja-JP" b="0" dirty="0">
+                <a:solidFill>
+                  <a:srgbClr val="CE9178"/>
+                </a:solidFill>
+                <a:effectLst/>
+                <a:latin typeface="Consolas" panose="020B0609020204030204" pitchFamily="49" charset="0"/>
+              </a:rPr>
+              <a:t>"int </a:t>
+            </a:r>
+            <a:r>
+              <a:rPr lang="ja-JP" altLang="en-US" b="0" dirty="0">
+                <a:solidFill>
+                  <a:srgbClr val="CE9178"/>
+                </a:solidFill>
+                <a:effectLst/>
+                <a:latin typeface="Consolas" panose="020B0609020204030204" pitchFamily="49" charset="0"/>
+              </a:rPr>
+              <a:t>型 </a:t>
+            </a:r>
+            <a:r>
+              <a:rPr lang="en-US" altLang="ja-JP" b="0" dirty="0">
+                <a:solidFill>
+                  <a:srgbClr val="CE9178"/>
+                </a:solidFill>
+                <a:effectLst/>
+                <a:latin typeface="Consolas" panose="020B0609020204030204" pitchFamily="49" charset="0"/>
+              </a:rPr>
+              <a:t>: "</a:t>
+            </a:r>
+            <a:r>
+              <a:rPr lang="en-US" altLang="ja-JP" b="0" dirty="0">
+                <a:solidFill>
+                  <a:schemeClr val="tx1"/>
+                </a:solidFill>
+                <a:effectLst/>
+                <a:latin typeface="Consolas" panose="020B0609020204030204" pitchFamily="49" charset="0"/>
+              </a:rPr>
+              <a:t>,</a:t>
+            </a:r>
+            <a:r>
+              <a:rPr lang="en-US" altLang="ja-JP" b="0" dirty="0">
+                <a:solidFill>
+                  <a:srgbClr val="D4D4D4"/>
+                </a:solidFill>
+                <a:effectLst/>
+                <a:latin typeface="Consolas" panose="020B0609020204030204" pitchFamily="49" charset="0"/>
+              </a:rPr>
+              <a:t> </a:t>
+            </a:r>
+            <a:r>
+              <a:rPr lang="en-US" altLang="ja-JP" b="0" dirty="0">
+                <a:solidFill>
+                  <a:srgbClr val="4EC9B0"/>
+                </a:solidFill>
+                <a:effectLst/>
+                <a:latin typeface="Consolas" panose="020B0609020204030204" pitchFamily="49" charset="0"/>
+              </a:rPr>
+              <a:t>type</a:t>
+            </a:r>
+            <a:r>
+              <a:rPr lang="en-US" altLang="ja-JP" b="0" dirty="0">
+                <a:solidFill>
+                  <a:schemeClr val="tx1"/>
+                </a:solidFill>
+                <a:effectLst/>
+                <a:latin typeface="Consolas" panose="020B0609020204030204" pitchFamily="49" charset="0"/>
+              </a:rPr>
+              <a:t>(</a:t>
+            </a:r>
+            <a:r>
+              <a:rPr lang="en-US" altLang="ja-JP" dirty="0">
+                <a:solidFill>
+                  <a:srgbClr val="00B0F0"/>
+                </a:solidFill>
+              </a:rPr>
+              <a:t>a</a:t>
+            </a:r>
+            <a:r>
+              <a:rPr lang="en-US" altLang="ja-JP" b="0" dirty="0">
+                <a:solidFill>
+                  <a:schemeClr val="tx1"/>
+                </a:solidFill>
+                <a:effectLst/>
+                <a:latin typeface="Consolas" panose="020B0609020204030204" pitchFamily="49" charset="0"/>
+              </a:rPr>
+              <a:t>))</a:t>
+            </a:r>
+          </a:p>
+          <a:p>
+            <a:r>
+              <a:rPr lang="en-US" altLang="ja-JP" b="0" i="0" dirty="0">
+                <a:solidFill>
+                  <a:schemeClr val="tx1"/>
+                </a:solidFill>
+                <a:effectLst/>
+                <a:latin typeface="Consolas" panose="020B0609020204030204" pitchFamily="49" charset="0"/>
+              </a:rPr>
+              <a:t>&lt;class 'int'&gt;</a:t>
+            </a:r>
+            <a:endParaRPr lang="ja-JP" altLang="en-US" b="0" dirty="0">
+              <a:solidFill>
+                <a:schemeClr val="tx1"/>
+              </a:solidFill>
+              <a:effectLst/>
+              <a:latin typeface="Consolas" panose="020B0609020204030204" pitchFamily="49" charset="0"/>
+            </a:endParaRPr>
+          </a:p>
+        </p:txBody>
+      </p:sp>
+      <p:sp>
+        <p:nvSpPr>
+          <p:cNvPr id="4" name="スライド番号プレースホルダー 3">
+            <a:extLst>
+              <a:ext uri="{FF2B5EF4-FFF2-40B4-BE49-F238E27FC236}">
+                <a16:creationId xmlns:a16="http://schemas.microsoft.com/office/drawing/2014/main" id="{7A916400-9872-3E8C-06AC-A170A03FAAE0}"/>
+              </a:ext>
+            </a:extLst>
+          </p:cNvPr>
+          <p:cNvSpPr>
+            <a:spLocks noGrp="1"/>
+          </p:cNvSpPr>
+          <p:nvPr>
+            <p:ph type="sldNum" sz="quarter" idx="12"/>
+          </p:nvPr>
+        </p:nvSpPr>
+        <p:spPr/>
+        <p:txBody>
+          <a:bodyPr/>
+          <a:lstStyle/>
+          <a:p>
+            <a:fld id="{EBB17469-0394-43CE-8997-40175C06C0DE}" type="slidenum">
+              <a:rPr kumimoji="1" lang="ja-JP" altLang="en-US" smtClean="0"/>
+              <a:pPr/>
+              <a:t>9</a:t>
+            </a:fld>
+            <a:endParaRPr kumimoji="1" lang="ja-JP" altLang="en-US" dirty="0"/>
           </a:p>
         </p:txBody>
       </p:sp>

--- a/20230711/unit03.pptx
+++ b/20230711/unit03.pptx
@@ -5,7 +5,7 @@
     <p:sldMasterId id="2147483660" r:id="rId1"/>
   </p:sldMasterIdLst>
   <p:notesMasterIdLst>
-    <p:notesMasterId r:id="rId57"/>
+    <p:notesMasterId r:id="rId56"/>
   </p:notesMasterIdLst>
   <p:sldIdLst>
     <p:sldId id="256" r:id="rId2"/>
@@ -57,12 +57,11 @@
     <p:sldId id="277" r:id="rId48"/>
     <p:sldId id="321" r:id="rId49"/>
     <p:sldId id="301" r:id="rId50"/>
-    <p:sldId id="271" r:id="rId51"/>
-    <p:sldId id="318" r:id="rId52"/>
-    <p:sldId id="319" r:id="rId53"/>
-    <p:sldId id="320" r:id="rId54"/>
-    <p:sldId id="317" r:id="rId55"/>
-    <p:sldId id="302" r:id="rId56"/>
+    <p:sldId id="318" r:id="rId51"/>
+    <p:sldId id="319" r:id="rId52"/>
+    <p:sldId id="320" r:id="rId53"/>
+    <p:sldId id="317" r:id="rId54"/>
+    <p:sldId id="302" r:id="rId55"/>
   </p:sldIdLst>
   <p:sldSz cx="12192000" cy="6858000"/>
   <p:notesSz cx="6858000" cy="9144000"/>
@@ -16873,7 +16872,7 @@
             <p:ph idx="1"/>
             <p:extLst>
               <p:ext uri="{D42A27DB-BD31-4B8C-83A1-F6EECF244321}">
-                <p14:modId xmlns:p14="http://schemas.microsoft.com/office/powerpoint/2010/main" val="758011048"/>
+                <p14:modId xmlns:p14="http://schemas.microsoft.com/office/powerpoint/2010/main" val="1917265051"/>
               </p:ext>
             </p:extLst>
           </p:nvPr>
@@ -17086,7 +17085,7 @@
                       <a:pPr algn="ctr"/>
                       <a:r>
                         <a:rPr kumimoji="1" lang="en-US" altLang="ja-JP" sz="3200" dirty="0"/>
-                        <a:t>string</a:t>
+                        <a:t>strings</a:t>
                       </a:r>
                       <a:endParaRPr kumimoji="1" lang="ja-JP" altLang="en-US" sz="3200" dirty="0"/>
                     </a:p>
@@ -17136,8 +17135,8 @@
                     <a:p>
                       <a:pPr algn="ctr"/>
                       <a:r>
-                        <a:rPr kumimoji="1" lang="en-US" altLang="ja-JP" sz="3200" dirty="0"/>
-                        <a:t>Boolean</a:t>
+                        <a:rPr kumimoji="1" lang="en-US" altLang="ja-JP" sz="3200" dirty="0" err="1"/>
+                        <a:t>boolean</a:t>
                       </a:r>
                       <a:endParaRPr kumimoji="1" lang="ja-JP" altLang="en-US" sz="3200" dirty="0"/>
                     </a:p>
@@ -17996,7 +17995,7 @@
                 <a:effectLst/>
                 <a:latin typeface="Consolas" panose="020B0609020204030204" pitchFamily="49" charset="0"/>
               </a:rPr>
-              <a:t>"string"</a:t>
+              <a:t>"strings"</a:t>
             </a:r>
             <a:r>
               <a:rPr lang="en-US" altLang="ja-JP" b="0" dirty="0">
@@ -18143,6 +18142,24 @@
           <a:lstStyle/>
           <a:p>
             <a:r>
+              <a:rPr lang="en-US" altLang="ja-JP" b="0" dirty="0">
+                <a:solidFill>
+                  <a:schemeClr val="tx1"/>
+                </a:solidFill>
+                <a:effectLst/>
+                <a:latin typeface="Consolas" panose="020B0609020204030204" pitchFamily="49" charset="0"/>
+              </a:rPr>
+              <a:t>2.3.</a:t>
+            </a:r>
+            <a:r>
+              <a:rPr lang="en-US" altLang="ja-JP" dirty="0">
+                <a:solidFill>
+                  <a:schemeClr val="tx1"/>
+                </a:solidFill>
+              </a:rPr>
+              <a:t> </a:t>
+            </a:r>
+            <a:r>
               <a:rPr lang="ja-JP" altLang="en-US" b="0" dirty="0">
                 <a:solidFill>
                   <a:schemeClr val="tx1"/>
@@ -18155,18 +18172,13 @@
           </a:p>
           <a:p>
             <a:r>
-              <a:rPr lang="ja-JP" altLang="en-US" b="0" dirty="0">
-                <a:solidFill>
-                  <a:schemeClr val="tx1"/>
-                </a:solidFill>
-                <a:effectLst/>
-                <a:latin typeface="Consolas" panose="020B0609020204030204" pitchFamily="49" charset="0"/>
-              </a:rPr>
-              <a:t>好きな値を入力し、その値と型を出力してみよう</a:t>
-            </a:r>
-          </a:p>
-          <a:p>
-            <a:endParaRPr kumimoji="1" lang="ja-JP" altLang="en-US" dirty="0"/>
+              <a:rPr kumimoji="1" lang="en-US" altLang="ja-JP" dirty="0"/>
+              <a:t>2.4. </a:t>
+            </a:r>
+            <a:r>
+              <a:rPr kumimoji="1" lang="ja-JP" altLang="en-US" dirty="0"/>
+              <a:t>練習問題</a:t>
+            </a:r>
           </a:p>
         </p:txBody>
       </p:sp>
@@ -23851,6 +23863,10 @@
               <a:rPr kumimoji="1" lang="en-US" altLang="ja-JP" dirty="0"/>
               <a:t>4.2. </a:t>
             </a:r>
+            <a:r>
+              <a:rPr kumimoji="1" lang="ja-JP" altLang="en-US" dirty="0"/>
+              <a:t>練習問題</a:t>
+            </a:r>
             <a:br>
               <a:rPr lang="ja-JP" altLang="en-US" b="0" dirty="0">
                 <a:solidFill>
@@ -25984,6 +26000,11 @@
               <a:rPr kumimoji="1" lang="en-US" altLang="ja-JP" sz="2800" dirty="0"/>
               <a:t>4.4. </a:t>
             </a:r>
+            <a:r>
+              <a:rPr kumimoji="1" lang="ja-JP" altLang="en-US" sz="2800" dirty="0"/>
+              <a:t>練習問題</a:t>
+            </a:r>
+            <a:endParaRPr kumimoji="1" lang="en-US" altLang="ja-JP" sz="2800" dirty="0"/>
           </a:p>
           <a:p>
             <a:r>
@@ -29687,7 +29708,13 @@
           <a:lstStyle/>
           <a:p>
             <a:r>
-              <a:rPr kumimoji="1" lang="en-US" altLang="ja-JP" dirty="0"/>
+              <a:rPr lang="en-US" altLang="ja-JP" b="0" dirty="0">
+                <a:solidFill>
+                  <a:srgbClr val="C586C0"/>
+                </a:solidFill>
+                <a:effectLst/>
+                <a:latin typeface="Consolas" panose="020B0609020204030204" pitchFamily="49" charset="0"/>
+              </a:rPr>
               <a:t>if</a:t>
             </a:r>
             <a:r>
@@ -29695,7 +29722,13 @@
               <a:t>文の処理の中に</a:t>
             </a:r>
             <a:r>
-              <a:rPr kumimoji="1" lang="en-US" altLang="ja-JP" dirty="0"/>
+              <a:rPr lang="en-US" altLang="ja-JP" b="0" dirty="0">
+                <a:solidFill>
+                  <a:srgbClr val="C586C0"/>
+                </a:solidFill>
+                <a:effectLst/>
+                <a:latin typeface="Consolas" panose="020B0609020204030204" pitchFamily="49" charset="0"/>
+              </a:rPr>
               <a:t>if</a:t>
             </a:r>
             <a:r>
@@ -30107,7 +30140,24 @@
           <a:bodyPr/>
           <a:lstStyle/>
           <a:p>
-            <a:endParaRPr kumimoji="1" lang="ja-JP" altLang="en-US"/>
+            <a:r>
+              <a:rPr kumimoji="1" lang="ja-JP" altLang="en-US" dirty="0"/>
+              <a:t>練習問題</a:t>
+            </a:r>
+            <a:endParaRPr kumimoji="1" lang="en-US" altLang="ja-JP" dirty="0"/>
+          </a:p>
+          <a:p>
+            <a:r>
+              <a:rPr lang="en-US" altLang="ja-JP" dirty="0"/>
+              <a:t>4.8.</a:t>
+            </a:r>
+          </a:p>
+          <a:p>
+            <a:r>
+              <a:rPr kumimoji="1" lang="en-US" altLang="ja-JP" dirty="0"/>
+              <a:t>4.9.</a:t>
+            </a:r>
+            <a:endParaRPr kumimoji="1" lang="ja-JP" altLang="en-US" dirty="0"/>
           </a:p>
         </p:txBody>
       </p:sp>
@@ -32984,121 +33034,6 @@
           <p:cNvPr id="2" name="タイトル 1">
             <a:extLst>
               <a:ext uri="{FF2B5EF4-FFF2-40B4-BE49-F238E27FC236}">
-                <a16:creationId xmlns:a16="http://schemas.microsoft.com/office/drawing/2014/main" id="{3B4362B1-596D-20D4-C7EF-B350EFE18E40}"/>
-              </a:ext>
-            </a:extLst>
-          </p:cNvPr>
-          <p:cNvSpPr>
-            <a:spLocks noGrp="1"/>
-          </p:cNvSpPr>
-          <p:nvPr>
-            <p:ph type="title"/>
-          </p:nvPr>
-        </p:nvSpPr>
-        <p:spPr/>
-        <p:txBody>
-          <a:bodyPr/>
-          <a:lstStyle/>
-          <a:p>
-            <a:r>
-              <a:rPr kumimoji="1" lang="ja-JP" altLang="en-US" dirty="0"/>
-              <a:t>複数の条件</a:t>
-            </a:r>
-          </a:p>
-        </p:txBody>
-      </p:sp>
-      <p:sp>
-        <p:nvSpPr>
-          <p:cNvPr id="3" name="コンテンツ プレースホルダー 2">
-            <a:extLst>
-              <a:ext uri="{FF2B5EF4-FFF2-40B4-BE49-F238E27FC236}">
-                <a16:creationId xmlns:a16="http://schemas.microsoft.com/office/drawing/2014/main" id="{53B73328-A03D-7AC1-A617-C39B0622BDE4}"/>
-              </a:ext>
-            </a:extLst>
-          </p:cNvPr>
-          <p:cNvSpPr>
-            <a:spLocks noGrp="1"/>
-          </p:cNvSpPr>
-          <p:nvPr>
-            <p:ph idx="1"/>
-          </p:nvPr>
-        </p:nvSpPr>
-        <p:spPr/>
-        <p:txBody>
-          <a:bodyPr>
-            <a:normAutofit/>
-          </a:bodyPr>
-          <a:lstStyle/>
-          <a:p>
-            <a:endParaRPr kumimoji="1" lang="ja-JP" altLang="en-US" sz="2800" dirty="0"/>
-          </a:p>
-        </p:txBody>
-      </p:sp>
-      <p:sp>
-        <p:nvSpPr>
-          <p:cNvPr id="4" name="スライド番号プレースホルダー 3">
-            <a:extLst>
-              <a:ext uri="{FF2B5EF4-FFF2-40B4-BE49-F238E27FC236}">
-                <a16:creationId xmlns:a16="http://schemas.microsoft.com/office/drawing/2014/main" id="{D18CC0E8-9C41-6B37-98C0-74C3718C6DD2}"/>
-              </a:ext>
-            </a:extLst>
-          </p:cNvPr>
-          <p:cNvSpPr>
-            <a:spLocks noGrp="1"/>
-          </p:cNvSpPr>
-          <p:nvPr>
-            <p:ph type="sldNum" sz="quarter" idx="12"/>
-          </p:nvPr>
-        </p:nvSpPr>
-        <p:spPr/>
-        <p:txBody>
-          <a:bodyPr/>
-          <a:lstStyle/>
-          <a:p>
-            <a:fld id="{EBB17469-0394-43CE-8997-40175C06C0DE}" type="slidenum">
-              <a:rPr kumimoji="1" lang="ja-JP" altLang="en-US" smtClean="0"/>
-              <a:pPr/>
-              <a:t>50</a:t>
-            </a:fld>
-            <a:endParaRPr kumimoji="1" lang="ja-JP" altLang="en-US" dirty="0"/>
-          </a:p>
-        </p:txBody>
-      </p:sp>
-    </p:spTree>
-    <p:extLst>
-      <p:ext uri="{BB962C8B-B14F-4D97-AF65-F5344CB8AC3E}">
-        <p14:creationId xmlns:p14="http://schemas.microsoft.com/office/powerpoint/2010/main" val="4170485588"/>
-      </p:ext>
-    </p:extLst>
-  </p:cSld>
-  <p:clrMapOvr>
-    <a:masterClrMapping/>
-  </p:clrMapOvr>
-</p:sld>
-</file>
-
-<file path=ppt/slides/slide51.xml><?xml version="1.0" encoding="utf-8"?>
-<p:sld xmlns:a="http://schemas.openxmlformats.org/drawingml/2006/main" xmlns:r="http://schemas.openxmlformats.org/officeDocument/2006/relationships" xmlns:p="http://schemas.openxmlformats.org/presentationml/2006/main">
-  <p:cSld>
-    <p:spTree>
-      <p:nvGrpSpPr>
-        <p:cNvPr id="1" name=""/>
-        <p:cNvGrpSpPr/>
-        <p:nvPr/>
-      </p:nvGrpSpPr>
-      <p:grpSpPr>
-        <a:xfrm>
-          <a:off x="0" y="0"/>
-          <a:ext cx="0" cy="0"/>
-          <a:chOff x="0" y="0"/>
-          <a:chExt cx="0" cy="0"/>
-        </a:xfrm>
-      </p:grpSpPr>
-      <p:sp>
-        <p:nvSpPr>
-          <p:cNvPr id="2" name="タイトル 1">
-            <a:extLst>
-              <a:ext uri="{FF2B5EF4-FFF2-40B4-BE49-F238E27FC236}">
                 <a16:creationId xmlns:a16="http://schemas.microsoft.com/office/drawing/2014/main" id="{ED8A2762-EDEE-7876-1419-5B9124B5CF8B}"/>
               </a:ext>
             </a:extLst>
@@ -33701,7 +33636,7 @@
             <a:fld id="{EBB17469-0394-43CE-8997-40175C06C0DE}" type="slidenum">
               <a:rPr kumimoji="1" lang="ja-JP" altLang="en-US" smtClean="0"/>
               <a:pPr/>
-              <a:t>51</a:t>
+              <a:t>50</a:t>
             </a:fld>
             <a:endParaRPr kumimoji="1" lang="ja-JP" altLang="en-US" dirty="0"/>
           </a:p>
@@ -33720,7 +33655,7 @@
 </p:sld>
 </file>
 
-<file path=ppt/slides/slide52.xml><?xml version="1.0" encoding="utf-8"?>
+<file path=ppt/slides/slide51.xml><?xml version="1.0" encoding="utf-8"?>
 <p:sld xmlns:a="http://schemas.openxmlformats.org/drawingml/2006/main" xmlns:r="http://schemas.openxmlformats.org/officeDocument/2006/relationships" xmlns:p="http://schemas.openxmlformats.org/presentationml/2006/main">
   <p:cSld>
     <p:spTree>
@@ -34424,7 +34359,7 @@
             <a:fld id="{EBB17469-0394-43CE-8997-40175C06C0DE}" type="slidenum">
               <a:rPr kumimoji="1" lang="ja-JP" altLang="en-US" smtClean="0"/>
               <a:pPr/>
-              <a:t>52</a:t>
+              <a:t>51</a:t>
             </a:fld>
             <a:endParaRPr kumimoji="1" lang="ja-JP" altLang="en-US" dirty="0"/>
           </a:p>
@@ -34443,7 +34378,7 @@
 </p:sld>
 </file>
 
-<file path=ppt/slides/slide53.xml><?xml version="1.0" encoding="utf-8"?>
+<file path=ppt/slides/slide52.xml><?xml version="1.0" encoding="utf-8"?>
 <p:sld xmlns:a="http://schemas.openxmlformats.org/drawingml/2006/main" xmlns:r="http://schemas.openxmlformats.org/officeDocument/2006/relationships" xmlns:p="http://schemas.openxmlformats.org/presentationml/2006/main">
   <p:cSld>
     <p:spTree>
@@ -35081,7 +35016,7 @@
             <a:fld id="{EBB17469-0394-43CE-8997-40175C06C0DE}" type="slidenum">
               <a:rPr kumimoji="1" lang="ja-JP" altLang="en-US" smtClean="0"/>
               <a:pPr/>
-              <a:t>53</a:t>
+              <a:t>52</a:t>
             </a:fld>
             <a:endParaRPr kumimoji="1" lang="ja-JP" altLang="en-US" dirty="0"/>
           </a:p>
@@ -35100,7 +35035,7 @@
 </p:sld>
 </file>
 
-<file path=ppt/slides/slide54.xml><?xml version="1.0" encoding="utf-8"?>
+<file path=ppt/slides/slide53.xml><?xml version="1.0" encoding="utf-8"?>
 <p:sld xmlns:a="http://schemas.openxmlformats.org/drawingml/2006/main" xmlns:r="http://schemas.openxmlformats.org/officeDocument/2006/relationships" xmlns:p="http://schemas.openxmlformats.org/presentationml/2006/main">
   <p:cSld>
     <p:spTree>
@@ -36052,7 +35987,7 @@
             <a:fld id="{EBB17469-0394-43CE-8997-40175C06C0DE}" type="slidenum">
               <a:rPr kumimoji="1" lang="ja-JP" altLang="en-US" smtClean="0"/>
               <a:pPr/>
-              <a:t>54</a:t>
+              <a:t>53</a:t>
             </a:fld>
             <a:endParaRPr kumimoji="1" lang="ja-JP" altLang="en-US" dirty="0"/>
           </a:p>
@@ -36071,7 +36006,7 @@
 </p:sld>
 </file>
 
-<file path=ppt/slides/slide55.xml><?xml version="1.0" encoding="utf-8"?>
+<file path=ppt/slides/slide54.xml><?xml version="1.0" encoding="utf-8"?>
 <p:sld xmlns:a="http://schemas.openxmlformats.org/drawingml/2006/main" xmlns:r="http://schemas.openxmlformats.org/officeDocument/2006/relationships" xmlns:p="http://schemas.openxmlformats.org/presentationml/2006/main">
   <p:cSld>
     <p:spTree>
@@ -36779,7 +36714,7 @@
             <a:fld id="{EBB17469-0394-43CE-8997-40175C06C0DE}" type="slidenum">
               <a:rPr kumimoji="1" lang="ja-JP" altLang="en-US" smtClean="0"/>
               <a:pPr/>
-              <a:t>55</a:t>
+              <a:t>54</a:t>
             </a:fld>
             <a:endParaRPr kumimoji="1" lang="ja-JP" altLang="en-US" dirty="0"/>
           </a:p>
@@ -36999,99 +36934,28 @@
           <a:p>
             <a:r>
               <a:rPr kumimoji="1" lang="en-US" altLang="ja-JP" dirty="0"/>
-              <a:t>1.2. </a:t>
-            </a:r>
-          </a:p>
-          <a:p>
-            <a:r>
-              <a:rPr lang="en-US" altLang="ja-JP" b="0" dirty="0">
-                <a:solidFill>
-                  <a:schemeClr val="tx1"/>
-                </a:solidFill>
-                <a:effectLst/>
-                <a:latin typeface="Consolas" panose="020B0609020204030204" pitchFamily="49" charset="0"/>
-              </a:rPr>
-              <a:t>input()</a:t>
-            </a:r>
-            <a:r>
-              <a:rPr lang="ja-JP" altLang="en-US" b="0" dirty="0">
-                <a:solidFill>
-                  <a:schemeClr val="tx1"/>
-                </a:solidFill>
-                <a:effectLst/>
-                <a:latin typeface="Consolas" panose="020B0609020204030204" pitchFamily="49" charset="0"/>
-              </a:rPr>
-              <a:t> を使って 変数</a:t>
-            </a:r>
-            <a:r>
-              <a:rPr lang="en-US" altLang="ja-JP" b="0" dirty="0">
-                <a:solidFill>
-                  <a:schemeClr val="tx1"/>
-                </a:solidFill>
-                <a:effectLst/>
-                <a:latin typeface="Consolas" panose="020B0609020204030204" pitchFamily="49" charset="0"/>
-              </a:rPr>
-              <a:t>name</a:t>
-            </a:r>
-            <a:r>
-              <a:rPr lang="ja-JP" altLang="en-US" b="0" dirty="0">
-                <a:solidFill>
-                  <a:schemeClr val="tx1"/>
-                </a:solidFill>
-                <a:effectLst/>
-                <a:latin typeface="Consolas" panose="020B0609020204030204" pitchFamily="49" charset="0"/>
-              </a:rPr>
-              <a:t> に自分の名前を</a:t>
-            </a:r>
-            <a:br>
-              <a:rPr lang="en-US" altLang="ja-JP" b="0" dirty="0">
-                <a:solidFill>
-                  <a:schemeClr val="tx1"/>
-                </a:solidFill>
-                <a:effectLst/>
-                <a:latin typeface="Consolas" panose="020B0609020204030204" pitchFamily="49" charset="0"/>
-              </a:rPr>
-            </a:br>
-            <a:r>
-              <a:rPr lang="en-US" altLang="ja-JP" b="0" dirty="0">
-                <a:solidFill>
-                  <a:schemeClr val="tx1"/>
-                </a:solidFill>
-                <a:effectLst/>
-                <a:latin typeface="Consolas" panose="020B0609020204030204" pitchFamily="49" charset="0"/>
-              </a:rPr>
-              <a:t>	</a:t>
-            </a:r>
-            <a:r>
-              <a:rPr lang="ja-JP" altLang="en-US" b="0" dirty="0">
-                <a:solidFill>
-                  <a:schemeClr val="tx1"/>
-                </a:solidFill>
-                <a:effectLst/>
-                <a:latin typeface="Consolas" panose="020B0609020204030204" pitchFamily="49" charset="0"/>
-              </a:rPr>
-              <a:t>入力し、</a:t>
-            </a:r>
-            <a:r>
-              <a:rPr lang="en-US" altLang="ja-JP" b="0" dirty="0">
-                <a:solidFill>
-                  <a:schemeClr val="tx1"/>
-                </a:solidFill>
-                <a:effectLst/>
-                <a:latin typeface="Consolas" panose="020B0609020204030204" pitchFamily="49" charset="0"/>
-              </a:rPr>
-              <a:t>print</a:t>
-            </a:r>
-            <a:r>
-              <a:rPr lang="ja-JP" altLang="en-US" b="0" dirty="0">
-                <a:solidFill>
-                  <a:schemeClr val="tx1"/>
-                </a:solidFill>
-                <a:effectLst/>
-                <a:latin typeface="Consolas" panose="020B0609020204030204" pitchFamily="49" charset="0"/>
-              </a:rPr>
-              <a:t>してみよう</a:t>
-            </a:r>
+              <a:t>1.2.</a:t>
+            </a:r>
+            <a:r>
+              <a:rPr kumimoji="1" lang="ja-JP" altLang="en-US" dirty="0"/>
+              <a:t> 練習問題</a:t>
+            </a:r>
+            <a:r>
+              <a:rPr kumimoji="1" lang="en-US" altLang="ja-JP" dirty="0"/>
+              <a:t> </a:t>
+            </a:r>
+          </a:p>
+          <a:p>
+            <a:pPr marL="0" indent="0">
+              <a:buNone/>
+            </a:pPr>
+            <a:endParaRPr lang="ja-JP" altLang="en-US" b="0" dirty="0">
+              <a:solidFill>
+                <a:schemeClr val="tx1"/>
+              </a:solidFill>
+              <a:effectLst/>
+              <a:latin typeface="Consolas" panose="020B0609020204030204" pitchFamily="49" charset="0"/>
+            </a:endParaRPr>
           </a:p>
           <a:p>
             <a:endParaRPr kumimoji="1" lang="ja-JP" altLang="en-US" dirty="0"/>
@@ -37398,7 +37262,7 @@
                 <a:effectLst/>
                 <a:latin typeface="Consolas" panose="020B0609020204030204" pitchFamily="49" charset="0"/>
               </a:rPr>
-              <a:t>前回取り扱った変数にはいくつかの</a:t>
+              <a:t>プログラムにはいくつかの</a:t>
             </a:r>
             <a:r>
               <a:rPr lang="ja-JP" altLang="en-US" b="0" dirty="0">
